--- a/lessons/4_gradient_check/ppt/全连接层的梯度检查.pptx
+++ b/lessons/4_gradient_check/ppt/全连接层的梯度检查.pptx
@@ -5,10 +5,10 @@
     <p:sldMasterId id="2147483648" r:id="rId1"/>
   </p:sldMasterIdLst>
   <p:notesMasterIdLst>
-    <p:notesMasterId r:id="rId29"/>
+    <p:notesMasterId r:id="rId32"/>
   </p:notesMasterIdLst>
   <p:handoutMasterIdLst>
-    <p:handoutMasterId r:id="rId30"/>
+    <p:handoutMasterId r:id="rId33"/>
   </p:handoutMasterIdLst>
   <p:sldIdLst>
     <p:sldId id="307" r:id="rId2"/>
@@ -22,27 +22,30 @@
     <p:sldId id="1056" r:id="rId10"/>
     <p:sldId id="1057" r:id="rId11"/>
     <p:sldId id="1058" r:id="rId12"/>
-    <p:sldId id="1045" r:id="rId13"/>
-    <p:sldId id="1046" r:id="rId14"/>
-    <p:sldId id="1051" r:id="rId15"/>
-    <p:sldId id="1047" r:id="rId16"/>
-    <p:sldId id="1048" r:id="rId17"/>
-    <p:sldId id="1052" r:id="rId18"/>
-    <p:sldId id="1053" r:id="rId19"/>
-    <p:sldId id="1049" r:id="rId20"/>
-    <p:sldId id="1050" r:id="rId21"/>
-    <p:sldId id="537" r:id="rId22"/>
-    <p:sldId id="536" r:id="rId23"/>
-    <p:sldId id="1014" r:id="rId24"/>
-    <p:sldId id="1013" r:id="rId25"/>
-    <p:sldId id="997" r:id="rId26"/>
-    <p:sldId id="998" r:id="rId27"/>
-    <p:sldId id="653" r:id="rId28"/>
+    <p:sldId id="1059" r:id="rId13"/>
+    <p:sldId id="1060" r:id="rId14"/>
+    <p:sldId id="1045" r:id="rId15"/>
+    <p:sldId id="1046" r:id="rId16"/>
+    <p:sldId id="1051" r:id="rId17"/>
+    <p:sldId id="1061" r:id="rId18"/>
+    <p:sldId id="1047" r:id="rId19"/>
+    <p:sldId id="1062" r:id="rId20"/>
+    <p:sldId id="1052" r:id="rId21"/>
+    <p:sldId id="1063" r:id="rId22"/>
+    <p:sldId id="1053" r:id="rId23"/>
+    <p:sldId id="1064" r:id="rId24"/>
+    <p:sldId id="537" r:id="rId25"/>
+    <p:sldId id="536" r:id="rId26"/>
+    <p:sldId id="1014" r:id="rId27"/>
+    <p:sldId id="1013" r:id="rId28"/>
+    <p:sldId id="997" r:id="rId29"/>
+    <p:sldId id="998" r:id="rId30"/>
+    <p:sldId id="653" r:id="rId31"/>
   </p:sldIdLst>
   <p:sldSz cx="12192000" cy="6858000"/>
   <p:notesSz cx="6858000" cy="9144000"/>
   <p:custDataLst>
-    <p:tags r:id="rId31"/>
+    <p:tags r:id="rId34"/>
   </p:custDataLst>
   <p:defaultTextStyle>
     <a:defPPr>
@@ -235,7 +238,7 @@
                 <a:latin typeface="微软雅黑" panose="020B0503020204020204" charset="-122"/>
                 <a:ea typeface="微软雅黑" panose="020B0503020204020204" charset="-122"/>
               </a:rPr>
-              <a:t>2022/11/5</a:t>
+              <a:t>2022/11/6</a:t>
             </a:fld>
             <a:endParaRPr lang="zh-CN" altLang="en-US">
               <a:latin typeface="微软雅黑" panose="020B0503020204020204" charset="-122"/>
@@ -418,7 +421,7 @@
           <a:p>
             <a:fld id="{1AC49D05-6128-4D0D-A32A-06A5E73B386C}" type="datetimeFigureOut">
               <a:rPr lang="zh-CN" altLang="en-US" smtClean="0"/>
-              <a:t>2022/11/5</a:t>
+              <a:t>2022/11/6</a:t>
             </a:fld>
             <a:endParaRPr lang="zh-CN" altLang="en-US"/>
           </a:p>
@@ -1080,7 +1083,7 @@
           <a:p>
             <a:fld id="{9EFD9D74-47D9-4702-A33C-335B63B48DBF}" type="datetimeFigureOut">
               <a:rPr lang="zh-CN" altLang="en-US" smtClean="0"/>
-              <a:t>2022/11/5</a:t>
+              <a:t>2022/11/6</a:t>
             </a:fld>
             <a:endParaRPr lang="zh-CN" altLang="en-US" dirty="0"/>
           </a:p>
@@ -1413,7 +1416,7 @@
           <a:p>
             <a:fld id="{760FBDFE-C587-4B4C-A407-44438C67B59E}" type="datetimeFigureOut">
               <a:rPr lang="zh-CN" altLang="en-US" smtClean="0"/>
-              <a:t>2022/11/5</a:t>
+              <a:t>2022/11/6</a:t>
             </a:fld>
             <a:endParaRPr lang="zh-CN" altLang="en-US"/>
           </a:p>
@@ -1586,7 +1589,7 @@
           <a:p>
             <a:fld id="{9EFD9D74-47D9-4702-A33C-335B63B48DBF}" type="datetimeFigureOut">
               <a:rPr lang="zh-CN" altLang="en-US" smtClean="0"/>
-              <a:t>2022/11/5</a:t>
+              <a:t>2022/11/6</a:t>
             </a:fld>
             <a:endParaRPr lang="zh-CN" altLang="en-US" dirty="0"/>
           </a:p>
@@ -2111,7 +2114,7 @@
           <a:p>
             <a:fld id="{760FBDFE-C587-4B4C-A407-44438C67B59E}" type="datetimeFigureOut">
               <a:rPr lang="zh-CN" altLang="en-US" smtClean="0"/>
-              <a:t>2022/11/5</a:t>
+              <a:t>2022/11/6</a:t>
             </a:fld>
             <a:endParaRPr lang="zh-CN" altLang="en-US"/>
           </a:p>
@@ -2859,7 +2862,7 @@
           <a:p>
             <a:fld id="{760FBDFE-C587-4B4C-A407-44438C67B59E}" type="datetimeFigureOut">
               <a:rPr lang="zh-CN" altLang="en-US" smtClean="0"/>
-              <a:t>2022/11/5</a:t>
+              <a:t>2022/11/6</a:t>
             </a:fld>
             <a:endParaRPr lang="zh-CN" altLang="en-US"/>
           </a:p>
@@ -3025,7 +3028,7 @@
           <a:p>
             <a:fld id="{760FBDFE-C587-4B4C-A407-44438C67B59E}" type="datetimeFigureOut">
               <a:rPr lang="zh-CN" altLang="en-US" smtClean="0"/>
-              <a:t>2022/11/5</a:t>
+              <a:t>2022/11/6</a:t>
             </a:fld>
             <a:endParaRPr lang="zh-CN" altLang="en-US"/>
           </a:p>
@@ -3139,7 +3142,7 @@
           <a:p>
             <a:fld id="{760FBDFE-C587-4B4C-A407-44438C67B59E}" type="datetimeFigureOut">
               <a:rPr lang="zh-CN" altLang="en-US" smtClean="0"/>
-              <a:t>2022/11/5</a:t>
+              <a:t>2022/11/6</a:t>
             </a:fld>
             <a:endParaRPr lang="zh-CN" altLang="en-US"/>
           </a:p>
@@ -3469,7 +3472,7 @@
           <a:p>
             <a:fld id="{9EFD9D74-47D9-4702-A33C-335B63B48DBF}" type="datetimeFigureOut">
               <a:rPr lang="zh-CN" altLang="en-US" smtClean="0"/>
-              <a:t>2022/11/5</a:t>
+              <a:t>2022/11/6</a:t>
             </a:fld>
             <a:endParaRPr lang="zh-CN" altLang="en-US" dirty="0"/>
           </a:p>
@@ -3982,7 +3985,7 @@
           <a:p>
             <a:fld id="{760FBDFE-C587-4B4C-A407-44438C67B59E}" type="datetimeFigureOut">
               <a:rPr lang="zh-CN" altLang="en-US" smtClean="0"/>
-              <a:t>2022/11/5</a:t>
+              <a:t>2022/11/6</a:t>
             </a:fld>
             <a:endParaRPr lang="zh-CN" altLang="en-US"/>
           </a:p>
@@ -4096,7 +4099,7 @@
           <a:p>
             <a:fld id="{760FBDFE-C587-4B4C-A407-44438C67B59E}" type="datetimeFigureOut">
               <a:rPr lang="zh-CN" altLang="en-US" smtClean="0"/>
-              <a:t>2022/11/5</a:t>
+              <a:t>2022/11/6</a:t>
             </a:fld>
             <a:endParaRPr lang="zh-CN" altLang="en-US"/>
           </a:p>
@@ -4384,7 +4387,7 @@
           <a:p>
             <a:fld id="{82F288E0-7875-42C4-84C8-98DBBD3BF4D2}" type="datetimeFigureOut">
               <a:rPr lang="zh-CN" altLang="en-US" smtClean="0"/>
-              <a:t>2022/11/5</a:t>
+              <a:t>2022/11/6</a:t>
             </a:fld>
             <a:endParaRPr lang="zh-CN" altLang="en-US"/>
           </a:p>
@@ -4843,7 +4846,7 @@
           <a:p>
             <a:fld id="{760FBDFE-C587-4B4C-A407-44438C67B59E}" type="datetimeFigureOut">
               <a:rPr lang="zh-CN" altLang="en-US" smtClean="0"/>
-              <a:t>2022/11/5</a:t>
+              <a:t>2022/11/6</a:t>
             </a:fld>
             <a:endParaRPr lang="zh-CN" altLang="en-US"/>
           </a:p>
@@ -5512,7 +5515,7 @@
           <a:p>
             <a:fld id="{9EFD9D74-47D9-4702-A33C-335B63B48DBF}" type="datetimeFigureOut">
               <a:rPr lang="zh-CN" altLang="en-US" smtClean="0"/>
-              <a:t>2022/11/5</a:t>
+              <a:t>2022/11/6</a:t>
             </a:fld>
             <a:endParaRPr lang="zh-CN" altLang="en-US" dirty="0"/>
           </a:p>
@@ -5660,7 +5663,7 @@
           <a:p>
             <a:fld id="{9EFD9D74-47D9-4702-A33C-335B63B48DBF}" type="datetimeFigureOut">
               <a:rPr lang="zh-CN" altLang="en-US" smtClean="0"/>
-              <a:t>2022/11/5</a:t>
+              <a:t>2022/11/6</a:t>
             </a:fld>
             <a:endParaRPr lang="zh-CN" altLang="en-US" dirty="0"/>
           </a:p>
@@ -7388,7 +7391,7 @@
             </a:r>
             <a:r>
               <a:rPr lang="en" altLang="zh-CN" dirty="0"/>
-              <a:t>e-5</a:t>
+              <a:t>e-4</a:t>
             </a:r>
             <a:r>
               <a:rPr lang="zh-CN" altLang="en-US" dirty="0"/>
@@ -7478,6 +7481,42 @@
           </a:p>
         </p:txBody>
       </p:sp>
+      <p:pic>
+        <p:nvPicPr>
+          <p:cNvPr id="2" name="图片 1">
+            <a:extLst>
+              <a:ext uri="{FF2B5EF4-FFF2-40B4-BE49-F238E27FC236}">
+                <a16:creationId xmlns:a16="http://schemas.microsoft.com/office/drawing/2014/main" id="{3FA6BDAC-BABD-0061-F3EE-2D9FCA382121}"/>
+              </a:ext>
+            </a:extLst>
+          </p:cNvPr>
+          <p:cNvPicPr>
+            <a:picLocks noChangeAspect="1"/>
+          </p:cNvPicPr>
+          <p:nvPr/>
+        </p:nvPicPr>
+        <p:blipFill>
+          <a:blip r:embed="rId3">
+            <a:extLst>
+              <a:ext uri="{28A0092B-C50C-407E-A947-70E740481C1C}">
+                <a14:useLocalDpi xmlns:a14="http://schemas.microsoft.com/office/drawing/2010/main" val="0"/>
+              </a:ext>
+            </a:extLst>
+          </a:blip>
+          <a:stretch>
+            <a:fillRect/>
+          </a:stretch>
+        </p:blipFill>
+        <p:spPr>
+          <a:xfrm>
+            <a:off x="7698991" y="1778635"/>
+            <a:ext cx="1778000" cy="508000"/>
+          </a:xfrm>
+          <a:prstGeom prst="rect">
+            <a:avLst/>
+          </a:prstGeom>
+        </p:spPr>
+      </p:pic>
     </p:spTree>
     <p:custDataLst>
       <p:tags r:id="rId1"/>
@@ -7614,7 +7653,7 @@
               <a:rPr lang="zh-CN" altLang="en-US" dirty="0">
                 <a:sym typeface="+mn-ea"/>
               </a:rPr>
-              <a:t>如何对输出层进行梯度检查</a:t>
+              <a:t>梯度检查的思路是什么</a:t>
             </a:r>
             <a:r>
               <a:rPr lang="zh-CN" altLang="en-US" dirty="0"/>
@@ -7629,7 +7668,7 @@
     </p:custDataLst>
     <p:extLst>
       <p:ext uri="{BB962C8B-B14F-4D97-AF65-F5344CB8AC3E}">
-        <p14:creationId xmlns:p14="http://schemas.microsoft.com/office/powerpoint/2010/main" val="750352729"/>
+        <p14:creationId xmlns:p14="http://schemas.microsoft.com/office/powerpoint/2010/main" val="3835540084"/>
       </p:ext>
     </p:extLst>
   </p:cSld>
@@ -7656,67 +7695,6 @@
           <a:chExt cx="0" cy="0"/>
         </a:xfrm>
       </p:grpSpPr>
-      <p:sp>
-        <p:nvSpPr>
-          <p:cNvPr id="2" name="文本占位符 1"/>
-          <p:cNvSpPr>
-            <a:spLocks noGrp="1"/>
-          </p:cNvSpPr>
-          <p:nvPr>
-            <p:ph type="body" idx="1"/>
-          </p:nvPr>
-        </p:nvSpPr>
-        <p:spPr/>
-        <p:txBody>
-          <a:bodyPr/>
-          <a:lstStyle/>
-          <a:p>
-            <a:pPr marL="285750" indent="-285750">
-              <a:buFont typeface="Arial" panose="020B0604020202020204" pitchFamily="34" charset="0"/>
-              <a:buChar char="•"/>
-            </a:pPr>
-            <a:endParaRPr lang="en-US" altLang="zh-CN" dirty="0"/>
-          </a:p>
-          <a:p>
-            <a:pPr marL="285750" indent="-285750">
-              <a:buFont typeface="Arial" panose="020B0604020202020204" pitchFamily="34" charset="0"/>
-              <a:buChar char="•"/>
-            </a:pPr>
-            <a:endParaRPr lang="en-US" altLang="zh-CN" dirty="0"/>
-          </a:p>
-          <a:p>
-            <a:pPr marL="285750" indent="-285750">
-              <a:buFont typeface="Arial" panose="020B0604020202020204" pitchFamily="34" charset="0"/>
-              <a:buChar char="•"/>
-            </a:pPr>
-            <a:endParaRPr lang="en-US" altLang="zh-CN" dirty="0"/>
-          </a:p>
-          <a:p>
-            <a:pPr marL="285750" indent="-285750">
-              <a:buFont typeface="Arial" panose="020B0604020202020204" pitchFamily="34" charset="0"/>
-              <a:buChar char="•"/>
-            </a:pPr>
-            <a:endParaRPr lang="en-US" altLang="zh-CN" dirty="0"/>
-          </a:p>
-          <a:p>
-            <a:pPr marL="285750" indent="-285750">
-              <a:buFont typeface="Arial" panose="020B0604020202020204" pitchFamily="34" charset="0"/>
-              <a:buChar char="•"/>
-            </a:pPr>
-            <a:endParaRPr lang="en-US" altLang="zh-CN" dirty="0"/>
-          </a:p>
-          <a:p>
-            <a:pPr marL="285750" indent="-285750">
-              <a:buFont typeface="Arial" panose="020B0604020202020204" pitchFamily="34" charset="0"/>
-              <a:buChar char="•"/>
-            </a:pPr>
-            <a:endParaRPr lang="en-US" altLang="zh-CN" dirty="0"/>
-          </a:p>
-          <a:p>
-            <a:endParaRPr lang="en-US" altLang="zh-CN" dirty="0"/>
-          </a:p>
-        </p:txBody>
-      </p:sp>
       <p:sp>
         <p:nvSpPr>
           <p:cNvPr id="3" name="标题 2"/>
@@ -7982,9 +7960,39 @@
               <a:buChar char="•"/>
             </a:pPr>
             <a:r>
-              <a:rPr lang="en-US" altLang="zh-CN" dirty="0"/>
-              <a:t>TODO</a:t>
-            </a:r>
+              <a:rPr lang="zh-CN" altLang="en-US" dirty="0"/>
+              <a:t>梯度是否为导数？</a:t>
+            </a:r>
+            <a:endParaRPr lang="en-US" altLang="zh-CN" dirty="0"/>
+          </a:p>
+          <a:p>
+            <a:pPr marL="285750" indent="-285750">
+              <a:buFont typeface="Arial" panose="020B0604020202020204" pitchFamily="34" charset="0"/>
+              <a:buChar char="•"/>
+            </a:pPr>
+            <a:r>
+              <a:rPr lang="zh-CN" altLang="en-US" dirty="0"/>
+              <a:t>如何用导数定义的公式计算梯度？</a:t>
+            </a:r>
+            <a:endParaRPr lang="en-US" altLang="zh-CN" dirty="0"/>
+          </a:p>
+          <a:p>
+            <a:pPr marL="285750" indent="-285750">
+              <a:buFont typeface="Arial" panose="020B0604020202020204" pitchFamily="34" charset="0"/>
+              <a:buChar char="•"/>
+            </a:pPr>
+            <a:r>
+              <a:rPr lang="zh-CN" altLang="en-US" dirty="0"/>
+              <a:t>所以如何检查梯度是否正确？</a:t>
+            </a:r>
+            <a:endParaRPr lang="en-US" altLang="zh-CN" dirty="0"/>
+          </a:p>
+          <a:p>
+            <a:pPr marL="285750" indent="-285750">
+              <a:buFont typeface="Arial" panose="020B0604020202020204" pitchFamily="34" charset="0"/>
+              <a:buChar char="•"/>
+            </a:pPr>
+            <a:endParaRPr lang="en-US" altLang="zh-CN" dirty="0"/>
           </a:p>
           <a:p>
             <a:pPr marL="285750" indent="-285750">
@@ -8068,13 +8076,238 @@
           </a:p>
         </p:txBody>
       </p:sp>
+      <p:pic>
+        <p:nvPicPr>
+          <p:cNvPr id="5" name="图片 4">
+            <a:extLst>
+              <a:ext uri="{FF2B5EF4-FFF2-40B4-BE49-F238E27FC236}">
+                <a16:creationId xmlns:a16="http://schemas.microsoft.com/office/drawing/2014/main" id="{87E70998-9A62-ABF9-182A-D6DA071F087A}"/>
+              </a:ext>
+            </a:extLst>
+          </p:cNvPr>
+          <p:cNvPicPr>
+            <a:picLocks noChangeAspect="1"/>
+          </p:cNvPicPr>
+          <p:nvPr/>
+        </p:nvPicPr>
+        <p:blipFill>
+          <a:blip r:embed="rId3">
+            <a:extLst>
+              <a:ext uri="{28A0092B-C50C-407E-A947-70E740481C1C}">
+                <a14:useLocalDpi xmlns:a14="http://schemas.microsoft.com/office/drawing/2010/main" val="0"/>
+              </a:ext>
+            </a:extLst>
+          </a:blip>
+          <a:stretch>
+            <a:fillRect/>
+          </a:stretch>
+        </p:blipFill>
+        <p:spPr>
+          <a:xfrm>
+            <a:off x="4581281" y="1685865"/>
+            <a:ext cx="825500" cy="774700"/>
+          </a:xfrm>
+          <a:prstGeom prst="rect">
+            <a:avLst/>
+          </a:prstGeom>
+        </p:spPr>
+      </p:pic>
+      <p:sp>
+        <p:nvSpPr>
+          <p:cNvPr id="11" name="文本框 10">
+            <a:extLst>
+              <a:ext uri="{FF2B5EF4-FFF2-40B4-BE49-F238E27FC236}">
+                <a16:creationId xmlns:a16="http://schemas.microsoft.com/office/drawing/2014/main" id="{069A95F0-6D65-2D80-0CC2-47C99580F3D7}"/>
+              </a:ext>
+            </a:extLst>
+          </p:cNvPr>
+          <p:cNvSpPr txBox="1"/>
+          <p:nvPr/>
+        </p:nvSpPr>
+        <p:spPr>
+          <a:xfrm>
+            <a:off x="3649088" y="4969862"/>
+            <a:ext cx="7141934" cy="1200329"/>
+          </a:xfrm>
+          <a:prstGeom prst="rect">
+            <a:avLst/>
+          </a:prstGeom>
+          <a:noFill/>
+        </p:spPr>
+        <p:txBody>
+          <a:bodyPr wrap="square" rtlCol="0">
+            <a:spAutoFit/>
+          </a:bodyPr>
+          <a:lstStyle/>
+          <a:p>
+            <a:r>
+              <a:rPr lang="zh-CN" altLang="en-US" b="0" i="0" dirty="0">
+                <a:solidFill>
+                  <a:srgbClr val="333333"/>
+                </a:solidFill>
+                <a:effectLst/>
+                <a:latin typeface="PingFang SC" panose="020B0400000000000000" pitchFamily="34" charset="-122"/>
+                <a:ea typeface="PingFang SC" panose="020B0400000000000000" pitchFamily="34" charset="-122"/>
+              </a:rPr>
+              <a:t>我们使用导数定义公式来计算的值；</a:t>
+            </a:r>
+            <a:endParaRPr lang="en-US" altLang="zh-CN" b="0" i="0" dirty="0">
+              <a:solidFill>
+                <a:srgbClr val="333333"/>
+              </a:solidFill>
+              <a:effectLst/>
+              <a:latin typeface="PingFang SC" panose="020B0400000000000000" pitchFamily="34" charset="-122"/>
+              <a:ea typeface="PingFang SC" panose="020B0400000000000000" pitchFamily="34" charset="-122"/>
+            </a:endParaRPr>
+          </a:p>
+          <a:p>
+            <a:r>
+              <a:rPr lang="zh-CN" altLang="en-US" b="0" i="0" dirty="0">
+                <a:solidFill>
+                  <a:srgbClr val="333333"/>
+                </a:solidFill>
+                <a:effectLst/>
+                <a:latin typeface="PingFang SC" panose="020B0400000000000000" pitchFamily="34" charset="-122"/>
+                <a:ea typeface="PingFang SC" panose="020B0400000000000000" pitchFamily="34" charset="-122"/>
+              </a:rPr>
+              <a:t>然后同后向传播计算的梯度值进行比较。</a:t>
+            </a:r>
+            <a:endParaRPr lang="en-US" altLang="zh-CN" b="0" i="0" dirty="0">
+              <a:solidFill>
+                <a:srgbClr val="333333"/>
+              </a:solidFill>
+              <a:effectLst/>
+              <a:latin typeface="PingFang SC" panose="020B0400000000000000" pitchFamily="34" charset="-122"/>
+              <a:ea typeface="PingFang SC" panose="020B0400000000000000" pitchFamily="34" charset="-122"/>
+            </a:endParaRPr>
+          </a:p>
+          <a:p>
+            <a:endParaRPr lang="en-US" altLang="zh-CN" b="0" i="0" dirty="0">
+              <a:solidFill>
+                <a:srgbClr val="333333"/>
+              </a:solidFill>
+              <a:effectLst/>
+              <a:latin typeface="PingFang SC" panose="020B0400000000000000" pitchFamily="34" charset="-122"/>
+              <a:ea typeface="PingFang SC" panose="020B0400000000000000" pitchFamily="34" charset="-122"/>
+            </a:endParaRPr>
+          </a:p>
+          <a:p>
+            <a:r>
+              <a:rPr lang="zh-CN" altLang="en-US" b="0" i="0" dirty="0">
+                <a:solidFill>
+                  <a:srgbClr val="333333"/>
+                </a:solidFill>
+                <a:effectLst/>
+                <a:latin typeface="PingFang SC" panose="020B0400000000000000" pitchFamily="34" charset="-122"/>
+                <a:ea typeface="PingFang SC" panose="020B0400000000000000" pitchFamily="34" charset="-122"/>
+              </a:rPr>
+              <a:t>如果两者的误差小于</a:t>
+            </a:r>
+            <a:r>
+              <a:rPr lang="en-US" altLang="zh-CN" b="0" i="0" dirty="0">
+                <a:solidFill>
+                  <a:srgbClr val="333333"/>
+                </a:solidFill>
+                <a:effectLst/>
+                <a:latin typeface="PingFang SC" panose="020B0400000000000000" pitchFamily="34" charset="-122"/>
+                <a:ea typeface="PingFang SC" panose="020B0400000000000000" pitchFamily="34" charset="-122"/>
+              </a:rPr>
+              <a:t>1e-4</a:t>
+            </a:r>
+            <a:r>
+              <a:rPr lang="zh-CN" altLang="en-US" b="0" i="0" dirty="0">
+                <a:solidFill>
+                  <a:srgbClr val="333333"/>
+                </a:solidFill>
+                <a:effectLst/>
+                <a:latin typeface="PingFang SC" panose="020B0400000000000000" pitchFamily="34" charset="-122"/>
+                <a:ea typeface="PingFang SC" panose="020B0400000000000000" pitchFamily="34" charset="-122"/>
+              </a:rPr>
+              <a:t>，那么就说明后向传播的代码是正确的。</a:t>
+            </a:r>
+            <a:endParaRPr kumimoji="1" lang="zh-CN" altLang="en-US" dirty="0"/>
+          </a:p>
+        </p:txBody>
+      </p:sp>
+      <p:pic>
+        <p:nvPicPr>
+          <p:cNvPr id="12" name="图片 11">
+            <a:extLst>
+              <a:ext uri="{FF2B5EF4-FFF2-40B4-BE49-F238E27FC236}">
+                <a16:creationId xmlns:a16="http://schemas.microsoft.com/office/drawing/2014/main" id="{6C726B10-0C9C-3A91-CCE7-6A7FC561E26E}"/>
+              </a:ext>
+            </a:extLst>
+          </p:cNvPr>
+          <p:cNvPicPr>
+            <a:picLocks noChangeAspect="1"/>
+          </p:cNvPicPr>
+          <p:nvPr/>
+        </p:nvPicPr>
+        <p:blipFill>
+          <a:blip r:embed="rId4">
+            <a:extLst>
+              <a:ext uri="{28A0092B-C50C-407E-A947-70E740481C1C}">
+                <a14:useLocalDpi xmlns:a14="http://schemas.microsoft.com/office/drawing/2010/main" val="0"/>
+              </a:ext>
+            </a:extLst>
+          </a:blip>
+          <a:stretch>
+            <a:fillRect/>
+          </a:stretch>
+        </p:blipFill>
+        <p:spPr>
+          <a:xfrm>
+            <a:off x="6978372" y="2019308"/>
+            <a:ext cx="3492500" cy="685800"/>
+          </a:xfrm>
+          <a:prstGeom prst="rect">
+            <a:avLst/>
+          </a:prstGeom>
+        </p:spPr>
+      </p:pic>
+      <p:pic>
+        <p:nvPicPr>
+          <p:cNvPr id="13" name="图片 12">
+            <a:extLst>
+              <a:ext uri="{FF2B5EF4-FFF2-40B4-BE49-F238E27FC236}">
+                <a16:creationId xmlns:a16="http://schemas.microsoft.com/office/drawing/2014/main" id="{6A463681-D002-97CA-86E6-3274768368B8}"/>
+              </a:ext>
+            </a:extLst>
+          </p:cNvPr>
+          <p:cNvPicPr>
+            <a:picLocks noChangeAspect="1"/>
+          </p:cNvPicPr>
+          <p:nvPr/>
+        </p:nvPicPr>
+        <p:blipFill>
+          <a:blip r:embed="rId5">
+            <a:extLst>
+              <a:ext uri="{28A0092B-C50C-407E-A947-70E740481C1C}">
+                <a14:useLocalDpi xmlns:a14="http://schemas.microsoft.com/office/drawing/2010/main" val="0"/>
+              </a:ext>
+            </a:extLst>
+          </a:blip>
+          <a:stretch>
+            <a:fillRect/>
+          </a:stretch>
+        </p:blipFill>
+        <p:spPr>
+          <a:xfrm>
+            <a:off x="5968720" y="2898059"/>
+            <a:ext cx="5122845" cy="1801575"/>
+          </a:xfrm>
+          <a:prstGeom prst="rect">
+            <a:avLst/>
+          </a:prstGeom>
+        </p:spPr>
+      </p:pic>
     </p:spTree>
     <p:custDataLst>
       <p:tags r:id="rId1"/>
     </p:custDataLst>
     <p:extLst>
       <p:ext uri="{BB962C8B-B14F-4D97-AF65-F5344CB8AC3E}">
-        <p14:creationId xmlns:p14="http://schemas.microsoft.com/office/powerpoint/2010/main" val="1462724034"/>
+        <p14:creationId xmlns:p14="http://schemas.microsoft.com/office/powerpoint/2010/main" val="2254005285"/>
       </p:ext>
     </p:extLst>
   </p:cSld>
@@ -8195,24 +8428,21 @@
           <a:lstStyle/>
           <a:p>
             <a:r>
+              <a:rPr dirty="0">
+                <a:sym typeface="+mn-ea"/>
+              </a:rPr>
+              <a:t>主问题：</a:t>
+            </a:r>
+            <a:r>
               <a:rPr lang="zh-CN" altLang="en-US" dirty="0">
                 <a:sym typeface="+mn-ea"/>
               </a:rPr>
-              <a:t>任务</a:t>
-            </a:r>
-            <a:r>
-              <a:rPr dirty="0">
-                <a:sym typeface="+mn-ea"/>
-              </a:rPr>
-              <a:t>：</a:t>
-            </a:r>
-            <a:r>
-              <a:rPr lang="zh-CN" altLang="en-US" dirty="0">
-                <a:sym typeface="+mn-ea"/>
-              </a:rPr>
-              <a:t>实现输出层的梯度检查</a:t>
-            </a:r>
-            <a:endParaRPr lang="zh-CN" altLang="en-US" dirty="0"/>
+              <a:t>如何对输出层进行梯度检查</a:t>
+            </a:r>
+            <a:r>
+              <a:rPr lang="zh-CN" altLang="en-US" dirty="0"/>
+              <a:t>？</a:t>
+            </a:r>
           </a:p>
         </p:txBody>
       </p:sp>
@@ -8222,7 +8452,7 @@
     </p:custDataLst>
     <p:extLst>
       <p:ext uri="{BB962C8B-B14F-4D97-AF65-F5344CB8AC3E}">
-        <p14:creationId xmlns:p14="http://schemas.microsoft.com/office/powerpoint/2010/main" val="3364006809"/>
+        <p14:creationId xmlns:p14="http://schemas.microsoft.com/office/powerpoint/2010/main" val="750352729"/>
       </p:ext>
     </p:extLst>
   </p:cSld>
@@ -8233,67 +8463,6 @@
 </file>
 
 <file path=ppt/slides/slide15.xml><?xml version="1.0" encoding="utf-8"?>
-<p:sld xmlns:a="http://schemas.openxmlformats.org/drawingml/2006/main" xmlns:r="http://schemas.openxmlformats.org/officeDocument/2006/relationships" xmlns:p="http://schemas.openxmlformats.org/presentationml/2006/main">
-  <p:cSld>
-    <p:spTree>
-      <p:nvGrpSpPr>
-        <p:cNvPr id="1" name=""/>
-        <p:cNvGrpSpPr/>
-        <p:nvPr/>
-      </p:nvGrpSpPr>
-      <p:grpSpPr>
-        <a:xfrm>
-          <a:off x="0" y="0"/>
-          <a:ext cx="0" cy="0"/>
-          <a:chOff x="0" y="0"/>
-          <a:chExt cx="0" cy="0"/>
-        </a:xfrm>
-      </p:grpSpPr>
-      <p:sp>
-        <p:nvSpPr>
-          <p:cNvPr id="2" name="标题 1"/>
-          <p:cNvSpPr>
-            <a:spLocks noGrp="1"/>
-          </p:cNvSpPr>
-          <p:nvPr>
-            <p:ph type="title"/>
-          </p:nvPr>
-        </p:nvSpPr>
-        <p:spPr/>
-        <p:txBody>
-          <a:bodyPr/>
-          <a:lstStyle/>
-          <a:p>
-            <a:r>
-              <a:rPr lang="zh-CN" altLang="en-US" dirty="0">
-                <a:sym typeface="+mn-ea"/>
-              </a:rPr>
-              <a:t>主问题：如何对隐藏层进行梯度检查</a:t>
-            </a:r>
-            <a:r>
-              <a:rPr lang="zh-CN" altLang="en-US" dirty="0"/>
-              <a:t>？</a:t>
-            </a:r>
-          </a:p>
-        </p:txBody>
-      </p:sp>
-    </p:spTree>
-    <p:custDataLst>
-      <p:tags r:id="rId1"/>
-    </p:custDataLst>
-    <p:extLst>
-      <p:ext uri="{BB962C8B-B14F-4D97-AF65-F5344CB8AC3E}">
-        <p14:creationId xmlns:p14="http://schemas.microsoft.com/office/powerpoint/2010/main" val="3245218580"/>
-      </p:ext>
-    </p:extLst>
-  </p:cSld>
-  <p:clrMapOvr>
-    <a:masterClrMapping/>
-  </p:clrMapOvr>
-</p:sld>
-</file>
-
-<file path=ppt/slides/slide16.xml><?xml version="1.0" encoding="utf-8"?>
 <p:sld xmlns:a="http://schemas.openxmlformats.org/drawingml/2006/main" xmlns:r="http://schemas.openxmlformats.org/officeDocument/2006/relationships" xmlns:p="http://schemas.openxmlformats.org/presentationml/2006/main">
   <p:cSld>
     <p:spTree>
@@ -8390,7 +8559,7 @@
               <a:rPr lang="zh-CN" altLang="en-US" dirty="0">
                 <a:sym typeface="+mn-ea"/>
               </a:rPr>
-              <a:t>主问题：梯度检查的思路是什么</a:t>
+              <a:t>主问题：如何对输出层进行梯度检查</a:t>
             </a:r>
             <a:r>
               <a:rPr lang="zh-CN" altLang="en-US" dirty="0"/>
@@ -8636,15 +8805,28 @@
               <a:buChar char="•"/>
             </a:pPr>
             <a:r>
+              <a:rPr lang="zh-CN" altLang="en-US" dirty="0"/>
+              <a:t>对输出层进行梯度检查的步骤是什么？</a:t>
+            </a:r>
+            <a:endParaRPr lang="en-US" altLang="zh-CN" dirty="0"/>
+          </a:p>
+          <a:p>
+            <a:pPr marL="285750" indent="-285750">
+              <a:buFont typeface="Arial" panose="020B0604020202020204" pitchFamily="34" charset="0"/>
+              <a:buChar char="•"/>
+            </a:pPr>
+            <a:r>
+              <a:rPr lang="zh-CN" altLang="en-US" dirty="0"/>
+              <a:t>在通过后向传播计算梯度时，</a:t>
+            </a:r>
+            <a:r>
               <a:rPr lang="en-US" altLang="zh-CN" dirty="0"/>
-              <a:t>TODO</a:t>
-            </a:r>
-          </a:p>
-          <a:p>
-            <a:pPr marL="285750" indent="-285750">
-              <a:buFont typeface="Arial" panose="020B0604020202020204" pitchFamily="34" charset="0"/>
-              <a:buChar char="•"/>
-            </a:pPr>
+              <a:t>n</a:t>
+            </a:r>
+            <a:r>
+              <a:rPr lang="zh-CN" altLang="en-US" dirty="0"/>
+              <a:t>是多少？</a:t>
+            </a:r>
             <a:endParaRPr lang="en-US" altLang="zh-CN" dirty="0"/>
           </a:p>
           <a:p>
@@ -8652,9 +8834,58 @@
               <a:buFont typeface="Arial" panose="020B0604020202020204" pitchFamily="34" charset="0"/>
               <a:buChar char="•"/>
             </a:pPr>
+            <a:endParaRPr lang="en-US" altLang="zh-CN" dirty="0"/>
+          </a:p>
+          <a:p>
+            <a:pPr marL="285750" indent="-285750">
+              <a:buFont typeface="Arial" panose="020B0604020202020204" pitchFamily="34" charset="0"/>
+              <a:buChar char="•"/>
+            </a:pPr>
+            <a:endParaRPr lang="en-US" altLang="zh-CN" dirty="0"/>
+          </a:p>
+          <a:p>
+            <a:pPr marL="285750" indent="-285750">
+              <a:buFont typeface="Arial" panose="020B0604020202020204" pitchFamily="34" charset="0"/>
+              <a:buChar char="•"/>
+            </a:pPr>
+            <a:endParaRPr lang="en-US" altLang="zh-CN" dirty="0"/>
+          </a:p>
+          <a:p>
+            <a:pPr marL="285750" indent="-285750">
+              <a:buFont typeface="Arial" panose="020B0604020202020204" pitchFamily="34" charset="0"/>
+              <a:buChar char="•"/>
+            </a:pPr>
+            <a:endParaRPr lang="en-US" altLang="zh-CN" dirty="0"/>
+          </a:p>
+          <a:p>
+            <a:pPr marL="285750" indent="-285750">
+              <a:buFont typeface="Arial" panose="020B0604020202020204" pitchFamily="34" charset="0"/>
+              <a:buChar char="•"/>
+            </a:pPr>
+            <a:endParaRPr lang="en-US" altLang="zh-CN" dirty="0"/>
+          </a:p>
+          <a:p>
+            <a:pPr marL="285750" indent="-285750">
+              <a:buFont typeface="Arial" panose="020B0604020202020204" pitchFamily="34" charset="0"/>
+              <a:buChar char="•"/>
+            </a:pPr>
+            <a:endParaRPr lang="en-US" altLang="zh-CN" dirty="0"/>
+          </a:p>
+          <a:p>
+            <a:pPr marL="285750" indent="-285750">
+              <a:buFont typeface="Arial" panose="020B0604020202020204" pitchFamily="34" charset="0"/>
+              <a:buChar char="•"/>
+            </a:pPr>
+            <a:endParaRPr lang="en-US" altLang="zh-CN" dirty="0"/>
+          </a:p>
+          <a:p>
+            <a:pPr marL="285750" indent="-285750">
+              <a:buFont typeface="Arial" panose="020B0604020202020204" pitchFamily="34" charset="0"/>
+              <a:buChar char="•"/>
+            </a:pPr>
             <a:r>
               <a:rPr lang="zh-CN" altLang="en-US" dirty="0"/>
-              <a:t>自学、展学</a:t>
+              <a:t>自学、互学、展学</a:t>
             </a:r>
           </a:p>
           <a:p>
@@ -8722,13 +8953,977 @@
           </a:p>
         </p:txBody>
       </p:sp>
+      <mc:AlternateContent xmlns:mc="http://schemas.openxmlformats.org/markup-compatibility/2006">
+        <mc:Choice xmlns:a14="http://schemas.microsoft.com/office/drawing/2010/main" Requires="a14">
+          <p:sp>
+            <p:nvSpPr>
+              <p:cNvPr id="7" name="文本框 6">
+                <a:extLst>
+                  <a:ext uri="{FF2B5EF4-FFF2-40B4-BE49-F238E27FC236}">
+                    <a16:creationId xmlns:a16="http://schemas.microsoft.com/office/drawing/2014/main" id="{7AA7B2B5-D256-E3DC-10EF-0AA544BFF924}"/>
+                  </a:ext>
+                </a:extLst>
+              </p:cNvPr>
+              <p:cNvSpPr txBox="1"/>
+              <p:nvPr/>
+            </p:nvSpPr>
+            <p:spPr>
+              <a:xfrm>
+                <a:off x="540971" y="3968567"/>
+                <a:ext cx="11031418" cy="1524969"/>
+              </a:xfrm>
+              <a:prstGeom prst="rect">
+                <a:avLst/>
+              </a:prstGeom>
+              <a:noFill/>
+            </p:spPr>
+            <p:txBody>
+              <a:bodyPr wrap="none" rtlCol="0">
+                <a:spAutoFit/>
+              </a:bodyPr>
+              <a:lstStyle/>
+              <a:p>
+                <a:pPr algn="l"/>
+                <a:r>
+                  <a:rPr lang="en-US" altLang="zh-CN" b="0" i="0" dirty="0">
+                    <a:solidFill>
+                      <a:srgbClr val="333333"/>
+                    </a:solidFill>
+                    <a:effectLst/>
+                    <a:latin typeface="PingFang SC" panose="020B0400000000000000" pitchFamily="34" charset="-122"/>
+                    <a:ea typeface="PingFang SC" panose="020B0400000000000000" pitchFamily="34" charset="-122"/>
+                  </a:rPr>
+                  <a:t>1</a:t>
+                </a:r>
+                <a:r>
+                  <a:rPr lang="zh-CN" altLang="en-US" b="0" i="0" dirty="0">
+                    <a:solidFill>
+                      <a:srgbClr val="333333"/>
+                    </a:solidFill>
+                    <a:effectLst/>
+                    <a:latin typeface="PingFang SC" panose="020B0400000000000000" pitchFamily="34" charset="-122"/>
+                    <a:ea typeface="PingFang SC" panose="020B0400000000000000" pitchFamily="34" charset="-122"/>
+                  </a:rPr>
+                  <a:t>、使用一个样本</a:t>
+                </a:r>
+                <a:r>
+                  <a:rPr lang="en" altLang="zh-CN" b="0" i="0" dirty="0">
+                    <a:solidFill>
+                      <a:srgbClr val="333333"/>
+                    </a:solidFill>
+                    <a:effectLst/>
+                    <a:latin typeface="PingFang SC" panose="020B0400000000000000" pitchFamily="34" charset="-122"/>
+                    <a:ea typeface="PingFang SC" panose="020B0400000000000000" pitchFamily="34" charset="-122"/>
+                  </a:rPr>
+                  <a:t>d</a:t>
+                </a:r>
+                <a:r>
+                  <a:rPr lang="zh-CN" altLang="en-US" dirty="0">
+                    <a:solidFill>
+                      <a:srgbClr val="333333"/>
+                    </a:solidFill>
+                    <a:latin typeface="PingFang SC" panose="020B0400000000000000" pitchFamily="34" charset="-122"/>
+                    <a:ea typeface="PingFang SC" panose="020B0400000000000000" pitchFamily="34" charset="-122"/>
+                  </a:rPr>
+                  <a:t>进行前向传播和后向传播</a:t>
+                </a:r>
+                <a:r>
+                  <a:rPr lang="zh-CN" altLang="en-US" b="0" i="0" dirty="0">
+                    <a:solidFill>
+                      <a:srgbClr val="333333"/>
+                    </a:solidFill>
+                    <a:effectLst/>
+                    <a:latin typeface="PingFang SC" panose="020B0400000000000000" pitchFamily="34" charset="-122"/>
+                    <a:ea typeface="PingFang SC" panose="020B0400000000000000" pitchFamily="34" charset="-122"/>
+                  </a:rPr>
+                  <a:t>，这样就能得到输出层的一个神经元</a:t>
+                </a:r>
+                <a:r>
+                  <a:rPr lang="en-US" altLang="zh-CN" b="0" i="0" dirty="0">
+                    <a:solidFill>
+                      <a:srgbClr val="333333"/>
+                    </a:solidFill>
+                    <a:effectLst/>
+                    <a:latin typeface="PingFang SC" panose="020B0400000000000000" pitchFamily="34" charset="-122"/>
+                    <a:ea typeface="PingFang SC" panose="020B0400000000000000" pitchFamily="34" charset="-122"/>
+                  </a:rPr>
+                  <a:t>k</a:t>
+                </a:r>
+                <a:r>
+                  <a:rPr lang="zh-CN" altLang="en-US" b="0" i="0" dirty="0">
+                    <a:solidFill>
+                      <a:srgbClr val="333333"/>
+                    </a:solidFill>
+                    <a:effectLst/>
+                    <a:latin typeface="PingFang SC" panose="020B0400000000000000" pitchFamily="34" charset="-122"/>
+                    <a:ea typeface="PingFang SC" panose="020B0400000000000000" pitchFamily="34" charset="-122"/>
+                  </a:rPr>
+                  <a:t>的</a:t>
+                </a:r>
+                <a:r>
+                  <a:rPr lang="zh-CN" altLang="en-US" dirty="0">
+                    <a:solidFill>
+                      <a:srgbClr val="333333"/>
+                    </a:solidFill>
+                    <a:latin typeface="PingFang SC" panose="020B0400000000000000" pitchFamily="34" charset="-122"/>
+                    <a:ea typeface="PingFang SC" panose="020B0400000000000000" pitchFamily="34" charset="-122"/>
+                  </a:rPr>
+                  <a:t>梯度</a:t>
+                </a:r>
+                <a:endParaRPr lang="zh-CN" altLang="en-US" b="0" i="0" dirty="0">
+                  <a:solidFill>
+                    <a:srgbClr val="333333"/>
+                  </a:solidFill>
+                  <a:effectLst/>
+                  <a:latin typeface="PingFang SC" panose="020B0400000000000000" pitchFamily="34" charset="-122"/>
+                  <a:ea typeface="PingFang SC" panose="020B0400000000000000" pitchFamily="34" charset="-122"/>
+                </a:endParaRPr>
+              </a:p>
+              <a:p>
+                <a:pPr algn="l"/>
+                <a:r>
+                  <a:rPr lang="en-US" altLang="zh-CN" b="0" i="0" dirty="0">
+                    <a:solidFill>
+                      <a:srgbClr val="333333"/>
+                    </a:solidFill>
+                    <a:effectLst/>
+                    <a:latin typeface="PingFang SC" panose="020B0400000000000000" pitchFamily="34" charset="-122"/>
+                    <a:ea typeface="PingFang SC" panose="020B0400000000000000" pitchFamily="34" charset="-122"/>
+                  </a:rPr>
+                  <a:t>2</a:t>
+                </a:r>
+                <a:r>
+                  <a:rPr lang="zh-CN" altLang="en-US" b="0" i="0" dirty="0">
+                    <a:solidFill>
+                      <a:srgbClr val="333333"/>
+                    </a:solidFill>
+                    <a:effectLst/>
+                    <a:latin typeface="PingFang SC" panose="020B0400000000000000" pitchFamily="34" charset="-122"/>
+                    <a:ea typeface="PingFang SC" panose="020B0400000000000000" pitchFamily="34" charset="-122"/>
+                  </a:rPr>
+                  <a:t>、将神经元</a:t>
+                </a:r>
+                <a:r>
+                  <a:rPr lang="en-US" altLang="zh-CN" b="0" i="0" dirty="0">
+                    <a:solidFill>
+                      <a:srgbClr val="333333"/>
+                    </a:solidFill>
+                    <a:effectLst/>
+                    <a:latin typeface="PingFang SC" panose="020B0400000000000000" pitchFamily="34" charset="-122"/>
+                    <a:ea typeface="PingFang SC" panose="020B0400000000000000" pitchFamily="34" charset="-122"/>
+                  </a:rPr>
+                  <a:t>k</a:t>
+                </a:r>
+                <a:r>
+                  <a:rPr lang="zh-CN" altLang="en-US" b="0" i="0" dirty="0">
+                    <a:solidFill>
+                      <a:srgbClr val="333333"/>
+                    </a:solidFill>
+                    <a:effectLst/>
+                    <a:latin typeface="PingFang SC" panose="020B0400000000000000" pitchFamily="34" charset="-122"/>
+                    <a:ea typeface="PingFang SC" panose="020B0400000000000000" pitchFamily="34" charset="-122"/>
+                  </a:rPr>
+                  <a:t>的一个权重值</a:t>
+                </a:r>
+                <a14:m>
+                  <m:oMath xmlns:m="http://schemas.openxmlformats.org/officeDocument/2006/math">
+                    <m:sSub>
+                      <m:sSubPr>
+                        <m:ctrlPr>
+                          <a:rPr lang="en-US" altLang="zh-CN" b="0" i="1" smtClean="0">
+                            <a:solidFill>
+                              <a:srgbClr val="333333"/>
+                            </a:solidFill>
+                            <a:effectLst/>
+                            <a:latin typeface="Cambria Math" panose="02040503050406030204" pitchFamily="18" charset="0"/>
+                            <a:ea typeface="PingFang SC" panose="020B0400000000000000" pitchFamily="34" charset="-122"/>
+                          </a:rPr>
+                        </m:ctrlPr>
+                      </m:sSubPr>
+                      <m:e>
+                        <m:r>
+                          <a:rPr lang="en-US" altLang="zh-CN" b="0" i="1" smtClean="0">
+                            <a:solidFill>
+                              <a:srgbClr val="333333"/>
+                            </a:solidFill>
+                            <a:effectLst/>
+                            <a:latin typeface="Cambria Math" panose="02040503050406030204" pitchFamily="18" charset="0"/>
+                            <a:ea typeface="PingFang SC" panose="020B0400000000000000" pitchFamily="34" charset="-122"/>
+                          </a:rPr>
+                          <m:t>𝑤</m:t>
+                        </m:r>
+                      </m:e>
+                      <m:sub>
+                        <m:r>
+                          <a:rPr lang="en-US" altLang="zh-CN" b="0" i="1" smtClean="0">
+                            <a:solidFill>
+                              <a:srgbClr val="333333"/>
+                            </a:solidFill>
+                            <a:effectLst/>
+                            <a:latin typeface="Cambria Math" panose="02040503050406030204" pitchFamily="18" charset="0"/>
+                            <a:ea typeface="PingFang SC" panose="020B0400000000000000" pitchFamily="34" charset="-122"/>
+                          </a:rPr>
+                          <m:t>𝑗𝑖</m:t>
+                        </m:r>
+                      </m:sub>
+                    </m:sSub>
+                  </m:oMath>
+                </a14:m>
+                <a:r>
+                  <a:rPr lang="zh-CN" altLang="en-US" b="0" i="0" dirty="0">
+                    <a:solidFill>
+                      <a:srgbClr val="333333"/>
+                    </a:solidFill>
+                    <a:effectLst/>
+                    <a:latin typeface="PingFang SC" panose="020B0400000000000000" pitchFamily="34" charset="-122"/>
+                    <a:ea typeface="PingFang SC" panose="020B0400000000000000" pitchFamily="34" charset="-122"/>
+                  </a:rPr>
+                  <a:t>加上一个很小的值</a:t>
+                </a:r>
+                <a14:m>
+                  <m:oMath xmlns:m="http://schemas.openxmlformats.org/officeDocument/2006/math">
+                    <m:r>
+                      <a:rPr lang="zh-CN" altLang="en-US" b="0" i="1" smtClean="0">
+                        <a:solidFill>
+                          <a:srgbClr val="333333"/>
+                        </a:solidFill>
+                        <a:effectLst/>
+                        <a:latin typeface="Cambria Math" panose="02040503050406030204" pitchFamily="18" charset="0"/>
+                        <a:ea typeface="PingFang SC" panose="020B0400000000000000" pitchFamily="34" charset="-122"/>
+                      </a:rPr>
+                      <m:t>𝜀</m:t>
+                    </m:r>
+                  </m:oMath>
+                </a14:m>
+                <a:r>
+                  <a:rPr lang="en-US" altLang="zh-CN" b="0" i="0" dirty="0">
+                    <a:solidFill>
+                      <a:srgbClr val="333333"/>
+                    </a:solidFill>
+                    <a:effectLst/>
+                    <a:latin typeface="PingFang SC" panose="020B0400000000000000" pitchFamily="34" charset="-122"/>
+                    <a:ea typeface="PingFang SC" panose="020B0400000000000000" pitchFamily="34" charset="-122"/>
+                  </a:rPr>
+                  <a:t>(</a:t>
+                </a:r>
+                <a:r>
+                  <a:rPr lang="en-US" altLang="zh-CN" b="0" i="0" dirty="0">
+                    <a:solidFill>
+                      <a:srgbClr val="333333"/>
+                    </a:solidFill>
+                    <a:effectLst/>
+                    <a:latin typeface="MJXc-TeX-main-R"/>
+                    <a:ea typeface="PingFang SC" panose="020B0400000000000000" pitchFamily="34" charset="-122"/>
+                  </a:rPr>
+                  <a:t>1e-4</a:t>
+                </a:r>
+                <a:r>
+                  <a:rPr lang="zh-CN" altLang="en-US" b="0" i="0" dirty="0">
+                    <a:solidFill>
+                      <a:srgbClr val="333333"/>
+                    </a:solidFill>
+                    <a:effectLst/>
+                    <a:latin typeface="PingFang SC" panose="020B0400000000000000" pitchFamily="34" charset="-122"/>
+                    <a:ea typeface="PingFang SC" panose="020B0400000000000000" pitchFamily="34" charset="-122"/>
+                  </a:rPr>
+                  <a:t> ），重新计算神经网络在这个样本</a:t>
+                </a:r>
+                <a:r>
+                  <a:rPr lang="en" altLang="zh-CN" b="0" i="0" dirty="0">
+                    <a:solidFill>
+                      <a:srgbClr val="333333"/>
+                    </a:solidFill>
+                    <a:effectLst/>
+                    <a:latin typeface="PingFang SC" panose="020B0400000000000000" pitchFamily="34" charset="-122"/>
+                    <a:ea typeface="PingFang SC" panose="020B0400000000000000" pitchFamily="34" charset="-122"/>
+                  </a:rPr>
+                  <a:t>d</a:t>
+                </a:r>
+                <a:r>
+                  <a:rPr lang="zh-CN" altLang="en-US" b="0" i="0" dirty="0">
+                    <a:solidFill>
+                      <a:srgbClr val="333333"/>
+                    </a:solidFill>
+                    <a:effectLst/>
+                    <a:latin typeface="PingFang SC" panose="020B0400000000000000" pitchFamily="34" charset="-122"/>
+                    <a:ea typeface="PingFang SC" panose="020B0400000000000000" pitchFamily="34" charset="-122"/>
+                  </a:rPr>
+                  <a:t>的</a:t>
+                </a:r>
+                <a:r>
+                  <a:rPr lang="en" altLang="zh-CN" b="0" i="0" dirty="0">
+                    <a:solidFill>
+                      <a:srgbClr val="333333"/>
+                    </a:solidFill>
+                    <a:effectLst/>
+                    <a:latin typeface="PingFang SC" panose="020B0400000000000000" pitchFamily="34" charset="-122"/>
+                    <a:ea typeface="PingFang SC" panose="020B0400000000000000" pitchFamily="34" charset="-122"/>
+                  </a:rPr>
+                  <a:t>E</a:t>
+                </a:r>
+                <a:r>
+                  <a:rPr lang="zh-CN" altLang="en-US" b="0" i="0" dirty="0">
+                    <a:solidFill>
+                      <a:srgbClr val="333333"/>
+                    </a:solidFill>
+                    <a:effectLst/>
+                    <a:latin typeface="PingFang SC" panose="020B0400000000000000" pitchFamily="34" charset="-122"/>
+                    <a:ea typeface="PingFang SC" panose="020B0400000000000000" pitchFamily="34" charset="-122"/>
+                  </a:rPr>
+                  <a:t>：</a:t>
+                </a:r>
+                <a14:m>
+                  <m:oMath xmlns:m="http://schemas.openxmlformats.org/officeDocument/2006/math">
+                    <m:r>
+                      <m:rPr>
+                        <m:sty m:val="p"/>
+                      </m:rPr>
+                      <a:rPr lang="en-US" altLang="zh-CN" b="0" i="0" smtClean="0">
+                        <a:solidFill>
+                          <a:srgbClr val="333333"/>
+                        </a:solidFill>
+                        <a:effectLst/>
+                        <a:latin typeface="Cambria Math" panose="02040503050406030204" pitchFamily="18" charset="0"/>
+                        <a:ea typeface="PingFang SC" panose="020B0400000000000000" pitchFamily="34" charset="-122"/>
+                      </a:rPr>
+                      <m:t>E</m:t>
+                    </m:r>
+                    <m:r>
+                      <a:rPr lang="en-US" altLang="zh-CN" b="0" i="1" smtClean="0">
+                        <a:solidFill>
+                          <a:srgbClr val="333333"/>
+                        </a:solidFill>
+                        <a:effectLst/>
+                        <a:latin typeface="Cambria Math" panose="02040503050406030204" pitchFamily="18" charset="0"/>
+                        <a:ea typeface="PingFang SC" panose="020B0400000000000000" pitchFamily="34" charset="-122"/>
+                      </a:rPr>
+                      <m:t>(</m:t>
+                    </m:r>
+                    <m:sSub>
+                      <m:sSubPr>
+                        <m:ctrlPr>
+                          <a:rPr lang="en-US" altLang="zh-CN" b="0" i="1" smtClean="0">
+                            <a:solidFill>
+                              <a:srgbClr val="333333"/>
+                            </a:solidFill>
+                            <a:effectLst/>
+                            <a:latin typeface="Cambria Math" panose="02040503050406030204" pitchFamily="18" charset="0"/>
+                            <a:ea typeface="PingFang SC" panose="020B0400000000000000" pitchFamily="34" charset="-122"/>
+                          </a:rPr>
+                        </m:ctrlPr>
+                      </m:sSubPr>
+                      <m:e>
+                        <m:r>
+                          <a:rPr lang="en-US" altLang="zh-CN" b="0" i="1" smtClean="0">
+                            <a:solidFill>
+                              <a:srgbClr val="333333"/>
+                            </a:solidFill>
+                            <a:effectLst/>
+                            <a:latin typeface="Cambria Math" panose="02040503050406030204" pitchFamily="18" charset="0"/>
+                            <a:ea typeface="PingFang SC" panose="020B0400000000000000" pitchFamily="34" charset="-122"/>
+                          </a:rPr>
+                          <m:t>𝑤</m:t>
+                        </m:r>
+                      </m:e>
+                      <m:sub>
+                        <m:r>
+                          <a:rPr lang="en-US" altLang="zh-CN" b="0" i="1" smtClean="0">
+                            <a:solidFill>
+                              <a:srgbClr val="333333"/>
+                            </a:solidFill>
+                            <a:effectLst/>
+                            <a:latin typeface="Cambria Math" panose="02040503050406030204" pitchFamily="18" charset="0"/>
+                            <a:ea typeface="PingFang SC" panose="020B0400000000000000" pitchFamily="34" charset="-122"/>
+                          </a:rPr>
+                          <m:t>𝑗𝑖</m:t>
+                        </m:r>
+                      </m:sub>
+                    </m:sSub>
+                    <m:r>
+                      <a:rPr lang="en-US" altLang="zh-CN" b="0" i="1" smtClean="0">
+                        <a:solidFill>
+                          <a:srgbClr val="333333"/>
+                        </a:solidFill>
+                        <a:effectLst/>
+                        <a:latin typeface="Cambria Math" panose="02040503050406030204" pitchFamily="18" charset="0"/>
+                        <a:ea typeface="PingFang SC" panose="020B0400000000000000" pitchFamily="34" charset="-122"/>
+                      </a:rPr>
+                      <m:t>+</m:t>
+                    </m:r>
+                    <m:r>
+                      <a:rPr lang="en-US" altLang="zh-CN" b="0" i="1" smtClean="0">
+                        <a:solidFill>
+                          <a:srgbClr val="333333"/>
+                        </a:solidFill>
+                        <a:effectLst/>
+                        <a:latin typeface="Cambria Math" panose="02040503050406030204" pitchFamily="18" charset="0"/>
+                        <a:ea typeface="Cambria Math" panose="02040503050406030204" pitchFamily="18" charset="0"/>
+                      </a:rPr>
+                      <m:t>𝜀</m:t>
+                    </m:r>
+                    <m:r>
+                      <a:rPr lang="en-US" altLang="zh-CN" b="0" i="1" smtClean="0">
+                        <a:solidFill>
+                          <a:srgbClr val="333333"/>
+                        </a:solidFill>
+                        <a:effectLst/>
+                        <a:latin typeface="Cambria Math" panose="02040503050406030204" pitchFamily="18" charset="0"/>
+                        <a:ea typeface="PingFang SC" panose="020B0400000000000000" pitchFamily="34" charset="-122"/>
+                      </a:rPr>
+                      <m:t>)</m:t>
+                    </m:r>
+                  </m:oMath>
+                </a14:m>
+                <a:endParaRPr lang="en" altLang="zh-CN" b="0" i="0" dirty="0">
+                  <a:solidFill>
+                    <a:srgbClr val="333333"/>
+                  </a:solidFill>
+                  <a:effectLst/>
+                  <a:latin typeface="PingFang SC" panose="020B0400000000000000" pitchFamily="34" charset="-122"/>
+                  <a:ea typeface="PingFang SC" panose="020B0400000000000000" pitchFamily="34" charset="-122"/>
+                </a:endParaRPr>
+              </a:p>
+              <a:p>
+                <a:r>
+                  <a:rPr lang="en" altLang="zh-CN" b="0" i="0" dirty="0">
+                    <a:solidFill>
+                      <a:srgbClr val="333333"/>
+                    </a:solidFill>
+                    <a:effectLst/>
+                    <a:latin typeface="PingFang SC" panose="020B0400000000000000" pitchFamily="34" charset="-122"/>
+                    <a:ea typeface="PingFang SC" panose="020B0400000000000000" pitchFamily="34" charset="-122"/>
+                  </a:rPr>
+                  <a:t>3</a:t>
+                </a:r>
+                <a:r>
+                  <a:rPr lang="zh-CN" altLang="en" b="0" i="0" dirty="0">
+                    <a:solidFill>
+                      <a:srgbClr val="333333"/>
+                    </a:solidFill>
+                    <a:effectLst/>
+                    <a:latin typeface="PingFang SC" panose="020B0400000000000000" pitchFamily="34" charset="-122"/>
+                    <a:ea typeface="PingFang SC" panose="020B0400000000000000" pitchFamily="34" charset="-122"/>
+                  </a:rPr>
+                  <a:t>、</a:t>
+                </a:r>
+                <a:r>
+                  <a:rPr lang="zh-CN" altLang="en-US" dirty="0">
+                    <a:solidFill>
+                      <a:srgbClr val="333333"/>
+                    </a:solidFill>
+                    <a:latin typeface="PingFang SC" panose="020B0400000000000000" pitchFamily="34" charset="-122"/>
+                    <a:ea typeface="PingFang SC" panose="020B0400000000000000" pitchFamily="34" charset="-122"/>
+                  </a:rPr>
+                  <a:t>将神经元</a:t>
+                </a:r>
+                <a:r>
+                  <a:rPr lang="en-US" altLang="zh-CN" dirty="0">
+                    <a:solidFill>
+                      <a:srgbClr val="333333"/>
+                    </a:solidFill>
+                    <a:latin typeface="PingFang SC" panose="020B0400000000000000" pitchFamily="34" charset="-122"/>
+                    <a:ea typeface="PingFang SC" panose="020B0400000000000000" pitchFamily="34" charset="-122"/>
+                  </a:rPr>
+                  <a:t>k</a:t>
+                </a:r>
+                <a:r>
+                  <a:rPr lang="zh-CN" altLang="en-US" dirty="0">
+                    <a:solidFill>
+                      <a:srgbClr val="333333"/>
+                    </a:solidFill>
+                    <a:latin typeface="PingFang SC" panose="020B0400000000000000" pitchFamily="34" charset="-122"/>
+                    <a:ea typeface="PingFang SC" panose="020B0400000000000000" pitchFamily="34" charset="-122"/>
+                  </a:rPr>
+                  <a:t>的一</a:t>
+                </a:r>
+                <a:r>
+                  <a:rPr lang="zh-CN" altLang="en-US" b="0" i="0" dirty="0">
+                    <a:solidFill>
+                      <a:srgbClr val="333333"/>
+                    </a:solidFill>
+                    <a:effectLst/>
+                    <a:latin typeface="PingFang SC" panose="020B0400000000000000" pitchFamily="34" charset="-122"/>
+                    <a:ea typeface="PingFang SC" panose="020B0400000000000000" pitchFamily="34" charset="-122"/>
+                  </a:rPr>
+                  <a:t>个权重值</a:t>
+                </a:r>
+                <a14:m>
+                  <m:oMath xmlns:m="http://schemas.openxmlformats.org/officeDocument/2006/math">
+                    <m:sSub>
+                      <m:sSubPr>
+                        <m:ctrlPr>
+                          <a:rPr lang="en-US" altLang="zh-CN" b="0" i="1" smtClean="0">
+                            <a:solidFill>
+                              <a:srgbClr val="333333"/>
+                            </a:solidFill>
+                            <a:effectLst/>
+                            <a:latin typeface="Cambria Math" panose="02040503050406030204" pitchFamily="18" charset="0"/>
+                            <a:ea typeface="PingFang SC" panose="020B0400000000000000" pitchFamily="34" charset="-122"/>
+                          </a:rPr>
+                        </m:ctrlPr>
+                      </m:sSubPr>
+                      <m:e>
+                        <m:r>
+                          <a:rPr lang="en-US" altLang="zh-CN" b="0" i="1" smtClean="0">
+                            <a:solidFill>
+                              <a:srgbClr val="333333"/>
+                            </a:solidFill>
+                            <a:effectLst/>
+                            <a:latin typeface="Cambria Math" panose="02040503050406030204" pitchFamily="18" charset="0"/>
+                            <a:ea typeface="PingFang SC" panose="020B0400000000000000" pitchFamily="34" charset="-122"/>
+                          </a:rPr>
+                          <m:t>𝑤</m:t>
+                        </m:r>
+                      </m:e>
+                      <m:sub>
+                        <m:r>
+                          <a:rPr lang="en-US" altLang="zh-CN" b="0" i="1" smtClean="0">
+                            <a:solidFill>
+                              <a:srgbClr val="333333"/>
+                            </a:solidFill>
+                            <a:effectLst/>
+                            <a:latin typeface="Cambria Math" panose="02040503050406030204" pitchFamily="18" charset="0"/>
+                            <a:ea typeface="PingFang SC" panose="020B0400000000000000" pitchFamily="34" charset="-122"/>
+                          </a:rPr>
+                          <m:t>𝑗𝑖</m:t>
+                        </m:r>
+                      </m:sub>
+                    </m:sSub>
+                    <m:r>
+                      <a:rPr lang="zh-CN" altLang="en-US" i="1">
+                        <a:solidFill>
+                          <a:srgbClr val="333333"/>
+                        </a:solidFill>
+                        <a:latin typeface="Cambria Math" panose="02040503050406030204" pitchFamily="18" charset="0"/>
+                        <a:ea typeface="PingFang SC" panose="020B0400000000000000" pitchFamily="34" charset="-122"/>
+                      </a:rPr>
+                      <m:t>减去</m:t>
+                    </m:r>
+                  </m:oMath>
+                </a14:m>
+                <a:r>
+                  <a:rPr lang="zh-CN" altLang="en-US" b="0" i="0" dirty="0">
+                    <a:solidFill>
+                      <a:srgbClr val="333333"/>
+                    </a:solidFill>
+                    <a:effectLst/>
+                    <a:latin typeface="PingFang SC" panose="020B0400000000000000" pitchFamily="34" charset="-122"/>
+                    <a:ea typeface="PingFang SC" panose="020B0400000000000000" pitchFamily="34" charset="-122"/>
+                  </a:rPr>
+                  <a:t>一个很小的值</a:t>
+                </a:r>
+                <a14:m>
+                  <m:oMath xmlns:m="http://schemas.openxmlformats.org/officeDocument/2006/math">
+                    <m:r>
+                      <a:rPr lang="zh-CN" altLang="en-US" b="0" i="1" smtClean="0">
+                        <a:solidFill>
+                          <a:srgbClr val="333333"/>
+                        </a:solidFill>
+                        <a:effectLst/>
+                        <a:latin typeface="Cambria Math" panose="02040503050406030204" pitchFamily="18" charset="0"/>
+                        <a:ea typeface="PingFang SC" panose="020B0400000000000000" pitchFamily="34" charset="-122"/>
+                      </a:rPr>
+                      <m:t>𝜀</m:t>
+                    </m:r>
+                  </m:oMath>
+                </a14:m>
+                <a:r>
+                  <a:rPr lang="en-US" altLang="zh-CN" b="0" i="0" dirty="0">
+                    <a:solidFill>
+                      <a:srgbClr val="333333"/>
+                    </a:solidFill>
+                    <a:effectLst/>
+                    <a:latin typeface="PingFang SC" panose="020B0400000000000000" pitchFamily="34" charset="-122"/>
+                    <a:ea typeface="PingFang SC" panose="020B0400000000000000" pitchFamily="34" charset="-122"/>
+                  </a:rPr>
+                  <a:t>(</a:t>
+                </a:r>
+                <a:r>
+                  <a:rPr lang="en-US" altLang="zh-CN" b="0" i="0" dirty="0">
+                    <a:solidFill>
+                      <a:srgbClr val="333333"/>
+                    </a:solidFill>
+                    <a:effectLst/>
+                    <a:latin typeface="MJXc-TeX-main-R"/>
+                    <a:ea typeface="PingFang SC" panose="020B0400000000000000" pitchFamily="34" charset="-122"/>
+                  </a:rPr>
+                  <a:t>1e-4</a:t>
+                </a:r>
+                <a:r>
+                  <a:rPr lang="zh-CN" altLang="en-US" b="0" i="0" dirty="0">
+                    <a:solidFill>
+                      <a:srgbClr val="333333"/>
+                    </a:solidFill>
+                    <a:effectLst/>
+                    <a:latin typeface="PingFang SC" panose="020B0400000000000000" pitchFamily="34" charset="-122"/>
+                    <a:ea typeface="PingFang SC" panose="020B0400000000000000" pitchFamily="34" charset="-122"/>
+                  </a:rPr>
+                  <a:t> ），重新计算神经网络在这个样本</a:t>
+                </a:r>
+                <a:r>
+                  <a:rPr lang="en" altLang="zh-CN" b="0" i="0" dirty="0">
+                    <a:solidFill>
+                      <a:srgbClr val="333333"/>
+                    </a:solidFill>
+                    <a:effectLst/>
+                    <a:latin typeface="PingFang SC" panose="020B0400000000000000" pitchFamily="34" charset="-122"/>
+                    <a:ea typeface="PingFang SC" panose="020B0400000000000000" pitchFamily="34" charset="-122"/>
+                  </a:rPr>
+                  <a:t>d</a:t>
+                </a:r>
+                <a:r>
+                  <a:rPr lang="zh-CN" altLang="en-US" b="0" i="0" dirty="0">
+                    <a:solidFill>
+                      <a:srgbClr val="333333"/>
+                    </a:solidFill>
+                    <a:effectLst/>
+                    <a:latin typeface="PingFang SC" panose="020B0400000000000000" pitchFamily="34" charset="-122"/>
+                    <a:ea typeface="PingFang SC" panose="020B0400000000000000" pitchFamily="34" charset="-122"/>
+                  </a:rPr>
+                  <a:t>的</a:t>
+                </a:r>
+                <a:r>
+                  <a:rPr lang="en" altLang="zh-CN" b="0" i="0" dirty="0">
+                    <a:solidFill>
+                      <a:srgbClr val="333333"/>
+                    </a:solidFill>
+                    <a:effectLst/>
+                    <a:latin typeface="PingFang SC" panose="020B0400000000000000" pitchFamily="34" charset="-122"/>
+                    <a:ea typeface="PingFang SC" panose="020B0400000000000000" pitchFamily="34" charset="-122"/>
+                  </a:rPr>
+                  <a:t>E</a:t>
+                </a:r>
+                <a:r>
+                  <a:rPr lang="zh-CN" altLang="en-US" b="0" i="0" dirty="0">
+                    <a:solidFill>
+                      <a:srgbClr val="333333"/>
+                    </a:solidFill>
+                    <a:effectLst/>
+                    <a:latin typeface="PingFang SC" panose="020B0400000000000000" pitchFamily="34" charset="-122"/>
+                    <a:ea typeface="PingFang SC" panose="020B0400000000000000" pitchFamily="34" charset="-122"/>
+                  </a:rPr>
+                  <a:t>：</a:t>
+                </a:r>
+                <a14:m>
+                  <m:oMath xmlns:m="http://schemas.openxmlformats.org/officeDocument/2006/math">
+                    <m:r>
+                      <m:rPr>
+                        <m:sty m:val="p"/>
+                      </m:rPr>
+                      <a:rPr lang="en-US" altLang="zh-CN" b="0" i="0" smtClean="0">
+                        <a:solidFill>
+                          <a:srgbClr val="333333"/>
+                        </a:solidFill>
+                        <a:effectLst/>
+                        <a:latin typeface="Cambria Math" panose="02040503050406030204" pitchFamily="18" charset="0"/>
+                        <a:ea typeface="PingFang SC" panose="020B0400000000000000" pitchFamily="34" charset="-122"/>
+                      </a:rPr>
+                      <m:t>E</m:t>
+                    </m:r>
+                    <m:r>
+                      <a:rPr lang="en-US" altLang="zh-CN" b="0" i="1" smtClean="0">
+                        <a:solidFill>
+                          <a:srgbClr val="333333"/>
+                        </a:solidFill>
+                        <a:effectLst/>
+                        <a:latin typeface="Cambria Math" panose="02040503050406030204" pitchFamily="18" charset="0"/>
+                        <a:ea typeface="PingFang SC" panose="020B0400000000000000" pitchFamily="34" charset="-122"/>
+                      </a:rPr>
+                      <m:t>(</m:t>
+                    </m:r>
+                    <m:sSub>
+                      <m:sSubPr>
+                        <m:ctrlPr>
+                          <a:rPr lang="en-US" altLang="zh-CN" b="0" i="1" smtClean="0">
+                            <a:solidFill>
+                              <a:srgbClr val="333333"/>
+                            </a:solidFill>
+                            <a:effectLst/>
+                            <a:latin typeface="Cambria Math" panose="02040503050406030204" pitchFamily="18" charset="0"/>
+                            <a:ea typeface="PingFang SC" panose="020B0400000000000000" pitchFamily="34" charset="-122"/>
+                          </a:rPr>
+                        </m:ctrlPr>
+                      </m:sSubPr>
+                      <m:e>
+                        <m:r>
+                          <a:rPr lang="en-US" altLang="zh-CN" b="0" i="1" smtClean="0">
+                            <a:solidFill>
+                              <a:srgbClr val="333333"/>
+                            </a:solidFill>
+                            <a:effectLst/>
+                            <a:latin typeface="Cambria Math" panose="02040503050406030204" pitchFamily="18" charset="0"/>
+                            <a:ea typeface="PingFang SC" panose="020B0400000000000000" pitchFamily="34" charset="-122"/>
+                          </a:rPr>
+                          <m:t>𝑤</m:t>
+                        </m:r>
+                      </m:e>
+                      <m:sub>
+                        <m:r>
+                          <a:rPr lang="en-US" altLang="zh-CN" b="0" i="1" smtClean="0">
+                            <a:solidFill>
+                              <a:srgbClr val="333333"/>
+                            </a:solidFill>
+                            <a:effectLst/>
+                            <a:latin typeface="Cambria Math" panose="02040503050406030204" pitchFamily="18" charset="0"/>
+                            <a:ea typeface="PingFang SC" panose="020B0400000000000000" pitchFamily="34" charset="-122"/>
+                          </a:rPr>
+                          <m:t>𝑗𝑖</m:t>
+                        </m:r>
+                      </m:sub>
+                    </m:sSub>
+                    <m:r>
+                      <a:rPr lang="en-US" altLang="zh-CN" b="0" i="1" smtClean="0">
+                        <a:solidFill>
+                          <a:srgbClr val="333333"/>
+                        </a:solidFill>
+                        <a:effectLst/>
+                        <a:latin typeface="Cambria Math" panose="02040503050406030204" pitchFamily="18" charset="0"/>
+                        <a:ea typeface="PingFang SC" panose="020B0400000000000000" pitchFamily="34" charset="-122"/>
+                      </a:rPr>
+                      <m:t>−</m:t>
+                    </m:r>
+                    <m:r>
+                      <a:rPr lang="en-US" altLang="zh-CN" b="0" i="1" smtClean="0">
+                        <a:solidFill>
+                          <a:srgbClr val="333333"/>
+                        </a:solidFill>
+                        <a:effectLst/>
+                        <a:latin typeface="Cambria Math" panose="02040503050406030204" pitchFamily="18" charset="0"/>
+                        <a:ea typeface="Cambria Math" panose="02040503050406030204" pitchFamily="18" charset="0"/>
+                      </a:rPr>
+                      <m:t>𝜀</m:t>
+                    </m:r>
+                    <m:r>
+                      <a:rPr lang="en-US" altLang="zh-CN" b="0" i="1" smtClean="0">
+                        <a:solidFill>
+                          <a:srgbClr val="333333"/>
+                        </a:solidFill>
+                        <a:effectLst/>
+                        <a:latin typeface="Cambria Math" panose="02040503050406030204" pitchFamily="18" charset="0"/>
+                        <a:ea typeface="PingFang SC" panose="020B0400000000000000" pitchFamily="34" charset="-122"/>
+                      </a:rPr>
+                      <m:t>)</m:t>
+                    </m:r>
+                  </m:oMath>
+                </a14:m>
+                <a:endParaRPr lang="zh-CN" altLang="en" b="0" i="0" dirty="0">
+                  <a:solidFill>
+                    <a:srgbClr val="333333"/>
+                  </a:solidFill>
+                  <a:effectLst/>
+                  <a:latin typeface="PingFang SC" panose="020B0400000000000000" pitchFamily="34" charset="-122"/>
+                  <a:ea typeface="PingFang SC" panose="020B0400000000000000" pitchFamily="34" charset="-122"/>
+                </a:endParaRPr>
+              </a:p>
+              <a:p>
+                <a:pPr algn="l"/>
+                <a:r>
+                  <a:rPr lang="en" altLang="zh-CN" b="0" i="0" dirty="0">
+                    <a:solidFill>
+                      <a:srgbClr val="333333"/>
+                    </a:solidFill>
+                    <a:effectLst/>
+                    <a:latin typeface="PingFang SC" panose="020B0400000000000000" pitchFamily="34" charset="-122"/>
+                    <a:ea typeface="PingFang SC" panose="020B0400000000000000" pitchFamily="34" charset="-122"/>
+                  </a:rPr>
+                  <a:t>4</a:t>
+                </a:r>
+                <a:r>
+                  <a:rPr lang="zh-CN" altLang="en" b="0" i="0" dirty="0">
+                    <a:solidFill>
+                      <a:srgbClr val="333333"/>
+                    </a:solidFill>
+                    <a:effectLst/>
+                    <a:latin typeface="PingFang SC" panose="020B0400000000000000" pitchFamily="34" charset="-122"/>
+                    <a:ea typeface="PingFang SC" panose="020B0400000000000000" pitchFamily="34" charset="-122"/>
+                  </a:rPr>
+                  <a:t>、</a:t>
+                </a:r>
+                <a:r>
+                  <a:rPr lang="zh-CN" altLang="en-US" b="0" i="0" dirty="0">
+                    <a:solidFill>
+                      <a:srgbClr val="333333"/>
+                    </a:solidFill>
+                    <a:effectLst/>
+                    <a:latin typeface="PingFang SC" panose="020B0400000000000000" pitchFamily="34" charset="-122"/>
+                    <a:ea typeface="PingFang SC" panose="020B0400000000000000" pitchFamily="34" charset="-122"/>
+                  </a:rPr>
+                  <a:t>根据导数定义公式计算出期望的梯度值，和第一步获得的梯度值进行比较，误差小于</a:t>
+                </a:r>
+                <a:r>
+                  <a:rPr lang="en-US" altLang="zh-CN" b="0" i="0" dirty="0">
+                    <a:solidFill>
+                      <a:srgbClr val="333333"/>
+                    </a:solidFill>
+                    <a:effectLst/>
+                    <a:latin typeface="PingFang SC" panose="020B0400000000000000" pitchFamily="34" charset="-122"/>
+                    <a:ea typeface="PingFang SC" panose="020B0400000000000000" pitchFamily="34" charset="-122"/>
+                  </a:rPr>
+                  <a:t>1e-4</a:t>
+                </a:r>
+              </a:p>
+              <a:p>
+                <a:pPr algn="l"/>
+                <a:r>
+                  <a:rPr lang="en-US" altLang="zh-CN" dirty="0">
+                    <a:solidFill>
+                      <a:srgbClr val="333333"/>
+                    </a:solidFill>
+                    <a:latin typeface="PingFang SC" panose="020B0400000000000000" pitchFamily="34" charset="-122"/>
+                    <a:ea typeface="PingFang SC" panose="020B0400000000000000" pitchFamily="34" charset="-122"/>
+                  </a:rPr>
+                  <a:t>5</a:t>
+                </a:r>
+                <a:r>
+                  <a:rPr lang="zh-CN" altLang="en-US" dirty="0">
+                    <a:solidFill>
+                      <a:srgbClr val="333333"/>
+                    </a:solidFill>
+                    <a:latin typeface="PingFang SC" panose="020B0400000000000000" pitchFamily="34" charset="-122"/>
+                    <a:ea typeface="PingFang SC" panose="020B0400000000000000" pitchFamily="34" charset="-122"/>
+                  </a:rPr>
+                  <a:t>、</a:t>
+                </a:r>
+                <a:r>
+                  <a:rPr lang="zh-CN" altLang="en-US" b="0" i="0" dirty="0">
+                    <a:solidFill>
+                      <a:srgbClr val="333333"/>
+                    </a:solidFill>
+                    <a:effectLst/>
+                    <a:latin typeface="PingFang SC" panose="020B0400000000000000" pitchFamily="34" charset="-122"/>
+                    <a:ea typeface="PingFang SC" panose="020B0400000000000000" pitchFamily="34" charset="-122"/>
+                  </a:rPr>
+                  <a:t>重复上面的过程，对输出层的每个神经元以及神经元的每个权重进行检查</a:t>
+                </a:r>
+                <a:endParaRPr kumimoji="1" lang="zh-CN" altLang="en-US" dirty="0"/>
+              </a:p>
+            </p:txBody>
+          </p:sp>
+        </mc:Choice>
+        <mc:Fallback>
+          <p:sp>
+            <p:nvSpPr>
+              <p:cNvPr id="7" name="文本框 6">
+                <a:extLst>
+                  <a:ext uri="{FF2B5EF4-FFF2-40B4-BE49-F238E27FC236}">
+                    <a16:creationId xmlns:a16="http://schemas.microsoft.com/office/drawing/2014/main" id="{7AA7B2B5-D256-E3DC-10EF-0AA544BFF924}"/>
+                  </a:ext>
+                </a:extLst>
+              </p:cNvPr>
+              <p:cNvSpPr txBox="1">
+                <a:spLocks noRot="1" noChangeAspect="1" noMove="1" noResize="1" noEditPoints="1" noAdjustHandles="1" noChangeArrowheads="1" noChangeShapeType="1" noTextEdit="1"/>
+              </p:cNvSpPr>
+              <p:nvPr/>
+            </p:nvSpPr>
+            <p:spPr>
+              <a:xfrm>
+                <a:off x="540971" y="3968567"/>
+                <a:ext cx="11031418" cy="1524969"/>
+              </a:xfrm>
+              <a:prstGeom prst="rect">
+                <a:avLst/>
+              </a:prstGeom>
+              <a:blipFill>
+                <a:blip r:embed="rId3"/>
+                <a:stretch>
+                  <a:fillRect l="-460" t="-1653" b="-5785"/>
+                </a:stretch>
+              </a:blipFill>
+            </p:spPr>
+            <p:txBody>
+              <a:bodyPr/>
+              <a:lstStyle/>
+              <a:p>
+                <a:r>
+                  <a:rPr lang="zh-CN" altLang="en-US">
+                    <a:noFill/>
+                  </a:rPr>
+                  <a:t> </a:t>
+                </a:r>
+              </a:p>
+            </p:txBody>
+          </p:sp>
+        </mc:Fallback>
+      </mc:AlternateContent>
+      <p:pic>
+        <p:nvPicPr>
+          <p:cNvPr id="11" name="图片 10">
+            <a:extLst>
+              <a:ext uri="{FF2B5EF4-FFF2-40B4-BE49-F238E27FC236}">
+                <a16:creationId xmlns:a16="http://schemas.microsoft.com/office/drawing/2014/main" id="{D9B5DD49-FD3D-7446-5E50-C824830ECA82}"/>
+              </a:ext>
+            </a:extLst>
+          </p:cNvPr>
+          <p:cNvPicPr>
+            <a:picLocks noChangeAspect="1"/>
+          </p:cNvPicPr>
+          <p:nvPr/>
+        </p:nvPicPr>
+        <p:blipFill>
+          <a:blip r:embed="rId4">
+            <a:extLst>
+              <a:ext uri="{28A0092B-C50C-407E-A947-70E740481C1C}">
+                <a14:useLocalDpi xmlns:a14="http://schemas.microsoft.com/office/drawing/2010/main" val="0"/>
+              </a:ext>
+            </a:extLst>
+          </a:blip>
+          <a:stretch>
+            <a:fillRect/>
+          </a:stretch>
+        </p:blipFill>
+        <p:spPr>
+          <a:xfrm>
+            <a:off x="7701329" y="1473833"/>
+            <a:ext cx="4254500" cy="1003300"/>
+          </a:xfrm>
+          <a:prstGeom prst="rect">
+            <a:avLst/>
+          </a:prstGeom>
+        </p:spPr>
+      </p:pic>
+      <p:pic>
+        <p:nvPicPr>
+          <p:cNvPr id="13" name="图片 12">
+            <a:extLst>
+              <a:ext uri="{FF2B5EF4-FFF2-40B4-BE49-F238E27FC236}">
+                <a16:creationId xmlns:a16="http://schemas.microsoft.com/office/drawing/2014/main" id="{6D17AFA6-B54C-3AD6-8614-95E4B38CA9F8}"/>
+              </a:ext>
+            </a:extLst>
+          </p:cNvPr>
+          <p:cNvPicPr>
+            <a:picLocks noChangeAspect="1"/>
+          </p:cNvPicPr>
+          <p:nvPr/>
+        </p:nvPicPr>
+        <p:blipFill>
+          <a:blip r:embed="rId5">
+            <a:extLst>
+              <a:ext uri="{28A0092B-C50C-407E-A947-70E740481C1C}">
+                <a14:useLocalDpi xmlns:a14="http://schemas.microsoft.com/office/drawing/2010/main" val="0"/>
+              </a:ext>
+            </a:extLst>
+          </a:blip>
+          <a:stretch>
+            <a:fillRect/>
+          </a:stretch>
+        </p:blipFill>
+        <p:spPr>
+          <a:xfrm>
+            <a:off x="5487726" y="2629533"/>
+            <a:ext cx="5727700" cy="965200"/>
+          </a:xfrm>
+          <a:prstGeom prst="rect">
+            <a:avLst/>
+          </a:prstGeom>
+        </p:spPr>
+      </p:pic>
     </p:spTree>
     <p:custDataLst>
       <p:tags r:id="rId1"/>
     </p:custDataLst>
     <p:extLst>
       <p:ext uri="{BB962C8B-B14F-4D97-AF65-F5344CB8AC3E}">
-        <p14:creationId xmlns:p14="http://schemas.microsoft.com/office/powerpoint/2010/main" val="503054297"/>
+        <p14:creationId xmlns:p14="http://schemas.microsoft.com/office/powerpoint/2010/main" val="1462724034"/>
       </p:ext>
     </p:extLst>
   </p:cSld>
@@ -8816,7 +10011,7 @@
 </p:sld>
 </file>
 
-<file path=ppt/slides/slide17.xml><?xml version="1.0" encoding="utf-8"?>
+<file path=ppt/slides/slide16.xml><?xml version="1.0" encoding="utf-8"?>
 <p:sld xmlns:a="http://schemas.openxmlformats.org/drawingml/2006/main" xmlns:r="http://schemas.openxmlformats.org/officeDocument/2006/relationships" xmlns:p="http://schemas.openxmlformats.org/presentationml/2006/main">
   <p:cSld>
     <p:spTree>
@@ -8864,7 +10059,7 @@
               <a:rPr lang="zh-CN" altLang="en-US" dirty="0">
                 <a:sym typeface="+mn-ea"/>
               </a:rPr>
-              <a:t>实现隐藏层的梯度检查</a:t>
+              <a:t>实现输出层的梯度检查</a:t>
             </a:r>
             <a:endParaRPr lang="zh-CN" altLang="en-US" dirty="0"/>
           </a:p>
@@ -8876,7 +10071,7 @@
     </p:custDataLst>
     <p:extLst>
       <p:ext uri="{BB962C8B-B14F-4D97-AF65-F5344CB8AC3E}">
-        <p14:creationId xmlns:p14="http://schemas.microsoft.com/office/powerpoint/2010/main" val="2530220228"/>
+        <p14:creationId xmlns:p14="http://schemas.microsoft.com/office/powerpoint/2010/main" val="3364006809"/>
       </p:ext>
     </p:extLst>
   </p:cSld>
@@ -8886,203 +10081,7 @@
 </p:sld>
 </file>
 
-<file path=ppt/slides/slide18.xml><?xml version="1.0" encoding="utf-8"?>
-<p:sld xmlns:a="http://schemas.openxmlformats.org/drawingml/2006/main" xmlns:r="http://schemas.openxmlformats.org/officeDocument/2006/relationships" xmlns:p="http://schemas.openxmlformats.org/presentationml/2006/main">
-  <p:cSld>
-    <p:spTree>
-      <p:nvGrpSpPr>
-        <p:cNvPr id="1" name=""/>
-        <p:cNvGrpSpPr/>
-        <p:nvPr/>
-      </p:nvGrpSpPr>
-      <p:grpSpPr>
-        <a:xfrm>
-          <a:off x="0" y="0"/>
-          <a:ext cx="0" cy="0"/>
-          <a:chOff x="0" y="0"/>
-          <a:chExt cx="0" cy="0"/>
-        </a:xfrm>
-      </p:grpSpPr>
-      <p:sp>
-        <p:nvSpPr>
-          <p:cNvPr id="2" name="标题 1"/>
-          <p:cNvSpPr>
-            <a:spLocks noGrp="1"/>
-          </p:cNvSpPr>
-          <p:nvPr>
-            <p:ph type="title"/>
-          </p:nvPr>
-        </p:nvSpPr>
-        <p:spPr/>
-        <p:txBody>
-          <a:bodyPr/>
-          <a:lstStyle/>
-          <a:p>
-            <a:r>
-              <a:rPr lang="zh-CN" altLang="en-US" dirty="0">
-                <a:sym typeface="+mn-ea"/>
-              </a:rPr>
-              <a:t>任务</a:t>
-            </a:r>
-            <a:r>
-              <a:rPr dirty="0">
-                <a:sym typeface="+mn-ea"/>
-              </a:rPr>
-              <a:t>：</a:t>
-            </a:r>
-            <a:r>
-              <a:rPr lang="zh-CN" altLang="en-US" dirty="0"/>
-              <a:t>整合</a:t>
-            </a:r>
-            <a:r>
-              <a:rPr lang="zh-CN" altLang="en-US" dirty="0">
-                <a:sym typeface="+mn-ea"/>
-              </a:rPr>
-              <a:t>全连接层的梯度检查</a:t>
-            </a:r>
-            <a:endParaRPr lang="zh-CN" altLang="en-US" dirty="0"/>
-          </a:p>
-        </p:txBody>
-      </p:sp>
-    </p:spTree>
-    <p:custDataLst>
-      <p:tags r:id="rId1"/>
-    </p:custDataLst>
-    <p:extLst>
-      <p:ext uri="{BB962C8B-B14F-4D97-AF65-F5344CB8AC3E}">
-        <p14:creationId xmlns:p14="http://schemas.microsoft.com/office/powerpoint/2010/main" val="3581730394"/>
-      </p:ext>
-    </p:extLst>
-  </p:cSld>
-  <p:clrMapOvr>
-    <a:masterClrMapping/>
-  </p:clrMapOvr>
-</p:sld>
-</file>
-
-<file path=ppt/slides/slide19.xml><?xml version="1.0" encoding="utf-8"?>
-<p:sld xmlns:a="http://schemas.openxmlformats.org/drawingml/2006/main" xmlns:r="http://schemas.openxmlformats.org/officeDocument/2006/relationships" xmlns:p="http://schemas.openxmlformats.org/presentationml/2006/main">
-  <p:cSld>
-    <p:spTree>
-      <p:nvGrpSpPr>
-        <p:cNvPr id="1" name=""/>
-        <p:cNvGrpSpPr/>
-        <p:nvPr/>
-      </p:nvGrpSpPr>
-      <p:grpSpPr>
-        <a:xfrm>
-          <a:off x="0" y="0"/>
-          <a:ext cx="0" cy="0"/>
-          <a:chOff x="0" y="0"/>
-          <a:chExt cx="0" cy="0"/>
-        </a:xfrm>
-      </p:grpSpPr>
-      <p:sp>
-        <p:nvSpPr>
-          <p:cNvPr id="2" name="标题 1"/>
-          <p:cNvSpPr>
-            <a:spLocks noGrp="1"/>
-          </p:cNvSpPr>
-          <p:nvPr>
-            <p:ph type="title"/>
-          </p:nvPr>
-        </p:nvSpPr>
-        <p:spPr/>
-        <p:txBody>
-          <a:bodyPr/>
-          <a:lstStyle/>
-          <a:p>
-            <a:r>
-              <a:rPr dirty="0">
-                <a:sym typeface="+mn-ea"/>
-              </a:rPr>
-              <a:t>主问题：</a:t>
-            </a:r>
-            <a:r>
-              <a:rPr lang="zh-CN" altLang="en-US" dirty="0">
-                <a:sym typeface="+mn-ea"/>
-              </a:rPr>
-              <a:t>梯度检查的思路是什么</a:t>
-            </a:r>
-            <a:r>
-              <a:rPr lang="zh-CN" altLang="en-US" dirty="0"/>
-              <a:t>？</a:t>
-            </a:r>
-          </a:p>
-        </p:txBody>
-      </p:sp>
-    </p:spTree>
-    <p:custDataLst>
-      <p:tags r:id="rId1"/>
-    </p:custDataLst>
-    <p:extLst>
-      <p:ext uri="{BB962C8B-B14F-4D97-AF65-F5344CB8AC3E}">
-        <p14:creationId xmlns:p14="http://schemas.microsoft.com/office/powerpoint/2010/main" val="3245380484"/>
-      </p:ext>
-    </p:extLst>
-  </p:cSld>
-  <p:clrMapOvr>
-    <a:masterClrMapping/>
-  </p:clrMapOvr>
-</p:sld>
-</file>
-
-<file path=ppt/slides/slide2.xml><?xml version="1.0" encoding="utf-8"?>
-<p:sld xmlns:a="http://schemas.openxmlformats.org/drawingml/2006/main" xmlns:r="http://schemas.openxmlformats.org/officeDocument/2006/relationships" xmlns:p="http://schemas.openxmlformats.org/presentationml/2006/main">
-  <p:cSld>
-    <p:spTree>
-      <p:nvGrpSpPr>
-        <p:cNvPr id="1" name=""/>
-        <p:cNvGrpSpPr/>
-        <p:nvPr/>
-      </p:nvGrpSpPr>
-      <p:grpSpPr>
-        <a:xfrm>
-          <a:off x="0" y="0"/>
-          <a:ext cx="0" cy="0"/>
-          <a:chOff x="0" y="0"/>
-          <a:chExt cx="0" cy="0"/>
-        </a:xfrm>
-      </p:grpSpPr>
-      <p:sp>
-        <p:nvSpPr>
-          <p:cNvPr id="2" name="标题 1"/>
-          <p:cNvSpPr>
-            <a:spLocks noGrp="1"/>
-          </p:cNvSpPr>
-          <p:nvPr>
-            <p:ph type="title"/>
-          </p:nvPr>
-        </p:nvSpPr>
-        <p:spPr>
-          <a:xfrm>
-            <a:off x="669882" y="2108221"/>
-            <a:ext cx="10852237" cy="899167"/>
-          </a:xfrm>
-        </p:spPr>
-        <p:txBody>
-          <a:bodyPr/>
-          <a:lstStyle/>
-          <a:p>
-            <a:r>
-              <a:rPr lang="zh-CN" altLang="en-US" dirty="0"/>
-              <a:t>第四节课：全连接层的梯度检查</a:t>
-            </a:r>
-          </a:p>
-        </p:txBody>
-      </p:sp>
-    </p:spTree>
-    <p:custDataLst>
-      <p:tags r:id="rId1"/>
-    </p:custDataLst>
-  </p:cSld>
-  <p:clrMapOvr>
-    <a:masterClrMapping/>
-  </p:clrMapOvr>
-</p:sld>
-</file>
-
-<file path=ppt/slides/slide20.xml><?xml version="1.0" encoding="utf-8"?>
+<file path=ppt/slides/slide17.xml><?xml version="1.0" encoding="utf-8"?>
 <p:sld xmlns:a="http://schemas.openxmlformats.org/drawingml/2006/main" xmlns:r="http://schemas.openxmlformats.org/officeDocument/2006/relationships" xmlns:p="http://schemas.openxmlformats.org/presentationml/2006/main">
   <p:cSld>
     <p:spTree>
@@ -9179,11 +10178,7 @@
               <a:rPr lang="zh-CN" altLang="en-US" dirty="0">
                 <a:sym typeface="+mn-ea"/>
               </a:rPr>
-              <a:t>主问题：梯度检查的思路是什么</a:t>
-            </a:r>
-            <a:r>
-              <a:rPr lang="zh-CN" altLang="en-US" dirty="0"/>
-              <a:t>？</a:t>
+              <a:t>任务：实现输出层的梯度检查</a:t>
             </a:r>
             <a:endParaRPr dirty="0">
               <a:sym typeface="+mn-ea"/>
@@ -9425,9 +10420,21 @@
               <a:buChar char="•"/>
             </a:pPr>
             <a:r>
-              <a:rPr lang="en-US" altLang="zh-CN" dirty="0"/>
-              <a:t>TODO</a:t>
-            </a:r>
+              <a:rPr lang="zh-CN" altLang="en-US" dirty="0"/>
+              <a:t>请实现输出层的梯度检查</a:t>
+            </a:r>
+            <a:endParaRPr lang="en-US" altLang="zh-CN" dirty="0"/>
+          </a:p>
+          <a:p>
+            <a:pPr marL="285750" indent="-285750">
+              <a:buFont typeface="Arial" panose="020B0604020202020204" pitchFamily="34" charset="0"/>
+              <a:buChar char="•"/>
+            </a:pPr>
+            <a:r>
+              <a:rPr lang="zh-CN" altLang="en-US" dirty="0"/>
+              <a:t>运行代码，验证检查是否通过</a:t>
+            </a:r>
+            <a:endParaRPr lang="en-US" altLang="zh-CN" dirty="0"/>
           </a:p>
           <a:p>
             <a:pPr marL="285750" indent="-285750">
@@ -9517,7 +10524,7 @@
     </p:custDataLst>
     <p:extLst>
       <p:ext uri="{BB962C8B-B14F-4D97-AF65-F5344CB8AC3E}">
-        <p14:creationId xmlns:p14="http://schemas.microsoft.com/office/powerpoint/2010/main" val="276493097"/>
+        <p14:creationId xmlns:p14="http://schemas.microsoft.com/office/powerpoint/2010/main" val="1245886013"/>
       </p:ext>
     </p:extLst>
   </p:cSld>
@@ -9605,7 +10612,7 @@
 </p:sld>
 </file>
 
-<file path=ppt/slides/slide21.xml><?xml version="1.0" encoding="utf-8"?>
+<file path=ppt/slides/slide18.xml><?xml version="1.0" encoding="utf-8"?>
 <p:sld xmlns:a="http://schemas.openxmlformats.org/drawingml/2006/main" xmlns:r="http://schemas.openxmlformats.org/officeDocument/2006/relationships" xmlns:p="http://schemas.openxmlformats.org/presentationml/2006/main">
   <p:cSld>
     <p:spTree>
@@ -9638,8 +10645,788 @@
           <a:lstStyle/>
           <a:p>
             <a:r>
-              <a:rPr lang="zh-CN" altLang="en-US"/>
-              <a:t>总结</a:t>
+              <a:rPr lang="zh-CN" altLang="en-US" dirty="0">
+                <a:sym typeface="+mn-ea"/>
+              </a:rPr>
+              <a:t>主问题：如何对隐藏层进行梯度检查</a:t>
+            </a:r>
+            <a:r>
+              <a:rPr lang="zh-CN" altLang="en-US" dirty="0"/>
+              <a:t>？</a:t>
+            </a:r>
+          </a:p>
+        </p:txBody>
+      </p:sp>
+    </p:spTree>
+    <p:custDataLst>
+      <p:tags r:id="rId1"/>
+    </p:custDataLst>
+    <p:extLst>
+      <p:ext uri="{BB962C8B-B14F-4D97-AF65-F5344CB8AC3E}">
+        <p14:creationId xmlns:p14="http://schemas.microsoft.com/office/powerpoint/2010/main" val="3245218580"/>
+      </p:ext>
+    </p:extLst>
+  </p:cSld>
+  <p:clrMapOvr>
+    <a:masterClrMapping/>
+  </p:clrMapOvr>
+</p:sld>
+</file>
+
+<file path=ppt/slides/slide19.xml><?xml version="1.0" encoding="utf-8"?>
+<p:sld xmlns:a="http://schemas.openxmlformats.org/drawingml/2006/main" xmlns:r="http://schemas.openxmlformats.org/officeDocument/2006/relationships" xmlns:p="http://schemas.openxmlformats.org/presentationml/2006/main">
+  <p:cSld>
+    <p:spTree>
+      <p:nvGrpSpPr>
+        <p:cNvPr id="1" name=""/>
+        <p:cNvGrpSpPr/>
+        <p:nvPr/>
+      </p:nvGrpSpPr>
+      <p:grpSpPr>
+        <a:xfrm>
+          <a:off x="0" y="0"/>
+          <a:ext cx="0" cy="0"/>
+          <a:chOff x="0" y="0"/>
+          <a:chExt cx="0" cy="0"/>
+        </a:xfrm>
+      </p:grpSpPr>
+      <p:sp>
+        <p:nvSpPr>
+          <p:cNvPr id="2" name="文本占位符 1"/>
+          <p:cNvSpPr>
+            <a:spLocks noGrp="1"/>
+          </p:cNvSpPr>
+          <p:nvPr>
+            <p:ph type="body" idx="1"/>
+          </p:nvPr>
+        </p:nvSpPr>
+        <p:spPr/>
+        <p:txBody>
+          <a:bodyPr/>
+          <a:lstStyle/>
+          <a:p>
+            <a:pPr marL="285750" indent="-285750">
+              <a:buFont typeface="Arial" panose="020B0604020202020204" pitchFamily="34" charset="0"/>
+              <a:buChar char="•"/>
+            </a:pPr>
+            <a:endParaRPr lang="en-US" altLang="zh-CN" dirty="0"/>
+          </a:p>
+          <a:p>
+            <a:pPr marL="285750" indent="-285750">
+              <a:buFont typeface="Arial" panose="020B0604020202020204" pitchFamily="34" charset="0"/>
+              <a:buChar char="•"/>
+            </a:pPr>
+            <a:endParaRPr lang="en-US" altLang="zh-CN" dirty="0"/>
+          </a:p>
+          <a:p>
+            <a:pPr marL="285750" indent="-285750">
+              <a:buFont typeface="Arial" panose="020B0604020202020204" pitchFamily="34" charset="0"/>
+              <a:buChar char="•"/>
+            </a:pPr>
+            <a:endParaRPr lang="en-US" altLang="zh-CN" dirty="0"/>
+          </a:p>
+          <a:p>
+            <a:pPr marL="285750" indent="-285750">
+              <a:buFont typeface="Arial" panose="020B0604020202020204" pitchFamily="34" charset="0"/>
+              <a:buChar char="•"/>
+            </a:pPr>
+            <a:endParaRPr lang="en-US" altLang="zh-CN" dirty="0"/>
+          </a:p>
+          <a:p>
+            <a:pPr marL="285750" indent="-285750">
+              <a:buFont typeface="Arial" panose="020B0604020202020204" pitchFamily="34" charset="0"/>
+              <a:buChar char="•"/>
+            </a:pPr>
+            <a:endParaRPr lang="en-US" altLang="zh-CN" dirty="0"/>
+          </a:p>
+          <a:p>
+            <a:pPr marL="285750" indent="-285750">
+              <a:buFont typeface="Arial" panose="020B0604020202020204" pitchFamily="34" charset="0"/>
+              <a:buChar char="•"/>
+            </a:pPr>
+            <a:endParaRPr lang="en-US" altLang="zh-CN" dirty="0"/>
+          </a:p>
+          <a:p>
+            <a:endParaRPr lang="en-US" altLang="zh-CN" dirty="0"/>
+          </a:p>
+        </p:txBody>
+      </p:sp>
+      <p:sp>
+        <p:nvSpPr>
+          <p:cNvPr id="3" name="标题 2"/>
+          <p:cNvSpPr>
+            <a:spLocks noGrp="1"/>
+          </p:cNvSpPr>
+          <p:nvPr>
+            <p:ph type="title"/>
+          </p:nvPr>
+        </p:nvSpPr>
+        <p:spPr/>
+        <p:txBody>
+          <a:bodyPr/>
+          <a:lstStyle/>
+          <a:p>
+            <a:r>
+              <a:rPr lang="zh-CN" altLang="en-US" dirty="0">
+                <a:sym typeface="+mn-ea"/>
+              </a:rPr>
+              <a:t>主问题：如何对隐藏层进行梯度检查</a:t>
+            </a:r>
+            <a:r>
+              <a:rPr lang="zh-CN" altLang="en-US" dirty="0"/>
+              <a:t>？</a:t>
+            </a:r>
+            <a:endParaRPr dirty="0">
+              <a:sym typeface="+mn-ea"/>
+            </a:endParaRPr>
+          </a:p>
+        </p:txBody>
+      </p:sp>
+      <p:sp>
+        <p:nvSpPr>
+          <p:cNvPr id="6" name="文本占位符 1">
+            <a:extLst>
+              <a:ext uri="{FF2B5EF4-FFF2-40B4-BE49-F238E27FC236}">
+                <a16:creationId xmlns:a16="http://schemas.microsoft.com/office/drawing/2014/main" id="{BA88068A-4FDC-6963-46A5-ADEC46CDA15E}"/>
+              </a:ext>
+            </a:extLst>
+          </p:cNvPr>
+          <p:cNvSpPr txBox="1">
+            <a:spLocks/>
+          </p:cNvSpPr>
+          <p:nvPr/>
+        </p:nvSpPr>
+        <p:spPr>
+          <a:xfrm>
+            <a:off x="822325" y="1778635"/>
+            <a:ext cx="10852150" cy="4553585"/>
+          </a:xfrm>
+        </p:spPr>
+        <p:txBody>
+          <a:bodyPr lIns="101600" tIns="38100" rIns="76200" bIns="38100">
+            <a:noAutofit/>
+          </a:bodyPr>
+          <a:lstStyle>
+            <a:lvl1pPr marL="0" indent="0" algn="l" defTabSz="914400" rtl="0" eaLnBrk="1" fontAlgn="auto" latinLnBrk="0" hangingPunct="1">
+              <a:lnSpc>
+                <a:spcPct val="130000"/>
+              </a:lnSpc>
+              <a:spcBef>
+                <a:spcPts val="0"/>
+              </a:spcBef>
+              <a:spcAft>
+                <a:spcPts val="1000"/>
+              </a:spcAft>
+              <a:buFont typeface="Arial" panose="020B0604020202020204" pitchFamily="34" charset="0"/>
+              <a:buNone/>
+              <a:defRPr kumimoji="0" lang="zh-CN" altLang="en-US" sz="1600" b="0" i="0" u="none" strike="noStrike" kern="1200" cap="none" spc="150" normalizeH="0" baseline="0" noProof="1">
+                <a:solidFill>
+                  <a:schemeClr val="tx1"/>
+                </a:solidFill>
+                <a:uFillTx/>
+                <a:latin typeface="+mn-lt"/>
+                <a:ea typeface="+mn-ea"/>
+                <a:cs typeface="+mn-cs"/>
+                <a:sym typeface="+mn-ea"/>
+              </a:defRPr>
+            </a:lvl1pPr>
+            <a:lvl2pPr marL="457200" indent="0" algn="l" defTabSz="914400" rtl="0" eaLnBrk="1" fontAlgn="auto" latinLnBrk="0" hangingPunct="1">
+              <a:lnSpc>
+                <a:spcPct val="130000"/>
+              </a:lnSpc>
+              <a:spcBef>
+                <a:spcPts val="0"/>
+              </a:spcBef>
+              <a:spcAft>
+                <a:spcPts val="1000"/>
+              </a:spcAft>
+              <a:buFont typeface="Arial" panose="020B0604020202020204" pitchFamily="34" charset="0"/>
+              <a:buNone/>
+              <a:tabLst>
+                <a:tab pos="1609725" algn="l"/>
+              </a:tabLst>
+              <a:defRPr sz="2000" u="none" strike="noStrike" kern="1200" cap="none" spc="150" normalizeH="0" baseline="0">
+                <a:solidFill>
+                  <a:schemeClr val="tx1">
+                    <a:tint val="75000"/>
+                  </a:schemeClr>
+                </a:solidFill>
+                <a:uFillTx/>
+                <a:latin typeface="+mn-lt"/>
+                <a:ea typeface="+mn-ea"/>
+                <a:cs typeface="+mn-cs"/>
+              </a:defRPr>
+            </a:lvl2pPr>
+            <a:lvl3pPr marL="914400" indent="0" algn="l" defTabSz="914400" rtl="0" eaLnBrk="1" fontAlgn="auto" latinLnBrk="0" hangingPunct="1">
+              <a:lnSpc>
+                <a:spcPct val="130000"/>
+              </a:lnSpc>
+              <a:spcBef>
+                <a:spcPts val="0"/>
+              </a:spcBef>
+              <a:spcAft>
+                <a:spcPts val="1000"/>
+              </a:spcAft>
+              <a:buFont typeface="Arial" panose="020B0604020202020204" pitchFamily="34" charset="0"/>
+              <a:buNone/>
+              <a:defRPr sz="1800" u="none" strike="noStrike" kern="1200" cap="none" spc="150" normalizeH="0" baseline="0">
+                <a:solidFill>
+                  <a:schemeClr val="tx1">
+                    <a:tint val="75000"/>
+                  </a:schemeClr>
+                </a:solidFill>
+                <a:uFillTx/>
+                <a:latin typeface="+mn-lt"/>
+                <a:ea typeface="+mn-ea"/>
+                <a:cs typeface="+mn-cs"/>
+              </a:defRPr>
+            </a:lvl3pPr>
+            <a:lvl4pPr marL="1371600" indent="0" algn="l" defTabSz="914400" rtl="0" eaLnBrk="1" fontAlgn="auto" latinLnBrk="0" hangingPunct="1">
+              <a:lnSpc>
+                <a:spcPct val="130000"/>
+              </a:lnSpc>
+              <a:spcBef>
+                <a:spcPts val="0"/>
+              </a:spcBef>
+              <a:spcAft>
+                <a:spcPts val="1000"/>
+              </a:spcAft>
+              <a:buFont typeface="Arial" panose="020B0604020202020204" pitchFamily="34" charset="0"/>
+              <a:buNone/>
+              <a:defRPr sz="1600" u="none" strike="noStrike" kern="1200" cap="none" spc="150" normalizeH="0" baseline="0">
+                <a:solidFill>
+                  <a:schemeClr val="tx1">
+                    <a:tint val="75000"/>
+                  </a:schemeClr>
+                </a:solidFill>
+                <a:uFillTx/>
+                <a:latin typeface="+mn-lt"/>
+                <a:ea typeface="+mn-ea"/>
+                <a:cs typeface="+mn-cs"/>
+              </a:defRPr>
+            </a:lvl4pPr>
+            <a:lvl5pPr marL="1828800" indent="0" algn="l" defTabSz="914400" rtl="0" eaLnBrk="1" fontAlgn="auto" latinLnBrk="0" hangingPunct="1">
+              <a:lnSpc>
+                <a:spcPct val="130000"/>
+              </a:lnSpc>
+              <a:spcBef>
+                <a:spcPts val="0"/>
+              </a:spcBef>
+              <a:spcAft>
+                <a:spcPts val="1000"/>
+              </a:spcAft>
+              <a:buFont typeface="Arial" panose="020B0604020202020204" pitchFamily="34" charset="0"/>
+              <a:buNone/>
+              <a:defRPr sz="1600" u="none" strike="noStrike" kern="1200" cap="none" spc="150" normalizeH="0" baseline="0">
+                <a:solidFill>
+                  <a:schemeClr val="tx1">
+                    <a:tint val="75000"/>
+                  </a:schemeClr>
+                </a:solidFill>
+                <a:uFillTx/>
+                <a:latin typeface="+mn-lt"/>
+                <a:ea typeface="+mn-ea"/>
+                <a:cs typeface="+mn-cs"/>
+              </a:defRPr>
+            </a:lvl5pPr>
+            <a:lvl6pPr marL="2286000" indent="0" algn="l" defTabSz="914400" rtl="0" eaLnBrk="1" latinLnBrk="0" hangingPunct="1">
+              <a:lnSpc>
+                <a:spcPct val="90000"/>
+              </a:lnSpc>
+              <a:spcBef>
+                <a:spcPts val="500"/>
+              </a:spcBef>
+              <a:buFont typeface="Arial" panose="020B0604020202020204" pitchFamily="34" charset="0"/>
+              <a:buNone/>
+              <a:defRPr sz="1600" kern="1200">
+                <a:solidFill>
+                  <a:schemeClr val="tx1">
+                    <a:tint val="75000"/>
+                  </a:schemeClr>
+                </a:solidFill>
+                <a:latin typeface="+mn-lt"/>
+                <a:ea typeface="+mn-ea"/>
+                <a:cs typeface="+mn-cs"/>
+              </a:defRPr>
+            </a:lvl6pPr>
+            <a:lvl7pPr marL="2743200" indent="0" algn="l" defTabSz="914400" rtl="0" eaLnBrk="1" latinLnBrk="0" hangingPunct="1">
+              <a:lnSpc>
+                <a:spcPct val="90000"/>
+              </a:lnSpc>
+              <a:spcBef>
+                <a:spcPts val="500"/>
+              </a:spcBef>
+              <a:buFont typeface="Arial" panose="020B0604020202020204" pitchFamily="34" charset="0"/>
+              <a:buNone/>
+              <a:defRPr sz="1600" kern="1200">
+                <a:solidFill>
+                  <a:schemeClr val="tx1">
+                    <a:tint val="75000"/>
+                  </a:schemeClr>
+                </a:solidFill>
+                <a:latin typeface="+mn-lt"/>
+                <a:ea typeface="+mn-ea"/>
+                <a:cs typeface="+mn-cs"/>
+              </a:defRPr>
+            </a:lvl7pPr>
+            <a:lvl8pPr marL="3200400" indent="0" algn="l" defTabSz="914400" rtl="0" eaLnBrk="1" latinLnBrk="0" hangingPunct="1">
+              <a:lnSpc>
+                <a:spcPct val="90000"/>
+              </a:lnSpc>
+              <a:spcBef>
+                <a:spcPts val="500"/>
+              </a:spcBef>
+              <a:buFont typeface="Arial" panose="020B0604020202020204" pitchFamily="34" charset="0"/>
+              <a:buNone/>
+              <a:defRPr sz="1600" kern="1200">
+                <a:solidFill>
+                  <a:schemeClr val="tx1">
+                    <a:tint val="75000"/>
+                  </a:schemeClr>
+                </a:solidFill>
+                <a:latin typeface="+mn-lt"/>
+                <a:ea typeface="+mn-ea"/>
+                <a:cs typeface="+mn-cs"/>
+              </a:defRPr>
+            </a:lvl8pPr>
+            <a:lvl9pPr marL="3657600" indent="0" algn="l" defTabSz="914400" rtl="0" eaLnBrk="1" latinLnBrk="0" hangingPunct="1">
+              <a:lnSpc>
+                <a:spcPct val="90000"/>
+              </a:lnSpc>
+              <a:spcBef>
+                <a:spcPts val="500"/>
+              </a:spcBef>
+              <a:buFont typeface="Arial" panose="020B0604020202020204" pitchFamily="34" charset="0"/>
+              <a:buNone/>
+              <a:defRPr sz="1600" kern="1200">
+                <a:solidFill>
+                  <a:schemeClr val="tx1">
+                    <a:tint val="75000"/>
+                  </a:schemeClr>
+                </a:solidFill>
+                <a:latin typeface="+mn-lt"/>
+                <a:ea typeface="+mn-ea"/>
+                <a:cs typeface="+mn-cs"/>
+              </a:defRPr>
+            </a:lvl9pPr>
+          </a:lstStyle>
+          <a:p>
+            <a:pPr marL="285750" indent="-285750">
+              <a:buFont typeface="Arial" panose="020B0604020202020204" pitchFamily="34" charset="0"/>
+              <a:buChar char="•"/>
+            </a:pPr>
+            <a:r>
+              <a:rPr lang="zh-CN" altLang="en-US" dirty="0"/>
+              <a:t>对隐藏层进行梯度检查的步骤是什么？</a:t>
+            </a:r>
+            <a:endParaRPr lang="en-US" altLang="zh-CN" dirty="0"/>
+          </a:p>
+          <a:p>
+            <a:pPr marL="285750" indent="-285750">
+              <a:buFont typeface="Arial" panose="020B0604020202020204" pitchFamily="34" charset="0"/>
+              <a:buChar char="•"/>
+            </a:pPr>
+            <a:r>
+              <a:rPr lang="zh-CN" altLang="en-US" dirty="0"/>
+              <a:t>在通过后向传播计算梯度时，需要输出层的误差项，它是多少？</a:t>
+            </a:r>
+            <a:endParaRPr lang="en-US" altLang="zh-CN" dirty="0"/>
+          </a:p>
+          <a:p>
+            <a:pPr marL="742950" lvl="1" indent="-285750">
+              <a:buFont typeface="Arial" panose="020B0604020202020204" pitchFamily="34" charset="0"/>
+              <a:buChar char="•"/>
+            </a:pPr>
+            <a:r>
+              <a:rPr lang="zh-CN" altLang="en-US" dirty="0"/>
+              <a:t>损失函数</a:t>
+            </a:r>
+            <a:r>
+              <a:rPr lang="en-US" altLang="zh-CN" dirty="0"/>
+              <a:t>E</a:t>
+            </a:r>
+            <a:r>
+              <a:rPr lang="zh-CN" altLang="en-US" dirty="0"/>
+              <a:t>应该设计成什么，以及应该选择什么激活函数（</a:t>
+            </a:r>
+            <a:r>
+              <a:rPr lang="en-US" altLang="zh-CN" dirty="0"/>
+              <a:t>sigmoid/linear</a:t>
+            </a:r>
+            <a:r>
+              <a:rPr lang="zh-CN" altLang="en-US" dirty="0"/>
+              <a:t>），才能使输出层的误差向量的值全为</a:t>
+            </a:r>
+            <a:r>
+              <a:rPr lang="en-US" altLang="zh-CN" dirty="0"/>
+              <a:t>1</a:t>
+            </a:r>
+            <a:r>
+              <a:rPr lang="zh-CN" altLang="en-US" dirty="0"/>
+              <a:t>？</a:t>
+            </a:r>
+            <a:endParaRPr lang="en-US" altLang="zh-CN" dirty="0"/>
+          </a:p>
+          <a:p>
+            <a:pPr marL="285750" indent="-285750">
+              <a:buFont typeface="Arial" panose="020B0604020202020204" pitchFamily="34" charset="0"/>
+              <a:buChar char="•"/>
+            </a:pPr>
+            <a:endParaRPr lang="en-US" altLang="zh-CN" dirty="0"/>
+          </a:p>
+          <a:p>
+            <a:pPr marL="285750" indent="-285750">
+              <a:buFont typeface="Arial" panose="020B0604020202020204" pitchFamily="34" charset="0"/>
+              <a:buChar char="•"/>
+            </a:pPr>
+            <a:endParaRPr lang="en-US" altLang="zh-CN" dirty="0"/>
+          </a:p>
+          <a:p>
+            <a:pPr marL="285750" indent="-285750">
+              <a:buFont typeface="Arial" panose="020B0604020202020204" pitchFamily="34" charset="0"/>
+              <a:buChar char="•"/>
+            </a:pPr>
+            <a:endParaRPr lang="en-US" altLang="zh-CN" dirty="0"/>
+          </a:p>
+          <a:p>
+            <a:pPr marL="285750" indent="-285750">
+              <a:buFont typeface="Arial" panose="020B0604020202020204" pitchFamily="34" charset="0"/>
+              <a:buChar char="•"/>
+            </a:pPr>
+            <a:endParaRPr lang="en-US" altLang="zh-CN" dirty="0"/>
+          </a:p>
+          <a:p>
+            <a:pPr marL="285750" indent="-285750">
+              <a:buFont typeface="Arial" panose="020B0604020202020204" pitchFamily="34" charset="0"/>
+              <a:buChar char="•"/>
+            </a:pPr>
+            <a:endParaRPr lang="en-US" altLang="zh-CN" dirty="0"/>
+          </a:p>
+          <a:p>
+            <a:pPr marL="285750" indent="-285750">
+              <a:buFont typeface="Arial" panose="020B0604020202020204" pitchFamily="34" charset="0"/>
+              <a:buChar char="•"/>
+            </a:pPr>
+            <a:r>
+              <a:rPr lang="zh-CN" altLang="en-US" dirty="0"/>
+              <a:t>自学、互学、展学</a:t>
+            </a:r>
+          </a:p>
+          <a:p>
+            <a:pPr marL="285750" indent="-285750">
+              <a:buFont typeface="Arial" panose="020B0604020202020204" pitchFamily="34" charset="0"/>
+              <a:buChar char="•"/>
+            </a:pPr>
+            <a:endParaRPr lang="zh-CN" altLang="en-US" dirty="0"/>
+          </a:p>
+          <a:p>
+            <a:pPr marL="285750" indent="-285750">
+              <a:buFont typeface="Arial" panose="020B0604020202020204" pitchFamily="34" charset="0"/>
+              <a:buChar char="•"/>
+            </a:pPr>
+            <a:endParaRPr lang="en-US" altLang="zh-CN" dirty="0"/>
+          </a:p>
+          <a:p>
+            <a:pPr marL="285750" indent="-285750">
+              <a:buFont typeface="Arial" panose="020B0604020202020204" pitchFamily="34" charset="0"/>
+              <a:buChar char="•"/>
+            </a:pPr>
+            <a:endParaRPr lang="zh-CN" altLang="en-US" dirty="0"/>
+          </a:p>
+          <a:p>
+            <a:pPr marL="285750" indent="-285750">
+              <a:buFont typeface="Arial" panose="020B0604020202020204" pitchFamily="34" charset="0"/>
+              <a:buChar char="•"/>
+            </a:pPr>
+            <a:endParaRPr lang="zh-CN" altLang="en-US" dirty="0"/>
+          </a:p>
+          <a:p>
+            <a:pPr marL="285750" indent="-285750">
+              <a:buFont typeface="Arial" panose="020B0604020202020204" pitchFamily="34" charset="0"/>
+              <a:buChar char="•"/>
+            </a:pPr>
+            <a:endParaRPr lang="zh-CN" altLang="en-US" dirty="0"/>
+          </a:p>
+          <a:p>
+            <a:pPr marL="285750" indent="-285750">
+              <a:buFont typeface="Arial" panose="020B0604020202020204" pitchFamily="34" charset="0"/>
+              <a:buChar char="•"/>
+            </a:pPr>
+            <a:endParaRPr lang="zh-CN" altLang="en-US" dirty="0"/>
+          </a:p>
+          <a:p>
+            <a:pPr marL="285750" indent="-285750">
+              <a:buFont typeface="Arial" panose="020B0604020202020204" pitchFamily="34" charset="0"/>
+              <a:buChar char="•"/>
+            </a:pPr>
+            <a:endParaRPr lang="zh-CN" altLang="en-US" dirty="0"/>
+          </a:p>
+          <a:p>
+            <a:pPr marL="285750" indent="-285750">
+              <a:buFont typeface="Arial" panose="020B0604020202020204" pitchFamily="34" charset="0"/>
+              <a:buChar char="•"/>
+            </a:pPr>
+            <a:endParaRPr lang="zh-CN" altLang="en-US" dirty="0"/>
+          </a:p>
+          <a:p>
+            <a:pPr marL="285750" indent="-285750">
+              <a:buFont typeface="Arial" panose="020B0604020202020204" pitchFamily="34" charset="0"/>
+              <a:buChar char="•"/>
+            </a:pPr>
+            <a:endParaRPr lang="zh-CN" altLang="en-US" dirty="0"/>
+          </a:p>
+        </p:txBody>
+      </p:sp>
+      <p:sp>
+        <p:nvSpPr>
+          <p:cNvPr id="7" name="文本框 6">
+            <a:extLst>
+              <a:ext uri="{FF2B5EF4-FFF2-40B4-BE49-F238E27FC236}">
+                <a16:creationId xmlns:a16="http://schemas.microsoft.com/office/drawing/2014/main" id="{7AA7B2B5-D256-E3DC-10EF-0AA544BFF924}"/>
+              </a:ext>
+            </a:extLst>
+          </p:cNvPr>
+          <p:cNvSpPr txBox="1"/>
+          <p:nvPr/>
+        </p:nvSpPr>
+        <p:spPr>
+          <a:xfrm>
+            <a:off x="2448848" y="4027794"/>
+            <a:ext cx="3647152" cy="369332"/>
+          </a:xfrm>
+          <a:prstGeom prst="rect">
+            <a:avLst/>
+          </a:prstGeom>
+          <a:noFill/>
+        </p:spPr>
+        <p:txBody>
+          <a:bodyPr wrap="none" rtlCol="0">
+            <a:spAutoFit/>
+          </a:bodyPr>
+          <a:lstStyle/>
+          <a:p>
+            <a:pPr algn="l"/>
+            <a:r>
+              <a:rPr lang="zh-CN" altLang="en-US" b="0" i="0" dirty="0">
+                <a:solidFill>
+                  <a:srgbClr val="333333"/>
+                </a:solidFill>
+                <a:effectLst/>
+                <a:latin typeface="PingFang SC" panose="020B0400000000000000" pitchFamily="34" charset="-122"/>
+                <a:ea typeface="PingFang SC" panose="020B0400000000000000" pitchFamily="34" charset="-122"/>
+              </a:rPr>
+              <a:t>步骤与对输出层进行梯度检查相同</a:t>
+            </a:r>
+            <a:endParaRPr kumimoji="1" lang="zh-CN" altLang="en-US" dirty="0"/>
+          </a:p>
+        </p:txBody>
+      </p:sp>
+      <p:pic>
+        <p:nvPicPr>
+          <p:cNvPr id="4" name="图片 3">
+            <a:extLst>
+              <a:ext uri="{FF2B5EF4-FFF2-40B4-BE49-F238E27FC236}">
+                <a16:creationId xmlns:a16="http://schemas.microsoft.com/office/drawing/2014/main" id="{95279FF4-3BC8-8B88-E6AE-8D3F193B47E2}"/>
+              </a:ext>
+            </a:extLst>
+          </p:cNvPr>
+          <p:cNvPicPr>
+            <a:picLocks noChangeAspect="1"/>
+          </p:cNvPicPr>
+          <p:nvPr/>
+        </p:nvPicPr>
+        <p:blipFill>
+          <a:blip r:embed="rId3">
+            <a:extLst>
+              <a:ext uri="{28A0092B-C50C-407E-A947-70E740481C1C}">
+                <a14:useLocalDpi xmlns:a14="http://schemas.microsoft.com/office/drawing/2010/main" val="0"/>
+              </a:ext>
+            </a:extLst>
+          </a:blip>
+          <a:stretch>
+            <a:fillRect/>
+          </a:stretch>
+        </p:blipFill>
+        <p:spPr>
+          <a:xfrm>
+            <a:off x="7701329" y="1473833"/>
+            <a:ext cx="4254500" cy="1003300"/>
+          </a:xfrm>
+          <a:prstGeom prst="rect">
+            <a:avLst/>
+          </a:prstGeom>
+        </p:spPr>
+      </p:pic>
+      <p:pic>
+        <p:nvPicPr>
+          <p:cNvPr id="8" name="图片 7">
+            <a:extLst>
+              <a:ext uri="{FF2B5EF4-FFF2-40B4-BE49-F238E27FC236}">
+                <a16:creationId xmlns:a16="http://schemas.microsoft.com/office/drawing/2014/main" id="{981FD247-5AEC-8227-6BFA-15B9D3D15986}"/>
+              </a:ext>
+            </a:extLst>
+          </p:cNvPr>
+          <p:cNvPicPr>
+            <a:picLocks noChangeAspect="1"/>
+          </p:cNvPicPr>
+          <p:nvPr/>
+        </p:nvPicPr>
+        <p:blipFill>
+          <a:blip r:embed="rId4">
+            <a:extLst>
+              <a:ext uri="{28A0092B-C50C-407E-A947-70E740481C1C}">
+                <a14:useLocalDpi xmlns:a14="http://schemas.microsoft.com/office/drawing/2010/main" val="0"/>
+              </a:ext>
+            </a:extLst>
+          </a:blip>
+          <a:stretch>
+            <a:fillRect/>
+          </a:stretch>
+        </p:blipFill>
+        <p:spPr>
+          <a:xfrm>
+            <a:off x="7722523" y="3612452"/>
+            <a:ext cx="2374900" cy="2044700"/>
+          </a:xfrm>
+          <a:prstGeom prst="rect">
+            <a:avLst/>
+          </a:prstGeom>
+        </p:spPr>
+      </p:pic>
+    </p:spTree>
+    <p:custDataLst>
+      <p:tags r:id="rId1"/>
+    </p:custDataLst>
+    <p:extLst>
+      <p:ext uri="{BB962C8B-B14F-4D97-AF65-F5344CB8AC3E}">
+        <p14:creationId xmlns:p14="http://schemas.microsoft.com/office/powerpoint/2010/main" val="1634904656"/>
+      </p:ext>
+    </p:extLst>
+  </p:cSld>
+  <p:clrMapOvr>
+    <a:masterClrMapping/>
+  </p:clrMapOvr>
+  <p:timing>
+    <p:tnLst>
+      <p:par>
+        <p:cTn id="1" dur="indefinite" restart="never" nodeType="tmRoot">
+          <p:childTnLst>
+            <p:seq concurrent="1" nextAc="seek">
+              <p:cTn id="2" dur="indefinite" nodeType="mainSeq">
+                <p:childTnLst>
+                  <p:par>
+                    <p:cTn id="3" fill="hold">
+                      <p:stCondLst>
+                        <p:cond delay="indefinite"/>
+                      </p:stCondLst>
+                      <p:childTnLst>
+                        <p:par>
+                          <p:cTn id="4" fill="hold">
+                            <p:stCondLst>
+                              <p:cond delay="0"/>
+                            </p:stCondLst>
+                            <p:childTnLst>
+                              <p:par>
+                                <p:cTn id="5" presetID="1" presetClass="entr" presetSubtype="0" fill="hold" grpId="0" nodeType="clickEffect">
+                                  <p:stCondLst>
+                                    <p:cond delay="0"/>
+                                  </p:stCondLst>
+                                  <p:childTnLst>
+                                    <p:set>
+                                      <p:cBhvr>
+                                        <p:cTn id="6" dur="1" fill="hold">
+                                          <p:stCondLst>
+                                            <p:cond delay="0"/>
+                                          </p:stCondLst>
+                                        </p:cTn>
+                                        <p:tgtEl>
+                                          <p:spTgt spid="6"/>
+                                        </p:tgtEl>
+                                        <p:attrNameLst>
+                                          <p:attrName>style.visibility</p:attrName>
+                                        </p:attrNameLst>
+                                      </p:cBhvr>
+                                      <p:to>
+                                        <p:strVal val="visible"/>
+                                      </p:to>
+                                    </p:set>
+                                  </p:childTnLst>
+                                </p:cTn>
+                              </p:par>
+                            </p:childTnLst>
+                          </p:cTn>
+                        </p:par>
+                      </p:childTnLst>
+                    </p:cTn>
+                  </p:par>
+                </p:childTnLst>
+              </p:cTn>
+              <p:prevCondLst>
+                <p:cond evt="onPrev" delay="0">
+                  <p:tgtEl>
+                    <p:sldTgt/>
+                  </p:tgtEl>
+                </p:cond>
+              </p:prevCondLst>
+              <p:nextCondLst>
+                <p:cond evt="onNext" delay="0">
+                  <p:tgtEl>
+                    <p:sldTgt/>
+                  </p:tgtEl>
+                </p:cond>
+              </p:nextCondLst>
+            </p:seq>
+          </p:childTnLst>
+        </p:cTn>
+      </p:par>
+    </p:tnLst>
+    <p:bldLst>
+      <p:bldP spid="6" grpId="0"/>
+    </p:bldLst>
+  </p:timing>
+</p:sld>
+</file>
+
+<file path=ppt/slides/slide2.xml><?xml version="1.0" encoding="utf-8"?>
+<p:sld xmlns:a="http://schemas.openxmlformats.org/drawingml/2006/main" xmlns:r="http://schemas.openxmlformats.org/officeDocument/2006/relationships" xmlns:p="http://schemas.openxmlformats.org/presentationml/2006/main">
+  <p:cSld>
+    <p:spTree>
+      <p:nvGrpSpPr>
+        <p:cNvPr id="1" name=""/>
+        <p:cNvGrpSpPr/>
+        <p:nvPr/>
+      </p:nvGrpSpPr>
+      <p:grpSpPr>
+        <a:xfrm>
+          <a:off x="0" y="0"/>
+          <a:ext cx="0" cy="0"/>
+          <a:chOff x="0" y="0"/>
+          <a:chExt cx="0" cy="0"/>
+        </a:xfrm>
+      </p:grpSpPr>
+      <p:sp>
+        <p:nvSpPr>
+          <p:cNvPr id="2" name="标题 1"/>
+          <p:cNvSpPr>
+            <a:spLocks noGrp="1"/>
+          </p:cNvSpPr>
+          <p:nvPr>
+            <p:ph type="title"/>
+          </p:nvPr>
+        </p:nvSpPr>
+        <p:spPr>
+          <a:xfrm>
+            <a:off x="669882" y="2108221"/>
+            <a:ext cx="10852237" cy="899167"/>
+          </a:xfrm>
+        </p:spPr>
+        <p:txBody>
+          <a:bodyPr/>
+          <a:lstStyle/>
+          <a:p>
+            <a:r>
+              <a:rPr lang="zh-CN" altLang="en-US" dirty="0"/>
+              <a:t>第四节课：全连接层的梯度检查</a:t>
             </a:r>
           </a:p>
         </p:txBody>
@@ -9655,7 +11442,1284 @@
 </p:sld>
 </file>
 
+<file path=ppt/slides/slide20.xml><?xml version="1.0" encoding="utf-8"?>
+<p:sld xmlns:a="http://schemas.openxmlformats.org/drawingml/2006/main" xmlns:r="http://schemas.openxmlformats.org/officeDocument/2006/relationships" xmlns:p="http://schemas.openxmlformats.org/presentationml/2006/main">
+  <p:cSld>
+    <p:spTree>
+      <p:nvGrpSpPr>
+        <p:cNvPr id="1" name=""/>
+        <p:cNvGrpSpPr/>
+        <p:nvPr/>
+      </p:nvGrpSpPr>
+      <p:grpSpPr>
+        <a:xfrm>
+          <a:off x="0" y="0"/>
+          <a:ext cx="0" cy="0"/>
+          <a:chOff x="0" y="0"/>
+          <a:chExt cx="0" cy="0"/>
+        </a:xfrm>
+      </p:grpSpPr>
+      <p:sp>
+        <p:nvSpPr>
+          <p:cNvPr id="2" name="标题 1"/>
+          <p:cNvSpPr>
+            <a:spLocks noGrp="1"/>
+          </p:cNvSpPr>
+          <p:nvPr>
+            <p:ph type="title"/>
+          </p:nvPr>
+        </p:nvSpPr>
+        <p:spPr/>
+        <p:txBody>
+          <a:bodyPr/>
+          <a:lstStyle/>
+          <a:p>
+            <a:r>
+              <a:rPr lang="zh-CN" altLang="en-US" dirty="0">
+                <a:sym typeface="+mn-ea"/>
+              </a:rPr>
+              <a:t>任务</a:t>
+            </a:r>
+            <a:r>
+              <a:rPr dirty="0">
+                <a:sym typeface="+mn-ea"/>
+              </a:rPr>
+              <a:t>：</a:t>
+            </a:r>
+            <a:r>
+              <a:rPr lang="zh-CN" altLang="en-US" dirty="0">
+                <a:sym typeface="+mn-ea"/>
+              </a:rPr>
+              <a:t>实现隐藏层的梯度检查</a:t>
+            </a:r>
+            <a:endParaRPr lang="zh-CN" altLang="en-US" dirty="0"/>
+          </a:p>
+        </p:txBody>
+      </p:sp>
+    </p:spTree>
+    <p:custDataLst>
+      <p:tags r:id="rId1"/>
+    </p:custDataLst>
+    <p:extLst>
+      <p:ext uri="{BB962C8B-B14F-4D97-AF65-F5344CB8AC3E}">
+        <p14:creationId xmlns:p14="http://schemas.microsoft.com/office/powerpoint/2010/main" val="2530220228"/>
+      </p:ext>
+    </p:extLst>
+  </p:cSld>
+  <p:clrMapOvr>
+    <a:masterClrMapping/>
+  </p:clrMapOvr>
+</p:sld>
+</file>
+
+<file path=ppt/slides/slide21.xml><?xml version="1.0" encoding="utf-8"?>
+<p:sld xmlns:a="http://schemas.openxmlformats.org/drawingml/2006/main" xmlns:r="http://schemas.openxmlformats.org/officeDocument/2006/relationships" xmlns:p="http://schemas.openxmlformats.org/presentationml/2006/main">
+  <p:cSld>
+    <p:spTree>
+      <p:nvGrpSpPr>
+        <p:cNvPr id="1" name=""/>
+        <p:cNvGrpSpPr/>
+        <p:nvPr/>
+      </p:nvGrpSpPr>
+      <p:grpSpPr>
+        <a:xfrm>
+          <a:off x="0" y="0"/>
+          <a:ext cx="0" cy="0"/>
+          <a:chOff x="0" y="0"/>
+          <a:chExt cx="0" cy="0"/>
+        </a:xfrm>
+      </p:grpSpPr>
+      <p:sp>
+        <p:nvSpPr>
+          <p:cNvPr id="2" name="文本占位符 1"/>
+          <p:cNvSpPr>
+            <a:spLocks noGrp="1"/>
+          </p:cNvSpPr>
+          <p:nvPr>
+            <p:ph type="body" idx="1"/>
+          </p:nvPr>
+        </p:nvSpPr>
+        <p:spPr/>
+        <p:txBody>
+          <a:bodyPr/>
+          <a:lstStyle/>
+          <a:p>
+            <a:pPr marL="285750" indent="-285750">
+              <a:buFont typeface="Arial" panose="020B0604020202020204" pitchFamily="34" charset="0"/>
+              <a:buChar char="•"/>
+            </a:pPr>
+            <a:endParaRPr lang="en-US" altLang="zh-CN" dirty="0"/>
+          </a:p>
+          <a:p>
+            <a:pPr marL="285750" indent="-285750">
+              <a:buFont typeface="Arial" panose="020B0604020202020204" pitchFamily="34" charset="0"/>
+              <a:buChar char="•"/>
+            </a:pPr>
+            <a:endParaRPr lang="en-US" altLang="zh-CN" dirty="0"/>
+          </a:p>
+          <a:p>
+            <a:pPr marL="285750" indent="-285750">
+              <a:buFont typeface="Arial" panose="020B0604020202020204" pitchFamily="34" charset="0"/>
+              <a:buChar char="•"/>
+            </a:pPr>
+            <a:endParaRPr lang="en-US" altLang="zh-CN" dirty="0"/>
+          </a:p>
+          <a:p>
+            <a:pPr marL="285750" indent="-285750">
+              <a:buFont typeface="Arial" panose="020B0604020202020204" pitchFamily="34" charset="0"/>
+              <a:buChar char="•"/>
+            </a:pPr>
+            <a:endParaRPr lang="en-US" altLang="zh-CN" dirty="0"/>
+          </a:p>
+          <a:p>
+            <a:pPr marL="285750" indent="-285750">
+              <a:buFont typeface="Arial" panose="020B0604020202020204" pitchFamily="34" charset="0"/>
+              <a:buChar char="•"/>
+            </a:pPr>
+            <a:endParaRPr lang="en-US" altLang="zh-CN" dirty="0"/>
+          </a:p>
+          <a:p>
+            <a:pPr marL="285750" indent="-285750">
+              <a:buFont typeface="Arial" panose="020B0604020202020204" pitchFamily="34" charset="0"/>
+              <a:buChar char="•"/>
+            </a:pPr>
+            <a:endParaRPr lang="en-US" altLang="zh-CN" dirty="0"/>
+          </a:p>
+          <a:p>
+            <a:endParaRPr lang="en-US" altLang="zh-CN" dirty="0"/>
+          </a:p>
+        </p:txBody>
+      </p:sp>
+      <p:sp>
+        <p:nvSpPr>
+          <p:cNvPr id="3" name="标题 2"/>
+          <p:cNvSpPr>
+            <a:spLocks noGrp="1"/>
+          </p:cNvSpPr>
+          <p:nvPr>
+            <p:ph type="title"/>
+          </p:nvPr>
+        </p:nvSpPr>
+        <p:spPr/>
+        <p:txBody>
+          <a:bodyPr/>
+          <a:lstStyle/>
+          <a:p>
+            <a:r>
+              <a:rPr lang="zh-CN" altLang="en-US" dirty="0">
+                <a:sym typeface="+mn-ea"/>
+              </a:rPr>
+              <a:t>任务：实现隐藏层的梯度检查</a:t>
+            </a:r>
+            <a:endParaRPr dirty="0">
+              <a:sym typeface="+mn-ea"/>
+            </a:endParaRPr>
+          </a:p>
+        </p:txBody>
+      </p:sp>
+      <p:sp>
+        <p:nvSpPr>
+          <p:cNvPr id="6" name="文本占位符 1">
+            <a:extLst>
+              <a:ext uri="{FF2B5EF4-FFF2-40B4-BE49-F238E27FC236}">
+                <a16:creationId xmlns:a16="http://schemas.microsoft.com/office/drawing/2014/main" id="{BA88068A-4FDC-6963-46A5-ADEC46CDA15E}"/>
+              </a:ext>
+            </a:extLst>
+          </p:cNvPr>
+          <p:cNvSpPr txBox="1">
+            <a:spLocks/>
+          </p:cNvSpPr>
+          <p:nvPr/>
+        </p:nvSpPr>
+        <p:spPr>
+          <a:xfrm>
+            <a:off x="822325" y="1778635"/>
+            <a:ext cx="10852150" cy="4553585"/>
+          </a:xfrm>
+        </p:spPr>
+        <p:txBody>
+          <a:bodyPr lIns="101600" tIns="38100" rIns="76200" bIns="38100">
+            <a:noAutofit/>
+          </a:bodyPr>
+          <a:lstStyle>
+            <a:lvl1pPr marL="0" indent="0" algn="l" defTabSz="914400" rtl="0" eaLnBrk="1" fontAlgn="auto" latinLnBrk="0" hangingPunct="1">
+              <a:lnSpc>
+                <a:spcPct val="130000"/>
+              </a:lnSpc>
+              <a:spcBef>
+                <a:spcPts val="0"/>
+              </a:spcBef>
+              <a:spcAft>
+                <a:spcPts val="1000"/>
+              </a:spcAft>
+              <a:buFont typeface="Arial" panose="020B0604020202020204" pitchFamily="34" charset="0"/>
+              <a:buNone/>
+              <a:defRPr kumimoji="0" lang="zh-CN" altLang="en-US" sz="1600" b="0" i="0" u="none" strike="noStrike" kern="1200" cap="none" spc="150" normalizeH="0" baseline="0" noProof="1">
+                <a:solidFill>
+                  <a:schemeClr val="tx1"/>
+                </a:solidFill>
+                <a:uFillTx/>
+                <a:latin typeface="+mn-lt"/>
+                <a:ea typeface="+mn-ea"/>
+                <a:cs typeface="+mn-cs"/>
+                <a:sym typeface="+mn-ea"/>
+              </a:defRPr>
+            </a:lvl1pPr>
+            <a:lvl2pPr marL="457200" indent="0" algn="l" defTabSz="914400" rtl="0" eaLnBrk="1" fontAlgn="auto" latinLnBrk="0" hangingPunct="1">
+              <a:lnSpc>
+                <a:spcPct val="130000"/>
+              </a:lnSpc>
+              <a:spcBef>
+                <a:spcPts val="0"/>
+              </a:spcBef>
+              <a:spcAft>
+                <a:spcPts val="1000"/>
+              </a:spcAft>
+              <a:buFont typeface="Arial" panose="020B0604020202020204" pitchFamily="34" charset="0"/>
+              <a:buNone/>
+              <a:tabLst>
+                <a:tab pos="1609725" algn="l"/>
+              </a:tabLst>
+              <a:defRPr sz="2000" u="none" strike="noStrike" kern="1200" cap="none" spc="150" normalizeH="0" baseline="0">
+                <a:solidFill>
+                  <a:schemeClr val="tx1">
+                    <a:tint val="75000"/>
+                  </a:schemeClr>
+                </a:solidFill>
+                <a:uFillTx/>
+                <a:latin typeface="+mn-lt"/>
+                <a:ea typeface="+mn-ea"/>
+                <a:cs typeface="+mn-cs"/>
+              </a:defRPr>
+            </a:lvl2pPr>
+            <a:lvl3pPr marL="914400" indent="0" algn="l" defTabSz="914400" rtl="0" eaLnBrk="1" fontAlgn="auto" latinLnBrk="0" hangingPunct="1">
+              <a:lnSpc>
+                <a:spcPct val="130000"/>
+              </a:lnSpc>
+              <a:spcBef>
+                <a:spcPts val="0"/>
+              </a:spcBef>
+              <a:spcAft>
+                <a:spcPts val="1000"/>
+              </a:spcAft>
+              <a:buFont typeface="Arial" panose="020B0604020202020204" pitchFamily="34" charset="0"/>
+              <a:buNone/>
+              <a:defRPr sz="1800" u="none" strike="noStrike" kern="1200" cap="none" spc="150" normalizeH="0" baseline="0">
+                <a:solidFill>
+                  <a:schemeClr val="tx1">
+                    <a:tint val="75000"/>
+                  </a:schemeClr>
+                </a:solidFill>
+                <a:uFillTx/>
+                <a:latin typeface="+mn-lt"/>
+                <a:ea typeface="+mn-ea"/>
+                <a:cs typeface="+mn-cs"/>
+              </a:defRPr>
+            </a:lvl3pPr>
+            <a:lvl4pPr marL="1371600" indent="0" algn="l" defTabSz="914400" rtl="0" eaLnBrk="1" fontAlgn="auto" latinLnBrk="0" hangingPunct="1">
+              <a:lnSpc>
+                <a:spcPct val="130000"/>
+              </a:lnSpc>
+              <a:spcBef>
+                <a:spcPts val="0"/>
+              </a:spcBef>
+              <a:spcAft>
+                <a:spcPts val="1000"/>
+              </a:spcAft>
+              <a:buFont typeface="Arial" panose="020B0604020202020204" pitchFamily="34" charset="0"/>
+              <a:buNone/>
+              <a:defRPr sz="1600" u="none" strike="noStrike" kern="1200" cap="none" spc="150" normalizeH="0" baseline="0">
+                <a:solidFill>
+                  <a:schemeClr val="tx1">
+                    <a:tint val="75000"/>
+                  </a:schemeClr>
+                </a:solidFill>
+                <a:uFillTx/>
+                <a:latin typeface="+mn-lt"/>
+                <a:ea typeface="+mn-ea"/>
+                <a:cs typeface="+mn-cs"/>
+              </a:defRPr>
+            </a:lvl4pPr>
+            <a:lvl5pPr marL="1828800" indent="0" algn="l" defTabSz="914400" rtl="0" eaLnBrk="1" fontAlgn="auto" latinLnBrk="0" hangingPunct="1">
+              <a:lnSpc>
+                <a:spcPct val="130000"/>
+              </a:lnSpc>
+              <a:spcBef>
+                <a:spcPts val="0"/>
+              </a:spcBef>
+              <a:spcAft>
+                <a:spcPts val="1000"/>
+              </a:spcAft>
+              <a:buFont typeface="Arial" panose="020B0604020202020204" pitchFamily="34" charset="0"/>
+              <a:buNone/>
+              <a:defRPr sz="1600" u="none" strike="noStrike" kern="1200" cap="none" spc="150" normalizeH="0" baseline="0">
+                <a:solidFill>
+                  <a:schemeClr val="tx1">
+                    <a:tint val="75000"/>
+                  </a:schemeClr>
+                </a:solidFill>
+                <a:uFillTx/>
+                <a:latin typeface="+mn-lt"/>
+                <a:ea typeface="+mn-ea"/>
+                <a:cs typeface="+mn-cs"/>
+              </a:defRPr>
+            </a:lvl5pPr>
+            <a:lvl6pPr marL="2286000" indent="0" algn="l" defTabSz="914400" rtl="0" eaLnBrk="1" latinLnBrk="0" hangingPunct="1">
+              <a:lnSpc>
+                <a:spcPct val="90000"/>
+              </a:lnSpc>
+              <a:spcBef>
+                <a:spcPts val="500"/>
+              </a:spcBef>
+              <a:buFont typeface="Arial" panose="020B0604020202020204" pitchFamily="34" charset="0"/>
+              <a:buNone/>
+              <a:defRPr sz="1600" kern="1200">
+                <a:solidFill>
+                  <a:schemeClr val="tx1">
+                    <a:tint val="75000"/>
+                  </a:schemeClr>
+                </a:solidFill>
+                <a:latin typeface="+mn-lt"/>
+                <a:ea typeface="+mn-ea"/>
+                <a:cs typeface="+mn-cs"/>
+              </a:defRPr>
+            </a:lvl6pPr>
+            <a:lvl7pPr marL="2743200" indent="0" algn="l" defTabSz="914400" rtl="0" eaLnBrk="1" latinLnBrk="0" hangingPunct="1">
+              <a:lnSpc>
+                <a:spcPct val="90000"/>
+              </a:lnSpc>
+              <a:spcBef>
+                <a:spcPts val="500"/>
+              </a:spcBef>
+              <a:buFont typeface="Arial" panose="020B0604020202020204" pitchFamily="34" charset="0"/>
+              <a:buNone/>
+              <a:defRPr sz="1600" kern="1200">
+                <a:solidFill>
+                  <a:schemeClr val="tx1">
+                    <a:tint val="75000"/>
+                  </a:schemeClr>
+                </a:solidFill>
+                <a:latin typeface="+mn-lt"/>
+                <a:ea typeface="+mn-ea"/>
+                <a:cs typeface="+mn-cs"/>
+              </a:defRPr>
+            </a:lvl7pPr>
+            <a:lvl8pPr marL="3200400" indent="0" algn="l" defTabSz="914400" rtl="0" eaLnBrk="1" latinLnBrk="0" hangingPunct="1">
+              <a:lnSpc>
+                <a:spcPct val="90000"/>
+              </a:lnSpc>
+              <a:spcBef>
+                <a:spcPts val="500"/>
+              </a:spcBef>
+              <a:buFont typeface="Arial" panose="020B0604020202020204" pitchFamily="34" charset="0"/>
+              <a:buNone/>
+              <a:defRPr sz="1600" kern="1200">
+                <a:solidFill>
+                  <a:schemeClr val="tx1">
+                    <a:tint val="75000"/>
+                  </a:schemeClr>
+                </a:solidFill>
+                <a:latin typeface="+mn-lt"/>
+                <a:ea typeface="+mn-ea"/>
+                <a:cs typeface="+mn-cs"/>
+              </a:defRPr>
+            </a:lvl8pPr>
+            <a:lvl9pPr marL="3657600" indent="0" algn="l" defTabSz="914400" rtl="0" eaLnBrk="1" latinLnBrk="0" hangingPunct="1">
+              <a:lnSpc>
+                <a:spcPct val="90000"/>
+              </a:lnSpc>
+              <a:spcBef>
+                <a:spcPts val="500"/>
+              </a:spcBef>
+              <a:buFont typeface="Arial" panose="020B0604020202020204" pitchFamily="34" charset="0"/>
+              <a:buNone/>
+              <a:defRPr sz="1600" kern="1200">
+                <a:solidFill>
+                  <a:schemeClr val="tx1">
+                    <a:tint val="75000"/>
+                  </a:schemeClr>
+                </a:solidFill>
+                <a:latin typeface="+mn-lt"/>
+                <a:ea typeface="+mn-ea"/>
+                <a:cs typeface="+mn-cs"/>
+              </a:defRPr>
+            </a:lvl9pPr>
+          </a:lstStyle>
+          <a:p>
+            <a:pPr marL="285750" indent="-285750">
+              <a:buFont typeface="Arial" panose="020B0604020202020204" pitchFamily="34" charset="0"/>
+              <a:buChar char="•"/>
+            </a:pPr>
+            <a:r>
+              <a:rPr lang="zh-CN" altLang="en-US" dirty="0"/>
+              <a:t>请实现隐藏层的梯度检查</a:t>
+            </a:r>
+            <a:endParaRPr lang="en-US" altLang="zh-CN" dirty="0"/>
+          </a:p>
+          <a:p>
+            <a:pPr marL="285750" indent="-285750">
+              <a:buFont typeface="Arial" panose="020B0604020202020204" pitchFamily="34" charset="0"/>
+              <a:buChar char="•"/>
+            </a:pPr>
+            <a:r>
+              <a:rPr lang="zh-CN" altLang="en-US" dirty="0"/>
+              <a:t>运行代码，验证检查是否通过</a:t>
+            </a:r>
+            <a:endParaRPr lang="en-US" altLang="zh-CN" dirty="0"/>
+          </a:p>
+          <a:p>
+            <a:pPr marL="285750" indent="-285750">
+              <a:buFont typeface="Arial" panose="020B0604020202020204" pitchFamily="34" charset="0"/>
+              <a:buChar char="•"/>
+            </a:pPr>
+            <a:endParaRPr lang="en-US" altLang="zh-CN" dirty="0"/>
+          </a:p>
+          <a:p>
+            <a:pPr marL="285750" indent="-285750">
+              <a:buFont typeface="Arial" panose="020B0604020202020204" pitchFamily="34" charset="0"/>
+              <a:buChar char="•"/>
+            </a:pPr>
+            <a:r>
+              <a:rPr lang="zh-CN" altLang="en-US" dirty="0"/>
+              <a:t>自学、展学</a:t>
+            </a:r>
+          </a:p>
+          <a:p>
+            <a:pPr marL="285750" indent="-285750">
+              <a:buFont typeface="Arial" panose="020B0604020202020204" pitchFamily="34" charset="0"/>
+              <a:buChar char="•"/>
+            </a:pPr>
+            <a:endParaRPr lang="zh-CN" altLang="en-US" dirty="0"/>
+          </a:p>
+          <a:p>
+            <a:pPr marL="285750" indent="-285750">
+              <a:buFont typeface="Arial" panose="020B0604020202020204" pitchFamily="34" charset="0"/>
+              <a:buChar char="•"/>
+            </a:pPr>
+            <a:endParaRPr lang="en-US" altLang="zh-CN" dirty="0"/>
+          </a:p>
+          <a:p>
+            <a:pPr marL="285750" indent="-285750">
+              <a:buFont typeface="Arial" panose="020B0604020202020204" pitchFamily="34" charset="0"/>
+              <a:buChar char="•"/>
+            </a:pPr>
+            <a:endParaRPr lang="zh-CN" altLang="en-US" dirty="0"/>
+          </a:p>
+          <a:p>
+            <a:pPr marL="285750" indent="-285750">
+              <a:buFont typeface="Arial" panose="020B0604020202020204" pitchFamily="34" charset="0"/>
+              <a:buChar char="•"/>
+            </a:pPr>
+            <a:endParaRPr lang="zh-CN" altLang="en-US" dirty="0"/>
+          </a:p>
+          <a:p>
+            <a:pPr marL="285750" indent="-285750">
+              <a:buFont typeface="Arial" panose="020B0604020202020204" pitchFamily="34" charset="0"/>
+              <a:buChar char="•"/>
+            </a:pPr>
+            <a:endParaRPr lang="zh-CN" altLang="en-US" dirty="0"/>
+          </a:p>
+          <a:p>
+            <a:pPr marL="285750" indent="-285750">
+              <a:buFont typeface="Arial" panose="020B0604020202020204" pitchFamily="34" charset="0"/>
+              <a:buChar char="•"/>
+            </a:pPr>
+            <a:endParaRPr lang="zh-CN" altLang="en-US" dirty="0"/>
+          </a:p>
+          <a:p>
+            <a:pPr marL="285750" indent="-285750">
+              <a:buFont typeface="Arial" panose="020B0604020202020204" pitchFamily="34" charset="0"/>
+              <a:buChar char="•"/>
+            </a:pPr>
+            <a:endParaRPr lang="zh-CN" altLang="en-US" dirty="0"/>
+          </a:p>
+          <a:p>
+            <a:pPr marL="285750" indent="-285750">
+              <a:buFont typeface="Arial" panose="020B0604020202020204" pitchFamily="34" charset="0"/>
+              <a:buChar char="•"/>
+            </a:pPr>
+            <a:endParaRPr lang="zh-CN" altLang="en-US" dirty="0"/>
+          </a:p>
+          <a:p>
+            <a:pPr marL="285750" indent="-285750">
+              <a:buFont typeface="Arial" panose="020B0604020202020204" pitchFamily="34" charset="0"/>
+              <a:buChar char="•"/>
+            </a:pPr>
+            <a:endParaRPr lang="zh-CN" altLang="en-US" dirty="0"/>
+          </a:p>
+        </p:txBody>
+      </p:sp>
+    </p:spTree>
+    <p:custDataLst>
+      <p:tags r:id="rId1"/>
+    </p:custDataLst>
+    <p:extLst>
+      <p:ext uri="{BB962C8B-B14F-4D97-AF65-F5344CB8AC3E}">
+        <p14:creationId xmlns:p14="http://schemas.microsoft.com/office/powerpoint/2010/main" val="1406412483"/>
+      </p:ext>
+    </p:extLst>
+  </p:cSld>
+  <p:clrMapOvr>
+    <a:masterClrMapping/>
+  </p:clrMapOvr>
+  <p:timing>
+    <p:tnLst>
+      <p:par>
+        <p:cTn id="1" dur="indefinite" restart="never" nodeType="tmRoot">
+          <p:childTnLst>
+            <p:seq concurrent="1" nextAc="seek">
+              <p:cTn id="2" dur="indefinite" nodeType="mainSeq">
+                <p:childTnLst>
+                  <p:par>
+                    <p:cTn id="3" fill="hold">
+                      <p:stCondLst>
+                        <p:cond delay="indefinite"/>
+                      </p:stCondLst>
+                      <p:childTnLst>
+                        <p:par>
+                          <p:cTn id="4" fill="hold">
+                            <p:stCondLst>
+                              <p:cond delay="0"/>
+                            </p:stCondLst>
+                            <p:childTnLst>
+                              <p:par>
+                                <p:cTn id="5" presetID="1" presetClass="entr" presetSubtype="0" fill="hold" grpId="0" nodeType="clickEffect">
+                                  <p:stCondLst>
+                                    <p:cond delay="0"/>
+                                  </p:stCondLst>
+                                  <p:childTnLst>
+                                    <p:set>
+                                      <p:cBhvr>
+                                        <p:cTn id="6" dur="1" fill="hold">
+                                          <p:stCondLst>
+                                            <p:cond delay="0"/>
+                                          </p:stCondLst>
+                                        </p:cTn>
+                                        <p:tgtEl>
+                                          <p:spTgt spid="6"/>
+                                        </p:tgtEl>
+                                        <p:attrNameLst>
+                                          <p:attrName>style.visibility</p:attrName>
+                                        </p:attrNameLst>
+                                      </p:cBhvr>
+                                      <p:to>
+                                        <p:strVal val="visible"/>
+                                      </p:to>
+                                    </p:set>
+                                  </p:childTnLst>
+                                </p:cTn>
+                              </p:par>
+                            </p:childTnLst>
+                          </p:cTn>
+                        </p:par>
+                      </p:childTnLst>
+                    </p:cTn>
+                  </p:par>
+                </p:childTnLst>
+              </p:cTn>
+              <p:prevCondLst>
+                <p:cond evt="onPrev" delay="0">
+                  <p:tgtEl>
+                    <p:sldTgt/>
+                  </p:tgtEl>
+                </p:cond>
+              </p:prevCondLst>
+              <p:nextCondLst>
+                <p:cond evt="onNext" delay="0">
+                  <p:tgtEl>
+                    <p:sldTgt/>
+                  </p:tgtEl>
+                </p:cond>
+              </p:nextCondLst>
+            </p:seq>
+          </p:childTnLst>
+        </p:cTn>
+      </p:par>
+    </p:tnLst>
+    <p:bldLst>
+      <p:bldP spid="6" grpId="0"/>
+    </p:bldLst>
+  </p:timing>
+</p:sld>
+</file>
+
 <file path=ppt/slides/slide22.xml><?xml version="1.0" encoding="utf-8"?>
+<p:sld xmlns:a="http://schemas.openxmlformats.org/drawingml/2006/main" xmlns:r="http://schemas.openxmlformats.org/officeDocument/2006/relationships" xmlns:p="http://schemas.openxmlformats.org/presentationml/2006/main">
+  <p:cSld>
+    <p:spTree>
+      <p:nvGrpSpPr>
+        <p:cNvPr id="1" name=""/>
+        <p:cNvGrpSpPr/>
+        <p:nvPr/>
+      </p:nvGrpSpPr>
+      <p:grpSpPr>
+        <a:xfrm>
+          <a:off x="0" y="0"/>
+          <a:ext cx="0" cy="0"/>
+          <a:chOff x="0" y="0"/>
+          <a:chExt cx="0" cy="0"/>
+        </a:xfrm>
+      </p:grpSpPr>
+      <p:sp>
+        <p:nvSpPr>
+          <p:cNvPr id="2" name="标题 1"/>
+          <p:cNvSpPr>
+            <a:spLocks noGrp="1"/>
+          </p:cNvSpPr>
+          <p:nvPr>
+            <p:ph type="title"/>
+          </p:nvPr>
+        </p:nvSpPr>
+        <p:spPr/>
+        <p:txBody>
+          <a:bodyPr/>
+          <a:lstStyle/>
+          <a:p>
+            <a:r>
+              <a:rPr lang="zh-CN" altLang="en-US" dirty="0">
+                <a:sym typeface="+mn-ea"/>
+              </a:rPr>
+              <a:t>任务</a:t>
+            </a:r>
+            <a:r>
+              <a:rPr dirty="0">
+                <a:sym typeface="+mn-ea"/>
+              </a:rPr>
+              <a:t>：</a:t>
+            </a:r>
+            <a:r>
+              <a:rPr lang="zh-CN" altLang="en-US" dirty="0"/>
+              <a:t>整合</a:t>
+            </a:r>
+            <a:r>
+              <a:rPr lang="zh-CN" altLang="en-US" dirty="0">
+                <a:sym typeface="+mn-ea"/>
+              </a:rPr>
+              <a:t>全连接层的梯度检查</a:t>
+            </a:r>
+            <a:endParaRPr lang="zh-CN" altLang="en-US" dirty="0"/>
+          </a:p>
+        </p:txBody>
+      </p:sp>
+    </p:spTree>
+    <p:custDataLst>
+      <p:tags r:id="rId1"/>
+    </p:custDataLst>
+    <p:extLst>
+      <p:ext uri="{BB962C8B-B14F-4D97-AF65-F5344CB8AC3E}">
+        <p14:creationId xmlns:p14="http://schemas.microsoft.com/office/powerpoint/2010/main" val="3581730394"/>
+      </p:ext>
+    </p:extLst>
+  </p:cSld>
+  <p:clrMapOvr>
+    <a:masterClrMapping/>
+  </p:clrMapOvr>
+</p:sld>
+</file>
+
+<file path=ppt/slides/slide23.xml><?xml version="1.0" encoding="utf-8"?>
+<p:sld xmlns:a="http://schemas.openxmlformats.org/drawingml/2006/main" xmlns:r="http://schemas.openxmlformats.org/officeDocument/2006/relationships" xmlns:p="http://schemas.openxmlformats.org/presentationml/2006/main">
+  <p:cSld>
+    <p:spTree>
+      <p:nvGrpSpPr>
+        <p:cNvPr id="1" name=""/>
+        <p:cNvGrpSpPr/>
+        <p:nvPr/>
+      </p:nvGrpSpPr>
+      <p:grpSpPr>
+        <a:xfrm>
+          <a:off x="0" y="0"/>
+          <a:ext cx="0" cy="0"/>
+          <a:chOff x="0" y="0"/>
+          <a:chExt cx="0" cy="0"/>
+        </a:xfrm>
+      </p:grpSpPr>
+      <p:sp>
+        <p:nvSpPr>
+          <p:cNvPr id="2" name="文本占位符 1"/>
+          <p:cNvSpPr>
+            <a:spLocks noGrp="1"/>
+          </p:cNvSpPr>
+          <p:nvPr>
+            <p:ph type="body" idx="1"/>
+          </p:nvPr>
+        </p:nvSpPr>
+        <p:spPr/>
+        <p:txBody>
+          <a:bodyPr/>
+          <a:lstStyle/>
+          <a:p>
+            <a:pPr marL="285750" indent="-285750">
+              <a:buFont typeface="Arial" panose="020B0604020202020204" pitchFamily="34" charset="0"/>
+              <a:buChar char="•"/>
+            </a:pPr>
+            <a:endParaRPr lang="en-US" altLang="zh-CN" dirty="0"/>
+          </a:p>
+          <a:p>
+            <a:pPr marL="285750" indent="-285750">
+              <a:buFont typeface="Arial" panose="020B0604020202020204" pitchFamily="34" charset="0"/>
+              <a:buChar char="•"/>
+            </a:pPr>
+            <a:endParaRPr lang="en-US" altLang="zh-CN" dirty="0"/>
+          </a:p>
+          <a:p>
+            <a:pPr marL="285750" indent="-285750">
+              <a:buFont typeface="Arial" panose="020B0604020202020204" pitchFamily="34" charset="0"/>
+              <a:buChar char="•"/>
+            </a:pPr>
+            <a:endParaRPr lang="en-US" altLang="zh-CN" dirty="0"/>
+          </a:p>
+          <a:p>
+            <a:pPr marL="285750" indent="-285750">
+              <a:buFont typeface="Arial" panose="020B0604020202020204" pitchFamily="34" charset="0"/>
+              <a:buChar char="•"/>
+            </a:pPr>
+            <a:endParaRPr lang="en-US" altLang="zh-CN" dirty="0"/>
+          </a:p>
+          <a:p>
+            <a:pPr marL="285750" indent="-285750">
+              <a:buFont typeface="Arial" panose="020B0604020202020204" pitchFamily="34" charset="0"/>
+              <a:buChar char="•"/>
+            </a:pPr>
+            <a:endParaRPr lang="en-US" altLang="zh-CN" dirty="0"/>
+          </a:p>
+          <a:p>
+            <a:pPr marL="285750" indent="-285750">
+              <a:buFont typeface="Arial" panose="020B0604020202020204" pitchFamily="34" charset="0"/>
+              <a:buChar char="•"/>
+            </a:pPr>
+            <a:endParaRPr lang="en-US" altLang="zh-CN" dirty="0"/>
+          </a:p>
+          <a:p>
+            <a:endParaRPr lang="en-US" altLang="zh-CN" dirty="0"/>
+          </a:p>
+        </p:txBody>
+      </p:sp>
+      <p:sp>
+        <p:nvSpPr>
+          <p:cNvPr id="3" name="标题 2"/>
+          <p:cNvSpPr>
+            <a:spLocks noGrp="1"/>
+          </p:cNvSpPr>
+          <p:nvPr>
+            <p:ph type="title"/>
+          </p:nvPr>
+        </p:nvSpPr>
+        <p:spPr/>
+        <p:txBody>
+          <a:bodyPr/>
+          <a:lstStyle/>
+          <a:p>
+            <a:r>
+              <a:rPr lang="zh-CN" altLang="en-US" dirty="0">
+                <a:sym typeface="+mn-ea"/>
+              </a:rPr>
+              <a:t>任务：</a:t>
+            </a:r>
+            <a:r>
+              <a:rPr lang="zh-CN" altLang="en-US" dirty="0"/>
+              <a:t>整合</a:t>
+            </a:r>
+            <a:r>
+              <a:rPr lang="zh-CN" altLang="en-US" dirty="0">
+                <a:sym typeface="+mn-ea"/>
+              </a:rPr>
+              <a:t>全连接层的梯度检查</a:t>
+            </a:r>
+            <a:endParaRPr dirty="0">
+              <a:sym typeface="+mn-ea"/>
+            </a:endParaRPr>
+          </a:p>
+        </p:txBody>
+      </p:sp>
+      <p:sp>
+        <p:nvSpPr>
+          <p:cNvPr id="6" name="文本占位符 1">
+            <a:extLst>
+              <a:ext uri="{FF2B5EF4-FFF2-40B4-BE49-F238E27FC236}">
+                <a16:creationId xmlns:a16="http://schemas.microsoft.com/office/drawing/2014/main" id="{BA88068A-4FDC-6963-46A5-ADEC46CDA15E}"/>
+              </a:ext>
+            </a:extLst>
+          </p:cNvPr>
+          <p:cNvSpPr txBox="1">
+            <a:spLocks/>
+          </p:cNvSpPr>
+          <p:nvPr/>
+        </p:nvSpPr>
+        <p:spPr>
+          <a:xfrm>
+            <a:off x="822325" y="1778635"/>
+            <a:ext cx="10852150" cy="4553585"/>
+          </a:xfrm>
+        </p:spPr>
+        <p:txBody>
+          <a:bodyPr lIns="101600" tIns="38100" rIns="76200" bIns="38100">
+            <a:noAutofit/>
+          </a:bodyPr>
+          <a:lstStyle>
+            <a:lvl1pPr marL="0" indent="0" algn="l" defTabSz="914400" rtl="0" eaLnBrk="1" fontAlgn="auto" latinLnBrk="0" hangingPunct="1">
+              <a:lnSpc>
+                <a:spcPct val="130000"/>
+              </a:lnSpc>
+              <a:spcBef>
+                <a:spcPts val="0"/>
+              </a:spcBef>
+              <a:spcAft>
+                <a:spcPts val="1000"/>
+              </a:spcAft>
+              <a:buFont typeface="Arial" panose="020B0604020202020204" pitchFamily="34" charset="0"/>
+              <a:buNone/>
+              <a:defRPr kumimoji="0" lang="zh-CN" altLang="en-US" sz="1600" b="0" i="0" u="none" strike="noStrike" kern="1200" cap="none" spc="150" normalizeH="0" baseline="0" noProof="1">
+                <a:solidFill>
+                  <a:schemeClr val="tx1"/>
+                </a:solidFill>
+                <a:uFillTx/>
+                <a:latin typeface="+mn-lt"/>
+                <a:ea typeface="+mn-ea"/>
+                <a:cs typeface="+mn-cs"/>
+                <a:sym typeface="+mn-ea"/>
+              </a:defRPr>
+            </a:lvl1pPr>
+            <a:lvl2pPr marL="457200" indent="0" algn="l" defTabSz="914400" rtl="0" eaLnBrk="1" fontAlgn="auto" latinLnBrk="0" hangingPunct="1">
+              <a:lnSpc>
+                <a:spcPct val="130000"/>
+              </a:lnSpc>
+              <a:spcBef>
+                <a:spcPts val="0"/>
+              </a:spcBef>
+              <a:spcAft>
+                <a:spcPts val="1000"/>
+              </a:spcAft>
+              <a:buFont typeface="Arial" panose="020B0604020202020204" pitchFamily="34" charset="0"/>
+              <a:buNone/>
+              <a:tabLst>
+                <a:tab pos="1609725" algn="l"/>
+              </a:tabLst>
+              <a:defRPr sz="2000" u="none" strike="noStrike" kern="1200" cap="none" spc="150" normalizeH="0" baseline="0">
+                <a:solidFill>
+                  <a:schemeClr val="tx1">
+                    <a:tint val="75000"/>
+                  </a:schemeClr>
+                </a:solidFill>
+                <a:uFillTx/>
+                <a:latin typeface="+mn-lt"/>
+                <a:ea typeface="+mn-ea"/>
+                <a:cs typeface="+mn-cs"/>
+              </a:defRPr>
+            </a:lvl2pPr>
+            <a:lvl3pPr marL="914400" indent="0" algn="l" defTabSz="914400" rtl="0" eaLnBrk="1" fontAlgn="auto" latinLnBrk="0" hangingPunct="1">
+              <a:lnSpc>
+                <a:spcPct val="130000"/>
+              </a:lnSpc>
+              <a:spcBef>
+                <a:spcPts val="0"/>
+              </a:spcBef>
+              <a:spcAft>
+                <a:spcPts val="1000"/>
+              </a:spcAft>
+              <a:buFont typeface="Arial" panose="020B0604020202020204" pitchFamily="34" charset="0"/>
+              <a:buNone/>
+              <a:defRPr sz="1800" u="none" strike="noStrike" kern="1200" cap="none" spc="150" normalizeH="0" baseline="0">
+                <a:solidFill>
+                  <a:schemeClr val="tx1">
+                    <a:tint val="75000"/>
+                  </a:schemeClr>
+                </a:solidFill>
+                <a:uFillTx/>
+                <a:latin typeface="+mn-lt"/>
+                <a:ea typeface="+mn-ea"/>
+                <a:cs typeface="+mn-cs"/>
+              </a:defRPr>
+            </a:lvl3pPr>
+            <a:lvl4pPr marL="1371600" indent="0" algn="l" defTabSz="914400" rtl="0" eaLnBrk="1" fontAlgn="auto" latinLnBrk="0" hangingPunct="1">
+              <a:lnSpc>
+                <a:spcPct val="130000"/>
+              </a:lnSpc>
+              <a:spcBef>
+                <a:spcPts val="0"/>
+              </a:spcBef>
+              <a:spcAft>
+                <a:spcPts val="1000"/>
+              </a:spcAft>
+              <a:buFont typeface="Arial" panose="020B0604020202020204" pitchFamily="34" charset="0"/>
+              <a:buNone/>
+              <a:defRPr sz="1600" u="none" strike="noStrike" kern="1200" cap="none" spc="150" normalizeH="0" baseline="0">
+                <a:solidFill>
+                  <a:schemeClr val="tx1">
+                    <a:tint val="75000"/>
+                  </a:schemeClr>
+                </a:solidFill>
+                <a:uFillTx/>
+                <a:latin typeface="+mn-lt"/>
+                <a:ea typeface="+mn-ea"/>
+                <a:cs typeface="+mn-cs"/>
+              </a:defRPr>
+            </a:lvl4pPr>
+            <a:lvl5pPr marL="1828800" indent="0" algn="l" defTabSz="914400" rtl="0" eaLnBrk="1" fontAlgn="auto" latinLnBrk="0" hangingPunct="1">
+              <a:lnSpc>
+                <a:spcPct val="130000"/>
+              </a:lnSpc>
+              <a:spcBef>
+                <a:spcPts val="0"/>
+              </a:spcBef>
+              <a:spcAft>
+                <a:spcPts val="1000"/>
+              </a:spcAft>
+              <a:buFont typeface="Arial" panose="020B0604020202020204" pitchFamily="34" charset="0"/>
+              <a:buNone/>
+              <a:defRPr sz="1600" u="none" strike="noStrike" kern="1200" cap="none" spc="150" normalizeH="0" baseline="0">
+                <a:solidFill>
+                  <a:schemeClr val="tx1">
+                    <a:tint val="75000"/>
+                  </a:schemeClr>
+                </a:solidFill>
+                <a:uFillTx/>
+                <a:latin typeface="+mn-lt"/>
+                <a:ea typeface="+mn-ea"/>
+                <a:cs typeface="+mn-cs"/>
+              </a:defRPr>
+            </a:lvl5pPr>
+            <a:lvl6pPr marL="2286000" indent="0" algn="l" defTabSz="914400" rtl="0" eaLnBrk="1" latinLnBrk="0" hangingPunct="1">
+              <a:lnSpc>
+                <a:spcPct val="90000"/>
+              </a:lnSpc>
+              <a:spcBef>
+                <a:spcPts val="500"/>
+              </a:spcBef>
+              <a:buFont typeface="Arial" panose="020B0604020202020204" pitchFamily="34" charset="0"/>
+              <a:buNone/>
+              <a:defRPr sz="1600" kern="1200">
+                <a:solidFill>
+                  <a:schemeClr val="tx1">
+                    <a:tint val="75000"/>
+                  </a:schemeClr>
+                </a:solidFill>
+                <a:latin typeface="+mn-lt"/>
+                <a:ea typeface="+mn-ea"/>
+                <a:cs typeface="+mn-cs"/>
+              </a:defRPr>
+            </a:lvl6pPr>
+            <a:lvl7pPr marL="2743200" indent="0" algn="l" defTabSz="914400" rtl="0" eaLnBrk="1" latinLnBrk="0" hangingPunct="1">
+              <a:lnSpc>
+                <a:spcPct val="90000"/>
+              </a:lnSpc>
+              <a:spcBef>
+                <a:spcPts val="500"/>
+              </a:spcBef>
+              <a:buFont typeface="Arial" panose="020B0604020202020204" pitchFamily="34" charset="0"/>
+              <a:buNone/>
+              <a:defRPr sz="1600" kern="1200">
+                <a:solidFill>
+                  <a:schemeClr val="tx1">
+                    <a:tint val="75000"/>
+                  </a:schemeClr>
+                </a:solidFill>
+                <a:latin typeface="+mn-lt"/>
+                <a:ea typeface="+mn-ea"/>
+                <a:cs typeface="+mn-cs"/>
+              </a:defRPr>
+            </a:lvl7pPr>
+            <a:lvl8pPr marL="3200400" indent="0" algn="l" defTabSz="914400" rtl="0" eaLnBrk="1" latinLnBrk="0" hangingPunct="1">
+              <a:lnSpc>
+                <a:spcPct val="90000"/>
+              </a:lnSpc>
+              <a:spcBef>
+                <a:spcPts val="500"/>
+              </a:spcBef>
+              <a:buFont typeface="Arial" panose="020B0604020202020204" pitchFamily="34" charset="0"/>
+              <a:buNone/>
+              <a:defRPr sz="1600" kern="1200">
+                <a:solidFill>
+                  <a:schemeClr val="tx1">
+                    <a:tint val="75000"/>
+                  </a:schemeClr>
+                </a:solidFill>
+                <a:latin typeface="+mn-lt"/>
+                <a:ea typeface="+mn-ea"/>
+                <a:cs typeface="+mn-cs"/>
+              </a:defRPr>
+            </a:lvl8pPr>
+            <a:lvl9pPr marL="3657600" indent="0" algn="l" defTabSz="914400" rtl="0" eaLnBrk="1" latinLnBrk="0" hangingPunct="1">
+              <a:lnSpc>
+                <a:spcPct val="90000"/>
+              </a:lnSpc>
+              <a:spcBef>
+                <a:spcPts val="500"/>
+              </a:spcBef>
+              <a:buFont typeface="Arial" panose="020B0604020202020204" pitchFamily="34" charset="0"/>
+              <a:buNone/>
+              <a:defRPr sz="1600" kern="1200">
+                <a:solidFill>
+                  <a:schemeClr val="tx1">
+                    <a:tint val="75000"/>
+                  </a:schemeClr>
+                </a:solidFill>
+                <a:latin typeface="+mn-lt"/>
+                <a:ea typeface="+mn-ea"/>
+                <a:cs typeface="+mn-cs"/>
+              </a:defRPr>
+            </a:lvl9pPr>
+          </a:lstStyle>
+          <a:p>
+            <a:pPr marL="285750" indent="-285750">
+              <a:buFont typeface="Arial" panose="020B0604020202020204" pitchFamily="34" charset="0"/>
+              <a:buChar char="•"/>
+            </a:pPr>
+            <a:r>
+              <a:rPr lang="zh-CN" altLang="en-US" dirty="0"/>
+              <a:t>请整合输出层和隐藏层的梯度检查</a:t>
+            </a:r>
+            <a:endParaRPr lang="en-US" altLang="zh-CN" dirty="0"/>
+          </a:p>
+          <a:p>
+            <a:pPr marL="285750" indent="-285750">
+              <a:buFont typeface="Arial" panose="020B0604020202020204" pitchFamily="34" charset="0"/>
+              <a:buChar char="•"/>
+            </a:pPr>
+            <a:r>
+              <a:rPr lang="zh-CN" altLang="en-US" dirty="0"/>
+              <a:t>运行代码，验证检查是否通过</a:t>
+            </a:r>
+            <a:endParaRPr lang="en-US" altLang="zh-CN" dirty="0"/>
+          </a:p>
+          <a:p>
+            <a:pPr marL="285750" indent="-285750">
+              <a:buFont typeface="Arial" panose="020B0604020202020204" pitchFamily="34" charset="0"/>
+              <a:buChar char="•"/>
+            </a:pPr>
+            <a:r>
+              <a:rPr lang="zh-CN" altLang="en-US" dirty="0"/>
+              <a:t>请重构代码，消除重复代码</a:t>
+            </a:r>
+            <a:endParaRPr lang="en-US" altLang="zh-CN" dirty="0"/>
+          </a:p>
+          <a:p>
+            <a:pPr marL="285750" indent="-285750">
+              <a:buFont typeface="Arial" panose="020B0604020202020204" pitchFamily="34" charset="0"/>
+              <a:buChar char="•"/>
+            </a:pPr>
+            <a:endParaRPr lang="en-US" altLang="zh-CN" dirty="0"/>
+          </a:p>
+          <a:p>
+            <a:pPr marL="285750" indent="-285750">
+              <a:buFont typeface="Arial" panose="020B0604020202020204" pitchFamily="34" charset="0"/>
+              <a:buChar char="•"/>
+            </a:pPr>
+            <a:r>
+              <a:rPr lang="zh-CN" altLang="en-US" dirty="0"/>
+              <a:t>自学、展学</a:t>
+            </a:r>
+          </a:p>
+          <a:p>
+            <a:pPr marL="285750" indent="-285750">
+              <a:buFont typeface="Arial" panose="020B0604020202020204" pitchFamily="34" charset="0"/>
+              <a:buChar char="•"/>
+            </a:pPr>
+            <a:endParaRPr lang="zh-CN" altLang="en-US" dirty="0"/>
+          </a:p>
+          <a:p>
+            <a:pPr marL="285750" indent="-285750">
+              <a:buFont typeface="Arial" panose="020B0604020202020204" pitchFamily="34" charset="0"/>
+              <a:buChar char="•"/>
+            </a:pPr>
+            <a:endParaRPr lang="en-US" altLang="zh-CN" dirty="0"/>
+          </a:p>
+          <a:p>
+            <a:pPr marL="285750" indent="-285750">
+              <a:buFont typeface="Arial" panose="020B0604020202020204" pitchFamily="34" charset="0"/>
+              <a:buChar char="•"/>
+            </a:pPr>
+            <a:endParaRPr lang="zh-CN" altLang="en-US" dirty="0"/>
+          </a:p>
+          <a:p>
+            <a:pPr marL="285750" indent="-285750">
+              <a:buFont typeface="Arial" panose="020B0604020202020204" pitchFamily="34" charset="0"/>
+              <a:buChar char="•"/>
+            </a:pPr>
+            <a:endParaRPr lang="zh-CN" altLang="en-US" dirty="0"/>
+          </a:p>
+          <a:p>
+            <a:pPr marL="285750" indent="-285750">
+              <a:buFont typeface="Arial" panose="020B0604020202020204" pitchFamily="34" charset="0"/>
+              <a:buChar char="•"/>
+            </a:pPr>
+            <a:endParaRPr lang="zh-CN" altLang="en-US" dirty="0"/>
+          </a:p>
+          <a:p>
+            <a:pPr marL="285750" indent="-285750">
+              <a:buFont typeface="Arial" panose="020B0604020202020204" pitchFamily="34" charset="0"/>
+              <a:buChar char="•"/>
+            </a:pPr>
+            <a:endParaRPr lang="zh-CN" altLang="en-US" dirty="0"/>
+          </a:p>
+          <a:p>
+            <a:pPr marL="285750" indent="-285750">
+              <a:buFont typeface="Arial" panose="020B0604020202020204" pitchFamily="34" charset="0"/>
+              <a:buChar char="•"/>
+            </a:pPr>
+            <a:endParaRPr lang="zh-CN" altLang="en-US" dirty="0"/>
+          </a:p>
+          <a:p>
+            <a:pPr marL="285750" indent="-285750">
+              <a:buFont typeface="Arial" panose="020B0604020202020204" pitchFamily="34" charset="0"/>
+              <a:buChar char="•"/>
+            </a:pPr>
+            <a:endParaRPr lang="zh-CN" altLang="en-US" dirty="0"/>
+          </a:p>
+          <a:p>
+            <a:pPr marL="285750" indent="-285750">
+              <a:buFont typeface="Arial" panose="020B0604020202020204" pitchFamily="34" charset="0"/>
+              <a:buChar char="•"/>
+            </a:pPr>
+            <a:endParaRPr lang="zh-CN" altLang="en-US" dirty="0"/>
+          </a:p>
+        </p:txBody>
+      </p:sp>
+    </p:spTree>
+    <p:custDataLst>
+      <p:tags r:id="rId1"/>
+    </p:custDataLst>
+    <p:extLst>
+      <p:ext uri="{BB962C8B-B14F-4D97-AF65-F5344CB8AC3E}">
+        <p14:creationId xmlns:p14="http://schemas.microsoft.com/office/powerpoint/2010/main" val="1096562286"/>
+      </p:ext>
+    </p:extLst>
+  </p:cSld>
+  <p:clrMapOvr>
+    <a:masterClrMapping/>
+  </p:clrMapOvr>
+  <p:timing>
+    <p:tnLst>
+      <p:par>
+        <p:cTn id="1" dur="indefinite" restart="never" nodeType="tmRoot">
+          <p:childTnLst>
+            <p:seq concurrent="1" nextAc="seek">
+              <p:cTn id="2" dur="indefinite" nodeType="mainSeq">
+                <p:childTnLst>
+                  <p:par>
+                    <p:cTn id="3" fill="hold">
+                      <p:stCondLst>
+                        <p:cond delay="indefinite"/>
+                      </p:stCondLst>
+                      <p:childTnLst>
+                        <p:par>
+                          <p:cTn id="4" fill="hold">
+                            <p:stCondLst>
+                              <p:cond delay="0"/>
+                            </p:stCondLst>
+                            <p:childTnLst>
+                              <p:par>
+                                <p:cTn id="5" presetID="1" presetClass="entr" presetSubtype="0" fill="hold" grpId="0" nodeType="clickEffect">
+                                  <p:stCondLst>
+                                    <p:cond delay="0"/>
+                                  </p:stCondLst>
+                                  <p:childTnLst>
+                                    <p:set>
+                                      <p:cBhvr>
+                                        <p:cTn id="6" dur="1" fill="hold">
+                                          <p:stCondLst>
+                                            <p:cond delay="0"/>
+                                          </p:stCondLst>
+                                        </p:cTn>
+                                        <p:tgtEl>
+                                          <p:spTgt spid="6"/>
+                                        </p:tgtEl>
+                                        <p:attrNameLst>
+                                          <p:attrName>style.visibility</p:attrName>
+                                        </p:attrNameLst>
+                                      </p:cBhvr>
+                                      <p:to>
+                                        <p:strVal val="visible"/>
+                                      </p:to>
+                                    </p:set>
+                                  </p:childTnLst>
+                                </p:cTn>
+                              </p:par>
+                            </p:childTnLst>
+                          </p:cTn>
+                        </p:par>
+                      </p:childTnLst>
+                    </p:cTn>
+                  </p:par>
+                </p:childTnLst>
+              </p:cTn>
+              <p:prevCondLst>
+                <p:cond evt="onPrev" delay="0">
+                  <p:tgtEl>
+                    <p:sldTgt/>
+                  </p:tgtEl>
+                </p:cond>
+              </p:prevCondLst>
+              <p:nextCondLst>
+                <p:cond evt="onNext" delay="0">
+                  <p:tgtEl>
+                    <p:sldTgt/>
+                  </p:tgtEl>
+                </p:cond>
+              </p:nextCondLst>
+            </p:seq>
+          </p:childTnLst>
+        </p:cTn>
+      </p:par>
+    </p:tnLst>
+    <p:bldLst>
+      <p:bldP spid="6" grpId="0"/>
+    </p:bldLst>
+  </p:timing>
+</p:sld>
+</file>
+
+<file path=ppt/slides/slide24.xml><?xml version="1.0" encoding="utf-8"?>
+<p:sld xmlns:a="http://schemas.openxmlformats.org/drawingml/2006/main" xmlns:r="http://schemas.openxmlformats.org/officeDocument/2006/relationships" xmlns:p="http://schemas.openxmlformats.org/presentationml/2006/main">
+  <p:cSld>
+    <p:spTree>
+      <p:nvGrpSpPr>
+        <p:cNvPr id="1" name=""/>
+        <p:cNvGrpSpPr/>
+        <p:nvPr/>
+      </p:nvGrpSpPr>
+      <p:grpSpPr>
+        <a:xfrm>
+          <a:off x="0" y="0"/>
+          <a:ext cx="0" cy="0"/>
+          <a:chOff x="0" y="0"/>
+          <a:chExt cx="0" cy="0"/>
+        </a:xfrm>
+      </p:grpSpPr>
+      <p:sp>
+        <p:nvSpPr>
+          <p:cNvPr id="2" name="标题 1"/>
+          <p:cNvSpPr>
+            <a:spLocks noGrp="1"/>
+          </p:cNvSpPr>
+          <p:nvPr>
+            <p:ph type="title"/>
+          </p:nvPr>
+        </p:nvSpPr>
+        <p:spPr/>
+        <p:txBody>
+          <a:bodyPr/>
+          <a:lstStyle/>
+          <a:p>
+            <a:r>
+              <a:rPr lang="zh-CN" altLang="en-US"/>
+              <a:t>总结</a:t>
+            </a:r>
+          </a:p>
+        </p:txBody>
+      </p:sp>
+    </p:spTree>
+    <p:custDataLst>
+      <p:tags r:id="rId1"/>
+    </p:custDataLst>
+  </p:cSld>
+  <p:clrMapOvr>
+    <a:masterClrMapping/>
+  </p:clrMapOvr>
+</p:sld>
+</file>
+
+<file path=ppt/slides/slide25.xml><?xml version="1.0" encoding="utf-8"?>
 <p:sld xmlns:a="http://schemas.openxmlformats.org/drawingml/2006/main" xmlns:r="http://schemas.openxmlformats.org/officeDocument/2006/relationships" xmlns:p="http://schemas.openxmlformats.org/presentationml/2006/main">
   <p:cSld>
     <p:spTree>
@@ -9965,7 +13029,7 @@
 </p:sld>
 </file>
 
-<file path=ppt/slides/slide23.xml><?xml version="1.0" encoding="utf-8"?>
+<file path=ppt/slides/slide26.xml><?xml version="1.0" encoding="utf-8"?>
 <p:sld xmlns:a="http://schemas.openxmlformats.org/drawingml/2006/main" xmlns:r="http://schemas.openxmlformats.org/officeDocument/2006/relationships" xmlns:p="http://schemas.openxmlformats.org/presentationml/2006/main">
   <p:cSld>
     <p:spTree>
@@ -10114,7 +13178,7 @@
 </p:sld>
 </file>
 
-<file path=ppt/slides/slide24.xml><?xml version="1.0" encoding="utf-8"?>
+<file path=ppt/slides/slide27.xml><?xml version="1.0" encoding="utf-8"?>
 <p:sld xmlns:a="http://schemas.openxmlformats.org/drawingml/2006/main" xmlns:r="http://schemas.openxmlformats.org/officeDocument/2006/relationships" xmlns:p="http://schemas.openxmlformats.org/presentationml/2006/main">
   <p:cSld>
     <p:spTree>
@@ -10150,6 +13214,12 @@
               <a:buFont typeface="Arial" panose="020B0604020202020204" pitchFamily="34" charset="0"/>
               <a:buChar char="•"/>
             </a:pPr>
+            <a:r>
+              <a:rPr lang="zh-CN" altLang="en-US">
+                <a:sym typeface="+mn-ea"/>
+              </a:rPr>
+              <a:t>用全连接层识别手写数字</a:t>
+            </a:r>
             <a:endParaRPr dirty="0">
               <a:sym typeface="+mn-ea"/>
             </a:endParaRPr>
@@ -10194,7 +13264,7 @@
 </p:sld>
 </file>
 
-<file path=ppt/slides/slide25.xml><?xml version="1.0" encoding="utf-8"?>
+<file path=ppt/slides/slide28.xml><?xml version="1.0" encoding="utf-8"?>
 <p:sld xmlns:a="http://schemas.openxmlformats.org/drawingml/2006/main" xmlns:r="http://schemas.openxmlformats.org/officeDocument/2006/relationships" xmlns:p="http://schemas.openxmlformats.org/presentationml/2006/main">
   <p:cSld>
     <p:spTree>
@@ -10222,7 +13292,7 @@
 </p:sld>
 </file>
 
-<file path=ppt/slides/slide26.xml><?xml version="1.0" encoding="utf-8"?>
+<file path=ppt/slides/slide29.xml><?xml version="1.0" encoding="utf-8"?>
 <p:sld xmlns:a="http://schemas.openxmlformats.org/drawingml/2006/main" xmlns:r="http://schemas.openxmlformats.org/officeDocument/2006/relationships" xmlns:p="http://schemas.openxmlformats.org/presentationml/2006/main">
   <p:cSld>
     <p:spTree>
@@ -10284,34 +13354,6 @@
           </a:p>
         </p:txBody>
       </p:sp>
-    </p:spTree>
-    <p:custDataLst>
-      <p:tags r:id="rId1"/>
-    </p:custDataLst>
-  </p:cSld>
-  <p:clrMapOvr>
-    <a:masterClrMapping/>
-  </p:clrMapOvr>
-</p:sld>
-</file>
-
-<file path=ppt/slides/slide27.xml><?xml version="1.0" encoding="utf-8"?>
-<p:sld xmlns:a="http://schemas.openxmlformats.org/drawingml/2006/main" xmlns:r="http://schemas.openxmlformats.org/officeDocument/2006/relationships" xmlns:p="http://schemas.openxmlformats.org/presentationml/2006/main">
-  <p:cSld>
-    <p:spTree>
-      <p:nvGrpSpPr>
-        <p:cNvPr id="1" name=""/>
-        <p:cNvGrpSpPr/>
-        <p:nvPr/>
-      </p:nvGrpSpPr>
-      <p:grpSpPr>
-        <a:xfrm>
-          <a:off x="0" y="0"/>
-          <a:ext cx="0" cy="0"/>
-          <a:chOff x="0" y="0"/>
-          <a:chExt cx="0" cy="0"/>
-        </a:xfrm>
-      </p:grpSpPr>
     </p:spTree>
     <p:custDataLst>
       <p:tags r:id="rId1"/>
@@ -10538,6 +13580,34 @@
       <p:bldP spid="2" grpId="0" build="p"/>
     </p:bldLst>
   </p:timing>
+</p:sld>
+</file>
+
+<file path=ppt/slides/slide30.xml><?xml version="1.0" encoding="utf-8"?>
+<p:sld xmlns:a="http://schemas.openxmlformats.org/drawingml/2006/main" xmlns:r="http://schemas.openxmlformats.org/officeDocument/2006/relationships" xmlns:p="http://schemas.openxmlformats.org/presentationml/2006/main">
+  <p:cSld>
+    <p:spTree>
+      <p:nvGrpSpPr>
+        <p:cNvPr id="1" name=""/>
+        <p:cNvGrpSpPr/>
+        <p:nvPr/>
+      </p:nvGrpSpPr>
+      <p:grpSpPr>
+        <a:xfrm>
+          <a:off x="0" y="0"/>
+          <a:ext cx="0" cy="0"/>
+          <a:chOff x="0" y="0"/>
+          <a:chExt cx="0" cy="0"/>
+        </a:xfrm>
+      </p:grpSpPr>
+    </p:spTree>
+    <p:custDataLst>
+      <p:tags r:id="rId1"/>
+    </p:custDataLst>
+  </p:cSld>
+  <p:clrMapOvr>
+    <a:masterClrMapping/>
+  </p:clrMapOvr>
 </p:sld>
 </file>
 
@@ -11395,7 +14465,7 @@
               <a:rPr lang="zh-CN" altLang="en-US" dirty="0">
                 <a:sym typeface="+mn-ea"/>
               </a:rPr>
-              <a:t>梯度检查的思路是什么</a:t>
+              <a:t>如何以最小的误差计算导数</a:t>
             </a:r>
             <a:r>
               <a:rPr lang="zh-CN" altLang="en-US" dirty="0"/>
@@ -12279,7 +15349,7 @@
             </a:r>
             <a:r>
               <a:rPr lang="en" altLang="zh-CN" dirty="0"/>
-              <a:t>e-5</a:t>
+              <a:t>e-4</a:t>
             </a:r>
             <a:r>
               <a:rPr lang="zh-CN" altLang="en-US" dirty="0"/>
@@ -12366,6 +15436,153 @@
               <a:buChar char="•"/>
             </a:pPr>
             <a:endParaRPr lang="zh-CN" altLang="en-US" dirty="0"/>
+          </a:p>
+        </p:txBody>
+      </p:sp>
+      <p:pic>
+        <p:nvPicPr>
+          <p:cNvPr id="4" name="图片 3">
+            <a:extLst>
+              <a:ext uri="{FF2B5EF4-FFF2-40B4-BE49-F238E27FC236}">
+                <a16:creationId xmlns:a16="http://schemas.microsoft.com/office/drawing/2014/main" id="{59A3725F-8E8F-BBDC-F489-8D9EB6950171}"/>
+              </a:ext>
+            </a:extLst>
+          </p:cNvPr>
+          <p:cNvPicPr>
+            <a:picLocks noChangeAspect="1"/>
+          </p:cNvPicPr>
+          <p:nvPr/>
+        </p:nvPicPr>
+        <p:blipFill>
+          <a:blip r:embed="rId3">
+            <a:extLst>
+              <a:ext uri="{28A0092B-C50C-407E-A947-70E740481C1C}">
+                <a14:useLocalDpi xmlns:a14="http://schemas.microsoft.com/office/drawing/2010/main" val="0"/>
+              </a:ext>
+            </a:extLst>
+          </a:blip>
+          <a:stretch>
+            <a:fillRect/>
+          </a:stretch>
+        </p:blipFill>
+        <p:spPr>
+          <a:xfrm>
+            <a:off x="7698991" y="1778635"/>
+            <a:ext cx="1778000" cy="508000"/>
+          </a:xfrm>
+          <a:prstGeom prst="rect">
+            <a:avLst/>
+          </a:prstGeom>
+        </p:spPr>
+      </p:pic>
+      <p:sp>
+        <p:nvSpPr>
+          <p:cNvPr id="5" name="文本框 4">
+            <a:extLst>
+              <a:ext uri="{FF2B5EF4-FFF2-40B4-BE49-F238E27FC236}">
+                <a16:creationId xmlns:a16="http://schemas.microsoft.com/office/drawing/2014/main" id="{B22094FD-7B78-5035-9AB0-34B5C56D023A}"/>
+              </a:ext>
+            </a:extLst>
+          </p:cNvPr>
+          <p:cNvSpPr txBox="1"/>
+          <p:nvPr/>
+        </p:nvSpPr>
+        <p:spPr>
+          <a:xfrm>
+            <a:off x="5114611" y="3109098"/>
+            <a:ext cx="6631913" cy="1200329"/>
+          </a:xfrm>
+          <a:prstGeom prst="rect">
+            <a:avLst/>
+          </a:prstGeom>
+          <a:noFill/>
+        </p:spPr>
+        <p:txBody>
+          <a:bodyPr wrap="square" rtlCol="0">
+            <a:spAutoFit/>
+          </a:bodyPr>
+          <a:lstStyle/>
+          <a:p>
+            <a:r>
+              <a:rPr lang="zh-CN" altLang="en-US" b="0" i="0" dirty="0">
+                <a:effectLst/>
+                <a:latin typeface="Roboto" panose="02000000000000000000" pitchFamily="2" charset="0"/>
+              </a:rPr>
+              <a:t>因为计算机的舍入误差的原因，</a:t>
+            </a:r>
+            <a:r>
+              <a:rPr lang="en" altLang="zh-CN" dirty="0"/>
+              <a:t>h</a:t>
+            </a:r>
+            <a:r>
+              <a:rPr lang="zh-CN" altLang="en-US" b="0" i="0" dirty="0">
+                <a:effectLst/>
+                <a:latin typeface="Roboto" panose="02000000000000000000" pitchFamily="2" charset="0"/>
+              </a:rPr>
+              <a:t>不能太小，比如</a:t>
+            </a:r>
+            <a:r>
+              <a:rPr lang="en-US" altLang="zh-CN" dirty="0"/>
+              <a:t>1</a:t>
+            </a:r>
+            <a:r>
+              <a:rPr lang="en" altLang="zh-CN" dirty="0"/>
+              <a:t>e-10</a:t>
+            </a:r>
+            <a:r>
+              <a:rPr lang="zh-CN" altLang="en" b="0" i="0" dirty="0">
+                <a:effectLst/>
+                <a:latin typeface="Roboto" panose="02000000000000000000" pitchFamily="2" charset="0"/>
+              </a:rPr>
+              <a:t>，</a:t>
+            </a:r>
+            <a:r>
+              <a:rPr lang="zh-CN" altLang="en-US" b="0" i="0" dirty="0">
+                <a:effectLst/>
+                <a:latin typeface="Roboto" panose="02000000000000000000" pitchFamily="2" charset="0"/>
+              </a:rPr>
+              <a:t>会造成计算结果上的误差，所以我们一般用</a:t>
+            </a:r>
+            <a:r>
+              <a:rPr lang="en-US" altLang="zh-CN" dirty="0"/>
+              <a:t>[1</a:t>
+            </a:r>
+            <a:r>
+              <a:rPr lang="en" altLang="zh-CN" dirty="0"/>
+              <a:t>e-4,1e-7]</a:t>
+            </a:r>
+            <a:r>
+              <a:rPr lang="zh-CN" altLang="en-US" b="0" i="0" dirty="0">
+                <a:effectLst/>
+                <a:latin typeface="Roboto" panose="02000000000000000000" pitchFamily="2" charset="0"/>
+              </a:rPr>
+              <a:t>之间的数值。</a:t>
+            </a:r>
+            <a:endParaRPr lang="en-US" altLang="zh-CN" b="0" i="0" dirty="0">
+              <a:effectLst/>
+              <a:latin typeface="Roboto" panose="02000000000000000000" pitchFamily="2" charset="0"/>
+            </a:endParaRPr>
+          </a:p>
+          <a:p>
+            <a:endParaRPr lang="en-US" altLang="zh-CN" b="0" i="0" dirty="0">
+              <a:effectLst/>
+              <a:latin typeface="Roboto" panose="02000000000000000000" pitchFamily="2" charset="0"/>
+            </a:endParaRPr>
+          </a:p>
+          <a:p>
+            <a:r>
+              <a:rPr kumimoji="1" lang="zh-CN" altLang="en-US" dirty="0">
+                <a:latin typeface="Roboto" panose="02000000000000000000" pitchFamily="2" charset="0"/>
+              </a:rPr>
+              <a:t>我们这里使用</a:t>
+            </a:r>
+            <a:r>
+              <a:rPr kumimoji="1" lang="en-US" altLang="zh-CN" dirty="0">
+                <a:latin typeface="Roboto" panose="02000000000000000000" pitchFamily="2" charset="0"/>
+              </a:rPr>
+              <a:t>1e-4</a:t>
+            </a:r>
+            <a:endParaRPr kumimoji="1" lang="zh-CN" altLang="en-US" dirty="0"/>
           </a:p>
         </p:txBody>
       </p:sp>
@@ -13605,6 +16822,33 @@
 </p:tagLst>
 </file>
 
+<file path=ppt/tags/tag97.xml><?xml version="1.0" encoding="utf-8"?>
+<p:tagLst xmlns:a="http://schemas.openxmlformats.org/drawingml/2006/main" xmlns:r="http://schemas.openxmlformats.org/officeDocument/2006/relationships" xmlns:p="http://schemas.openxmlformats.org/presentationml/2006/main">
+  <p:tag name="KSO_WM_BEAUTIFY_FLAG" val="#wm#"/>
+  <p:tag name="KSO_WM_TEMPLATE_CATEGORY" val="custom"/>
+  <p:tag name="KSO_WM_TEMPLATE_INDEX" val="20187308"/>
+  <p:tag name="KSO_WM_SPECIAL_SOURCE" val="bdnull"/>
+</p:tagLst>
+</file>
+
+<file path=ppt/tags/tag98.xml><?xml version="1.0" encoding="utf-8"?>
+<p:tagLst xmlns:a="http://schemas.openxmlformats.org/drawingml/2006/main" xmlns:r="http://schemas.openxmlformats.org/officeDocument/2006/relationships" xmlns:p="http://schemas.openxmlformats.org/presentationml/2006/main">
+  <p:tag name="KSO_WM_BEAUTIFY_FLAG" val="#wm#"/>
+  <p:tag name="KSO_WM_TEMPLATE_CATEGORY" val="custom"/>
+  <p:tag name="KSO_WM_TEMPLATE_INDEX" val="20187308"/>
+  <p:tag name="KSO_WM_SPECIAL_SOURCE" val="bdnull"/>
+</p:tagLst>
+</file>
+
+<file path=ppt/tags/tag99.xml><?xml version="1.0" encoding="utf-8"?>
+<p:tagLst xmlns:a="http://schemas.openxmlformats.org/drawingml/2006/main" xmlns:r="http://schemas.openxmlformats.org/officeDocument/2006/relationships" xmlns:p="http://schemas.openxmlformats.org/presentationml/2006/main">
+  <p:tag name="KSO_WM_BEAUTIFY_FLAG" val="#wm#"/>
+  <p:tag name="KSO_WM_TEMPLATE_CATEGORY" val="custom"/>
+  <p:tag name="KSO_WM_TEMPLATE_INDEX" val="20187308"/>
+  <p:tag name="KSO_WM_SPECIAL_SOURCE" val="bdnull"/>
+</p:tagLst>
+</file>
+
 <file path=ppt/theme/theme1.xml><?xml version="1.0" encoding="utf-8"?>
 <a:theme xmlns:a="http://schemas.openxmlformats.org/drawingml/2006/main" name="Office 主题​​">
   <a:themeElements>

--- a/lessons/4_gradient_check/ppt/全连接层的梯度检查.pptx
+++ b/lessons/4_gradient_check/ppt/全连接层的梯度检查.pptx
@@ -7372,30 +7372,7 @@
             </a:pPr>
             <a:r>
               <a:rPr lang="zh-CN" altLang="en-US" dirty="0"/>
-              <a:t>请用刚刚写的代码计算下面的函数，查看是否有误差</a:t>
-            </a:r>
-            <a:endParaRPr lang="en-US" altLang="zh-CN" dirty="0"/>
-          </a:p>
-          <a:p>
-            <a:pPr marL="742950" lvl="1" indent="-285750">
-              <a:buFont typeface="Arial" panose="020B0604020202020204" pitchFamily="34" charset="0"/>
-              <a:buChar char="•"/>
-            </a:pPr>
-            <a:r>
-              <a:rPr lang="zh-CN" altLang="en-US" dirty="0"/>
-              <a:t>误差是否小于</a:t>
-            </a:r>
-            <a:r>
-              <a:rPr lang="en-US" altLang="zh-CN" dirty="0"/>
-              <a:t>1</a:t>
-            </a:r>
-            <a:r>
-              <a:rPr lang="en" altLang="zh-CN" dirty="0"/>
-              <a:t>e-4</a:t>
-            </a:r>
-            <a:r>
-              <a:rPr lang="zh-CN" altLang="en-US" dirty="0"/>
-              <a:t>？</a:t>
+              <a:t>请用刚刚写的代码计算下面的函数，查看误差是否变小了？</a:t>
             </a:r>
             <a:endParaRPr lang="en-US" altLang="zh-CN" dirty="0"/>
           </a:p>
@@ -8969,7 +8946,7 @@
             </p:nvSpPr>
             <p:spPr>
               <a:xfrm>
-                <a:off x="540971" y="3968567"/>
+                <a:off x="540971" y="4123129"/>
                 <a:ext cx="11031418" cy="1524969"/>
               </a:xfrm>
               <a:prstGeom prst="rect">
@@ -9817,7 +9794,7 @@
             </p:nvSpPr>
             <p:spPr>
               <a:xfrm>
-                <a:off x="540971" y="3968567"/>
+                <a:off x="540971" y="4123129"/>
                 <a:ext cx="11031418" cy="1524969"/>
               </a:xfrm>
               <a:prstGeom prst="rect">
@@ -9917,6 +9894,42 @@
           </a:prstGeom>
         </p:spPr>
       </p:pic>
+      <p:pic>
+        <p:nvPicPr>
+          <p:cNvPr id="14" name="图片 13">
+            <a:extLst>
+              <a:ext uri="{FF2B5EF4-FFF2-40B4-BE49-F238E27FC236}">
+                <a16:creationId xmlns:a16="http://schemas.microsoft.com/office/drawing/2014/main" id="{1D057AF2-711E-86FD-43D6-BDAFD4029977}"/>
+              </a:ext>
+            </a:extLst>
+          </p:cNvPr>
+          <p:cNvPicPr>
+            <a:picLocks noChangeAspect="1"/>
+          </p:cNvPicPr>
+          <p:nvPr/>
+        </p:nvPicPr>
+        <p:blipFill>
+          <a:blip r:embed="rId6">
+            <a:extLst>
+              <a:ext uri="{28A0092B-C50C-407E-A947-70E740481C1C}">
+                <a14:useLocalDpi xmlns:a14="http://schemas.microsoft.com/office/drawing/2010/main" val="0"/>
+              </a:ext>
+            </a:extLst>
+          </a:blip>
+          <a:stretch>
+            <a:fillRect/>
+          </a:stretch>
+        </p:blipFill>
+        <p:spPr>
+          <a:xfrm>
+            <a:off x="1919236" y="2807765"/>
+            <a:ext cx="2832155" cy="978679"/>
+          </a:xfrm>
+          <a:prstGeom prst="rect">
+            <a:avLst/>
+          </a:prstGeom>
+        </p:spPr>
+      </p:pic>
     </p:spTree>
     <p:custDataLst>
       <p:tags r:id="rId1"/>
@@ -9965,6 +9978,51 @@
                                         </p:cTn>
                                         <p:tgtEl>
                                           <p:spTgt spid="6"/>
+                                        </p:tgtEl>
+                                        <p:attrNameLst>
+                                          <p:attrName>style.visibility</p:attrName>
+                                        </p:attrNameLst>
+                                      </p:cBhvr>
+                                      <p:to>
+                                        <p:strVal val="visible"/>
+                                      </p:to>
+                                    </p:set>
+                                  </p:childTnLst>
+                                </p:cTn>
+                              </p:par>
+                            </p:childTnLst>
+                          </p:cTn>
+                        </p:par>
+                      </p:childTnLst>
+                    </p:cTn>
+                  </p:par>
+                  <p:par>
+                    <p:cTn id="7" fill="hold">
+                      <p:stCondLst>
+                        <p:cond delay="indefinite"/>
+                      </p:stCondLst>
+                      <p:childTnLst>
+                        <p:par>
+                          <p:cTn id="8" fill="hold">
+                            <p:stCondLst>
+                              <p:cond delay="0"/>
+                            </p:stCondLst>
+                            <p:childTnLst>
+                              <p:par>
+                                <p:cTn id="9" presetID="1" presetClass="entr" presetSubtype="0" fill="hold" nodeType="clickEffect">
+                                  <p:stCondLst>
+                                    <p:cond delay="0"/>
+                                  </p:stCondLst>
+                                  <p:childTnLst>
+                                    <p:set>
+                                      <p:cBhvr>
+                                        <p:cTn id="10" dur="1" fill="hold">
+                                          <p:stCondLst>
+                                            <p:cond delay="0"/>
+                                          </p:stCondLst>
+                                        </p:cTn>
+                                        <p:tgtEl>
+                                          <p:spTgt spid="14"/>
                                         </p:tgtEl>
                                         <p:attrNameLst>
                                           <p:attrName>style.visibility</p:attrName>
@@ -10518,6 +10576,42 @@
           </a:p>
         </p:txBody>
       </p:sp>
+      <p:pic>
+        <p:nvPicPr>
+          <p:cNvPr id="4" name="图片 3">
+            <a:extLst>
+              <a:ext uri="{FF2B5EF4-FFF2-40B4-BE49-F238E27FC236}">
+                <a16:creationId xmlns:a16="http://schemas.microsoft.com/office/drawing/2014/main" id="{05284E2F-8C5F-4F82-19FC-678969AC41A0}"/>
+              </a:ext>
+            </a:extLst>
+          </p:cNvPr>
+          <p:cNvPicPr>
+            <a:picLocks noChangeAspect="1"/>
+          </p:cNvPicPr>
+          <p:nvPr/>
+        </p:nvPicPr>
+        <p:blipFill>
+          <a:blip r:embed="rId3">
+            <a:extLst>
+              <a:ext uri="{28A0092B-C50C-407E-A947-70E740481C1C}">
+                <a14:useLocalDpi xmlns:a14="http://schemas.microsoft.com/office/drawing/2010/main" val="0"/>
+              </a:ext>
+            </a:extLst>
+          </a:blip>
+          <a:stretch>
+            <a:fillRect/>
+          </a:stretch>
+        </p:blipFill>
+        <p:spPr>
+          <a:xfrm>
+            <a:off x="7394575" y="1622146"/>
+            <a:ext cx="4127500" cy="2667000"/>
+          </a:xfrm>
+          <a:prstGeom prst="rect">
+            <a:avLst/>
+          </a:prstGeom>
+        </p:spPr>
+      </p:pic>
     </p:spTree>
     <p:custDataLst>
       <p:tags r:id="rId1"/>
@@ -11047,7 +11141,7 @@
             </a:r>
             <a:r>
               <a:rPr lang="zh-CN" altLang="en-US" dirty="0"/>
-              <a:t>应该设计成什么，以及应该选择什么激活函数（</a:t>
+              <a:t>应该设计成什么，以及输出层应该选择什么激活函数（</a:t>
             </a:r>
             <a:r>
               <a:rPr lang="en-US" altLang="zh-CN" dirty="0"/>
@@ -11068,10 +11162,26 @@
             <a:endParaRPr lang="en-US" altLang="zh-CN" dirty="0"/>
           </a:p>
           <a:p>
-            <a:pPr marL="285750" indent="-285750">
-              <a:buFont typeface="Arial" panose="020B0604020202020204" pitchFamily="34" charset="0"/>
-              <a:buChar char="•"/>
-            </a:pPr>
+            <a:pPr marL="742950" lvl="1" indent="-285750">
+              <a:buFont typeface="Arial" panose="020B0604020202020204" pitchFamily="34" charset="0"/>
+              <a:buChar char="•"/>
+            </a:pPr>
+            <a:r>
+              <a:rPr lang="zh-CN" altLang="en-US" dirty="0"/>
+              <a:t>隐藏层的激活</a:t>
+            </a:r>
+            <a:r>
+              <a:rPr lang="zh-CN" altLang="en-US"/>
+              <a:t>函数也必须是</a:t>
+            </a:r>
+            <a:r>
+              <a:rPr lang="en-US" altLang="zh-CN" dirty="0"/>
+              <a:t>linear</a:t>
+            </a:r>
+            <a:r>
+              <a:rPr lang="zh-CN" altLang="en-US" dirty="0"/>
+              <a:t>吗？</a:t>
+            </a:r>
             <a:endParaRPr lang="en-US" altLang="zh-CN" dirty="0"/>
           </a:p>
           <a:p>
@@ -11191,7 +11301,7 @@
         </p:nvSpPr>
         <p:spPr>
           <a:xfrm>
-            <a:off x="2448848" y="4027794"/>
+            <a:off x="2378510" y="5047099"/>
             <a:ext cx="3647152" cy="369332"/>
           </a:xfrm>
           <a:prstGeom prst="rect">
@@ -11285,7 +11395,7 @@
         </p:blipFill>
         <p:spPr>
           <a:xfrm>
-            <a:off x="7722523" y="3612452"/>
+            <a:off x="8641129" y="3592355"/>
             <a:ext cx="2374900" cy="2044700"/>
           </a:xfrm>
           <a:prstGeom prst="rect">
@@ -11949,6 +12059,42 @@
           </a:p>
         </p:txBody>
       </p:sp>
+      <p:pic>
+        <p:nvPicPr>
+          <p:cNvPr id="4" name="图片 3">
+            <a:extLst>
+              <a:ext uri="{FF2B5EF4-FFF2-40B4-BE49-F238E27FC236}">
+                <a16:creationId xmlns:a16="http://schemas.microsoft.com/office/drawing/2014/main" id="{E882F5E6-1E03-237C-7E03-2081AA856603}"/>
+              </a:ext>
+            </a:extLst>
+          </p:cNvPr>
+          <p:cNvPicPr>
+            <a:picLocks noChangeAspect="1"/>
+          </p:cNvPicPr>
+          <p:nvPr/>
+        </p:nvPicPr>
+        <p:blipFill>
+          <a:blip r:embed="rId3">
+            <a:extLst>
+              <a:ext uri="{28A0092B-C50C-407E-A947-70E740481C1C}">
+                <a14:useLocalDpi xmlns:a14="http://schemas.microsoft.com/office/drawing/2010/main" val="0"/>
+              </a:ext>
+            </a:extLst>
+          </a:blip>
+          <a:stretch>
+            <a:fillRect/>
+          </a:stretch>
+        </p:blipFill>
+        <p:spPr>
+          <a:xfrm>
+            <a:off x="7394575" y="1622146"/>
+            <a:ext cx="4127500" cy="2667000"/>
+          </a:xfrm>
+          <a:prstGeom prst="rect">
+            <a:avLst/>
+          </a:prstGeom>
+        </p:spPr>
+      </p:pic>
     </p:spTree>
     <p:custDataLst>
       <p:tags r:id="rId1"/>
@@ -13215,7 +13361,7 @@
               <a:buChar char="•"/>
             </a:pPr>
             <a:r>
-              <a:rPr lang="zh-CN" altLang="en-US">
+              <a:rPr lang="zh-CN" altLang="en-US" dirty="0">
                 <a:sym typeface="+mn-ea"/>
               </a:rPr>
               <a:t>用全连接层识别手写数字</a:t>
@@ -15307,7 +15453,7 @@
             </a:pPr>
             <a:r>
               <a:rPr lang="zh-CN" altLang="en-US" dirty="0"/>
-              <a:t>请用刚刚写的代码计算下面的函数，查看是否有误差</a:t>
+              <a:t>请用刚刚写的代码计算下面的函数，查看是否有误差？</a:t>
             </a:r>
             <a:endParaRPr lang="en-US" altLang="zh-CN" dirty="0"/>
           </a:p>
@@ -15326,11 +15472,11 @@
             </a:r>
             <a:r>
               <a:rPr lang="en-US" altLang="zh-CN" dirty="0"/>
-              <a:t>1e-10</a:t>
+              <a:t>1e-11</a:t>
             </a:r>
             <a:r>
               <a:rPr lang="zh-CN" altLang="en-US" dirty="0"/>
-              <a:t>），结果是什么？</a:t>
+              <a:t>），结果是什么？为什么？</a:t>
             </a:r>
             <a:endParaRPr lang="en-US" altLang="zh-CN" dirty="0"/>
           </a:p>
@@ -15339,22 +15485,6 @@
               <a:buFont typeface="Arial" panose="020B0604020202020204" pitchFamily="34" charset="0"/>
               <a:buChar char="•"/>
             </a:pPr>
-            <a:r>
-              <a:rPr lang="zh-CN" altLang="en-US" dirty="0"/>
-              <a:t>误差是否小于</a:t>
-            </a:r>
-            <a:r>
-              <a:rPr lang="en-US" altLang="zh-CN" dirty="0"/>
-              <a:t>1</a:t>
-            </a:r>
-            <a:r>
-              <a:rPr lang="en" altLang="zh-CN" dirty="0"/>
-              <a:t>e-4</a:t>
-            </a:r>
-            <a:r>
-              <a:rPr lang="zh-CN" altLang="en-US" dirty="0"/>
-              <a:t>？</a:t>
-            </a:r>
             <a:endParaRPr lang="en-US" altLang="zh-CN" dirty="0"/>
           </a:p>
           <a:p>
@@ -15489,7 +15619,7 @@
         </p:nvSpPr>
         <p:spPr>
           <a:xfrm>
-            <a:off x="5114611" y="3109098"/>
+            <a:off x="4383034" y="3551226"/>
             <a:ext cx="6631913" cy="1200329"/>
           </a:xfrm>
           <a:prstGeom prst="rect">

--- a/lessons/4_gradient_check/ppt/全连接层的梯度检查.pptx
+++ b/lessons/4_gradient_check/ppt/全连接层的梯度检查.pptx
@@ -6774,7 +6774,7 @@
             </a:pPr>
             <a:r>
               <a:rPr lang="zh-CN" altLang="en-US" dirty="0"/>
-              <a:t>蓝色虚线是目前导数定义求得的导数</a:t>
+              <a:t>蓝色虚线是目前求得的导数</a:t>
             </a:r>
             <a:endParaRPr lang="en-US" altLang="zh-CN" dirty="0"/>
           </a:p>
@@ -6786,6 +6786,17 @@
             <a:r>
               <a:rPr lang="zh-CN" altLang="en-US" dirty="0"/>
               <a:t>为什么？</a:t>
+            </a:r>
+            <a:endParaRPr lang="en-US" altLang="zh-CN" dirty="0"/>
+          </a:p>
+          <a:p>
+            <a:pPr marL="742950" lvl="1" indent="-285750">
+              <a:buFont typeface="Arial" panose="020B0604020202020204" pitchFamily="34" charset="0"/>
+              <a:buChar char="•"/>
+            </a:pPr>
+            <a:r>
+              <a:rPr lang="zh-CN" altLang="en-US" dirty="0"/>
+              <a:t>绿色虚线是否更接近真实导数？</a:t>
             </a:r>
             <a:endParaRPr lang="en-US" altLang="zh-CN" dirty="0"/>
           </a:p>
@@ -6993,7 +7004,7 @@
         </p:blipFill>
         <p:spPr>
           <a:xfrm>
-            <a:off x="3706655" y="4658661"/>
+            <a:off x="3776993" y="5110837"/>
             <a:ext cx="3492500" cy="685800"/>
           </a:xfrm>
           <a:prstGeom prst="rect">
@@ -7035,7 +7046,7 @@
                             </p:stCondLst>
                             <p:childTnLst>
                               <p:par>
-                                <p:cTn id="5" presetID="1" presetClass="entr" presetSubtype="0" fill="hold" grpId="0" nodeType="clickEffect">
+                                <p:cTn id="5" presetID="1" presetClass="entr" presetSubtype="0" fill="hold" nodeType="clickEffect">
                                   <p:stCondLst>
                                     <p:cond delay="0"/>
                                   </p:stCondLst>
@@ -7048,7 +7059,436 @@
                                           </p:stCondLst>
                                         </p:cTn>
                                         <p:tgtEl>
+                                          <p:spTgt spid="9"/>
+                                        </p:tgtEl>
+                                        <p:attrNameLst>
+                                          <p:attrName>style.visibility</p:attrName>
+                                        </p:attrNameLst>
+                                      </p:cBhvr>
+                                      <p:to>
+                                        <p:strVal val="visible"/>
+                                      </p:to>
+                                    </p:set>
+                                  </p:childTnLst>
+                                </p:cTn>
+                              </p:par>
+                            </p:childTnLst>
+                          </p:cTn>
+                        </p:par>
+                      </p:childTnLst>
+                    </p:cTn>
+                  </p:par>
+                  <p:par>
+                    <p:cTn id="7" fill="hold">
+                      <p:stCondLst>
+                        <p:cond delay="indefinite"/>
+                      </p:stCondLst>
+                      <p:childTnLst>
+                        <p:par>
+                          <p:cTn id="8" fill="hold">
+                            <p:stCondLst>
+                              <p:cond delay="0"/>
+                            </p:stCondLst>
+                            <p:childTnLst>
+                              <p:par>
+                                <p:cTn id="9" presetID="1" presetClass="entr" presetSubtype="0" fill="hold" grpId="0" nodeType="clickEffect">
+                                  <p:stCondLst>
+                                    <p:cond delay="0"/>
+                                  </p:stCondLst>
+                                  <p:childTnLst>
+                                    <p:set>
+                                      <p:cBhvr>
+                                        <p:cTn id="10" dur="1" fill="hold">
+                                          <p:stCondLst>
+                                            <p:cond delay="0"/>
+                                          </p:stCondLst>
+                                        </p:cTn>
+                                        <p:tgtEl>
                                           <p:spTgt spid="6"/>
+                                        </p:tgtEl>
+                                        <p:attrNameLst>
+                                          <p:attrName>style.visibility</p:attrName>
+                                        </p:attrNameLst>
+                                      </p:cBhvr>
+                                      <p:to>
+                                        <p:strVal val="visible"/>
+                                      </p:to>
+                                    </p:set>
+                                  </p:childTnLst>
+                                </p:cTn>
+                              </p:par>
+                            </p:childTnLst>
+                          </p:cTn>
+                        </p:par>
+                      </p:childTnLst>
+                    </p:cTn>
+                  </p:par>
+                  <p:par>
+                    <p:cTn id="11" fill="hold">
+                      <p:stCondLst>
+                        <p:cond delay="indefinite"/>
+                      </p:stCondLst>
+                      <p:childTnLst>
+                        <p:par>
+                          <p:cTn id="12" fill="hold">
+                            <p:stCondLst>
+                              <p:cond delay="0"/>
+                            </p:stCondLst>
+                            <p:childTnLst>
+                              <p:par>
+                                <p:cTn id="13" presetID="1" presetClass="entr" presetSubtype="0" fill="hold" nodeType="clickEffect">
+                                  <p:stCondLst>
+                                    <p:cond delay="0"/>
+                                  </p:stCondLst>
+                                  <p:childTnLst>
+                                    <p:set>
+                                      <p:cBhvr>
+                                        <p:cTn id="14" dur="1" fill="hold">
+                                          <p:stCondLst>
+                                            <p:cond delay="0"/>
+                                          </p:stCondLst>
+                                        </p:cTn>
+                                        <p:tgtEl>
+                                          <p:spTgt spid="6">
+                                            <p:txEl>
+                                              <p:pRg st="1" end="1"/>
+                                            </p:txEl>
+                                          </p:spTgt>
+                                        </p:tgtEl>
+                                        <p:attrNameLst>
+                                          <p:attrName>style.visibility</p:attrName>
+                                        </p:attrNameLst>
+                                      </p:cBhvr>
+                                      <p:to>
+                                        <p:strVal val="visible"/>
+                                      </p:to>
+                                    </p:set>
+                                  </p:childTnLst>
+                                </p:cTn>
+                              </p:par>
+                            </p:childTnLst>
+                          </p:cTn>
+                        </p:par>
+                      </p:childTnLst>
+                    </p:cTn>
+                  </p:par>
+                  <p:par>
+                    <p:cTn id="15" fill="hold">
+                      <p:stCondLst>
+                        <p:cond delay="indefinite"/>
+                      </p:stCondLst>
+                      <p:childTnLst>
+                        <p:par>
+                          <p:cTn id="16" fill="hold">
+                            <p:stCondLst>
+                              <p:cond delay="0"/>
+                            </p:stCondLst>
+                            <p:childTnLst>
+                              <p:par>
+                                <p:cTn id="17" presetID="1" presetClass="entr" presetSubtype="0" fill="hold" nodeType="clickEffect">
+                                  <p:stCondLst>
+                                    <p:cond delay="0"/>
+                                  </p:stCondLst>
+                                  <p:childTnLst>
+                                    <p:set>
+                                      <p:cBhvr>
+                                        <p:cTn id="18" dur="1" fill="hold">
+                                          <p:stCondLst>
+                                            <p:cond delay="0"/>
+                                          </p:stCondLst>
+                                        </p:cTn>
+                                        <p:tgtEl>
+                                          <p:spTgt spid="7"/>
+                                        </p:tgtEl>
+                                        <p:attrNameLst>
+                                          <p:attrName>style.visibility</p:attrName>
+                                        </p:attrNameLst>
+                                      </p:cBhvr>
+                                      <p:to>
+                                        <p:strVal val="visible"/>
+                                      </p:to>
+                                    </p:set>
+                                  </p:childTnLst>
+                                </p:cTn>
+                              </p:par>
+                            </p:childTnLst>
+                          </p:cTn>
+                        </p:par>
+                      </p:childTnLst>
+                    </p:cTn>
+                  </p:par>
+                  <p:par>
+                    <p:cTn id="19" fill="hold">
+                      <p:stCondLst>
+                        <p:cond delay="indefinite"/>
+                      </p:stCondLst>
+                      <p:childTnLst>
+                        <p:par>
+                          <p:cTn id="20" fill="hold">
+                            <p:stCondLst>
+                              <p:cond delay="0"/>
+                            </p:stCondLst>
+                            <p:childTnLst>
+                              <p:par>
+                                <p:cTn id="21" presetID="1" presetClass="entr" presetSubtype="0" fill="hold" nodeType="clickEffect">
+                                  <p:stCondLst>
+                                    <p:cond delay="0"/>
+                                  </p:stCondLst>
+                                  <p:childTnLst>
+                                    <p:set>
+                                      <p:cBhvr>
+                                        <p:cTn id="22" dur="1" fill="hold">
+                                          <p:stCondLst>
+                                            <p:cond delay="0"/>
+                                          </p:stCondLst>
+                                        </p:cTn>
+                                        <p:tgtEl>
+                                          <p:spTgt spid="6">
+                                            <p:txEl>
+                                              <p:pRg st="2" end="2"/>
+                                            </p:txEl>
+                                          </p:spTgt>
+                                        </p:tgtEl>
+                                        <p:attrNameLst>
+                                          <p:attrName>style.visibility</p:attrName>
+                                        </p:attrNameLst>
+                                      </p:cBhvr>
+                                      <p:to>
+                                        <p:strVal val="visible"/>
+                                      </p:to>
+                                    </p:set>
+                                  </p:childTnLst>
+                                </p:cTn>
+                              </p:par>
+                            </p:childTnLst>
+                          </p:cTn>
+                        </p:par>
+                      </p:childTnLst>
+                    </p:cTn>
+                  </p:par>
+                  <p:par>
+                    <p:cTn id="23" fill="hold">
+                      <p:stCondLst>
+                        <p:cond delay="indefinite"/>
+                      </p:stCondLst>
+                      <p:childTnLst>
+                        <p:par>
+                          <p:cTn id="24" fill="hold">
+                            <p:stCondLst>
+                              <p:cond delay="0"/>
+                            </p:stCondLst>
+                            <p:childTnLst>
+                              <p:par>
+                                <p:cTn id="25" presetID="1" presetClass="entr" presetSubtype="0" fill="hold" nodeType="clickEffect">
+                                  <p:stCondLst>
+                                    <p:cond delay="0"/>
+                                  </p:stCondLst>
+                                  <p:childTnLst>
+                                    <p:set>
+                                      <p:cBhvr>
+                                        <p:cTn id="26" dur="1" fill="hold">
+                                          <p:stCondLst>
+                                            <p:cond delay="0"/>
+                                          </p:stCondLst>
+                                        </p:cTn>
+                                        <p:tgtEl>
+                                          <p:spTgt spid="6">
+                                            <p:txEl>
+                                              <p:pRg st="3" end="3"/>
+                                            </p:txEl>
+                                          </p:spTgt>
+                                        </p:tgtEl>
+                                        <p:attrNameLst>
+                                          <p:attrName>style.visibility</p:attrName>
+                                        </p:attrNameLst>
+                                      </p:cBhvr>
+                                      <p:to>
+                                        <p:strVal val="visible"/>
+                                      </p:to>
+                                    </p:set>
+                                  </p:childTnLst>
+                                </p:cTn>
+                              </p:par>
+                            </p:childTnLst>
+                          </p:cTn>
+                        </p:par>
+                      </p:childTnLst>
+                    </p:cTn>
+                  </p:par>
+                  <p:par>
+                    <p:cTn id="27" fill="hold">
+                      <p:stCondLst>
+                        <p:cond delay="indefinite"/>
+                      </p:stCondLst>
+                      <p:childTnLst>
+                        <p:par>
+                          <p:cTn id="28" fill="hold">
+                            <p:stCondLst>
+                              <p:cond delay="0"/>
+                            </p:stCondLst>
+                            <p:childTnLst>
+                              <p:par>
+                                <p:cTn id="29" presetID="1" presetClass="entr" presetSubtype="0" fill="hold" nodeType="clickEffect">
+                                  <p:stCondLst>
+                                    <p:cond delay="0"/>
+                                  </p:stCondLst>
+                                  <p:childTnLst>
+                                    <p:set>
+                                      <p:cBhvr>
+                                        <p:cTn id="30" dur="1" fill="hold">
+                                          <p:stCondLst>
+                                            <p:cond delay="0"/>
+                                          </p:stCondLst>
+                                        </p:cTn>
+                                        <p:tgtEl>
+                                          <p:spTgt spid="6">
+                                            <p:txEl>
+                                              <p:pRg st="4" end="4"/>
+                                            </p:txEl>
+                                          </p:spTgt>
+                                        </p:tgtEl>
+                                        <p:attrNameLst>
+                                          <p:attrName>style.visibility</p:attrName>
+                                        </p:attrNameLst>
+                                      </p:cBhvr>
+                                      <p:to>
+                                        <p:strVal val="visible"/>
+                                      </p:to>
+                                    </p:set>
+                                  </p:childTnLst>
+                                </p:cTn>
+                              </p:par>
+                            </p:childTnLst>
+                          </p:cTn>
+                        </p:par>
+                      </p:childTnLst>
+                    </p:cTn>
+                  </p:par>
+                  <p:par>
+                    <p:cTn id="31" fill="hold">
+                      <p:stCondLst>
+                        <p:cond delay="indefinite"/>
+                      </p:stCondLst>
+                      <p:childTnLst>
+                        <p:par>
+                          <p:cTn id="32" fill="hold">
+                            <p:stCondLst>
+                              <p:cond delay="0"/>
+                            </p:stCondLst>
+                            <p:childTnLst>
+                              <p:par>
+                                <p:cTn id="33" presetID="1" presetClass="entr" presetSubtype="0" fill="hold" nodeType="clickEffect">
+                                  <p:stCondLst>
+                                    <p:cond delay="0"/>
+                                  </p:stCondLst>
+                                  <p:childTnLst>
+                                    <p:set>
+                                      <p:cBhvr>
+                                        <p:cTn id="34" dur="1" fill="hold">
+                                          <p:stCondLst>
+                                            <p:cond delay="0"/>
+                                          </p:stCondLst>
+                                        </p:cTn>
+                                        <p:tgtEl>
+                                          <p:spTgt spid="6">
+                                            <p:txEl>
+                                              <p:pRg st="5" end="5"/>
+                                            </p:txEl>
+                                          </p:spTgt>
+                                        </p:tgtEl>
+                                        <p:attrNameLst>
+                                          <p:attrName>style.visibility</p:attrName>
+                                        </p:attrNameLst>
+                                      </p:cBhvr>
+                                      <p:to>
+                                        <p:strVal val="visible"/>
+                                      </p:to>
+                                    </p:set>
+                                  </p:childTnLst>
+                                </p:cTn>
+                              </p:par>
+                            </p:childTnLst>
+                          </p:cTn>
+                        </p:par>
+                      </p:childTnLst>
+                    </p:cTn>
+                  </p:par>
+                  <p:par>
+                    <p:cTn id="35" fill="hold">
+                      <p:stCondLst>
+                        <p:cond delay="indefinite"/>
+                      </p:stCondLst>
+                      <p:childTnLst>
+                        <p:par>
+                          <p:cTn id="36" fill="hold">
+                            <p:stCondLst>
+                              <p:cond delay="0"/>
+                            </p:stCondLst>
+                            <p:childTnLst>
+                              <p:par>
+                                <p:cTn id="37" presetID="1" presetClass="entr" presetSubtype="0" fill="hold" nodeType="clickEffect">
+                                  <p:stCondLst>
+                                    <p:cond delay="0"/>
+                                  </p:stCondLst>
+                                  <p:childTnLst>
+                                    <p:set>
+                                      <p:cBhvr>
+                                        <p:cTn id="38" dur="1" fill="hold">
+                                          <p:stCondLst>
+                                            <p:cond delay="0"/>
+                                          </p:stCondLst>
+                                        </p:cTn>
+                                        <p:tgtEl>
+                                          <p:spTgt spid="12"/>
+                                        </p:tgtEl>
+                                        <p:attrNameLst>
+                                          <p:attrName>style.visibility</p:attrName>
+                                        </p:attrNameLst>
+                                      </p:cBhvr>
+                                      <p:to>
+                                        <p:strVal val="visible"/>
+                                      </p:to>
+                                    </p:set>
+                                  </p:childTnLst>
+                                </p:cTn>
+                              </p:par>
+                            </p:childTnLst>
+                          </p:cTn>
+                        </p:par>
+                      </p:childTnLst>
+                    </p:cTn>
+                  </p:par>
+                  <p:par>
+                    <p:cTn id="39" fill="hold">
+                      <p:stCondLst>
+                        <p:cond delay="indefinite"/>
+                      </p:stCondLst>
+                      <p:childTnLst>
+                        <p:par>
+                          <p:cTn id="40" fill="hold">
+                            <p:stCondLst>
+                              <p:cond delay="0"/>
+                            </p:stCondLst>
+                            <p:childTnLst>
+                              <p:par>
+                                <p:cTn id="41" presetID="1" presetClass="entr" presetSubtype="0" fill="hold" nodeType="clickEffect">
+                                  <p:stCondLst>
+                                    <p:cond delay="0"/>
+                                  </p:stCondLst>
+                                  <p:childTnLst>
+                                    <p:set>
+                                      <p:cBhvr>
+                                        <p:cTn id="42" dur="1" fill="hold">
+                                          <p:stCondLst>
+                                            <p:cond delay="0"/>
+                                          </p:stCondLst>
+                                        </p:cTn>
+                                        <p:tgtEl>
+                                          <p:spTgt spid="6">
+                                            <p:txEl>
+                                              <p:pRg st="6" end="6"/>
+                                            </p:txEl>
+                                          </p:spTgt>
                                         </p:tgtEl>
                                         <p:attrNameLst>
                                           <p:attrName>style.visibility</p:attrName>
@@ -7372,7 +7812,7 @@
             </a:pPr>
             <a:r>
               <a:rPr lang="zh-CN" altLang="en-US" dirty="0"/>
-              <a:t>请用刚刚写的代码计算下面的函数，查看误差是否变小了？</a:t>
+              <a:t>请用刚刚写的代码计算同样的函数，查看误差是否变小了？</a:t>
             </a:r>
             <a:endParaRPr lang="en-US" altLang="zh-CN" dirty="0"/>
           </a:p>
@@ -7560,6 +8000,51 @@
                       </p:childTnLst>
                     </p:cTn>
                   </p:par>
+                  <p:par>
+                    <p:cTn id="7" fill="hold">
+                      <p:stCondLst>
+                        <p:cond delay="indefinite"/>
+                      </p:stCondLst>
+                      <p:childTnLst>
+                        <p:par>
+                          <p:cTn id="8" fill="hold">
+                            <p:stCondLst>
+                              <p:cond delay="0"/>
+                            </p:stCondLst>
+                            <p:childTnLst>
+                              <p:par>
+                                <p:cTn id="9" presetID="1" presetClass="entr" presetSubtype="0" fill="hold" nodeType="clickEffect">
+                                  <p:stCondLst>
+                                    <p:cond delay="0"/>
+                                  </p:stCondLst>
+                                  <p:childTnLst>
+                                    <p:set>
+                                      <p:cBhvr>
+                                        <p:cTn id="10" dur="1" fill="hold">
+                                          <p:stCondLst>
+                                            <p:cond delay="0"/>
+                                          </p:stCondLst>
+                                        </p:cTn>
+                                        <p:tgtEl>
+                                          <p:spTgt spid="2"/>
+                                        </p:tgtEl>
+                                        <p:attrNameLst>
+                                          <p:attrName>style.visibility</p:attrName>
+                                        </p:attrNameLst>
+                                      </p:cBhvr>
+                                      <p:to>
+                                        <p:strVal val="visible"/>
+                                      </p:to>
+                                    </p:set>
+                                  </p:childTnLst>
+                                </p:cTn>
+                              </p:par>
+                            </p:childTnLst>
+                          </p:cTn>
+                        </p:par>
+                      </p:childTnLst>
+                    </p:cTn>
+                  </p:par>
                 </p:childTnLst>
               </p:cTn>
               <p:prevCondLst>
@@ -7949,7 +8434,7 @@
             </a:pPr>
             <a:r>
               <a:rPr lang="zh-CN" altLang="en-US" dirty="0"/>
-              <a:t>如何用导数定义的公式计算梯度？</a:t>
+              <a:t>通过导数定义的公式计算梯度的公式是什么？</a:t>
             </a:r>
             <a:endParaRPr lang="en-US" altLang="zh-CN" dirty="0"/>
           </a:p>
@@ -7960,7 +8445,7 @@
             </a:pPr>
             <a:r>
               <a:rPr lang="zh-CN" altLang="en-US" dirty="0"/>
-              <a:t>所以如何检查梯度是否正确？</a:t>
+              <a:t>如何用该公式检查梯度？</a:t>
             </a:r>
             <a:endParaRPr lang="en-US" altLang="zh-CN" dirty="0"/>
           </a:p>
@@ -8081,7 +8566,7 @@
         </p:blipFill>
         <p:spPr>
           <a:xfrm>
-            <a:off x="4581281" y="1685865"/>
+            <a:off x="4631522" y="1500788"/>
             <a:ext cx="825500" cy="774700"/>
           </a:xfrm>
           <a:prstGeom prst="rect">
@@ -8126,7 +8611,7 @@
                 <a:latin typeface="PingFang SC" panose="020B0400000000000000" pitchFamily="34" charset="-122"/>
                 <a:ea typeface="PingFang SC" panose="020B0400000000000000" pitchFamily="34" charset="-122"/>
               </a:rPr>
-              <a:t>我们使用导数定义公式来计算的值；</a:t>
+              <a:t>我们使用该公式来计算梯度值；</a:t>
             </a:r>
             <a:endParaRPr lang="en-US" altLang="zh-CN" b="0" i="0" dirty="0">
               <a:solidFill>
@@ -8147,7 +8632,7 @@
                 <a:latin typeface="PingFang SC" panose="020B0400000000000000" pitchFamily="34" charset="-122"/>
                 <a:ea typeface="PingFang SC" panose="020B0400000000000000" pitchFamily="34" charset="-122"/>
               </a:rPr>
-              <a:t>然后同后向传播计算的梯度值进行比较。</a:t>
+              <a:t>然后将其与后向传播计算的梯度值进行比较。</a:t>
             </a:r>
             <a:endParaRPr lang="en-US" altLang="zh-CN" b="0" i="0" dirty="0">
               <a:solidFill>
@@ -8312,7 +8797,7 @@
                             </p:stCondLst>
                             <p:childTnLst>
                               <p:par>
-                                <p:cTn id="5" presetID="1" presetClass="entr" presetSubtype="0" fill="hold" grpId="0" nodeType="clickEffect">
+                                <p:cTn id="5" presetID="1" presetClass="entr" presetSubtype="0" fill="hold" nodeType="clickEffect">
                                   <p:stCondLst>
                                     <p:cond delay="0"/>
                                   </p:stCondLst>
@@ -8325,7 +8810,289 @@
                                           </p:stCondLst>
                                         </p:cTn>
                                         <p:tgtEl>
-                                          <p:spTgt spid="6"/>
+                                          <p:spTgt spid="5"/>
+                                        </p:tgtEl>
+                                        <p:attrNameLst>
+                                          <p:attrName>style.visibility</p:attrName>
+                                        </p:attrNameLst>
+                                      </p:cBhvr>
+                                      <p:to>
+                                        <p:strVal val="visible"/>
+                                      </p:to>
+                                    </p:set>
+                                  </p:childTnLst>
+                                </p:cTn>
+                              </p:par>
+                            </p:childTnLst>
+                          </p:cTn>
+                        </p:par>
+                      </p:childTnLst>
+                    </p:cTn>
+                  </p:par>
+                  <p:par>
+                    <p:cTn id="7" fill="hold">
+                      <p:stCondLst>
+                        <p:cond delay="indefinite"/>
+                      </p:stCondLst>
+                      <p:childTnLst>
+                        <p:par>
+                          <p:cTn id="8" fill="hold">
+                            <p:stCondLst>
+                              <p:cond delay="0"/>
+                            </p:stCondLst>
+                            <p:childTnLst>
+                              <p:par>
+                                <p:cTn id="9" presetID="1" presetClass="entr" presetSubtype="0" fill="hold" nodeType="clickEffect">
+                                  <p:stCondLst>
+                                    <p:cond delay="0"/>
+                                  </p:stCondLst>
+                                  <p:childTnLst>
+                                    <p:set>
+                                      <p:cBhvr>
+                                        <p:cTn id="10" dur="1" fill="hold">
+                                          <p:stCondLst>
+                                            <p:cond delay="0"/>
+                                          </p:stCondLst>
+                                        </p:cTn>
+                                        <p:tgtEl>
+                                          <p:spTgt spid="6">
+                                            <p:txEl>
+                                              <p:pRg st="0" end="0"/>
+                                            </p:txEl>
+                                          </p:spTgt>
+                                        </p:tgtEl>
+                                        <p:attrNameLst>
+                                          <p:attrName>style.visibility</p:attrName>
+                                        </p:attrNameLst>
+                                      </p:cBhvr>
+                                      <p:to>
+                                        <p:strVal val="visible"/>
+                                      </p:to>
+                                    </p:set>
+                                  </p:childTnLst>
+                                </p:cTn>
+                              </p:par>
+                            </p:childTnLst>
+                          </p:cTn>
+                        </p:par>
+                      </p:childTnLst>
+                    </p:cTn>
+                  </p:par>
+                  <p:par>
+                    <p:cTn id="11" fill="hold">
+                      <p:stCondLst>
+                        <p:cond delay="indefinite"/>
+                      </p:stCondLst>
+                      <p:childTnLst>
+                        <p:par>
+                          <p:cTn id="12" fill="hold">
+                            <p:stCondLst>
+                              <p:cond delay="0"/>
+                            </p:stCondLst>
+                            <p:childTnLst>
+                              <p:par>
+                                <p:cTn id="13" presetID="1" presetClass="entr" presetSubtype="0" fill="hold" nodeType="clickEffect">
+                                  <p:stCondLst>
+                                    <p:cond delay="0"/>
+                                  </p:stCondLst>
+                                  <p:childTnLst>
+                                    <p:set>
+                                      <p:cBhvr>
+                                        <p:cTn id="14" dur="1" fill="hold">
+                                          <p:stCondLst>
+                                            <p:cond delay="0"/>
+                                          </p:stCondLst>
+                                        </p:cTn>
+                                        <p:tgtEl>
+                                          <p:spTgt spid="6">
+                                            <p:txEl>
+                                              <p:pRg st="1" end="1"/>
+                                            </p:txEl>
+                                          </p:spTgt>
+                                        </p:tgtEl>
+                                        <p:attrNameLst>
+                                          <p:attrName>style.visibility</p:attrName>
+                                        </p:attrNameLst>
+                                      </p:cBhvr>
+                                      <p:to>
+                                        <p:strVal val="visible"/>
+                                      </p:to>
+                                    </p:set>
+                                  </p:childTnLst>
+                                </p:cTn>
+                              </p:par>
+                            </p:childTnLst>
+                          </p:cTn>
+                        </p:par>
+                      </p:childTnLst>
+                    </p:cTn>
+                  </p:par>
+                  <p:par>
+                    <p:cTn id="15" fill="hold">
+                      <p:stCondLst>
+                        <p:cond delay="indefinite"/>
+                      </p:stCondLst>
+                      <p:childTnLst>
+                        <p:par>
+                          <p:cTn id="16" fill="hold">
+                            <p:stCondLst>
+                              <p:cond delay="0"/>
+                            </p:stCondLst>
+                            <p:childTnLst>
+                              <p:par>
+                                <p:cTn id="17" presetID="1" presetClass="entr" presetSubtype="0" fill="hold" nodeType="clickEffect">
+                                  <p:stCondLst>
+                                    <p:cond delay="0"/>
+                                  </p:stCondLst>
+                                  <p:childTnLst>
+                                    <p:set>
+                                      <p:cBhvr>
+                                        <p:cTn id="18" dur="1" fill="hold">
+                                          <p:stCondLst>
+                                            <p:cond delay="0"/>
+                                          </p:stCondLst>
+                                        </p:cTn>
+                                        <p:tgtEl>
+                                          <p:spTgt spid="12"/>
+                                        </p:tgtEl>
+                                        <p:attrNameLst>
+                                          <p:attrName>style.visibility</p:attrName>
+                                        </p:attrNameLst>
+                                      </p:cBhvr>
+                                      <p:to>
+                                        <p:strVal val="visible"/>
+                                      </p:to>
+                                    </p:set>
+                                  </p:childTnLst>
+                                </p:cTn>
+                              </p:par>
+                            </p:childTnLst>
+                          </p:cTn>
+                        </p:par>
+                      </p:childTnLst>
+                    </p:cTn>
+                  </p:par>
+                  <p:par>
+                    <p:cTn id="19" fill="hold">
+                      <p:stCondLst>
+                        <p:cond delay="indefinite"/>
+                      </p:stCondLst>
+                      <p:childTnLst>
+                        <p:par>
+                          <p:cTn id="20" fill="hold">
+                            <p:stCondLst>
+                              <p:cond delay="0"/>
+                            </p:stCondLst>
+                            <p:childTnLst>
+                              <p:par>
+                                <p:cTn id="21" presetID="1" presetClass="entr" presetSubtype="0" fill="hold" nodeType="clickEffect">
+                                  <p:stCondLst>
+                                    <p:cond delay="0"/>
+                                  </p:stCondLst>
+                                  <p:childTnLst>
+                                    <p:set>
+                                      <p:cBhvr>
+                                        <p:cTn id="22" dur="1" fill="hold">
+                                          <p:stCondLst>
+                                            <p:cond delay="0"/>
+                                          </p:stCondLst>
+                                        </p:cTn>
+                                        <p:tgtEl>
+                                          <p:spTgt spid="13"/>
+                                        </p:tgtEl>
+                                        <p:attrNameLst>
+                                          <p:attrName>style.visibility</p:attrName>
+                                        </p:attrNameLst>
+                                      </p:cBhvr>
+                                      <p:to>
+                                        <p:strVal val="visible"/>
+                                      </p:to>
+                                    </p:set>
+                                  </p:childTnLst>
+                                </p:cTn>
+                              </p:par>
+                            </p:childTnLst>
+                          </p:cTn>
+                        </p:par>
+                      </p:childTnLst>
+                    </p:cTn>
+                  </p:par>
+                  <p:par>
+                    <p:cTn id="23" fill="hold">
+                      <p:stCondLst>
+                        <p:cond delay="indefinite"/>
+                      </p:stCondLst>
+                      <p:childTnLst>
+                        <p:par>
+                          <p:cTn id="24" fill="hold">
+                            <p:stCondLst>
+                              <p:cond delay="0"/>
+                            </p:stCondLst>
+                            <p:childTnLst>
+                              <p:par>
+                                <p:cTn id="25" presetID="1" presetClass="entr" presetSubtype="0" fill="hold" nodeType="clickEffect">
+                                  <p:stCondLst>
+                                    <p:cond delay="0"/>
+                                  </p:stCondLst>
+                                  <p:childTnLst>
+                                    <p:set>
+                                      <p:cBhvr>
+                                        <p:cTn id="26" dur="1" fill="hold">
+                                          <p:stCondLst>
+                                            <p:cond delay="0"/>
+                                          </p:stCondLst>
+                                        </p:cTn>
+                                        <p:tgtEl>
+                                          <p:spTgt spid="6">
+                                            <p:txEl>
+                                              <p:pRg st="2" end="2"/>
+                                            </p:txEl>
+                                          </p:spTgt>
+                                        </p:tgtEl>
+                                        <p:attrNameLst>
+                                          <p:attrName>style.visibility</p:attrName>
+                                        </p:attrNameLst>
+                                      </p:cBhvr>
+                                      <p:to>
+                                        <p:strVal val="visible"/>
+                                      </p:to>
+                                    </p:set>
+                                  </p:childTnLst>
+                                </p:cTn>
+                              </p:par>
+                            </p:childTnLst>
+                          </p:cTn>
+                        </p:par>
+                      </p:childTnLst>
+                    </p:cTn>
+                  </p:par>
+                  <p:par>
+                    <p:cTn id="27" fill="hold">
+                      <p:stCondLst>
+                        <p:cond delay="indefinite"/>
+                      </p:stCondLst>
+                      <p:childTnLst>
+                        <p:par>
+                          <p:cTn id="28" fill="hold">
+                            <p:stCondLst>
+                              <p:cond delay="0"/>
+                            </p:stCondLst>
+                            <p:childTnLst>
+                              <p:par>
+                                <p:cTn id="29" presetID="1" presetClass="entr" presetSubtype="0" fill="hold" grpId="0" nodeType="clickEffect">
+                                  <p:stCondLst>
+                                    <p:cond delay="0"/>
+                                  </p:stCondLst>
+                                  <p:childTnLst>
+                                    <p:set>
+                                      <p:cBhvr>
+                                        <p:cTn id="30" dur="1" fill="hold">
+                                          <p:stCondLst>
+                                            <p:cond delay="0"/>
+                                          </p:stCondLst>
+                                        </p:cTn>
+                                        <p:tgtEl>
+                                          <p:spTgt spid="11"/>
                                         </p:tgtEl>
                                         <p:attrNameLst>
                                           <p:attrName>style.visibility</p:attrName>
@@ -8366,7 +9133,7 @@
       </p:par>
     </p:tnLst>
     <p:bldLst>
-      <p:bldP spid="6" grpId="0"/>
+      <p:bldP spid="11" grpId="0"/>
     </p:bldLst>
   </p:timing>
 </p:sld>
@@ -11168,11 +11935,7 @@
             </a:pPr>
             <a:r>
               <a:rPr lang="zh-CN" altLang="en-US" dirty="0"/>
-              <a:t>隐藏层的激活</a:t>
-            </a:r>
-            <a:r>
-              <a:rPr lang="zh-CN" altLang="en-US"/>
-              <a:t>函数也必须是</a:t>
+              <a:t>隐藏层的激活函数也必须是</a:t>
             </a:r>
             <a:r>
               <a:rPr lang="en-US" altLang="zh-CN" dirty="0"/>
@@ -13559,9 +14322,87 @@
               <a:buChar char="•"/>
             </a:pPr>
             <a:r>
-              <a:rPr lang="en-US" altLang="zh-CN" dirty="0"/>
-              <a:t>TODO</a:t>
-            </a:r>
+              <a:rPr lang="zh-CN" altLang="en-US" dirty="0"/>
+              <a:t>为什么要学习本课</a:t>
+            </a:r>
+            <a:endParaRPr lang="en-US" altLang="zh-CN" dirty="0"/>
+          </a:p>
+          <a:p>
+            <a:pPr marL="285750" indent="-285750">
+              <a:buFont typeface="Arial" panose="020B0604020202020204" pitchFamily="34" charset="0"/>
+              <a:buChar char="•"/>
+            </a:pPr>
+            <a:r>
+              <a:rPr lang="zh-CN" altLang="en-US" dirty="0"/>
+              <a:t>主问题：如何以最小的误差计算导数？</a:t>
+            </a:r>
+            <a:endParaRPr lang="en-US" altLang="zh-CN" dirty="0"/>
+          </a:p>
+          <a:p>
+            <a:pPr marL="285750" indent="-285750">
+              <a:buFont typeface="Arial" panose="020B0604020202020204" pitchFamily="34" charset="0"/>
+              <a:buChar char="•"/>
+            </a:pPr>
+            <a:r>
+              <a:rPr lang="zh-CN" altLang="en-US" dirty="0"/>
+              <a:t>主问题：梯度检查的思路是什么？</a:t>
+            </a:r>
+            <a:endParaRPr lang="en-US" altLang="zh-CN" dirty="0"/>
+          </a:p>
+          <a:p>
+            <a:pPr marL="285750" indent="-285750">
+              <a:buFont typeface="Arial" panose="020B0604020202020204" pitchFamily="34" charset="0"/>
+              <a:buChar char="•"/>
+            </a:pPr>
+            <a:r>
+              <a:rPr lang="zh-CN" altLang="en-US" dirty="0"/>
+              <a:t>主问题：如何对输出层进行梯度检查？</a:t>
+            </a:r>
+            <a:endParaRPr lang="en-US" altLang="zh-CN" dirty="0"/>
+          </a:p>
+          <a:p>
+            <a:pPr marL="285750" indent="-285750">
+              <a:buFont typeface="Arial" panose="020B0604020202020204" pitchFamily="34" charset="0"/>
+              <a:buChar char="•"/>
+            </a:pPr>
+            <a:r>
+              <a:rPr lang="zh-CN" altLang="en-US" dirty="0"/>
+              <a:t>任务：实现输出层的梯度检查</a:t>
+            </a:r>
+            <a:endParaRPr lang="en-US" altLang="zh-CN" dirty="0"/>
+          </a:p>
+          <a:p>
+            <a:pPr marL="285750" indent="-285750">
+              <a:buFont typeface="Arial" panose="020B0604020202020204" pitchFamily="34" charset="0"/>
+              <a:buChar char="•"/>
+            </a:pPr>
+            <a:r>
+              <a:rPr lang="zh-CN" altLang="en-US" dirty="0"/>
+              <a:t>主问题：如何对隐藏层进行梯度检查？</a:t>
+            </a:r>
+            <a:endParaRPr lang="en-US" altLang="zh-CN" dirty="0"/>
+          </a:p>
+          <a:p>
+            <a:pPr marL="285750" indent="-285750">
+              <a:buFont typeface="Arial" panose="020B0604020202020204" pitchFamily="34" charset="0"/>
+              <a:buChar char="•"/>
+            </a:pPr>
+            <a:r>
+              <a:rPr lang="zh-CN" altLang="en-US" dirty="0"/>
+              <a:t>任务：实现隐藏层的梯度检查</a:t>
+            </a:r>
+            <a:endParaRPr lang="en-US" altLang="zh-CN" dirty="0"/>
+          </a:p>
+          <a:p>
+            <a:pPr marL="285750" indent="-285750">
+              <a:buFont typeface="Arial" panose="020B0604020202020204" pitchFamily="34" charset="0"/>
+              <a:buChar char="•"/>
+            </a:pPr>
+            <a:r>
+              <a:rPr lang="zh-CN" altLang="en-US" dirty="0"/>
+              <a:t>任务：整合全连接层的梯度检查</a:t>
+            </a:r>
+            <a:endParaRPr lang="en-US" altLang="zh-CN" dirty="0"/>
           </a:p>
         </p:txBody>
       </p:sp>
@@ -13701,6 +14542,447 @@
                       </p:childTnLst>
                     </p:cTn>
                   </p:par>
+                  <p:par>
+                    <p:cTn id="11" fill="hold">
+                      <p:stCondLst>
+                        <p:cond delay="indefinite"/>
+                      </p:stCondLst>
+                      <p:childTnLst>
+                        <p:par>
+                          <p:cTn id="12" fill="hold">
+                            <p:stCondLst>
+                              <p:cond delay="0"/>
+                            </p:stCondLst>
+                            <p:childTnLst>
+                              <p:par>
+                                <p:cTn id="13" presetID="1" presetClass="entr" presetSubtype="0" fill="hold" grpId="1" nodeType="clickEffect">
+                                  <p:stCondLst>
+                                    <p:cond delay="0"/>
+                                  </p:stCondLst>
+                                  <p:childTnLst>
+                                    <p:set>
+                                      <p:cBhvr>
+                                        <p:cTn id="14" dur="1" fill="hold">
+                                          <p:stCondLst>
+                                            <p:cond delay="0"/>
+                                          </p:stCondLst>
+                                        </p:cTn>
+                                        <p:tgtEl>
+                                          <p:spTgt spid="2">
+                                            <p:txEl>
+                                              <p:pRg st="0" end="0"/>
+                                            </p:txEl>
+                                          </p:spTgt>
+                                        </p:tgtEl>
+                                        <p:attrNameLst>
+                                          <p:attrName>style.visibility</p:attrName>
+                                        </p:attrNameLst>
+                                      </p:cBhvr>
+                                      <p:to>
+                                        <p:strVal val="visible"/>
+                                      </p:to>
+                                    </p:set>
+                                  </p:childTnLst>
+                                </p:cTn>
+                              </p:par>
+                            </p:childTnLst>
+                          </p:cTn>
+                        </p:par>
+                      </p:childTnLst>
+                    </p:cTn>
+                  </p:par>
+                  <p:par>
+                    <p:cTn id="15" fill="hold">
+                      <p:stCondLst>
+                        <p:cond delay="indefinite"/>
+                      </p:stCondLst>
+                      <p:childTnLst>
+                        <p:par>
+                          <p:cTn id="16" fill="hold">
+                            <p:stCondLst>
+                              <p:cond delay="0"/>
+                            </p:stCondLst>
+                            <p:childTnLst>
+                              <p:par>
+                                <p:cTn id="17" presetID="1" presetClass="entr" presetSubtype="0" fill="hold" grpId="1" nodeType="clickEffect">
+                                  <p:stCondLst>
+                                    <p:cond delay="0"/>
+                                  </p:stCondLst>
+                                  <p:childTnLst>
+                                    <p:set>
+                                      <p:cBhvr>
+                                        <p:cTn id="18" dur="1" fill="hold">
+                                          <p:stCondLst>
+                                            <p:cond delay="0"/>
+                                          </p:stCondLst>
+                                        </p:cTn>
+                                        <p:tgtEl>
+                                          <p:spTgt spid="2">
+                                            <p:txEl>
+                                              <p:pRg st="1" end="1"/>
+                                            </p:txEl>
+                                          </p:spTgt>
+                                        </p:tgtEl>
+                                        <p:attrNameLst>
+                                          <p:attrName>style.visibility</p:attrName>
+                                        </p:attrNameLst>
+                                      </p:cBhvr>
+                                      <p:to>
+                                        <p:strVal val="visible"/>
+                                      </p:to>
+                                    </p:set>
+                                  </p:childTnLst>
+                                </p:cTn>
+                              </p:par>
+                            </p:childTnLst>
+                          </p:cTn>
+                        </p:par>
+                      </p:childTnLst>
+                    </p:cTn>
+                  </p:par>
+                  <p:par>
+                    <p:cTn id="19" fill="hold">
+                      <p:stCondLst>
+                        <p:cond delay="indefinite"/>
+                      </p:stCondLst>
+                      <p:childTnLst>
+                        <p:par>
+                          <p:cTn id="20" fill="hold">
+                            <p:stCondLst>
+                              <p:cond delay="0"/>
+                            </p:stCondLst>
+                            <p:childTnLst>
+                              <p:par>
+                                <p:cTn id="21" presetID="1" presetClass="entr" presetSubtype="0" fill="hold" grpId="1" nodeType="clickEffect">
+                                  <p:stCondLst>
+                                    <p:cond delay="0"/>
+                                  </p:stCondLst>
+                                  <p:childTnLst>
+                                    <p:set>
+                                      <p:cBhvr>
+                                        <p:cTn id="22" dur="1" fill="hold">
+                                          <p:stCondLst>
+                                            <p:cond delay="0"/>
+                                          </p:stCondLst>
+                                        </p:cTn>
+                                        <p:tgtEl>
+                                          <p:spTgt spid="2">
+                                            <p:txEl>
+                                              <p:charRg st="18" end="36"/>
+                                            </p:txEl>
+                                          </p:spTgt>
+                                        </p:tgtEl>
+                                        <p:attrNameLst>
+                                          <p:attrName>style.visibility</p:attrName>
+                                        </p:attrNameLst>
+                                      </p:cBhvr>
+                                      <p:to>
+                                        <p:strVal val="visible"/>
+                                      </p:to>
+                                    </p:set>
+                                  </p:childTnLst>
+                                </p:cTn>
+                              </p:par>
+                            </p:childTnLst>
+                          </p:cTn>
+                        </p:par>
+                      </p:childTnLst>
+                    </p:cTn>
+                  </p:par>
+                  <p:par>
+                    <p:cTn id="23" fill="hold">
+                      <p:stCondLst>
+                        <p:cond delay="indefinite"/>
+                      </p:stCondLst>
+                      <p:childTnLst>
+                        <p:par>
+                          <p:cTn id="24" fill="hold">
+                            <p:stCondLst>
+                              <p:cond delay="0"/>
+                            </p:stCondLst>
+                            <p:childTnLst>
+                              <p:par>
+                                <p:cTn id="25" presetID="1" presetClass="entr" presetSubtype="0" fill="hold" grpId="1" nodeType="clickEffect">
+                                  <p:stCondLst>
+                                    <p:cond delay="0"/>
+                                  </p:stCondLst>
+                                  <p:childTnLst>
+                                    <p:set>
+                                      <p:cBhvr>
+                                        <p:cTn id="26" dur="1" fill="hold">
+                                          <p:stCondLst>
+                                            <p:cond delay="0"/>
+                                          </p:stCondLst>
+                                        </p:cTn>
+                                        <p:tgtEl>
+                                          <p:spTgt spid="2">
+                                            <p:txEl>
+                                              <p:charRg st="36" end="52"/>
+                                            </p:txEl>
+                                          </p:spTgt>
+                                        </p:tgtEl>
+                                        <p:attrNameLst>
+                                          <p:attrName>style.visibility</p:attrName>
+                                        </p:attrNameLst>
+                                      </p:cBhvr>
+                                      <p:to>
+                                        <p:strVal val="visible"/>
+                                      </p:to>
+                                    </p:set>
+                                  </p:childTnLst>
+                                </p:cTn>
+                              </p:par>
+                            </p:childTnLst>
+                          </p:cTn>
+                        </p:par>
+                      </p:childTnLst>
+                    </p:cTn>
+                  </p:par>
+                  <p:par>
+                    <p:cTn id="27" fill="hold">
+                      <p:stCondLst>
+                        <p:cond delay="indefinite"/>
+                      </p:stCondLst>
+                      <p:childTnLst>
+                        <p:par>
+                          <p:cTn id="28" fill="hold">
+                            <p:stCondLst>
+                              <p:cond delay="0"/>
+                            </p:stCondLst>
+                            <p:childTnLst>
+                              <p:par>
+                                <p:cTn id="29" presetID="1" presetClass="entr" presetSubtype="0" fill="hold" grpId="1" nodeType="clickEffect">
+                                  <p:stCondLst>
+                                    <p:cond delay="0"/>
+                                  </p:stCondLst>
+                                  <p:childTnLst>
+                                    <p:set>
+                                      <p:cBhvr>
+                                        <p:cTn id="30" dur="1" fill="hold">
+                                          <p:stCondLst>
+                                            <p:cond delay="0"/>
+                                          </p:stCondLst>
+                                        </p:cTn>
+                                        <p:tgtEl>
+                                          <p:spTgt spid="2">
+                                            <p:txEl>
+                                              <p:charRg st="52" end="70"/>
+                                            </p:txEl>
+                                          </p:spTgt>
+                                        </p:tgtEl>
+                                        <p:attrNameLst>
+                                          <p:attrName>style.visibility</p:attrName>
+                                        </p:attrNameLst>
+                                      </p:cBhvr>
+                                      <p:to>
+                                        <p:strVal val="visible"/>
+                                      </p:to>
+                                    </p:set>
+                                  </p:childTnLst>
+                                </p:cTn>
+                              </p:par>
+                            </p:childTnLst>
+                          </p:cTn>
+                        </p:par>
+                      </p:childTnLst>
+                    </p:cTn>
+                  </p:par>
+                  <p:par>
+                    <p:cTn id="31" fill="hold">
+                      <p:stCondLst>
+                        <p:cond delay="indefinite"/>
+                      </p:stCondLst>
+                      <p:childTnLst>
+                        <p:par>
+                          <p:cTn id="32" fill="hold">
+                            <p:stCondLst>
+                              <p:cond delay="0"/>
+                            </p:stCondLst>
+                            <p:childTnLst>
+                              <p:par>
+                                <p:cTn id="33" presetID="1" presetClass="entr" presetSubtype="0" fill="hold" grpId="1" nodeType="clickEffect">
+                                  <p:stCondLst>
+                                    <p:cond delay="0"/>
+                                  </p:stCondLst>
+                                  <p:childTnLst>
+                                    <p:set>
+                                      <p:cBhvr>
+                                        <p:cTn id="34" dur="1" fill="hold">
+                                          <p:stCondLst>
+                                            <p:cond delay="0"/>
+                                          </p:stCondLst>
+                                        </p:cTn>
+                                        <p:tgtEl>
+                                          <p:spTgt spid="2">
+                                            <p:txEl>
+                                              <p:charRg st="70" end="84"/>
+                                            </p:txEl>
+                                          </p:spTgt>
+                                        </p:tgtEl>
+                                        <p:attrNameLst>
+                                          <p:attrName>style.visibility</p:attrName>
+                                        </p:attrNameLst>
+                                      </p:cBhvr>
+                                      <p:to>
+                                        <p:strVal val="visible"/>
+                                      </p:to>
+                                    </p:set>
+                                  </p:childTnLst>
+                                </p:cTn>
+                              </p:par>
+                            </p:childTnLst>
+                          </p:cTn>
+                        </p:par>
+                      </p:childTnLst>
+                    </p:cTn>
+                  </p:par>
+                  <p:par>
+                    <p:cTn id="35" fill="hold">
+                      <p:stCondLst>
+                        <p:cond delay="indefinite"/>
+                      </p:stCondLst>
+                      <p:childTnLst>
+                        <p:par>
+                          <p:cTn id="36" fill="hold">
+                            <p:stCondLst>
+                              <p:cond delay="0"/>
+                            </p:stCondLst>
+                            <p:childTnLst>
+                              <p:par>
+                                <p:cTn id="37" presetID="1" presetClass="entr" presetSubtype="0" fill="hold" grpId="1" nodeType="clickEffect">
+                                  <p:stCondLst>
+                                    <p:cond delay="0"/>
+                                  </p:stCondLst>
+                                  <p:childTnLst>
+                                    <p:set>
+                                      <p:cBhvr>
+                                        <p:cTn id="38" dur="1" fill="hold">
+                                          <p:stCondLst>
+                                            <p:cond delay="0"/>
+                                          </p:stCondLst>
+                                        </p:cTn>
+                                        <p:tgtEl>
+                                          <p:spTgt spid="2">
+                                            <p:txEl>
+                                              <p:charRg st="84" end="102"/>
+                                            </p:txEl>
+                                          </p:spTgt>
+                                        </p:tgtEl>
+                                        <p:attrNameLst>
+                                          <p:attrName>style.visibility</p:attrName>
+                                        </p:attrNameLst>
+                                      </p:cBhvr>
+                                      <p:to>
+                                        <p:strVal val="visible"/>
+                                      </p:to>
+                                    </p:set>
+                                  </p:childTnLst>
+                                </p:cTn>
+                              </p:par>
+                            </p:childTnLst>
+                          </p:cTn>
+                        </p:par>
+                      </p:childTnLst>
+                    </p:cTn>
+                  </p:par>
+                  <p:par>
+                    <p:cTn id="39" fill="hold">
+                      <p:stCondLst>
+                        <p:cond delay="indefinite"/>
+                      </p:stCondLst>
+                      <p:childTnLst>
+                        <p:par>
+                          <p:cTn id="40" fill="hold">
+                            <p:stCondLst>
+                              <p:cond delay="0"/>
+                            </p:stCondLst>
+                            <p:childTnLst>
+                              <p:par>
+                                <p:cTn id="41" presetID="1" presetClass="entr" presetSubtype="0" fill="hold" grpId="1" nodeType="clickEffect">
+                                  <p:stCondLst>
+                                    <p:cond delay="0"/>
+                                  </p:stCondLst>
+                                  <p:childTnLst>
+                                    <p:set>
+                                      <p:cBhvr>
+                                        <p:cTn id="42" dur="1" fill="hold">
+                                          <p:stCondLst>
+                                            <p:cond delay="0"/>
+                                          </p:stCondLst>
+                                        </p:cTn>
+                                        <p:tgtEl>
+                                          <p:spTgt spid="2">
+                                            <p:txEl>
+                                              <p:charRg st="102" end="116"/>
+                                            </p:txEl>
+                                          </p:spTgt>
+                                        </p:tgtEl>
+                                        <p:attrNameLst>
+                                          <p:attrName>style.visibility</p:attrName>
+                                        </p:attrNameLst>
+                                      </p:cBhvr>
+                                      <p:to>
+                                        <p:strVal val="visible"/>
+                                      </p:to>
+                                    </p:set>
+                                  </p:childTnLst>
+                                </p:cTn>
+                              </p:par>
+                            </p:childTnLst>
+                          </p:cTn>
+                        </p:par>
+                      </p:childTnLst>
+                    </p:cTn>
+                  </p:par>
+                  <p:par>
+                    <p:cTn id="43" fill="hold">
+                      <p:stCondLst>
+                        <p:cond delay="indefinite"/>
+                      </p:stCondLst>
+                      <p:childTnLst>
+                        <p:par>
+                          <p:cTn id="44" fill="hold">
+                            <p:stCondLst>
+                              <p:cond delay="0"/>
+                            </p:stCondLst>
+                            <p:childTnLst>
+                              <p:par>
+                                <p:cTn id="45" presetID="1" presetClass="entr" presetSubtype="0" fill="hold" grpId="1" nodeType="clickEffect">
+                                  <p:stCondLst>
+                                    <p:cond delay="0"/>
+                                  </p:stCondLst>
+                                  <p:childTnLst>
+                                    <p:set>
+                                      <p:cBhvr>
+                                        <p:cTn id="46" dur="1" fill="hold">
+                                          <p:stCondLst>
+                                            <p:cond delay="0"/>
+                                          </p:stCondLst>
+                                        </p:cTn>
+                                        <p:tgtEl>
+                                          <p:spTgt spid="2">
+                                            <p:txEl>
+                                              <p:charRg st="116" end="131"/>
+                                            </p:txEl>
+                                          </p:spTgt>
+                                        </p:tgtEl>
+                                        <p:attrNameLst>
+                                          <p:attrName>style.visibility</p:attrName>
+                                        </p:attrNameLst>
+                                      </p:cBhvr>
+                                      <p:to>
+                                        <p:strVal val="visible"/>
+                                      </p:to>
+                                    </p:set>
+                                  </p:childTnLst>
+                                </p:cTn>
+                              </p:par>
+                            </p:childTnLst>
+                          </p:cTn>
+                        </p:par>
+                      </p:childTnLst>
+                    </p:cTn>
+                  </p:par>
                 </p:childTnLst>
               </p:cTn>
               <p:prevCondLst>
@@ -13723,7 +15005,8 @@
       </p:par>
     </p:tnLst>
     <p:bldLst>
-      <p:bldP spid="2" grpId="0" build="p"/>
+      <p:bldP spid="2" grpId="0" uiExpand="1" build="p"/>
+      <p:bldP spid="2" grpId="1" uiExpand="1" build="p"/>
     </p:bldLst>
   </p:timing>
 </p:sld>
@@ -14478,18 +15761,7 @@
             </a:pPr>
             <a:r>
               <a:rPr lang="zh-CN" altLang="en-US" dirty="0"/>
-              <a:t>通过测试用例来验证神经网络的输入和输出？</a:t>
-            </a:r>
-            <a:endParaRPr lang="en-US" altLang="zh-CN" dirty="0"/>
-          </a:p>
-          <a:p>
-            <a:pPr marL="742950" lvl="1" indent="-285750">
-              <a:buFont typeface="Arial" panose="020B0604020202020204" pitchFamily="34" charset="0"/>
-              <a:buChar char="•"/>
-            </a:pPr>
-            <a:r>
-              <a:rPr lang="zh-CN" altLang="en-US" dirty="0"/>
-              <a:t>如何保证输出是正确的？</a:t>
+              <a:t>我们是如何验证的？</a:t>
             </a:r>
             <a:endParaRPr lang="en-US" altLang="zh-CN" dirty="0"/>
           </a:p>
@@ -14566,6 +15838,183 @@
   <p:clrMapOvr>
     <a:masterClrMapping/>
   </p:clrMapOvr>
+  <p:timing>
+    <p:tnLst>
+      <p:par>
+        <p:cTn id="1" dur="indefinite" restart="never" nodeType="tmRoot">
+          <p:childTnLst>
+            <p:seq concurrent="1" nextAc="seek">
+              <p:cTn id="2" dur="indefinite" nodeType="mainSeq">
+                <p:childTnLst>
+                  <p:par>
+                    <p:cTn id="3" fill="hold">
+                      <p:stCondLst>
+                        <p:cond delay="indefinite"/>
+                      </p:stCondLst>
+                      <p:childTnLst>
+                        <p:par>
+                          <p:cTn id="4" fill="hold">
+                            <p:stCondLst>
+                              <p:cond delay="0"/>
+                            </p:stCondLst>
+                            <p:childTnLst>
+                              <p:par>
+                                <p:cTn id="5" presetID="1" presetClass="entr" presetSubtype="0" fill="hold" nodeType="clickEffect">
+                                  <p:stCondLst>
+                                    <p:cond delay="0"/>
+                                  </p:stCondLst>
+                                  <p:childTnLst>
+                                    <p:set>
+                                      <p:cBhvr>
+                                        <p:cTn id="6" dur="1" fill="hold">
+                                          <p:stCondLst>
+                                            <p:cond delay="0"/>
+                                          </p:stCondLst>
+                                        </p:cTn>
+                                        <p:tgtEl>
+                                          <p:spTgt spid="2">
+                                            <p:txEl>
+                                              <p:pRg st="0" end="0"/>
+                                            </p:txEl>
+                                          </p:spTgt>
+                                        </p:tgtEl>
+                                        <p:attrNameLst>
+                                          <p:attrName>style.visibility</p:attrName>
+                                        </p:attrNameLst>
+                                      </p:cBhvr>
+                                      <p:to>
+                                        <p:strVal val="visible"/>
+                                      </p:to>
+                                    </p:set>
+                                  </p:childTnLst>
+                                </p:cTn>
+                              </p:par>
+                            </p:childTnLst>
+                          </p:cTn>
+                        </p:par>
+                      </p:childTnLst>
+                    </p:cTn>
+                  </p:par>
+                  <p:par>
+                    <p:cTn id="7" fill="hold">
+                      <p:stCondLst>
+                        <p:cond delay="indefinite"/>
+                      </p:stCondLst>
+                      <p:childTnLst>
+                        <p:par>
+                          <p:cTn id="8" fill="hold">
+                            <p:stCondLst>
+                              <p:cond delay="0"/>
+                            </p:stCondLst>
+                            <p:childTnLst>
+                              <p:par>
+                                <p:cTn id="9" presetID="1" presetClass="entr" presetSubtype="0" fill="hold" nodeType="clickEffect">
+                                  <p:stCondLst>
+                                    <p:cond delay="0"/>
+                                  </p:stCondLst>
+                                  <p:childTnLst>
+                                    <p:set>
+                                      <p:cBhvr>
+                                        <p:cTn id="10" dur="1" fill="hold">
+                                          <p:stCondLst>
+                                            <p:cond delay="0"/>
+                                          </p:stCondLst>
+                                        </p:cTn>
+                                        <p:tgtEl>
+                                          <p:spTgt spid="2">
+                                            <p:txEl>
+                                              <p:pRg st="1" end="1"/>
+                                            </p:txEl>
+                                          </p:spTgt>
+                                        </p:tgtEl>
+                                        <p:attrNameLst>
+                                          <p:attrName>style.visibility</p:attrName>
+                                        </p:attrNameLst>
+                                      </p:cBhvr>
+                                      <p:to>
+                                        <p:strVal val="visible"/>
+                                      </p:to>
+                                    </p:set>
+                                  </p:childTnLst>
+                                </p:cTn>
+                              </p:par>
+                            </p:childTnLst>
+                          </p:cTn>
+                        </p:par>
+                      </p:childTnLst>
+                    </p:cTn>
+                  </p:par>
+                  <p:par>
+                    <p:cTn id="11" fill="hold">
+                      <p:stCondLst>
+                        <p:cond delay="indefinite"/>
+                      </p:stCondLst>
+                      <p:childTnLst>
+                        <p:par>
+                          <p:cTn id="12" fill="hold">
+                            <p:stCondLst>
+                              <p:cond delay="0"/>
+                            </p:stCondLst>
+                            <p:childTnLst>
+                              <p:par>
+                                <p:cTn id="13" presetID="1" presetClass="entr" presetSubtype="0" fill="hold" nodeType="clickEffect">
+                                  <p:stCondLst>
+                                    <p:cond delay="0"/>
+                                  </p:stCondLst>
+                                  <p:childTnLst>
+                                    <p:set>
+                                      <p:cBhvr>
+                                        <p:cTn id="14" dur="1" fill="hold">
+                                          <p:stCondLst>
+                                            <p:cond delay="0"/>
+                                          </p:stCondLst>
+                                        </p:cTn>
+                                        <p:tgtEl>
+                                          <p:spTgt spid="2">
+                                            <p:txEl>
+                                              <p:pRg st="2" end="2"/>
+                                            </p:txEl>
+                                          </p:spTgt>
+                                        </p:tgtEl>
+                                        <p:attrNameLst>
+                                          <p:attrName>style.visibility</p:attrName>
+                                        </p:attrNameLst>
+                                      </p:cBhvr>
+                                      <p:to>
+                                        <p:strVal val="visible"/>
+                                      </p:to>
+                                    </p:set>
+                                  </p:childTnLst>
+                                </p:cTn>
+                              </p:par>
+                            </p:childTnLst>
+                          </p:cTn>
+                        </p:par>
+                      </p:childTnLst>
+                    </p:cTn>
+                  </p:par>
+                </p:childTnLst>
+              </p:cTn>
+              <p:prevCondLst>
+                <p:cond evt="onPrev" delay="0">
+                  <p:tgtEl>
+                    <p:sldTgt/>
+                  </p:tgtEl>
+                </p:cond>
+              </p:prevCondLst>
+              <p:nextCondLst>
+                <p:cond evt="onNext" delay="0">
+                  <p:tgtEl>
+                    <p:sldTgt/>
+                  </p:tgtEl>
+                </p:cond>
+              </p:nextCondLst>
+            </p:seq>
+          </p:childTnLst>
+        </p:cTn>
+      </p:par>
+    </p:tnLst>
+  </p:timing>
 </p:sld>
 </file>
 
@@ -15148,6 +16597,145 @@
                       </p:childTnLst>
                     </p:cTn>
                   </p:par>
+                  <p:par>
+                    <p:cTn id="7" fill="hold">
+                      <p:stCondLst>
+                        <p:cond delay="indefinite"/>
+                      </p:stCondLst>
+                      <p:childTnLst>
+                        <p:par>
+                          <p:cTn id="8" fill="hold">
+                            <p:stCondLst>
+                              <p:cond delay="0"/>
+                            </p:stCondLst>
+                            <p:childTnLst>
+                              <p:par>
+                                <p:cTn id="9" presetID="1" presetClass="entr" presetSubtype="0" fill="hold" nodeType="clickEffect">
+                                  <p:stCondLst>
+                                    <p:cond delay="0"/>
+                                  </p:stCondLst>
+                                  <p:childTnLst>
+                                    <p:set>
+                                      <p:cBhvr>
+                                        <p:cTn id="10" dur="1" fill="hold">
+                                          <p:stCondLst>
+                                            <p:cond delay="0"/>
+                                          </p:stCondLst>
+                                        </p:cTn>
+                                        <p:tgtEl>
+                                          <p:spTgt spid="8"/>
+                                        </p:tgtEl>
+                                        <p:attrNameLst>
+                                          <p:attrName>style.visibility</p:attrName>
+                                        </p:attrNameLst>
+                                      </p:cBhvr>
+                                      <p:to>
+                                        <p:strVal val="visible"/>
+                                      </p:to>
+                                    </p:set>
+                                  </p:childTnLst>
+                                </p:cTn>
+                              </p:par>
+                            </p:childTnLst>
+                          </p:cTn>
+                        </p:par>
+                      </p:childTnLst>
+                    </p:cTn>
+                  </p:par>
+                  <p:par>
+                    <p:cTn id="11" fill="hold">
+                      <p:stCondLst>
+                        <p:cond delay="indefinite"/>
+                      </p:stCondLst>
+                      <p:childTnLst>
+                        <p:par>
+                          <p:cTn id="12" fill="hold">
+                            <p:stCondLst>
+                              <p:cond delay="0"/>
+                            </p:stCondLst>
+                            <p:childTnLst>
+                              <p:par>
+                                <p:cTn id="13" presetID="1" presetClass="entr" presetSubtype="0" fill="hold" nodeType="clickEffect">
+                                  <p:stCondLst>
+                                    <p:cond delay="0"/>
+                                  </p:stCondLst>
+                                  <p:childTnLst>
+                                    <p:set>
+                                      <p:cBhvr>
+                                        <p:cTn id="14" dur="1" fill="hold">
+                                          <p:stCondLst>
+                                            <p:cond delay="0"/>
+                                          </p:stCondLst>
+                                        </p:cTn>
+                                        <p:tgtEl>
+                                          <p:spTgt spid="10"/>
+                                        </p:tgtEl>
+                                        <p:attrNameLst>
+                                          <p:attrName>style.visibility</p:attrName>
+                                        </p:attrNameLst>
+                                      </p:cBhvr>
+                                      <p:to>
+                                        <p:strVal val="visible"/>
+                                      </p:to>
+                                    </p:set>
+                                  </p:childTnLst>
+                                </p:cTn>
+                              </p:par>
+                            </p:childTnLst>
+                          </p:cTn>
+                        </p:par>
+                      </p:childTnLst>
+                    </p:cTn>
+                  </p:par>
+                  <p:par>
+                    <p:cTn id="15" fill="hold">
+                      <p:stCondLst>
+                        <p:cond delay="indefinite"/>
+                      </p:stCondLst>
+                      <p:childTnLst>
+                        <p:par>
+                          <p:cTn id="16" fill="hold">
+                            <p:stCondLst>
+                              <p:cond delay="0"/>
+                            </p:stCondLst>
+                            <p:childTnLst>
+                              <p:par>
+                                <p:cTn id="17" presetID="1" presetClass="entr" presetSubtype="0" fill="hold" nodeType="clickEffect">
+                                  <p:stCondLst>
+                                    <p:cond delay="0"/>
+                                  </p:stCondLst>
+                                  <p:childTnLst>
+                                    <p:set>
+                                      <p:cBhvr>
+                                        <p:cTn id="18" dur="1" fill="hold">
+                                          <p:stCondLst>
+                                            <p:cond delay="0"/>
+                                          </p:stCondLst>
+                                        </p:cTn>
+                                        <p:tgtEl>
+                                          <p:spTgt spid="6">
+                                            <p:txEl>
+                                              <p:pRg st="1" end="1"/>
+                                            </p:txEl>
+                                          </p:spTgt>
+                                        </p:tgtEl>
+                                        <p:attrNameLst>
+                                          <p:attrName>style.visibility</p:attrName>
+                                        </p:attrNameLst>
+                                      </p:cBhvr>
+                                      <p:to>
+                                        <p:strVal val="visible"/>
+                                      </p:to>
+                                    </p:set>
+                                  </p:childTnLst>
+                                </p:cTn>
+                              </p:par>
+                            </p:childTnLst>
+                          </p:cTn>
+                        </p:par>
+                      </p:childTnLst>
+                    </p:cTn>
+                  </p:par>
                 </p:childTnLst>
               </p:cTn>
               <p:prevCondLst>
@@ -15476,7 +17064,18 @@
             </a:r>
             <a:r>
               <a:rPr lang="zh-CN" altLang="en-US" dirty="0"/>
-              <a:t>），结果是什么？为什么？</a:t>
+              <a:t>），误差是否会增加？</a:t>
+            </a:r>
+            <a:endParaRPr lang="en-US" altLang="zh-CN" dirty="0"/>
+          </a:p>
+          <a:p>
+            <a:pPr marL="742950" lvl="1" indent="-285750">
+              <a:buFont typeface="Arial" panose="020B0604020202020204" pitchFamily="34" charset="0"/>
+              <a:buChar char="•"/>
+            </a:pPr>
+            <a:r>
+              <a:rPr lang="zh-CN" altLang="en-US" dirty="0"/>
+              <a:t>为什么？</a:t>
             </a:r>
             <a:endParaRPr lang="en-US" altLang="zh-CN" dirty="0"/>
           </a:p>
@@ -15638,33 +17237,45 @@
                 <a:effectLst/>
                 <a:latin typeface="Roboto" panose="02000000000000000000" pitchFamily="2" charset="0"/>
               </a:rPr>
-              <a:t>因为计算机的舍入误差的原因，</a:t>
-            </a:r>
-            <a:r>
-              <a:rPr lang="en" altLang="zh-CN" dirty="0"/>
-              <a:t>h</a:t>
+              <a:t>因为计算机的</a:t>
+            </a:r>
+            <a:r>
+              <a:rPr lang="zh-CN" altLang="en-US" dirty="0">
+                <a:latin typeface="Roboto" panose="02000000000000000000" pitchFamily="2" charset="0"/>
+              </a:rPr>
+              <a:t>浮点数</a:t>
             </a:r>
             <a:r>
               <a:rPr lang="zh-CN" altLang="en-US" b="0" i="0" dirty="0">
                 <a:effectLst/>
                 <a:latin typeface="Roboto" panose="02000000000000000000" pitchFamily="2" charset="0"/>
               </a:rPr>
-              <a:t>不能太小，比如</a:t>
-            </a:r>
-            <a:r>
-              <a:rPr lang="en-US" altLang="zh-CN" dirty="0"/>
-              <a:t>1</a:t>
+              <a:t>误差的原因，</a:t>
             </a:r>
             <a:r>
               <a:rPr lang="en" altLang="zh-CN" dirty="0"/>
-              <a:t>e-10</a:t>
-            </a:r>
-            <a:r>
-              <a:rPr lang="zh-CN" altLang="en" b="0" i="0" dirty="0">
+              <a:t>h</a:t>
+            </a:r>
+            <a:r>
+              <a:rPr lang="zh-CN" altLang="en-US" b="0" i="0" dirty="0">
                 <a:effectLst/>
                 <a:latin typeface="Roboto" panose="02000000000000000000" pitchFamily="2" charset="0"/>
               </a:rPr>
-              <a:t>，</a:t>
+              <a:t>太小的话（比如</a:t>
+            </a:r>
+            <a:r>
+              <a:rPr lang="en-US" altLang="zh-CN" dirty="0"/>
+              <a:t>1</a:t>
+            </a:r>
+            <a:r>
+              <a:rPr lang="en" altLang="zh-CN" dirty="0"/>
+              <a:t>e-10</a:t>
+            </a:r>
+            <a:r>
+              <a:rPr lang="zh-CN" altLang="en-US" dirty="0">
+                <a:latin typeface="Roboto" panose="02000000000000000000" pitchFamily="2" charset="0"/>
+              </a:rPr>
+              <a:t>）</a:t>
             </a:r>
             <a:r>
               <a:rPr lang="zh-CN" altLang="en-US" b="0" i="0" dirty="0">
@@ -15782,6 +17393,194 @@
                       </p:childTnLst>
                     </p:cTn>
                   </p:par>
+                  <p:par>
+                    <p:cTn id="7" fill="hold">
+                      <p:stCondLst>
+                        <p:cond delay="indefinite"/>
+                      </p:stCondLst>
+                      <p:childTnLst>
+                        <p:par>
+                          <p:cTn id="8" fill="hold">
+                            <p:stCondLst>
+                              <p:cond delay="0"/>
+                            </p:stCondLst>
+                            <p:childTnLst>
+                              <p:par>
+                                <p:cTn id="9" presetID="1" presetClass="entr" presetSubtype="0" fill="hold" nodeType="clickEffect">
+                                  <p:stCondLst>
+                                    <p:cond delay="0"/>
+                                  </p:stCondLst>
+                                  <p:childTnLst>
+                                    <p:set>
+                                      <p:cBhvr>
+                                        <p:cTn id="10" dur="1" fill="hold">
+                                          <p:stCondLst>
+                                            <p:cond delay="0"/>
+                                          </p:stCondLst>
+                                        </p:cTn>
+                                        <p:tgtEl>
+                                          <p:spTgt spid="4"/>
+                                        </p:tgtEl>
+                                        <p:attrNameLst>
+                                          <p:attrName>style.visibility</p:attrName>
+                                        </p:attrNameLst>
+                                      </p:cBhvr>
+                                      <p:to>
+                                        <p:strVal val="visible"/>
+                                      </p:to>
+                                    </p:set>
+                                  </p:childTnLst>
+                                </p:cTn>
+                              </p:par>
+                            </p:childTnLst>
+                          </p:cTn>
+                        </p:par>
+                      </p:childTnLst>
+                    </p:cTn>
+                  </p:par>
+                  <p:par>
+                    <p:cTn id="11" fill="hold">
+                      <p:stCondLst>
+                        <p:cond delay="indefinite"/>
+                      </p:stCondLst>
+                      <p:childTnLst>
+                        <p:par>
+                          <p:cTn id="12" fill="hold">
+                            <p:stCondLst>
+                              <p:cond delay="0"/>
+                            </p:stCondLst>
+                            <p:childTnLst>
+                              <p:par>
+                                <p:cTn id="13" presetID="1" presetClass="entr" presetSubtype="0" fill="hold" nodeType="clickEffect">
+                                  <p:stCondLst>
+                                    <p:cond delay="0"/>
+                                  </p:stCondLst>
+                                  <p:childTnLst>
+                                    <p:set>
+                                      <p:cBhvr>
+                                        <p:cTn id="14" dur="1" fill="hold">
+                                          <p:stCondLst>
+                                            <p:cond delay="0"/>
+                                          </p:stCondLst>
+                                        </p:cTn>
+                                        <p:tgtEl>
+                                          <p:spTgt spid="6">
+                                            <p:txEl>
+                                              <p:pRg st="1" end="1"/>
+                                            </p:txEl>
+                                          </p:spTgt>
+                                        </p:tgtEl>
+                                        <p:attrNameLst>
+                                          <p:attrName>style.visibility</p:attrName>
+                                        </p:attrNameLst>
+                                      </p:cBhvr>
+                                      <p:to>
+                                        <p:strVal val="visible"/>
+                                      </p:to>
+                                    </p:set>
+                                  </p:childTnLst>
+                                </p:cTn>
+                              </p:par>
+                            </p:childTnLst>
+                          </p:cTn>
+                        </p:par>
+                      </p:childTnLst>
+                    </p:cTn>
+                  </p:par>
+                  <p:par>
+                    <p:cTn id="15" fill="hold">
+                      <p:stCondLst>
+                        <p:cond delay="indefinite"/>
+                      </p:stCondLst>
+                      <p:childTnLst>
+                        <p:par>
+                          <p:cTn id="16" fill="hold">
+                            <p:stCondLst>
+                              <p:cond delay="0"/>
+                            </p:stCondLst>
+                            <p:childTnLst>
+                              <p:par>
+                                <p:cTn id="17" presetID="1" presetClass="entr" presetSubtype="0" fill="hold" nodeType="clickEffect">
+                                  <p:stCondLst>
+                                    <p:cond delay="0"/>
+                                  </p:stCondLst>
+                                  <p:childTnLst>
+                                    <p:set>
+                                      <p:cBhvr>
+                                        <p:cTn id="18" dur="1" fill="hold">
+                                          <p:stCondLst>
+                                            <p:cond delay="0"/>
+                                          </p:stCondLst>
+                                        </p:cTn>
+                                        <p:tgtEl>
+                                          <p:spTgt spid="6">
+                                            <p:txEl>
+                                              <p:pRg st="2" end="2"/>
+                                            </p:txEl>
+                                          </p:spTgt>
+                                        </p:tgtEl>
+                                        <p:attrNameLst>
+                                          <p:attrName>style.visibility</p:attrName>
+                                        </p:attrNameLst>
+                                      </p:cBhvr>
+                                      <p:to>
+                                        <p:strVal val="visible"/>
+                                      </p:to>
+                                    </p:set>
+                                  </p:childTnLst>
+                                </p:cTn>
+                              </p:par>
+                            </p:childTnLst>
+                          </p:cTn>
+                        </p:par>
+                      </p:childTnLst>
+                    </p:cTn>
+                  </p:par>
+                  <p:par>
+                    <p:cTn id="19" fill="hold">
+                      <p:stCondLst>
+                        <p:cond delay="indefinite"/>
+                      </p:stCondLst>
+                      <p:childTnLst>
+                        <p:par>
+                          <p:cTn id="20" fill="hold">
+                            <p:stCondLst>
+                              <p:cond delay="0"/>
+                            </p:stCondLst>
+                            <p:childTnLst>
+                              <p:par>
+                                <p:cTn id="21" presetID="1" presetClass="entr" presetSubtype="0" fill="hold" grpId="0" nodeType="clickEffect">
+                                  <p:stCondLst>
+                                    <p:cond delay="0"/>
+                                  </p:stCondLst>
+                                  <p:childTnLst>
+                                    <p:set>
+                                      <p:cBhvr>
+                                        <p:cTn id="22" dur="1" fill="hold">
+                                          <p:stCondLst>
+                                            <p:cond delay="0"/>
+                                          </p:stCondLst>
+                                        </p:cTn>
+                                        <p:tgtEl>
+                                          <p:spTgt spid="5"/>
+                                        </p:tgtEl>
+                                        <p:attrNameLst>
+                                          <p:attrName>style.visibility</p:attrName>
+                                        </p:attrNameLst>
+                                      </p:cBhvr>
+                                      <p:to>
+                                        <p:strVal val="visible"/>
+                                      </p:to>
+                                    </p:set>
+                                  </p:childTnLst>
+                                </p:cTn>
+                              </p:par>
+                            </p:childTnLst>
+                          </p:cTn>
+                        </p:par>
+                      </p:childTnLst>
+                    </p:cTn>
+                  </p:par>
                 </p:childTnLst>
               </p:cTn>
               <p:prevCondLst>
@@ -15805,6 +17604,7 @@
     </p:tnLst>
     <p:bldLst>
       <p:bldP spid="6" grpId="0"/>
+      <p:bldP spid="5" grpId="0"/>
     </p:bldLst>
   </p:timing>
 </p:sld>

--- a/lessons/4_gradient_check/ppt/全连接层的梯度检查.pptx
+++ b/lessons/4_gradient_check/ppt/全连接层的梯度检查.pptx
@@ -5,10 +5,10 @@
     <p:sldMasterId id="2147483648" r:id="rId1"/>
   </p:sldMasterIdLst>
   <p:notesMasterIdLst>
-    <p:notesMasterId r:id="rId32"/>
+    <p:notesMasterId r:id="rId33"/>
   </p:notesMasterIdLst>
   <p:handoutMasterIdLst>
-    <p:handoutMasterId r:id="rId33"/>
+    <p:handoutMasterId r:id="rId34"/>
   </p:handoutMasterIdLst>
   <p:sldIdLst>
     <p:sldId id="307" r:id="rId2"/>
@@ -34,18 +34,19 @@
     <p:sldId id="1063" r:id="rId22"/>
     <p:sldId id="1053" r:id="rId23"/>
     <p:sldId id="1064" r:id="rId24"/>
-    <p:sldId id="537" r:id="rId25"/>
-    <p:sldId id="536" r:id="rId26"/>
-    <p:sldId id="1014" r:id="rId27"/>
-    <p:sldId id="1013" r:id="rId28"/>
-    <p:sldId id="997" r:id="rId29"/>
-    <p:sldId id="998" r:id="rId30"/>
-    <p:sldId id="653" r:id="rId31"/>
+    <p:sldId id="1065" r:id="rId25"/>
+    <p:sldId id="537" r:id="rId26"/>
+    <p:sldId id="536" r:id="rId27"/>
+    <p:sldId id="1014" r:id="rId28"/>
+    <p:sldId id="1013" r:id="rId29"/>
+    <p:sldId id="997" r:id="rId30"/>
+    <p:sldId id="998" r:id="rId31"/>
+    <p:sldId id="653" r:id="rId32"/>
   </p:sldIdLst>
   <p:sldSz cx="12192000" cy="6858000"/>
   <p:notesSz cx="6858000" cy="9144000"/>
   <p:custDataLst>
-    <p:tags r:id="rId34"/>
+    <p:tags r:id="rId35"/>
   </p:custDataLst>
   <p:defaultTextStyle>
     <a:defPPr>
@@ -238,7 +239,7 @@
                 <a:latin typeface="微软雅黑" panose="020B0503020204020204" charset="-122"/>
                 <a:ea typeface="微软雅黑" panose="020B0503020204020204" charset="-122"/>
               </a:rPr>
-              <a:t>2022/11/6</a:t>
+              <a:t>2022/11/7</a:t>
             </a:fld>
             <a:endParaRPr lang="zh-CN" altLang="en-US">
               <a:latin typeface="微软雅黑" panose="020B0503020204020204" charset="-122"/>
@@ -421,7 +422,7 @@
           <a:p>
             <a:fld id="{1AC49D05-6128-4D0D-A32A-06A5E73B386C}" type="datetimeFigureOut">
               <a:rPr lang="zh-CN" altLang="en-US" smtClean="0"/>
-              <a:t>2022/11/6</a:t>
+              <a:t>2022/11/7</a:t>
             </a:fld>
             <a:endParaRPr lang="zh-CN" altLang="en-US"/>
           </a:p>
@@ -1083,7 +1084,7 @@
           <a:p>
             <a:fld id="{9EFD9D74-47D9-4702-A33C-335B63B48DBF}" type="datetimeFigureOut">
               <a:rPr lang="zh-CN" altLang="en-US" smtClean="0"/>
-              <a:t>2022/11/6</a:t>
+              <a:t>2022/11/7</a:t>
             </a:fld>
             <a:endParaRPr lang="zh-CN" altLang="en-US" dirty="0"/>
           </a:p>
@@ -1416,7 +1417,7 @@
           <a:p>
             <a:fld id="{760FBDFE-C587-4B4C-A407-44438C67B59E}" type="datetimeFigureOut">
               <a:rPr lang="zh-CN" altLang="en-US" smtClean="0"/>
-              <a:t>2022/11/6</a:t>
+              <a:t>2022/11/7</a:t>
             </a:fld>
             <a:endParaRPr lang="zh-CN" altLang="en-US"/>
           </a:p>
@@ -1589,7 +1590,7 @@
           <a:p>
             <a:fld id="{9EFD9D74-47D9-4702-A33C-335B63B48DBF}" type="datetimeFigureOut">
               <a:rPr lang="zh-CN" altLang="en-US" smtClean="0"/>
-              <a:t>2022/11/6</a:t>
+              <a:t>2022/11/7</a:t>
             </a:fld>
             <a:endParaRPr lang="zh-CN" altLang="en-US" dirty="0"/>
           </a:p>
@@ -2114,7 +2115,7 @@
           <a:p>
             <a:fld id="{760FBDFE-C587-4B4C-A407-44438C67B59E}" type="datetimeFigureOut">
               <a:rPr lang="zh-CN" altLang="en-US" smtClean="0"/>
-              <a:t>2022/11/6</a:t>
+              <a:t>2022/11/7</a:t>
             </a:fld>
             <a:endParaRPr lang="zh-CN" altLang="en-US"/>
           </a:p>
@@ -2862,7 +2863,7 @@
           <a:p>
             <a:fld id="{760FBDFE-C587-4B4C-A407-44438C67B59E}" type="datetimeFigureOut">
               <a:rPr lang="zh-CN" altLang="en-US" smtClean="0"/>
-              <a:t>2022/11/6</a:t>
+              <a:t>2022/11/7</a:t>
             </a:fld>
             <a:endParaRPr lang="zh-CN" altLang="en-US"/>
           </a:p>
@@ -3028,7 +3029,7 @@
           <a:p>
             <a:fld id="{760FBDFE-C587-4B4C-A407-44438C67B59E}" type="datetimeFigureOut">
               <a:rPr lang="zh-CN" altLang="en-US" smtClean="0"/>
-              <a:t>2022/11/6</a:t>
+              <a:t>2022/11/7</a:t>
             </a:fld>
             <a:endParaRPr lang="zh-CN" altLang="en-US"/>
           </a:p>
@@ -3142,7 +3143,7 @@
           <a:p>
             <a:fld id="{760FBDFE-C587-4B4C-A407-44438C67B59E}" type="datetimeFigureOut">
               <a:rPr lang="zh-CN" altLang="en-US" smtClean="0"/>
-              <a:t>2022/11/6</a:t>
+              <a:t>2022/11/7</a:t>
             </a:fld>
             <a:endParaRPr lang="zh-CN" altLang="en-US"/>
           </a:p>
@@ -3472,7 +3473,7 @@
           <a:p>
             <a:fld id="{9EFD9D74-47D9-4702-A33C-335B63B48DBF}" type="datetimeFigureOut">
               <a:rPr lang="zh-CN" altLang="en-US" smtClean="0"/>
-              <a:t>2022/11/6</a:t>
+              <a:t>2022/11/7</a:t>
             </a:fld>
             <a:endParaRPr lang="zh-CN" altLang="en-US" dirty="0"/>
           </a:p>
@@ -3985,7 +3986,7 @@
           <a:p>
             <a:fld id="{760FBDFE-C587-4B4C-A407-44438C67B59E}" type="datetimeFigureOut">
               <a:rPr lang="zh-CN" altLang="en-US" smtClean="0"/>
-              <a:t>2022/11/6</a:t>
+              <a:t>2022/11/7</a:t>
             </a:fld>
             <a:endParaRPr lang="zh-CN" altLang="en-US"/>
           </a:p>
@@ -4099,7 +4100,7 @@
           <a:p>
             <a:fld id="{760FBDFE-C587-4B4C-A407-44438C67B59E}" type="datetimeFigureOut">
               <a:rPr lang="zh-CN" altLang="en-US" smtClean="0"/>
-              <a:t>2022/11/6</a:t>
+              <a:t>2022/11/7</a:t>
             </a:fld>
             <a:endParaRPr lang="zh-CN" altLang="en-US"/>
           </a:p>
@@ -4387,7 +4388,7 @@
           <a:p>
             <a:fld id="{82F288E0-7875-42C4-84C8-98DBBD3BF4D2}" type="datetimeFigureOut">
               <a:rPr lang="zh-CN" altLang="en-US" smtClean="0"/>
-              <a:t>2022/11/6</a:t>
+              <a:t>2022/11/7</a:t>
             </a:fld>
             <a:endParaRPr lang="zh-CN" altLang="en-US"/>
           </a:p>
@@ -4846,7 +4847,7 @@
           <a:p>
             <a:fld id="{760FBDFE-C587-4B4C-A407-44438C67B59E}" type="datetimeFigureOut">
               <a:rPr lang="zh-CN" altLang="en-US" smtClean="0"/>
-              <a:t>2022/11/6</a:t>
+              <a:t>2022/11/7</a:t>
             </a:fld>
             <a:endParaRPr lang="zh-CN" altLang="en-US"/>
           </a:p>
@@ -5515,7 +5516,7 @@
           <a:p>
             <a:fld id="{9EFD9D74-47D9-4702-A33C-335B63B48DBF}" type="datetimeFigureOut">
               <a:rPr lang="zh-CN" altLang="en-US" smtClean="0"/>
-              <a:t>2022/11/6</a:t>
+              <a:t>2022/11/7</a:t>
             </a:fld>
             <a:endParaRPr lang="zh-CN" altLang="en-US" dirty="0"/>
           </a:p>
@@ -5663,7 +5664,7 @@
           <a:p>
             <a:fld id="{9EFD9D74-47D9-4702-A33C-335B63B48DBF}" type="datetimeFigureOut">
               <a:rPr lang="zh-CN" altLang="en-US" smtClean="0"/>
-              <a:t>2022/11/6</a:t>
+              <a:t>2022/11/7</a:t>
             </a:fld>
             <a:endParaRPr lang="zh-CN" altLang="en-US" dirty="0"/>
           </a:p>
@@ -9697,8 +9698,8 @@
           </a:p>
         </p:txBody>
       </p:sp>
-      <mc:AlternateContent xmlns:mc="http://schemas.openxmlformats.org/markup-compatibility/2006">
-        <mc:Choice xmlns:a14="http://schemas.microsoft.com/office/drawing/2010/main" Requires="a14">
+      <mc:AlternateContent xmlns:mc="http://schemas.openxmlformats.org/markup-compatibility/2006" xmlns:a14="http://schemas.microsoft.com/office/drawing/2010/main">
+        <mc:Choice Requires="a14">
           <p:sp>
             <p:nvSpPr>
               <p:cNvPr id="7" name="文本框 6">
@@ -10544,7 +10545,7 @@
             </p:txBody>
           </p:sp>
         </mc:Choice>
-        <mc:Fallback>
+        <mc:Fallback xmlns="">
           <p:sp>
             <p:nvSpPr>
               <p:cNvPr id="7" name="文本框 6">
@@ -11266,6 +11267,17 @@
               <a:buFont typeface="Arial" panose="020B0604020202020204" pitchFamily="34" charset="0"/>
               <a:buChar char="•"/>
             </a:pPr>
+            <a:r>
+              <a:rPr lang="zh-CN" altLang="en-US" dirty="0"/>
+              <a:t>请每个同学都运行代码，看下是否通过了检查</a:t>
+            </a:r>
+            <a:endParaRPr lang="en-US" altLang="zh-CN" dirty="0"/>
+          </a:p>
+          <a:p>
+            <a:pPr marL="285750" indent="-285750">
+              <a:buFont typeface="Arial" panose="020B0604020202020204" pitchFamily="34" charset="0"/>
+              <a:buChar char="•"/>
+            </a:pPr>
             <a:endParaRPr lang="en-US" altLang="zh-CN" dirty="0"/>
           </a:p>
           <a:p>
@@ -12745,6 +12757,17 @@
               <a:buFont typeface="Arial" panose="020B0604020202020204" pitchFamily="34" charset="0"/>
               <a:buChar char="•"/>
             </a:pPr>
+            <a:r>
+              <a:rPr lang="zh-CN" altLang="en-US" dirty="0"/>
+              <a:t>请每个同学都运行代码，看下是否通过了检查</a:t>
+            </a:r>
+            <a:endParaRPr lang="en-US" altLang="zh-CN" dirty="0"/>
+          </a:p>
+          <a:p>
+            <a:pPr marL="285750" indent="-285750">
+              <a:buFont typeface="Arial" panose="020B0604020202020204" pitchFamily="34" charset="0"/>
+              <a:buChar char="•"/>
+            </a:pPr>
             <a:endParaRPr lang="en-US" altLang="zh-CN" dirty="0"/>
           </a:p>
           <a:p>
@@ -13398,15 +13421,11 @@
             </a:pPr>
             <a:r>
               <a:rPr lang="zh-CN" altLang="en-US" dirty="0"/>
-              <a:t>请重构代码，消除重复代码</a:t>
+              <a:t>请每个同学都运行代码，看下是否通过了检查</a:t>
             </a:r>
             <a:endParaRPr lang="en-US" altLang="zh-CN" dirty="0"/>
           </a:p>
           <a:p>
-            <a:pPr marL="285750" indent="-285750">
-              <a:buFont typeface="Arial" panose="020B0604020202020204" pitchFamily="34" charset="0"/>
-              <a:buChar char="•"/>
-            </a:pPr>
             <a:endParaRPr lang="en-US" altLang="zh-CN" dirty="0"/>
           </a:p>
           <a:p>
@@ -13597,6 +13616,558 @@
       </p:grpSpPr>
       <p:sp>
         <p:nvSpPr>
+          <p:cNvPr id="2" name="文本占位符 1"/>
+          <p:cNvSpPr>
+            <a:spLocks noGrp="1"/>
+          </p:cNvSpPr>
+          <p:nvPr>
+            <p:ph type="body" idx="1"/>
+          </p:nvPr>
+        </p:nvSpPr>
+        <p:spPr/>
+        <p:txBody>
+          <a:bodyPr/>
+          <a:lstStyle/>
+          <a:p>
+            <a:pPr marL="285750" indent="-285750">
+              <a:buFont typeface="Arial" panose="020B0604020202020204" pitchFamily="34" charset="0"/>
+              <a:buChar char="•"/>
+            </a:pPr>
+            <a:endParaRPr lang="en-US" altLang="zh-CN" dirty="0"/>
+          </a:p>
+          <a:p>
+            <a:pPr marL="285750" indent="-285750">
+              <a:buFont typeface="Arial" panose="020B0604020202020204" pitchFamily="34" charset="0"/>
+              <a:buChar char="•"/>
+            </a:pPr>
+            <a:endParaRPr lang="en-US" altLang="zh-CN" dirty="0"/>
+          </a:p>
+          <a:p>
+            <a:pPr marL="285750" indent="-285750">
+              <a:buFont typeface="Arial" panose="020B0604020202020204" pitchFamily="34" charset="0"/>
+              <a:buChar char="•"/>
+            </a:pPr>
+            <a:endParaRPr lang="en-US" altLang="zh-CN" dirty="0"/>
+          </a:p>
+          <a:p>
+            <a:pPr marL="285750" indent="-285750">
+              <a:buFont typeface="Arial" panose="020B0604020202020204" pitchFamily="34" charset="0"/>
+              <a:buChar char="•"/>
+            </a:pPr>
+            <a:endParaRPr lang="en-US" altLang="zh-CN" dirty="0"/>
+          </a:p>
+          <a:p>
+            <a:pPr marL="285750" indent="-285750">
+              <a:buFont typeface="Arial" panose="020B0604020202020204" pitchFamily="34" charset="0"/>
+              <a:buChar char="•"/>
+            </a:pPr>
+            <a:endParaRPr lang="en-US" altLang="zh-CN" dirty="0"/>
+          </a:p>
+          <a:p>
+            <a:pPr marL="285750" indent="-285750">
+              <a:buFont typeface="Arial" panose="020B0604020202020204" pitchFamily="34" charset="0"/>
+              <a:buChar char="•"/>
+            </a:pPr>
+            <a:endParaRPr lang="en-US" altLang="zh-CN" dirty="0"/>
+          </a:p>
+          <a:p>
+            <a:endParaRPr lang="en-US" altLang="zh-CN" dirty="0"/>
+          </a:p>
+        </p:txBody>
+      </p:sp>
+      <p:sp>
+        <p:nvSpPr>
+          <p:cNvPr id="3" name="标题 2"/>
+          <p:cNvSpPr>
+            <a:spLocks noGrp="1"/>
+          </p:cNvSpPr>
+          <p:nvPr>
+            <p:ph type="title"/>
+          </p:nvPr>
+        </p:nvSpPr>
+        <p:spPr/>
+        <p:txBody>
+          <a:bodyPr/>
+          <a:lstStyle/>
+          <a:p>
+            <a:r>
+              <a:rPr lang="zh-CN" altLang="en-US" dirty="0">
+                <a:sym typeface="+mn-ea"/>
+              </a:rPr>
+              <a:t>任务：</a:t>
+            </a:r>
+            <a:r>
+              <a:rPr lang="zh-CN" altLang="en-US" dirty="0"/>
+              <a:t>整合</a:t>
+            </a:r>
+            <a:r>
+              <a:rPr lang="zh-CN" altLang="en-US" dirty="0">
+                <a:sym typeface="+mn-ea"/>
+              </a:rPr>
+              <a:t>全连接层的梯度检查</a:t>
+            </a:r>
+            <a:endParaRPr dirty="0">
+              <a:sym typeface="+mn-ea"/>
+            </a:endParaRPr>
+          </a:p>
+        </p:txBody>
+      </p:sp>
+      <p:sp>
+        <p:nvSpPr>
+          <p:cNvPr id="6" name="文本占位符 1">
+            <a:extLst>
+              <a:ext uri="{FF2B5EF4-FFF2-40B4-BE49-F238E27FC236}">
+                <a16:creationId xmlns:a16="http://schemas.microsoft.com/office/drawing/2014/main" id="{BA88068A-4FDC-6963-46A5-ADEC46CDA15E}"/>
+              </a:ext>
+            </a:extLst>
+          </p:cNvPr>
+          <p:cNvSpPr txBox="1">
+            <a:spLocks/>
+          </p:cNvSpPr>
+          <p:nvPr/>
+        </p:nvSpPr>
+        <p:spPr>
+          <a:xfrm>
+            <a:off x="822325" y="1778635"/>
+            <a:ext cx="10852150" cy="4553585"/>
+          </a:xfrm>
+        </p:spPr>
+        <p:txBody>
+          <a:bodyPr lIns="101600" tIns="38100" rIns="76200" bIns="38100">
+            <a:noAutofit/>
+          </a:bodyPr>
+          <a:lstStyle>
+            <a:lvl1pPr marL="0" indent="0" algn="l" defTabSz="914400" rtl="0" eaLnBrk="1" fontAlgn="auto" latinLnBrk="0" hangingPunct="1">
+              <a:lnSpc>
+                <a:spcPct val="130000"/>
+              </a:lnSpc>
+              <a:spcBef>
+                <a:spcPts val="0"/>
+              </a:spcBef>
+              <a:spcAft>
+                <a:spcPts val="1000"/>
+              </a:spcAft>
+              <a:buFont typeface="Arial" panose="020B0604020202020204" pitchFamily="34" charset="0"/>
+              <a:buNone/>
+              <a:defRPr kumimoji="0" lang="zh-CN" altLang="en-US" sz="1600" b="0" i="0" u="none" strike="noStrike" kern="1200" cap="none" spc="150" normalizeH="0" baseline="0" noProof="1">
+                <a:solidFill>
+                  <a:schemeClr val="tx1"/>
+                </a:solidFill>
+                <a:uFillTx/>
+                <a:latin typeface="+mn-lt"/>
+                <a:ea typeface="+mn-ea"/>
+                <a:cs typeface="+mn-cs"/>
+                <a:sym typeface="+mn-ea"/>
+              </a:defRPr>
+            </a:lvl1pPr>
+            <a:lvl2pPr marL="457200" indent="0" algn="l" defTabSz="914400" rtl="0" eaLnBrk="1" fontAlgn="auto" latinLnBrk="0" hangingPunct="1">
+              <a:lnSpc>
+                <a:spcPct val="130000"/>
+              </a:lnSpc>
+              <a:spcBef>
+                <a:spcPts val="0"/>
+              </a:spcBef>
+              <a:spcAft>
+                <a:spcPts val="1000"/>
+              </a:spcAft>
+              <a:buFont typeface="Arial" panose="020B0604020202020204" pitchFamily="34" charset="0"/>
+              <a:buNone/>
+              <a:tabLst>
+                <a:tab pos="1609725" algn="l"/>
+              </a:tabLst>
+              <a:defRPr sz="2000" u="none" strike="noStrike" kern="1200" cap="none" spc="150" normalizeH="0" baseline="0">
+                <a:solidFill>
+                  <a:schemeClr val="tx1">
+                    <a:tint val="75000"/>
+                  </a:schemeClr>
+                </a:solidFill>
+                <a:uFillTx/>
+                <a:latin typeface="+mn-lt"/>
+                <a:ea typeface="+mn-ea"/>
+                <a:cs typeface="+mn-cs"/>
+              </a:defRPr>
+            </a:lvl2pPr>
+            <a:lvl3pPr marL="914400" indent="0" algn="l" defTabSz="914400" rtl="0" eaLnBrk="1" fontAlgn="auto" latinLnBrk="0" hangingPunct="1">
+              <a:lnSpc>
+                <a:spcPct val="130000"/>
+              </a:lnSpc>
+              <a:spcBef>
+                <a:spcPts val="0"/>
+              </a:spcBef>
+              <a:spcAft>
+                <a:spcPts val="1000"/>
+              </a:spcAft>
+              <a:buFont typeface="Arial" panose="020B0604020202020204" pitchFamily="34" charset="0"/>
+              <a:buNone/>
+              <a:defRPr sz="1800" u="none" strike="noStrike" kern="1200" cap="none" spc="150" normalizeH="0" baseline="0">
+                <a:solidFill>
+                  <a:schemeClr val="tx1">
+                    <a:tint val="75000"/>
+                  </a:schemeClr>
+                </a:solidFill>
+                <a:uFillTx/>
+                <a:latin typeface="+mn-lt"/>
+                <a:ea typeface="+mn-ea"/>
+                <a:cs typeface="+mn-cs"/>
+              </a:defRPr>
+            </a:lvl3pPr>
+            <a:lvl4pPr marL="1371600" indent="0" algn="l" defTabSz="914400" rtl="0" eaLnBrk="1" fontAlgn="auto" latinLnBrk="0" hangingPunct="1">
+              <a:lnSpc>
+                <a:spcPct val="130000"/>
+              </a:lnSpc>
+              <a:spcBef>
+                <a:spcPts val="0"/>
+              </a:spcBef>
+              <a:spcAft>
+                <a:spcPts val="1000"/>
+              </a:spcAft>
+              <a:buFont typeface="Arial" panose="020B0604020202020204" pitchFamily="34" charset="0"/>
+              <a:buNone/>
+              <a:defRPr sz="1600" u="none" strike="noStrike" kern="1200" cap="none" spc="150" normalizeH="0" baseline="0">
+                <a:solidFill>
+                  <a:schemeClr val="tx1">
+                    <a:tint val="75000"/>
+                  </a:schemeClr>
+                </a:solidFill>
+                <a:uFillTx/>
+                <a:latin typeface="+mn-lt"/>
+                <a:ea typeface="+mn-ea"/>
+                <a:cs typeface="+mn-cs"/>
+              </a:defRPr>
+            </a:lvl4pPr>
+            <a:lvl5pPr marL="1828800" indent="0" algn="l" defTabSz="914400" rtl="0" eaLnBrk="1" fontAlgn="auto" latinLnBrk="0" hangingPunct="1">
+              <a:lnSpc>
+                <a:spcPct val="130000"/>
+              </a:lnSpc>
+              <a:spcBef>
+                <a:spcPts val="0"/>
+              </a:spcBef>
+              <a:spcAft>
+                <a:spcPts val="1000"/>
+              </a:spcAft>
+              <a:buFont typeface="Arial" panose="020B0604020202020204" pitchFamily="34" charset="0"/>
+              <a:buNone/>
+              <a:defRPr sz="1600" u="none" strike="noStrike" kern="1200" cap="none" spc="150" normalizeH="0" baseline="0">
+                <a:solidFill>
+                  <a:schemeClr val="tx1">
+                    <a:tint val="75000"/>
+                  </a:schemeClr>
+                </a:solidFill>
+                <a:uFillTx/>
+                <a:latin typeface="+mn-lt"/>
+                <a:ea typeface="+mn-ea"/>
+                <a:cs typeface="+mn-cs"/>
+              </a:defRPr>
+            </a:lvl5pPr>
+            <a:lvl6pPr marL="2286000" indent="0" algn="l" defTabSz="914400" rtl="0" eaLnBrk="1" latinLnBrk="0" hangingPunct="1">
+              <a:lnSpc>
+                <a:spcPct val="90000"/>
+              </a:lnSpc>
+              <a:spcBef>
+                <a:spcPts val="500"/>
+              </a:spcBef>
+              <a:buFont typeface="Arial" panose="020B0604020202020204" pitchFamily="34" charset="0"/>
+              <a:buNone/>
+              <a:defRPr sz="1600" kern="1200">
+                <a:solidFill>
+                  <a:schemeClr val="tx1">
+                    <a:tint val="75000"/>
+                  </a:schemeClr>
+                </a:solidFill>
+                <a:latin typeface="+mn-lt"/>
+                <a:ea typeface="+mn-ea"/>
+                <a:cs typeface="+mn-cs"/>
+              </a:defRPr>
+            </a:lvl6pPr>
+            <a:lvl7pPr marL="2743200" indent="0" algn="l" defTabSz="914400" rtl="0" eaLnBrk="1" latinLnBrk="0" hangingPunct="1">
+              <a:lnSpc>
+                <a:spcPct val="90000"/>
+              </a:lnSpc>
+              <a:spcBef>
+                <a:spcPts val="500"/>
+              </a:spcBef>
+              <a:buFont typeface="Arial" panose="020B0604020202020204" pitchFamily="34" charset="0"/>
+              <a:buNone/>
+              <a:defRPr sz="1600" kern="1200">
+                <a:solidFill>
+                  <a:schemeClr val="tx1">
+                    <a:tint val="75000"/>
+                  </a:schemeClr>
+                </a:solidFill>
+                <a:latin typeface="+mn-lt"/>
+                <a:ea typeface="+mn-ea"/>
+                <a:cs typeface="+mn-cs"/>
+              </a:defRPr>
+            </a:lvl7pPr>
+            <a:lvl8pPr marL="3200400" indent="0" algn="l" defTabSz="914400" rtl="0" eaLnBrk="1" latinLnBrk="0" hangingPunct="1">
+              <a:lnSpc>
+                <a:spcPct val="90000"/>
+              </a:lnSpc>
+              <a:spcBef>
+                <a:spcPts val="500"/>
+              </a:spcBef>
+              <a:buFont typeface="Arial" panose="020B0604020202020204" pitchFamily="34" charset="0"/>
+              <a:buNone/>
+              <a:defRPr sz="1600" kern="1200">
+                <a:solidFill>
+                  <a:schemeClr val="tx1">
+                    <a:tint val="75000"/>
+                  </a:schemeClr>
+                </a:solidFill>
+                <a:latin typeface="+mn-lt"/>
+                <a:ea typeface="+mn-ea"/>
+                <a:cs typeface="+mn-cs"/>
+              </a:defRPr>
+            </a:lvl8pPr>
+            <a:lvl9pPr marL="3657600" indent="0" algn="l" defTabSz="914400" rtl="0" eaLnBrk="1" latinLnBrk="0" hangingPunct="1">
+              <a:lnSpc>
+                <a:spcPct val="90000"/>
+              </a:lnSpc>
+              <a:spcBef>
+                <a:spcPts val="500"/>
+              </a:spcBef>
+              <a:buFont typeface="Arial" panose="020B0604020202020204" pitchFamily="34" charset="0"/>
+              <a:buNone/>
+              <a:defRPr sz="1600" kern="1200">
+                <a:solidFill>
+                  <a:schemeClr val="tx1">
+                    <a:tint val="75000"/>
+                  </a:schemeClr>
+                </a:solidFill>
+                <a:latin typeface="+mn-lt"/>
+                <a:ea typeface="+mn-ea"/>
+                <a:cs typeface="+mn-cs"/>
+              </a:defRPr>
+            </a:lvl9pPr>
+          </a:lstStyle>
+          <a:p>
+            <a:pPr marL="285750" indent="-285750">
+              <a:buFont typeface="Arial" panose="020B0604020202020204" pitchFamily="34" charset="0"/>
+              <a:buChar char="•"/>
+            </a:pPr>
+            <a:r>
+              <a:rPr lang="zh-CN" altLang="en-US"/>
+              <a:t>请</a:t>
+            </a:r>
+            <a:r>
+              <a:rPr lang="zh-CN" altLang="en-US" dirty="0"/>
+              <a:t>重构代码，消除重复代码</a:t>
+            </a:r>
+            <a:endParaRPr lang="en-US" altLang="zh-CN" dirty="0"/>
+          </a:p>
+          <a:p>
+            <a:pPr marL="285750" indent="-285750">
+              <a:buFont typeface="Arial" panose="020B0604020202020204" pitchFamily="34" charset="0"/>
+              <a:buChar char="•"/>
+            </a:pPr>
+            <a:r>
+              <a:rPr lang="zh-CN" altLang="en-US" dirty="0"/>
+              <a:t>运行代码，验证检查是否通过</a:t>
+            </a:r>
+            <a:endParaRPr lang="en-US" altLang="zh-CN" dirty="0"/>
+          </a:p>
+          <a:p>
+            <a:pPr marL="285750" indent="-285750">
+              <a:buFont typeface="Arial" panose="020B0604020202020204" pitchFamily="34" charset="0"/>
+              <a:buChar char="•"/>
+            </a:pPr>
+            <a:r>
+              <a:rPr lang="zh-CN" altLang="en-US" dirty="0"/>
+              <a:t>请每个同学都运行代码，看下是否通过了检查</a:t>
+            </a:r>
+            <a:endParaRPr lang="en-US" altLang="zh-CN" dirty="0"/>
+          </a:p>
+          <a:p>
+            <a:endParaRPr lang="en-US" altLang="zh-CN" dirty="0"/>
+          </a:p>
+          <a:p>
+            <a:pPr marL="285750" indent="-285750">
+              <a:buFont typeface="Arial" panose="020B0604020202020204" pitchFamily="34" charset="0"/>
+              <a:buChar char="•"/>
+            </a:pPr>
+            <a:r>
+              <a:rPr lang="zh-CN" altLang="en-US" dirty="0"/>
+              <a:t>自学、展学</a:t>
+            </a:r>
+          </a:p>
+          <a:p>
+            <a:pPr marL="285750" indent="-285750">
+              <a:buFont typeface="Arial" panose="020B0604020202020204" pitchFamily="34" charset="0"/>
+              <a:buChar char="•"/>
+            </a:pPr>
+            <a:endParaRPr lang="zh-CN" altLang="en-US" dirty="0"/>
+          </a:p>
+          <a:p>
+            <a:pPr marL="285750" indent="-285750">
+              <a:buFont typeface="Arial" panose="020B0604020202020204" pitchFamily="34" charset="0"/>
+              <a:buChar char="•"/>
+            </a:pPr>
+            <a:endParaRPr lang="en-US" altLang="zh-CN" dirty="0"/>
+          </a:p>
+          <a:p>
+            <a:pPr marL="285750" indent="-285750">
+              <a:buFont typeface="Arial" panose="020B0604020202020204" pitchFamily="34" charset="0"/>
+              <a:buChar char="•"/>
+            </a:pPr>
+            <a:endParaRPr lang="zh-CN" altLang="en-US" dirty="0"/>
+          </a:p>
+          <a:p>
+            <a:pPr marL="285750" indent="-285750">
+              <a:buFont typeface="Arial" panose="020B0604020202020204" pitchFamily="34" charset="0"/>
+              <a:buChar char="•"/>
+            </a:pPr>
+            <a:endParaRPr lang="zh-CN" altLang="en-US" dirty="0"/>
+          </a:p>
+          <a:p>
+            <a:pPr marL="285750" indent="-285750">
+              <a:buFont typeface="Arial" panose="020B0604020202020204" pitchFamily="34" charset="0"/>
+              <a:buChar char="•"/>
+            </a:pPr>
+            <a:endParaRPr lang="zh-CN" altLang="en-US" dirty="0"/>
+          </a:p>
+          <a:p>
+            <a:pPr marL="285750" indent="-285750">
+              <a:buFont typeface="Arial" panose="020B0604020202020204" pitchFamily="34" charset="0"/>
+              <a:buChar char="•"/>
+            </a:pPr>
+            <a:endParaRPr lang="zh-CN" altLang="en-US" dirty="0"/>
+          </a:p>
+          <a:p>
+            <a:pPr marL="285750" indent="-285750">
+              <a:buFont typeface="Arial" panose="020B0604020202020204" pitchFamily="34" charset="0"/>
+              <a:buChar char="•"/>
+            </a:pPr>
+            <a:endParaRPr lang="zh-CN" altLang="en-US" dirty="0"/>
+          </a:p>
+          <a:p>
+            <a:pPr marL="285750" indent="-285750">
+              <a:buFont typeface="Arial" panose="020B0604020202020204" pitchFamily="34" charset="0"/>
+              <a:buChar char="•"/>
+            </a:pPr>
+            <a:endParaRPr lang="zh-CN" altLang="en-US" dirty="0"/>
+          </a:p>
+          <a:p>
+            <a:pPr marL="285750" indent="-285750">
+              <a:buFont typeface="Arial" panose="020B0604020202020204" pitchFamily="34" charset="0"/>
+              <a:buChar char="•"/>
+            </a:pPr>
+            <a:endParaRPr lang="zh-CN" altLang="en-US" dirty="0"/>
+          </a:p>
+        </p:txBody>
+      </p:sp>
+    </p:spTree>
+    <p:custDataLst>
+      <p:tags r:id="rId1"/>
+    </p:custDataLst>
+    <p:extLst>
+      <p:ext uri="{BB962C8B-B14F-4D97-AF65-F5344CB8AC3E}">
+        <p14:creationId xmlns:p14="http://schemas.microsoft.com/office/powerpoint/2010/main" val="551937608"/>
+      </p:ext>
+    </p:extLst>
+  </p:cSld>
+  <p:clrMapOvr>
+    <a:masterClrMapping/>
+  </p:clrMapOvr>
+  <p:timing>
+    <p:tnLst>
+      <p:par>
+        <p:cTn id="1" dur="indefinite" restart="never" nodeType="tmRoot">
+          <p:childTnLst>
+            <p:seq concurrent="1" nextAc="seek">
+              <p:cTn id="2" dur="indefinite" nodeType="mainSeq">
+                <p:childTnLst>
+                  <p:par>
+                    <p:cTn id="3" fill="hold">
+                      <p:stCondLst>
+                        <p:cond delay="indefinite"/>
+                      </p:stCondLst>
+                      <p:childTnLst>
+                        <p:par>
+                          <p:cTn id="4" fill="hold">
+                            <p:stCondLst>
+                              <p:cond delay="0"/>
+                            </p:stCondLst>
+                            <p:childTnLst>
+                              <p:par>
+                                <p:cTn id="5" presetID="1" presetClass="entr" presetSubtype="0" fill="hold" grpId="0" nodeType="clickEffect">
+                                  <p:stCondLst>
+                                    <p:cond delay="0"/>
+                                  </p:stCondLst>
+                                  <p:childTnLst>
+                                    <p:set>
+                                      <p:cBhvr>
+                                        <p:cTn id="6" dur="1" fill="hold">
+                                          <p:stCondLst>
+                                            <p:cond delay="0"/>
+                                          </p:stCondLst>
+                                        </p:cTn>
+                                        <p:tgtEl>
+                                          <p:spTgt spid="6"/>
+                                        </p:tgtEl>
+                                        <p:attrNameLst>
+                                          <p:attrName>style.visibility</p:attrName>
+                                        </p:attrNameLst>
+                                      </p:cBhvr>
+                                      <p:to>
+                                        <p:strVal val="visible"/>
+                                      </p:to>
+                                    </p:set>
+                                  </p:childTnLst>
+                                </p:cTn>
+                              </p:par>
+                            </p:childTnLst>
+                          </p:cTn>
+                        </p:par>
+                      </p:childTnLst>
+                    </p:cTn>
+                  </p:par>
+                </p:childTnLst>
+              </p:cTn>
+              <p:prevCondLst>
+                <p:cond evt="onPrev" delay="0">
+                  <p:tgtEl>
+                    <p:sldTgt/>
+                  </p:tgtEl>
+                </p:cond>
+              </p:prevCondLst>
+              <p:nextCondLst>
+                <p:cond evt="onNext" delay="0">
+                  <p:tgtEl>
+                    <p:sldTgt/>
+                  </p:tgtEl>
+                </p:cond>
+              </p:nextCondLst>
+            </p:seq>
+          </p:childTnLst>
+        </p:cTn>
+      </p:par>
+    </p:tnLst>
+    <p:bldLst>
+      <p:bldP spid="6" grpId="0"/>
+    </p:bldLst>
+  </p:timing>
+</p:sld>
+</file>
+
+<file path=ppt/slides/slide25.xml><?xml version="1.0" encoding="utf-8"?>
+<p:sld xmlns:a="http://schemas.openxmlformats.org/drawingml/2006/main" xmlns:r="http://schemas.openxmlformats.org/officeDocument/2006/relationships" xmlns:p="http://schemas.openxmlformats.org/presentationml/2006/main">
+  <p:cSld>
+    <p:spTree>
+      <p:nvGrpSpPr>
+        <p:cNvPr id="1" name=""/>
+        <p:cNvGrpSpPr/>
+        <p:nvPr/>
+      </p:nvGrpSpPr>
+      <p:grpSpPr>
+        <a:xfrm>
+          <a:off x="0" y="0"/>
+          <a:ext cx="0" cy="0"/>
+          <a:chOff x="0" y="0"/>
+          <a:chExt cx="0" cy="0"/>
+        </a:xfrm>
+      </p:grpSpPr>
+      <p:sp>
+        <p:nvSpPr>
           <p:cNvPr id="2" name="标题 1"/>
           <p:cNvSpPr>
             <a:spLocks noGrp="1"/>
@@ -13628,7 +14199,7 @@
 </p:sld>
 </file>
 
-<file path=ppt/slides/slide25.xml><?xml version="1.0" encoding="utf-8"?>
+<file path=ppt/slides/slide26.xml><?xml version="1.0" encoding="utf-8"?>
 <p:sld xmlns:a="http://schemas.openxmlformats.org/drawingml/2006/main" xmlns:r="http://schemas.openxmlformats.org/officeDocument/2006/relationships" xmlns:p="http://schemas.openxmlformats.org/presentationml/2006/main">
   <p:cSld>
     <p:spTree>
@@ -13938,7 +14509,7 @@
 </p:sld>
 </file>
 
-<file path=ppt/slides/slide26.xml><?xml version="1.0" encoding="utf-8"?>
+<file path=ppt/slides/slide27.xml><?xml version="1.0" encoding="utf-8"?>
 <p:sld xmlns:a="http://schemas.openxmlformats.org/drawingml/2006/main" xmlns:r="http://schemas.openxmlformats.org/officeDocument/2006/relationships" xmlns:p="http://schemas.openxmlformats.org/presentationml/2006/main">
   <p:cSld>
     <p:spTree>
@@ -14087,7 +14658,7 @@
 </p:sld>
 </file>
 
-<file path=ppt/slides/slide27.xml><?xml version="1.0" encoding="utf-8"?>
+<file path=ppt/slides/slide28.xml><?xml version="1.0" encoding="utf-8"?>
 <p:sld xmlns:a="http://schemas.openxmlformats.org/drawingml/2006/main" xmlns:r="http://schemas.openxmlformats.org/officeDocument/2006/relationships" xmlns:p="http://schemas.openxmlformats.org/presentationml/2006/main">
   <p:cSld>
     <p:spTree>
@@ -14173,34 +14744,6 @@
 </p:sld>
 </file>
 
-<file path=ppt/slides/slide28.xml><?xml version="1.0" encoding="utf-8"?>
-<p:sld xmlns:a="http://schemas.openxmlformats.org/drawingml/2006/main" xmlns:r="http://schemas.openxmlformats.org/officeDocument/2006/relationships" xmlns:p="http://schemas.openxmlformats.org/presentationml/2006/main">
-  <p:cSld>
-    <p:spTree>
-      <p:nvGrpSpPr>
-        <p:cNvPr id="1" name=""/>
-        <p:cNvGrpSpPr/>
-        <p:nvPr/>
-      </p:nvGrpSpPr>
-      <p:grpSpPr>
-        <a:xfrm>
-          <a:off x="0" y="0"/>
-          <a:ext cx="0" cy="0"/>
-          <a:chOff x="0" y="0"/>
-          <a:chExt cx="0" cy="0"/>
-        </a:xfrm>
-      </p:grpSpPr>
-    </p:spTree>
-    <p:custDataLst>
-      <p:tags r:id="rId1"/>
-    </p:custDataLst>
-  </p:cSld>
-  <p:clrMapOvr>
-    <a:masterClrMapping/>
-  </p:clrMapOvr>
-</p:sld>
-</file>
-
 <file path=ppt/slides/slide29.xml><?xml version="1.0" encoding="utf-8"?>
 <p:sld xmlns:a="http://schemas.openxmlformats.org/drawingml/2006/main" xmlns:r="http://schemas.openxmlformats.org/officeDocument/2006/relationships" xmlns:p="http://schemas.openxmlformats.org/presentationml/2006/main">
   <p:cSld>
@@ -14218,51 +14761,6 @@
           <a:chExt cx="0" cy="0"/>
         </a:xfrm>
       </p:grpSpPr>
-      <p:sp>
-        <p:nvSpPr>
-          <p:cNvPr id="2" name="文本占位符 1"/>
-          <p:cNvSpPr>
-            <a:spLocks noGrp="1"/>
-          </p:cNvSpPr>
-          <p:nvPr>
-            <p:ph type="body" idx="1"/>
-          </p:nvPr>
-        </p:nvSpPr>
-        <p:spPr/>
-        <p:txBody>
-          <a:bodyPr/>
-          <a:lstStyle/>
-          <a:p>
-            <a:pPr marL="285750" indent="-285750">
-              <a:buFont typeface="Arial" panose="020B0604020202020204" pitchFamily="34" charset="0"/>
-              <a:buChar char="•"/>
-            </a:pPr>
-            <a:endParaRPr lang="en-US" altLang="zh-CN" dirty="0"/>
-          </a:p>
-        </p:txBody>
-      </p:sp>
-      <p:sp>
-        <p:nvSpPr>
-          <p:cNvPr id="3" name="标题 2"/>
-          <p:cNvSpPr>
-            <a:spLocks noGrp="1"/>
-          </p:cNvSpPr>
-          <p:nvPr>
-            <p:ph type="title"/>
-          </p:nvPr>
-        </p:nvSpPr>
-        <p:spPr/>
-        <p:txBody>
-          <a:bodyPr/>
-          <a:lstStyle/>
-          <a:p>
-            <a:r>
-              <a:rPr lang="zh-CN" altLang="en-US" dirty="0"/>
-              <a:t>问答</a:t>
-            </a:r>
-          </a:p>
-        </p:txBody>
-      </p:sp>
     </p:spTree>
     <p:custDataLst>
       <p:tags r:id="rId1"/>
@@ -14668,7 +15166,7 @@
                                         <p:tgtEl>
                                           <p:spTgt spid="2">
                                             <p:txEl>
-                                              <p:charRg st="18" end="36"/>
+                                              <p:pRg st="2" end="2"/>
                                             </p:txEl>
                                           </p:spTgt>
                                         </p:tgtEl>
@@ -14717,7 +15215,7 @@
                                         <p:tgtEl>
                                           <p:spTgt spid="2">
                                             <p:txEl>
-                                              <p:charRg st="36" end="52"/>
+                                              <p:pRg st="3" end="3"/>
                                             </p:txEl>
                                           </p:spTgt>
                                         </p:tgtEl>
@@ -14766,7 +15264,7 @@
                                         <p:tgtEl>
                                           <p:spTgt spid="2">
                                             <p:txEl>
-                                              <p:charRg st="52" end="70"/>
+                                              <p:pRg st="4" end="4"/>
                                             </p:txEl>
                                           </p:spTgt>
                                         </p:tgtEl>
@@ -14815,7 +15313,7 @@
                                         <p:tgtEl>
                                           <p:spTgt spid="2">
                                             <p:txEl>
-                                              <p:charRg st="70" end="84"/>
+                                              <p:pRg st="5" end="5"/>
                                             </p:txEl>
                                           </p:spTgt>
                                         </p:tgtEl>
@@ -14864,7 +15362,7 @@
                                         <p:tgtEl>
                                           <p:spTgt spid="2">
                                             <p:txEl>
-                                              <p:charRg st="84" end="102"/>
+                                              <p:pRg st="6" end="6"/>
                                             </p:txEl>
                                           </p:spTgt>
                                         </p:tgtEl>
@@ -14913,7 +15411,7 @@
                                         <p:tgtEl>
                                           <p:spTgt spid="2">
                                             <p:txEl>
-                                              <p:charRg st="102" end="116"/>
+                                              <p:pRg st="7" end="7"/>
                                             </p:txEl>
                                           </p:spTgt>
                                         </p:tgtEl>
@@ -14962,7 +15460,7 @@
                                         <p:tgtEl>
                                           <p:spTgt spid="2">
                                             <p:txEl>
-                                              <p:charRg st="116" end="131"/>
+                                              <p:pRg st="8" end="8"/>
                                             </p:txEl>
                                           </p:spTgt>
                                         </p:tgtEl>
@@ -15013,6 +15511,79 @@
 </file>
 
 <file path=ppt/slides/slide30.xml><?xml version="1.0" encoding="utf-8"?>
+<p:sld xmlns:a="http://schemas.openxmlformats.org/drawingml/2006/main" xmlns:r="http://schemas.openxmlformats.org/officeDocument/2006/relationships" xmlns:p="http://schemas.openxmlformats.org/presentationml/2006/main">
+  <p:cSld>
+    <p:spTree>
+      <p:nvGrpSpPr>
+        <p:cNvPr id="1" name=""/>
+        <p:cNvGrpSpPr/>
+        <p:nvPr/>
+      </p:nvGrpSpPr>
+      <p:grpSpPr>
+        <a:xfrm>
+          <a:off x="0" y="0"/>
+          <a:ext cx="0" cy="0"/>
+          <a:chOff x="0" y="0"/>
+          <a:chExt cx="0" cy="0"/>
+        </a:xfrm>
+      </p:grpSpPr>
+      <p:sp>
+        <p:nvSpPr>
+          <p:cNvPr id="2" name="文本占位符 1"/>
+          <p:cNvSpPr>
+            <a:spLocks noGrp="1"/>
+          </p:cNvSpPr>
+          <p:nvPr>
+            <p:ph type="body" idx="1"/>
+          </p:nvPr>
+        </p:nvSpPr>
+        <p:spPr/>
+        <p:txBody>
+          <a:bodyPr/>
+          <a:lstStyle/>
+          <a:p>
+            <a:pPr marL="285750" indent="-285750">
+              <a:buFont typeface="Arial" panose="020B0604020202020204" pitchFamily="34" charset="0"/>
+              <a:buChar char="•"/>
+            </a:pPr>
+            <a:endParaRPr lang="en-US" altLang="zh-CN" dirty="0"/>
+          </a:p>
+        </p:txBody>
+      </p:sp>
+      <p:sp>
+        <p:nvSpPr>
+          <p:cNvPr id="3" name="标题 2"/>
+          <p:cNvSpPr>
+            <a:spLocks noGrp="1"/>
+          </p:cNvSpPr>
+          <p:nvPr>
+            <p:ph type="title"/>
+          </p:nvPr>
+        </p:nvSpPr>
+        <p:spPr/>
+        <p:txBody>
+          <a:bodyPr/>
+          <a:lstStyle/>
+          <a:p>
+            <a:r>
+              <a:rPr lang="zh-CN" altLang="en-US" dirty="0"/>
+              <a:t>问答</a:t>
+            </a:r>
+          </a:p>
+        </p:txBody>
+      </p:sp>
+    </p:spTree>
+    <p:custDataLst>
+      <p:tags r:id="rId1"/>
+    </p:custDataLst>
+  </p:cSld>
+  <p:clrMapOvr>
+    <a:masterClrMapping/>
+  </p:clrMapOvr>
+</p:sld>
+</file>
+
+<file path=ppt/slides/slide31.xml><?xml version="1.0" encoding="utf-8"?>
 <p:sld xmlns:a="http://schemas.openxmlformats.org/drawingml/2006/main" xmlns:r="http://schemas.openxmlformats.org/officeDocument/2006/relationships" xmlns:p="http://schemas.openxmlformats.org/presentationml/2006/main">
   <p:cSld>
     <p:spTree>
@@ -17627,6 +18198,15 @@
   <p:tag name="KSO_WM_UNIT_LAYERLEVEL" val="1"/>
   <p:tag name="KSO_WM_TAG_VERSION" val="1.0"/>
   <p:tag name="KSO_WM_BEAUTIFY_FLAG" val="#wm#"/>
+</p:tagLst>
+</file>
+
+<file path=ppt/tags/tag100.xml><?xml version="1.0" encoding="utf-8"?>
+<p:tagLst xmlns:a="http://schemas.openxmlformats.org/drawingml/2006/main" xmlns:r="http://schemas.openxmlformats.org/officeDocument/2006/relationships" xmlns:p="http://schemas.openxmlformats.org/presentationml/2006/main">
+  <p:tag name="KSO_WM_BEAUTIFY_FLAG" val="#wm#"/>
+  <p:tag name="KSO_WM_TEMPLATE_CATEGORY" val="custom"/>
+  <p:tag name="KSO_WM_TEMPLATE_INDEX" val="20187308"/>
+  <p:tag name="KSO_WM_SPECIAL_SOURCE" val="bdnull"/>
 </p:tagLst>
 </file>
 

--- a/lessons/4_gradient_check/ppt/全连接层的梯度检查.pptx
+++ b/lessons/4_gradient_check/ppt/全连接层的梯度检查.pptx
@@ -11258,17 +11258,6 @@
             </a:pPr>
             <a:r>
               <a:rPr lang="zh-CN" altLang="en-US" dirty="0"/>
-              <a:t>运行代码，验证检查是否通过</a:t>
-            </a:r>
-            <a:endParaRPr lang="en-US" altLang="zh-CN" dirty="0"/>
-          </a:p>
-          <a:p>
-            <a:pPr marL="285750" indent="-285750">
-              <a:buFont typeface="Arial" panose="020B0604020202020204" pitchFamily="34" charset="0"/>
-              <a:buChar char="•"/>
-            </a:pPr>
-            <a:r>
-              <a:rPr lang="zh-CN" altLang="en-US" dirty="0"/>
               <a:t>请每个同学都运行代码，看下是否通过了检查</a:t>
             </a:r>
             <a:endParaRPr lang="en-US" altLang="zh-CN" dirty="0"/>
@@ -12748,17 +12737,6 @@
             </a:pPr>
             <a:r>
               <a:rPr lang="zh-CN" altLang="en-US" dirty="0"/>
-              <a:t>运行代码，验证检查是否通过</a:t>
-            </a:r>
-            <a:endParaRPr lang="en-US" altLang="zh-CN" dirty="0"/>
-          </a:p>
-          <a:p>
-            <a:pPr marL="285750" indent="-285750">
-              <a:buFont typeface="Arial" panose="020B0604020202020204" pitchFamily="34" charset="0"/>
-              <a:buChar char="•"/>
-            </a:pPr>
-            <a:r>
-              <a:rPr lang="zh-CN" altLang="en-US" dirty="0"/>
               <a:t>请每个同学都运行代码，看下是否通过了检查</a:t>
             </a:r>
             <a:endParaRPr lang="en-US" altLang="zh-CN" dirty="0"/>
@@ -13410,17 +13388,6 @@
             </a:pPr>
             <a:r>
               <a:rPr lang="zh-CN" altLang="en-US" dirty="0"/>
-              <a:t>运行代码，验证检查是否通过</a:t>
-            </a:r>
-            <a:endParaRPr lang="en-US" altLang="zh-CN" dirty="0"/>
-          </a:p>
-          <a:p>
-            <a:pPr marL="285750" indent="-285750">
-              <a:buFont typeface="Arial" panose="020B0604020202020204" pitchFamily="34" charset="0"/>
-              <a:buChar char="•"/>
-            </a:pPr>
-            <a:r>
-              <a:rPr lang="zh-CN" altLang="en-US" dirty="0"/>
               <a:t>请每个同学都运行代码，看下是否通过了检查</a:t>
             </a:r>
             <a:endParaRPr lang="en-US" altLang="zh-CN" dirty="0"/>
@@ -13946,34 +13913,23 @@
               <a:buChar char="•"/>
             </a:pPr>
             <a:r>
+              <a:rPr lang="zh-CN" altLang="en-US" dirty="0"/>
+              <a:t>请重构代码，消除重复代码</a:t>
+            </a:r>
+            <a:endParaRPr lang="en-US" altLang="zh-CN" dirty="0"/>
+          </a:p>
+          <a:p>
+            <a:pPr marL="285750" indent="-285750">
+              <a:buFont typeface="Arial" panose="020B0604020202020204" pitchFamily="34" charset="0"/>
+              <a:buChar char="•"/>
+            </a:pPr>
+            <a:r>
               <a:rPr lang="zh-CN" altLang="en-US"/>
               <a:t>请</a:t>
             </a:r>
             <a:r>
               <a:rPr lang="zh-CN" altLang="en-US" dirty="0"/>
-              <a:t>重构代码，消除重复代码</a:t>
-            </a:r>
-            <a:endParaRPr lang="en-US" altLang="zh-CN" dirty="0"/>
-          </a:p>
-          <a:p>
-            <a:pPr marL="285750" indent="-285750">
-              <a:buFont typeface="Arial" panose="020B0604020202020204" pitchFamily="34" charset="0"/>
-              <a:buChar char="•"/>
-            </a:pPr>
-            <a:r>
-              <a:rPr lang="zh-CN" altLang="en-US" dirty="0"/>
-              <a:t>运行代码，验证检查是否通过</a:t>
-            </a:r>
-            <a:endParaRPr lang="en-US" altLang="zh-CN" dirty="0"/>
-          </a:p>
-          <a:p>
-            <a:pPr marL="285750" indent="-285750">
-              <a:buFont typeface="Arial" panose="020B0604020202020204" pitchFamily="34" charset="0"/>
-              <a:buChar char="•"/>
-            </a:pPr>
-            <a:r>
-              <a:rPr lang="zh-CN" altLang="en-US" dirty="0"/>
-              <a:t>请每个同学都运行代码，看下是否通过了检查</a:t>
+              <a:t>每个同学都运行代码，看下是否通过了检查</a:t>
             </a:r>
             <a:endParaRPr lang="en-US" altLang="zh-CN" dirty="0"/>
           </a:p>

--- a/lessons/4_gradient_check/ppt/全连接层的梯度检查.pptx
+++ b/lessons/4_gradient_check/ppt/全连接层的梯度检查.pptx
@@ -239,7 +239,7 @@
                 <a:latin typeface="微软雅黑" panose="020B0503020204020204" charset="-122"/>
                 <a:ea typeface="微软雅黑" panose="020B0503020204020204" charset="-122"/>
               </a:rPr>
-              <a:t>2022/11/7</a:t>
+              <a:t>2022/11/9</a:t>
             </a:fld>
             <a:endParaRPr lang="zh-CN" altLang="en-US">
               <a:latin typeface="微软雅黑" panose="020B0503020204020204" charset="-122"/>
@@ -422,7 +422,7 @@
           <a:p>
             <a:fld id="{1AC49D05-6128-4D0D-A32A-06A5E73B386C}" type="datetimeFigureOut">
               <a:rPr lang="zh-CN" altLang="en-US" smtClean="0"/>
-              <a:t>2022/11/7</a:t>
+              <a:t>2022/11/9</a:t>
             </a:fld>
             <a:endParaRPr lang="zh-CN" altLang="en-US"/>
           </a:p>
@@ -1084,7 +1084,7 @@
           <a:p>
             <a:fld id="{9EFD9D74-47D9-4702-A33C-335B63B48DBF}" type="datetimeFigureOut">
               <a:rPr lang="zh-CN" altLang="en-US" smtClean="0"/>
-              <a:t>2022/11/7</a:t>
+              <a:t>2022/11/9</a:t>
             </a:fld>
             <a:endParaRPr lang="zh-CN" altLang="en-US" dirty="0"/>
           </a:p>
@@ -1417,7 +1417,7 @@
           <a:p>
             <a:fld id="{760FBDFE-C587-4B4C-A407-44438C67B59E}" type="datetimeFigureOut">
               <a:rPr lang="zh-CN" altLang="en-US" smtClean="0"/>
-              <a:t>2022/11/7</a:t>
+              <a:t>2022/11/9</a:t>
             </a:fld>
             <a:endParaRPr lang="zh-CN" altLang="en-US"/>
           </a:p>
@@ -1590,7 +1590,7 @@
           <a:p>
             <a:fld id="{9EFD9D74-47D9-4702-A33C-335B63B48DBF}" type="datetimeFigureOut">
               <a:rPr lang="zh-CN" altLang="en-US" smtClean="0"/>
-              <a:t>2022/11/7</a:t>
+              <a:t>2022/11/9</a:t>
             </a:fld>
             <a:endParaRPr lang="zh-CN" altLang="en-US" dirty="0"/>
           </a:p>
@@ -2115,7 +2115,7 @@
           <a:p>
             <a:fld id="{760FBDFE-C587-4B4C-A407-44438C67B59E}" type="datetimeFigureOut">
               <a:rPr lang="zh-CN" altLang="en-US" smtClean="0"/>
-              <a:t>2022/11/7</a:t>
+              <a:t>2022/11/9</a:t>
             </a:fld>
             <a:endParaRPr lang="zh-CN" altLang="en-US"/>
           </a:p>
@@ -2863,7 +2863,7 @@
           <a:p>
             <a:fld id="{760FBDFE-C587-4B4C-A407-44438C67B59E}" type="datetimeFigureOut">
               <a:rPr lang="zh-CN" altLang="en-US" smtClean="0"/>
-              <a:t>2022/11/7</a:t>
+              <a:t>2022/11/9</a:t>
             </a:fld>
             <a:endParaRPr lang="zh-CN" altLang="en-US"/>
           </a:p>
@@ -3029,7 +3029,7 @@
           <a:p>
             <a:fld id="{760FBDFE-C587-4B4C-A407-44438C67B59E}" type="datetimeFigureOut">
               <a:rPr lang="zh-CN" altLang="en-US" smtClean="0"/>
-              <a:t>2022/11/7</a:t>
+              <a:t>2022/11/9</a:t>
             </a:fld>
             <a:endParaRPr lang="zh-CN" altLang="en-US"/>
           </a:p>
@@ -3143,7 +3143,7 @@
           <a:p>
             <a:fld id="{760FBDFE-C587-4B4C-A407-44438C67B59E}" type="datetimeFigureOut">
               <a:rPr lang="zh-CN" altLang="en-US" smtClean="0"/>
-              <a:t>2022/11/7</a:t>
+              <a:t>2022/11/9</a:t>
             </a:fld>
             <a:endParaRPr lang="zh-CN" altLang="en-US"/>
           </a:p>
@@ -3473,7 +3473,7 @@
           <a:p>
             <a:fld id="{9EFD9D74-47D9-4702-A33C-335B63B48DBF}" type="datetimeFigureOut">
               <a:rPr lang="zh-CN" altLang="en-US" smtClean="0"/>
-              <a:t>2022/11/7</a:t>
+              <a:t>2022/11/9</a:t>
             </a:fld>
             <a:endParaRPr lang="zh-CN" altLang="en-US" dirty="0"/>
           </a:p>
@@ -3986,7 +3986,7 @@
           <a:p>
             <a:fld id="{760FBDFE-C587-4B4C-A407-44438C67B59E}" type="datetimeFigureOut">
               <a:rPr lang="zh-CN" altLang="en-US" smtClean="0"/>
-              <a:t>2022/11/7</a:t>
+              <a:t>2022/11/9</a:t>
             </a:fld>
             <a:endParaRPr lang="zh-CN" altLang="en-US"/>
           </a:p>
@@ -4100,7 +4100,7 @@
           <a:p>
             <a:fld id="{760FBDFE-C587-4B4C-A407-44438C67B59E}" type="datetimeFigureOut">
               <a:rPr lang="zh-CN" altLang="en-US" smtClean="0"/>
-              <a:t>2022/11/7</a:t>
+              <a:t>2022/11/9</a:t>
             </a:fld>
             <a:endParaRPr lang="zh-CN" altLang="en-US"/>
           </a:p>
@@ -4388,7 +4388,7 @@
           <a:p>
             <a:fld id="{82F288E0-7875-42C4-84C8-98DBBD3BF4D2}" type="datetimeFigureOut">
               <a:rPr lang="zh-CN" altLang="en-US" smtClean="0"/>
-              <a:t>2022/11/7</a:t>
+              <a:t>2022/11/9</a:t>
             </a:fld>
             <a:endParaRPr lang="zh-CN" altLang="en-US"/>
           </a:p>
@@ -4847,7 +4847,7 @@
           <a:p>
             <a:fld id="{760FBDFE-C587-4B4C-A407-44438C67B59E}" type="datetimeFigureOut">
               <a:rPr lang="zh-CN" altLang="en-US" smtClean="0"/>
-              <a:t>2022/11/7</a:t>
+              <a:t>2022/11/9</a:t>
             </a:fld>
             <a:endParaRPr lang="zh-CN" altLang="en-US"/>
           </a:p>
@@ -5516,7 +5516,7 @@
           <a:p>
             <a:fld id="{9EFD9D74-47D9-4702-A33C-335B63B48DBF}" type="datetimeFigureOut">
               <a:rPr lang="zh-CN" altLang="en-US" smtClean="0"/>
-              <a:t>2022/11/7</a:t>
+              <a:t>2022/11/9</a:t>
             </a:fld>
             <a:endParaRPr lang="zh-CN" altLang="en-US" dirty="0"/>
           </a:p>
@@ -5664,7 +5664,7 @@
           <a:p>
             <a:fld id="{9EFD9D74-47D9-4702-A33C-335B63B48DBF}" type="datetimeFigureOut">
               <a:rPr lang="zh-CN" altLang="en-US" smtClean="0"/>
-              <a:t>2022/11/7</a:t>
+              <a:t>2022/11/9</a:t>
             </a:fld>
             <a:endParaRPr lang="zh-CN" altLang="en-US" dirty="0"/>
           </a:p>
@@ -6907,42 +6907,6 @@
       </p:sp>
       <p:pic>
         <p:nvPicPr>
-          <p:cNvPr id="7" name="图片 6">
-            <a:extLst>
-              <a:ext uri="{FF2B5EF4-FFF2-40B4-BE49-F238E27FC236}">
-                <a16:creationId xmlns:a16="http://schemas.microsoft.com/office/drawing/2014/main" id="{A9E8DE22-CA37-CFC2-07DA-D3E0D86757F9}"/>
-              </a:ext>
-            </a:extLst>
-          </p:cNvPr>
-          <p:cNvPicPr>
-            <a:picLocks noChangeAspect="1"/>
-          </p:cNvPicPr>
-          <p:nvPr/>
-        </p:nvPicPr>
-        <p:blipFill>
-          <a:blip r:embed="rId3">
-            <a:extLst>
-              <a:ext uri="{28A0092B-C50C-407E-A947-70E740481C1C}">
-                <a14:useLocalDpi xmlns:a14="http://schemas.microsoft.com/office/drawing/2010/main" val="0"/>
-              </a:ext>
-            </a:extLst>
-          </a:blip>
-          <a:stretch>
-            <a:fillRect/>
-          </a:stretch>
-        </p:blipFill>
-        <p:spPr>
-          <a:xfrm>
-            <a:off x="7044452" y="2124743"/>
-            <a:ext cx="4628743" cy="4091707"/>
-          </a:xfrm>
-          <a:prstGeom prst="rect">
-            <a:avLst/>
-          </a:prstGeom>
-        </p:spPr>
-      </p:pic>
-      <p:pic>
-        <p:nvPicPr>
           <p:cNvPr id="9" name="图片 8">
             <a:extLst>
               <a:ext uri="{FF2B5EF4-FFF2-40B4-BE49-F238E27FC236}">
@@ -6956,7 +6920,7 @@
           <p:nvPr/>
         </p:nvPicPr>
         <p:blipFill>
-          <a:blip r:embed="rId4">
+          <a:blip r:embed="rId3">
             <a:extLst>
               <a:ext uri="{28A0092B-C50C-407E-A947-70E740481C1C}">
                 <a14:useLocalDpi xmlns:a14="http://schemas.microsoft.com/office/drawing/2010/main" val="0"/>
@@ -6992,7 +6956,7 @@
           <p:nvPr/>
         </p:nvPicPr>
         <p:blipFill>
-          <a:blip r:embed="rId5">
+          <a:blip r:embed="rId4">
             <a:extLst>
               <a:ext uri="{28A0092B-C50C-407E-A947-70E740481C1C}">
                 <a14:useLocalDpi xmlns:a14="http://schemas.microsoft.com/office/drawing/2010/main" val="0"/>
@@ -7007,6 +6971,42 @@
           <a:xfrm>
             <a:off x="3776993" y="5110837"/>
             <a:ext cx="3492500" cy="685800"/>
+          </a:xfrm>
+          <a:prstGeom prst="rect">
+            <a:avLst/>
+          </a:prstGeom>
+        </p:spPr>
+      </p:pic>
+      <p:pic>
+        <p:nvPicPr>
+          <p:cNvPr id="4" name="图片 3">
+            <a:extLst>
+              <a:ext uri="{FF2B5EF4-FFF2-40B4-BE49-F238E27FC236}">
+                <a16:creationId xmlns:a16="http://schemas.microsoft.com/office/drawing/2014/main" id="{AED7BA62-8910-45C3-D693-2787FB01062C}"/>
+              </a:ext>
+            </a:extLst>
+          </p:cNvPr>
+          <p:cNvPicPr>
+            <a:picLocks noChangeAspect="1"/>
+          </p:cNvPicPr>
+          <p:nvPr/>
+        </p:nvPicPr>
+        <p:blipFill>
+          <a:blip r:embed="rId5">
+            <a:extLst>
+              <a:ext uri="{28A0092B-C50C-407E-A947-70E740481C1C}">
+                <a14:useLocalDpi xmlns:a14="http://schemas.microsoft.com/office/drawing/2010/main" val="0"/>
+              </a:ext>
+            </a:extLst>
+          </a:blip>
+          <a:stretch>
+            <a:fillRect/>
+          </a:stretch>
+        </p:blipFill>
+        <p:spPr>
+          <a:xfrm>
+            <a:off x="7321384" y="2103512"/>
+            <a:ext cx="4301200" cy="4228708"/>
           </a:xfrm>
           <a:prstGeom prst="rect">
             <a:avLst/>
@@ -7199,7 +7199,11 @@
                                           </p:stCondLst>
                                         </p:cTn>
                                         <p:tgtEl>
-                                          <p:spTgt spid="7"/>
+                                          <p:spTgt spid="6">
+                                            <p:txEl>
+                                              <p:pRg st="2" end="2"/>
+                                            </p:txEl>
+                                          </p:spTgt>
                                         </p:tgtEl>
                                         <p:attrNameLst>
                                           <p:attrName>style.visibility</p:attrName>
@@ -7246,7 +7250,7 @@
                                         <p:tgtEl>
                                           <p:spTgt spid="6">
                                             <p:txEl>
-                                              <p:pRg st="2" end="2"/>
+                                              <p:pRg st="3" end="3"/>
                                             </p:txEl>
                                           </p:spTgt>
                                         </p:tgtEl>
@@ -7295,7 +7299,7 @@
                                         <p:tgtEl>
                                           <p:spTgt spid="6">
                                             <p:txEl>
-                                              <p:pRg st="3" end="3"/>
+                                              <p:pRg st="4" end="4"/>
                                             </p:txEl>
                                           </p:spTgt>
                                         </p:tgtEl>
@@ -7344,7 +7348,7 @@
                                         <p:tgtEl>
                                           <p:spTgt spid="6">
                                             <p:txEl>
-                                              <p:pRg st="4" end="4"/>
+                                              <p:pRg st="5" end="5"/>
                                             </p:txEl>
                                           </p:spTgt>
                                         </p:tgtEl>
@@ -7391,11 +7395,7 @@
                                           </p:stCondLst>
                                         </p:cTn>
                                         <p:tgtEl>
-                                          <p:spTgt spid="6">
-                                            <p:txEl>
-                                              <p:pRg st="5" end="5"/>
-                                            </p:txEl>
-                                          </p:spTgt>
+                                          <p:spTgt spid="12"/>
                                         </p:tgtEl>
                                         <p:attrNameLst>
                                           <p:attrName>style.visibility</p:attrName>
@@ -7435,51 +7435,6 @@
                                     <p:set>
                                       <p:cBhvr>
                                         <p:cTn id="38" dur="1" fill="hold">
-                                          <p:stCondLst>
-                                            <p:cond delay="0"/>
-                                          </p:stCondLst>
-                                        </p:cTn>
-                                        <p:tgtEl>
-                                          <p:spTgt spid="12"/>
-                                        </p:tgtEl>
-                                        <p:attrNameLst>
-                                          <p:attrName>style.visibility</p:attrName>
-                                        </p:attrNameLst>
-                                      </p:cBhvr>
-                                      <p:to>
-                                        <p:strVal val="visible"/>
-                                      </p:to>
-                                    </p:set>
-                                  </p:childTnLst>
-                                </p:cTn>
-                              </p:par>
-                            </p:childTnLst>
-                          </p:cTn>
-                        </p:par>
-                      </p:childTnLst>
-                    </p:cTn>
-                  </p:par>
-                  <p:par>
-                    <p:cTn id="39" fill="hold">
-                      <p:stCondLst>
-                        <p:cond delay="indefinite"/>
-                      </p:stCondLst>
-                      <p:childTnLst>
-                        <p:par>
-                          <p:cTn id="40" fill="hold">
-                            <p:stCondLst>
-                              <p:cond delay="0"/>
-                            </p:stCondLst>
-                            <p:childTnLst>
-                              <p:par>
-                                <p:cTn id="41" presetID="1" presetClass="entr" presetSubtype="0" fill="hold" nodeType="clickEffect">
-                                  <p:stCondLst>
-                                    <p:cond delay="0"/>
-                                  </p:stCondLst>
-                                  <p:childTnLst>
-                                    <p:set>
-                                      <p:cBhvr>
-                                        <p:cTn id="42" dur="1" fill="hold">
                                           <p:stCondLst>
                                             <p:cond delay="0"/>
                                           </p:stCondLst>
@@ -9698,8 +9653,8 @@
           </a:p>
         </p:txBody>
       </p:sp>
-      <mc:AlternateContent xmlns:mc="http://schemas.openxmlformats.org/markup-compatibility/2006" xmlns:a14="http://schemas.microsoft.com/office/drawing/2010/main">
-        <mc:Choice Requires="a14">
+      <mc:AlternateContent xmlns:mc="http://schemas.openxmlformats.org/markup-compatibility/2006">
+        <mc:Choice xmlns:a14="http://schemas.microsoft.com/office/drawing/2010/main" Requires="a14">
           <p:sp>
             <p:nvSpPr>
               <p:cNvPr id="7" name="文本框 6">
@@ -10493,7 +10448,7 @@
                     <a:latin typeface="PingFang SC" panose="020B0400000000000000" pitchFamily="34" charset="-122"/>
                     <a:ea typeface="PingFang SC" panose="020B0400000000000000" pitchFamily="34" charset="-122"/>
                   </a:rPr>
-                  <a:t>根据导数定义公式计算出期望的梯度值，和第一步获得的梯度值进行比较，误差小于</a:t>
+                  <a:t>根据导数定义公式计算出期望的梯度值，和第一步获得的梯度值进行比较，误差应该小于</a:t>
                 </a:r>
                 <a:r>
                   <a:rPr lang="en-US" altLang="zh-CN" b="0" i="0" dirty="0">
@@ -10538,14 +10493,14 @@
                     <a:latin typeface="PingFang SC" panose="020B0400000000000000" pitchFamily="34" charset="-122"/>
                     <a:ea typeface="PingFang SC" panose="020B0400000000000000" pitchFamily="34" charset="-122"/>
                   </a:rPr>
-                  <a:t>重复上面的过程，对输出层的每个神经元以及神经元的每个权重进行检查</a:t>
+                  <a:t>重复上面的过程，对输出层的每个神经元的每个权重进行检查</a:t>
                 </a:r>
                 <a:endParaRPr kumimoji="1" lang="zh-CN" altLang="en-US" dirty="0"/>
               </a:p>
             </p:txBody>
           </p:sp>
         </mc:Choice>
-        <mc:Fallback xmlns="">
+        <mc:Fallback>
           <p:sp>
             <p:nvSpPr>
               <p:cNvPr id="7" name="文本框 6">
@@ -10732,7 +10687,7 @@
                             </p:stCondLst>
                             <p:childTnLst>
                               <p:par>
-                                <p:cTn id="5" presetID="1" presetClass="entr" presetSubtype="0" fill="hold" grpId="0" nodeType="clickEffect">
+                                <p:cTn id="5" presetID="1" presetClass="entr" presetSubtype="0" fill="hold" nodeType="clickEffect">
                                   <p:stCondLst>
                                     <p:cond delay="0"/>
                                   </p:stCondLst>
@@ -10745,7 +10700,11 @@
                                           </p:stCondLst>
                                         </p:cTn>
                                         <p:tgtEl>
-                                          <p:spTgt spid="6"/>
+                                          <p:spTgt spid="6">
+                                            <p:txEl>
+                                              <p:pRg st="0" end="0"/>
+                                            </p:txEl>
+                                          </p:spTgt>
                                         </p:tgtEl>
                                         <p:attrNameLst>
                                           <p:attrName>style.visibility</p:attrName>
@@ -10790,7 +10749,391 @@
                                           </p:stCondLst>
                                         </p:cTn>
                                         <p:tgtEl>
+                                          <p:spTgt spid="11"/>
+                                        </p:tgtEl>
+                                        <p:attrNameLst>
+                                          <p:attrName>style.visibility</p:attrName>
+                                        </p:attrNameLst>
+                                      </p:cBhvr>
+                                      <p:to>
+                                        <p:strVal val="visible"/>
+                                      </p:to>
+                                    </p:set>
+                                  </p:childTnLst>
+                                </p:cTn>
+                              </p:par>
+                            </p:childTnLst>
+                          </p:cTn>
+                        </p:par>
+                      </p:childTnLst>
+                    </p:cTn>
+                  </p:par>
+                  <p:par>
+                    <p:cTn id="11" fill="hold">
+                      <p:stCondLst>
+                        <p:cond delay="indefinite"/>
+                      </p:stCondLst>
+                      <p:childTnLst>
+                        <p:par>
+                          <p:cTn id="12" fill="hold">
+                            <p:stCondLst>
+                              <p:cond delay="0"/>
+                            </p:stCondLst>
+                            <p:childTnLst>
+                              <p:par>
+                                <p:cTn id="13" presetID="1" presetClass="entr" presetSubtype="0" fill="hold" nodeType="clickEffect">
+                                  <p:stCondLst>
+                                    <p:cond delay="0"/>
+                                  </p:stCondLst>
+                                  <p:childTnLst>
+                                    <p:set>
+                                      <p:cBhvr>
+                                        <p:cTn id="14" dur="1" fill="hold">
+                                          <p:stCondLst>
+                                            <p:cond delay="0"/>
+                                          </p:stCondLst>
+                                        </p:cTn>
+                                        <p:tgtEl>
+                                          <p:spTgt spid="7">
+                                            <p:txEl>
+                                              <p:pRg st="0" end="0"/>
+                                            </p:txEl>
+                                          </p:spTgt>
+                                        </p:tgtEl>
+                                        <p:attrNameLst>
+                                          <p:attrName>style.visibility</p:attrName>
+                                        </p:attrNameLst>
+                                      </p:cBhvr>
+                                      <p:to>
+                                        <p:strVal val="visible"/>
+                                      </p:to>
+                                    </p:set>
+                                  </p:childTnLst>
+                                </p:cTn>
+                              </p:par>
+                            </p:childTnLst>
+                          </p:cTn>
+                        </p:par>
+                      </p:childTnLst>
+                    </p:cTn>
+                  </p:par>
+                  <p:par>
+                    <p:cTn id="15" fill="hold">
+                      <p:stCondLst>
+                        <p:cond delay="indefinite"/>
+                      </p:stCondLst>
+                      <p:childTnLst>
+                        <p:par>
+                          <p:cTn id="16" fill="hold">
+                            <p:stCondLst>
+                              <p:cond delay="0"/>
+                            </p:stCondLst>
+                            <p:childTnLst>
+                              <p:par>
+                                <p:cTn id="17" presetID="1" presetClass="entr" presetSubtype="0" fill="hold" nodeType="clickEffect">
+                                  <p:stCondLst>
+                                    <p:cond delay="0"/>
+                                  </p:stCondLst>
+                                  <p:childTnLst>
+                                    <p:set>
+                                      <p:cBhvr>
+                                        <p:cTn id="18" dur="1" fill="hold">
+                                          <p:stCondLst>
+                                            <p:cond delay="0"/>
+                                          </p:stCondLst>
+                                        </p:cTn>
+                                        <p:tgtEl>
+                                          <p:spTgt spid="7">
+                                            <p:txEl>
+                                              <p:pRg st="1" end="1"/>
+                                            </p:txEl>
+                                          </p:spTgt>
+                                        </p:tgtEl>
+                                        <p:attrNameLst>
+                                          <p:attrName>style.visibility</p:attrName>
+                                        </p:attrNameLst>
+                                      </p:cBhvr>
+                                      <p:to>
+                                        <p:strVal val="visible"/>
+                                      </p:to>
+                                    </p:set>
+                                  </p:childTnLst>
+                                </p:cTn>
+                              </p:par>
+                            </p:childTnLst>
+                          </p:cTn>
+                        </p:par>
+                      </p:childTnLst>
+                    </p:cTn>
+                  </p:par>
+                  <p:par>
+                    <p:cTn id="19" fill="hold">
+                      <p:stCondLst>
+                        <p:cond delay="indefinite"/>
+                      </p:stCondLst>
+                      <p:childTnLst>
+                        <p:par>
+                          <p:cTn id="20" fill="hold">
+                            <p:stCondLst>
+                              <p:cond delay="0"/>
+                            </p:stCondLst>
+                            <p:childTnLst>
+                              <p:par>
+                                <p:cTn id="21" presetID="1" presetClass="entr" presetSubtype="0" fill="hold" nodeType="clickEffect">
+                                  <p:stCondLst>
+                                    <p:cond delay="0"/>
+                                  </p:stCondLst>
+                                  <p:childTnLst>
+                                    <p:set>
+                                      <p:cBhvr>
+                                        <p:cTn id="22" dur="1" fill="hold">
+                                          <p:stCondLst>
+                                            <p:cond delay="0"/>
+                                          </p:stCondLst>
+                                        </p:cTn>
+                                        <p:tgtEl>
+                                          <p:spTgt spid="7">
+                                            <p:txEl>
+                                              <p:pRg st="2" end="2"/>
+                                            </p:txEl>
+                                          </p:spTgt>
+                                        </p:tgtEl>
+                                        <p:attrNameLst>
+                                          <p:attrName>style.visibility</p:attrName>
+                                        </p:attrNameLst>
+                                      </p:cBhvr>
+                                      <p:to>
+                                        <p:strVal val="visible"/>
+                                      </p:to>
+                                    </p:set>
+                                  </p:childTnLst>
+                                </p:cTn>
+                              </p:par>
+                            </p:childTnLst>
+                          </p:cTn>
+                        </p:par>
+                      </p:childTnLst>
+                    </p:cTn>
+                  </p:par>
+                  <p:par>
+                    <p:cTn id="23" fill="hold">
+                      <p:stCondLst>
+                        <p:cond delay="indefinite"/>
+                      </p:stCondLst>
+                      <p:childTnLst>
+                        <p:par>
+                          <p:cTn id="24" fill="hold">
+                            <p:stCondLst>
+                              <p:cond delay="0"/>
+                            </p:stCondLst>
+                            <p:childTnLst>
+                              <p:par>
+                                <p:cTn id="25" presetID="1" presetClass="entr" presetSubtype="0" fill="hold" nodeType="clickEffect">
+                                  <p:stCondLst>
+                                    <p:cond delay="0"/>
+                                  </p:stCondLst>
+                                  <p:childTnLst>
+                                    <p:set>
+                                      <p:cBhvr>
+                                        <p:cTn id="26" dur="1" fill="hold">
+                                          <p:stCondLst>
+                                            <p:cond delay="0"/>
+                                          </p:stCondLst>
+                                        </p:cTn>
+                                        <p:tgtEl>
+                                          <p:spTgt spid="7">
+                                            <p:txEl>
+                                              <p:pRg st="3" end="3"/>
+                                            </p:txEl>
+                                          </p:spTgt>
+                                        </p:tgtEl>
+                                        <p:attrNameLst>
+                                          <p:attrName>style.visibility</p:attrName>
+                                        </p:attrNameLst>
+                                      </p:cBhvr>
+                                      <p:to>
+                                        <p:strVal val="visible"/>
+                                      </p:to>
+                                    </p:set>
+                                  </p:childTnLst>
+                                </p:cTn>
+                              </p:par>
+                            </p:childTnLst>
+                          </p:cTn>
+                        </p:par>
+                      </p:childTnLst>
+                    </p:cTn>
+                  </p:par>
+                  <p:par>
+                    <p:cTn id="27" fill="hold">
+                      <p:stCondLst>
+                        <p:cond delay="indefinite"/>
+                      </p:stCondLst>
+                      <p:childTnLst>
+                        <p:par>
+                          <p:cTn id="28" fill="hold">
+                            <p:stCondLst>
+                              <p:cond delay="0"/>
+                            </p:stCondLst>
+                            <p:childTnLst>
+                              <p:par>
+                                <p:cTn id="29" presetID="1" presetClass="entr" presetSubtype="0" fill="hold" nodeType="clickEffect">
+                                  <p:stCondLst>
+                                    <p:cond delay="0"/>
+                                  </p:stCondLst>
+                                  <p:childTnLst>
+                                    <p:set>
+                                      <p:cBhvr>
+                                        <p:cTn id="30" dur="1" fill="hold">
+                                          <p:stCondLst>
+                                            <p:cond delay="0"/>
+                                          </p:stCondLst>
+                                        </p:cTn>
+                                        <p:tgtEl>
+                                          <p:spTgt spid="7">
+                                            <p:txEl>
+                                              <p:pRg st="4" end="4"/>
+                                            </p:txEl>
+                                          </p:spTgt>
+                                        </p:tgtEl>
+                                        <p:attrNameLst>
+                                          <p:attrName>style.visibility</p:attrName>
+                                        </p:attrNameLst>
+                                      </p:cBhvr>
+                                      <p:to>
+                                        <p:strVal val="visible"/>
+                                      </p:to>
+                                    </p:set>
+                                  </p:childTnLst>
+                                </p:cTn>
+                              </p:par>
+                            </p:childTnLst>
+                          </p:cTn>
+                        </p:par>
+                      </p:childTnLst>
+                    </p:cTn>
+                  </p:par>
+                  <p:par>
+                    <p:cTn id="31" fill="hold">
+                      <p:stCondLst>
+                        <p:cond delay="indefinite"/>
+                      </p:stCondLst>
+                      <p:childTnLst>
+                        <p:par>
+                          <p:cTn id="32" fill="hold">
+                            <p:stCondLst>
+                              <p:cond delay="0"/>
+                            </p:stCondLst>
+                            <p:childTnLst>
+                              <p:par>
+                                <p:cTn id="33" presetID="1" presetClass="entr" presetSubtype="0" fill="hold" nodeType="clickEffect">
+                                  <p:stCondLst>
+                                    <p:cond delay="0"/>
+                                  </p:stCondLst>
+                                  <p:childTnLst>
+                                    <p:set>
+                                      <p:cBhvr>
+                                        <p:cTn id="34" dur="1" fill="hold">
+                                          <p:stCondLst>
+                                            <p:cond delay="0"/>
+                                          </p:stCondLst>
+                                        </p:cTn>
+                                        <p:tgtEl>
+                                          <p:spTgt spid="6">
+                                            <p:txEl>
+                                              <p:pRg st="1" end="1"/>
+                                            </p:txEl>
+                                          </p:spTgt>
+                                        </p:tgtEl>
+                                        <p:attrNameLst>
+                                          <p:attrName>style.visibility</p:attrName>
+                                        </p:attrNameLst>
+                                      </p:cBhvr>
+                                      <p:to>
+                                        <p:strVal val="visible"/>
+                                      </p:to>
+                                    </p:set>
+                                  </p:childTnLst>
+                                </p:cTn>
+                              </p:par>
+                            </p:childTnLst>
+                          </p:cTn>
+                        </p:par>
+                      </p:childTnLst>
+                    </p:cTn>
+                  </p:par>
+                  <p:par>
+                    <p:cTn id="35" fill="hold">
+                      <p:stCondLst>
+                        <p:cond delay="indefinite"/>
+                      </p:stCondLst>
+                      <p:childTnLst>
+                        <p:par>
+                          <p:cTn id="36" fill="hold">
+                            <p:stCondLst>
+                              <p:cond delay="0"/>
+                            </p:stCondLst>
+                            <p:childTnLst>
+                              <p:par>
+                                <p:cTn id="37" presetID="1" presetClass="entr" presetSubtype="0" fill="hold" nodeType="clickEffect">
+                                  <p:stCondLst>
+                                    <p:cond delay="0"/>
+                                  </p:stCondLst>
+                                  <p:childTnLst>
+                                    <p:set>
+                                      <p:cBhvr>
+                                        <p:cTn id="38" dur="1" fill="hold">
+                                          <p:stCondLst>
+                                            <p:cond delay="0"/>
+                                          </p:stCondLst>
+                                        </p:cTn>
+                                        <p:tgtEl>
                                           <p:spTgt spid="14"/>
+                                        </p:tgtEl>
+                                        <p:attrNameLst>
+                                          <p:attrName>style.visibility</p:attrName>
+                                        </p:attrNameLst>
+                                      </p:cBhvr>
+                                      <p:to>
+                                        <p:strVal val="visible"/>
+                                      </p:to>
+                                    </p:set>
+                                  </p:childTnLst>
+                                </p:cTn>
+                              </p:par>
+                            </p:childTnLst>
+                          </p:cTn>
+                        </p:par>
+                      </p:childTnLst>
+                    </p:cTn>
+                  </p:par>
+                  <p:par>
+                    <p:cTn id="39" fill="hold">
+                      <p:stCondLst>
+                        <p:cond delay="indefinite"/>
+                      </p:stCondLst>
+                      <p:childTnLst>
+                        <p:par>
+                          <p:cTn id="40" fill="hold">
+                            <p:stCondLst>
+                              <p:cond delay="0"/>
+                            </p:stCondLst>
+                            <p:childTnLst>
+                              <p:par>
+                                <p:cTn id="41" presetID="1" presetClass="entr" presetSubtype="0" fill="hold" nodeType="clickEffect">
+                                  <p:stCondLst>
+                                    <p:cond delay="0"/>
+                                  </p:stCondLst>
+                                  <p:childTnLst>
+                                    <p:set>
+                                      <p:cBhvr>
+                                        <p:cTn id="42" dur="1" fill="hold">
+                                          <p:stCondLst>
+                                            <p:cond delay="0"/>
+                                          </p:stCondLst>
+                                        </p:cTn>
+                                        <p:tgtEl>
+                                          <p:spTgt spid="13"/>
                                         </p:tgtEl>
                                         <p:attrNameLst>
                                           <p:attrName>style.visibility</p:attrName>
@@ -10830,9 +11173,6 @@
         </p:cTn>
       </p:par>
     </p:tnLst>
-    <p:bldLst>
-      <p:bldP spid="6" grpId="0"/>
-    </p:bldLst>
   </p:timing>
 </p:sld>
 </file>
@@ -11446,6 +11786,55 @@
                       </p:childTnLst>
                     </p:cTn>
                   </p:par>
+                  <p:par>
+                    <p:cTn id="7" fill="hold">
+                      <p:stCondLst>
+                        <p:cond delay="indefinite"/>
+                      </p:stCondLst>
+                      <p:childTnLst>
+                        <p:par>
+                          <p:cTn id="8" fill="hold">
+                            <p:stCondLst>
+                              <p:cond delay="0"/>
+                            </p:stCondLst>
+                            <p:childTnLst>
+                              <p:par>
+                                <p:cTn id="9" presetID="1" presetClass="entr" presetSubtype="0" fill="hold" nodeType="clickEffect">
+                                  <p:stCondLst>
+                                    <p:cond delay="0"/>
+                                  </p:stCondLst>
+                                  <p:childTnLst>
+                                    <p:set>
+                                      <p:cBhvr>
+                                        <p:cTn id="10" dur="1" fill="hold">
+                                          <p:stCondLst>
+                                            <p:cond delay="0"/>
+                                          </p:stCondLst>
+                                        </p:cTn>
+                                        <p:tgtEl>
+                                          <p:spTgt spid="6">
+                                            <p:txEl>
+                                              <p:pRg st="1" end="1"/>
+                                            </p:txEl>
+                                          </p:spTgt>
+                                        </p:tgtEl>
+                                        <p:attrNameLst>
+                                          <p:attrName>style.visibility</p:attrName>
+                                        </p:attrNameLst>
+                                      </p:cBhvr>
+                                      <p:to>
+                                        <p:strVal val="visible"/>
+                                      </p:to>
+                                    </p:set>
+                                  </p:childTnLst>
+                                </p:cTn>
+                              </p:par>
+                            </p:childTnLst>
+                          </p:cTn>
+                        </p:par>
+                      </p:childTnLst>
+                    </p:cTn>
+                  </p:par>
                 </p:childTnLst>
               </p:cTn>
               <p:prevCondLst>
@@ -11890,7 +12279,7 @@
             </a:pPr>
             <a:r>
               <a:rPr lang="zh-CN" altLang="en-US" dirty="0"/>
-              <a:t>在通过后向传播计算梯度时，需要输出层的误差项，它是多少？</a:t>
+              <a:t>在通过后向传播计算隐藏层的梯度时，需要输出层的误差项，它是多少？</a:t>
             </a:r>
             <a:endParaRPr lang="en-US" altLang="zh-CN" dirty="0"/>
           </a:p>
@@ -11913,7 +12302,7 @@
             </a:r>
             <a:r>
               <a:rPr lang="en-US" altLang="zh-CN" dirty="0"/>
-              <a:t>sigmoid/linear</a:t>
+              <a:t>sigmoid or linear</a:t>
             </a:r>
             <a:r>
               <a:rPr lang="zh-CN" altLang="en-US" dirty="0"/>
@@ -12123,7 +12512,7 @@
         </p:blipFill>
         <p:spPr>
           <a:xfrm>
-            <a:off x="7701329" y="1473833"/>
+            <a:off x="7701329" y="1266279"/>
             <a:ext cx="4254500" cy="1003300"/>
           </a:xfrm>
           <a:prstGeom prst="rect">
@@ -12233,6 +12622,288 @@
                       </p:childTnLst>
                     </p:cTn>
                   </p:par>
+                  <p:par>
+                    <p:cTn id="7" fill="hold">
+                      <p:stCondLst>
+                        <p:cond delay="indefinite"/>
+                      </p:stCondLst>
+                      <p:childTnLst>
+                        <p:par>
+                          <p:cTn id="8" fill="hold">
+                            <p:stCondLst>
+                              <p:cond delay="0"/>
+                            </p:stCondLst>
+                            <p:childTnLst>
+                              <p:par>
+                                <p:cTn id="9" presetID="1" presetClass="entr" presetSubtype="0" fill="hold" nodeType="clickEffect">
+                                  <p:stCondLst>
+                                    <p:cond delay="0"/>
+                                  </p:stCondLst>
+                                  <p:childTnLst>
+                                    <p:set>
+                                      <p:cBhvr>
+                                        <p:cTn id="10" dur="1" fill="hold">
+                                          <p:stCondLst>
+                                            <p:cond delay="0"/>
+                                          </p:stCondLst>
+                                        </p:cTn>
+                                        <p:tgtEl>
+                                          <p:spTgt spid="4"/>
+                                        </p:tgtEl>
+                                        <p:attrNameLst>
+                                          <p:attrName>style.visibility</p:attrName>
+                                        </p:attrNameLst>
+                                      </p:cBhvr>
+                                      <p:to>
+                                        <p:strVal val="visible"/>
+                                      </p:to>
+                                    </p:set>
+                                  </p:childTnLst>
+                                </p:cTn>
+                              </p:par>
+                            </p:childTnLst>
+                          </p:cTn>
+                        </p:par>
+                      </p:childTnLst>
+                    </p:cTn>
+                  </p:par>
+                  <p:par>
+                    <p:cTn id="11" fill="hold">
+                      <p:stCondLst>
+                        <p:cond delay="indefinite"/>
+                      </p:stCondLst>
+                      <p:childTnLst>
+                        <p:par>
+                          <p:cTn id="12" fill="hold">
+                            <p:stCondLst>
+                              <p:cond delay="0"/>
+                            </p:stCondLst>
+                            <p:childTnLst>
+                              <p:par>
+                                <p:cTn id="13" presetID="1" presetClass="entr" presetSubtype="0" fill="hold" grpId="0" nodeType="clickEffect">
+                                  <p:stCondLst>
+                                    <p:cond delay="0"/>
+                                  </p:stCondLst>
+                                  <p:childTnLst>
+                                    <p:set>
+                                      <p:cBhvr>
+                                        <p:cTn id="14" dur="1" fill="hold">
+                                          <p:stCondLst>
+                                            <p:cond delay="0"/>
+                                          </p:stCondLst>
+                                        </p:cTn>
+                                        <p:tgtEl>
+                                          <p:spTgt spid="7"/>
+                                        </p:tgtEl>
+                                        <p:attrNameLst>
+                                          <p:attrName>style.visibility</p:attrName>
+                                        </p:attrNameLst>
+                                      </p:cBhvr>
+                                      <p:to>
+                                        <p:strVal val="visible"/>
+                                      </p:to>
+                                    </p:set>
+                                  </p:childTnLst>
+                                </p:cTn>
+                              </p:par>
+                            </p:childTnLst>
+                          </p:cTn>
+                        </p:par>
+                      </p:childTnLst>
+                    </p:cTn>
+                  </p:par>
+                  <p:par>
+                    <p:cTn id="15" fill="hold">
+                      <p:stCondLst>
+                        <p:cond delay="indefinite"/>
+                      </p:stCondLst>
+                      <p:childTnLst>
+                        <p:par>
+                          <p:cTn id="16" fill="hold">
+                            <p:stCondLst>
+                              <p:cond delay="0"/>
+                            </p:stCondLst>
+                            <p:childTnLst>
+                              <p:par>
+                                <p:cTn id="17" presetID="1" presetClass="entr" presetSubtype="0" fill="hold" nodeType="clickEffect">
+                                  <p:stCondLst>
+                                    <p:cond delay="0"/>
+                                  </p:stCondLst>
+                                  <p:childTnLst>
+                                    <p:set>
+                                      <p:cBhvr>
+                                        <p:cTn id="18" dur="1" fill="hold">
+                                          <p:stCondLst>
+                                            <p:cond delay="0"/>
+                                          </p:stCondLst>
+                                        </p:cTn>
+                                        <p:tgtEl>
+                                          <p:spTgt spid="6">
+                                            <p:txEl>
+                                              <p:pRg st="1" end="1"/>
+                                            </p:txEl>
+                                          </p:spTgt>
+                                        </p:tgtEl>
+                                        <p:attrNameLst>
+                                          <p:attrName>style.visibility</p:attrName>
+                                        </p:attrNameLst>
+                                      </p:cBhvr>
+                                      <p:to>
+                                        <p:strVal val="visible"/>
+                                      </p:to>
+                                    </p:set>
+                                  </p:childTnLst>
+                                </p:cTn>
+                              </p:par>
+                            </p:childTnLst>
+                          </p:cTn>
+                        </p:par>
+                      </p:childTnLst>
+                    </p:cTn>
+                  </p:par>
+                  <p:par>
+                    <p:cTn id="19" fill="hold">
+                      <p:stCondLst>
+                        <p:cond delay="indefinite"/>
+                      </p:stCondLst>
+                      <p:childTnLst>
+                        <p:par>
+                          <p:cTn id="20" fill="hold">
+                            <p:stCondLst>
+                              <p:cond delay="0"/>
+                            </p:stCondLst>
+                            <p:childTnLst>
+                              <p:par>
+                                <p:cTn id="21" presetID="1" presetClass="entr" presetSubtype="0" fill="hold" nodeType="clickEffect">
+                                  <p:stCondLst>
+                                    <p:cond delay="0"/>
+                                  </p:stCondLst>
+                                  <p:childTnLst>
+                                    <p:set>
+                                      <p:cBhvr>
+                                        <p:cTn id="22" dur="1" fill="hold">
+                                          <p:stCondLst>
+                                            <p:cond delay="0"/>
+                                          </p:stCondLst>
+                                        </p:cTn>
+                                        <p:tgtEl>
+                                          <p:spTgt spid="6">
+                                            <p:txEl>
+                                              <p:pRg st="2" end="2"/>
+                                            </p:txEl>
+                                          </p:spTgt>
+                                        </p:tgtEl>
+                                        <p:attrNameLst>
+                                          <p:attrName>style.visibility</p:attrName>
+                                        </p:attrNameLst>
+                                      </p:cBhvr>
+                                      <p:to>
+                                        <p:strVal val="visible"/>
+                                      </p:to>
+                                    </p:set>
+                                  </p:childTnLst>
+                                </p:cTn>
+                              </p:par>
+                            </p:childTnLst>
+                          </p:cTn>
+                        </p:par>
+                      </p:childTnLst>
+                    </p:cTn>
+                  </p:par>
+                  <p:par>
+                    <p:cTn id="23" fill="hold">
+                      <p:stCondLst>
+                        <p:cond delay="indefinite"/>
+                      </p:stCondLst>
+                      <p:childTnLst>
+                        <p:par>
+                          <p:cTn id="24" fill="hold">
+                            <p:stCondLst>
+                              <p:cond delay="0"/>
+                            </p:stCondLst>
+                            <p:childTnLst>
+                              <p:par>
+                                <p:cTn id="25" presetID="1" presetClass="entr" presetSubtype="0" fill="hold" nodeType="clickEffect">
+                                  <p:stCondLst>
+                                    <p:cond delay="0"/>
+                                  </p:stCondLst>
+                                  <p:childTnLst>
+                                    <p:set>
+                                      <p:cBhvr>
+                                        <p:cTn id="26" dur="1" fill="hold">
+                                          <p:stCondLst>
+                                            <p:cond delay="0"/>
+                                          </p:stCondLst>
+                                        </p:cTn>
+                                        <p:tgtEl>
+                                          <p:spTgt spid="8"/>
+                                        </p:tgtEl>
+                                        <p:attrNameLst>
+                                          <p:attrName>style.visibility</p:attrName>
+                                        </p:attrNameLst>
+                                      </p:cBhvr>
+                                      <p:to>
+                                        <p:strVal val="visible"/>
+                                      </p:to>
+                                    </p:set>
+                                  </p:childTnLst>
+                                </p:cTn>
+                              </p:par>
+                            </p:childTnLst>
+                          </p:cTn>
+                        </p:par>
+                      </p:childTnLst>
+                    </p:cTn>
+                  </p:par>
+                  <p:par>
+                    <p:cTn id="27" fill="hold">
+                      <p:stCondLst>
+                        <p:cond delay="indefinite"/>
+                      </p:stCondLst>
+                      <p:childTnLst>
+                        <p:par>
+                          <p:cTn id="28" fill="hold">
+                            <p:stCondLst>
+                              <p:cond delay="0"/>
+                            </p:stCondLst>
+                            <p:childTnLst>
+                              <p:par>
+                                <p:cTn id="29" presetID="1" presetClass="entr" presetSubtype="0" fill="hold" nodeType="clickEffect">
+                                  <p:stCondLst>
+                                    <p:cond delay="0"/>
+                                  </p:stCondLst>
+                                  <p:childTnLst>
+                                    <p:set>
+                                      <p:cBhvr>
+                                        <p:cTn id="30" dur="1" fill="hold">
+                                          <p:stCondLst>
+                                            <p:cond delay="0"/>
+                                          </p:stCondLst>
+                                        </p:cTn>
+                                        <p:tgtEl>
+                                          <p:spTgt spid="6">
+                                            <p:txEl>
+                                              <p:pRg st="3" end="3"/>
+                                            </p:txEl>
+                                          </p:spTgt>
+                                        </p:tgtEl>
+                                        <p:attrNameLst>
+                                          <p:attrName>style.visibility</p:attrName>
+                                        </p:attrNameLst>
+                                      </p:cBhvr>
+                                      <p:to>
+                                        <p:strVal val="visible"/>
+                                      </p:to>
+                                    </p:set>
+                                  </p:childTnLst>
+                                </p:cTn>
+                              </p:par>
+                            </p:childTnLst>
+                          </p:cTn>
+                        </p:par>
+                      </p:childTnLst>
+                    </p:cTn>
+                  </p:par>
                 </p:childTnLst>
               </p:cTn>
               <p:prevCondLst>
@@ -12256,6 +12927,7 @@
     </p:tnLst>
     <p:bldLst>
       <p:bldP spid="6" grpId="0"/>
+      <p:bldP spid="7" grpId="0"/>
     </p:bldLst>
   </p:timing>
 </p:sld>
@@ -12925,6 +13597,55 @@
                       </p:childTnLst>
                     </p:cTn>
                   </p:par>
+                  <p:par>
+                    <p:cTn id="7" fill="hold">
+                      <p:stCondLst>
+                        <p:cond delay="indefinite"/>
+                      </p:stCondLst>
+                      <p:childTnLst>
+                        <p:par>
+                          <p:cTn id="8" fill="hold">
+                            <p:stCondLst>
+                              <p:cond delay="0"/>
+                            </p:stCondLst>
+                            <p:childTnLst>
+                              <p:par>
+                                <p:cTn id="9" presetID="1" presetClass="entr" presetSubtype="0" fill="hold" nodeType="clickEffect">
+                                  <p:stCondLst>
+                                    <p:cond delay="0"/>
+                                  </p:stCondLst>
+                                  <p:childTnLst>
+                                    <p:set>
+                                      <p:cBhvr>
+                                        <p:cTn id="10" dur="1" fill="hold">
+                                          <p:stCondLst>
+                                            <p:cond delay="0"/>
+                                          </p:stCondLst>
+                                        </p:cTn>
+                                        <p:tgtEl>
+                                          <p:spTgt spid="6">
+                                            <p:txEl>
+                                              <p:pRg st="1" end="1"/>
+                                            </p:txEl>
+                                          </p:spTgt>
+                                        </p:tgtEl>
+                                        <p:attrNameLst>
+                                          <p:attrName>style.visibility</p:attrName>
+                                        </p:attrNameLst>
+                                      </p:cBhvr>
+                                      <p:to>
+                                        <p:strVal val="visible"/>
+                                      </p:to>
+                                    </p:set>
+                                  </p:childTnLst>
+                                </p:cTn>
+                              </p:par>
+                            </p:childTnLst>
+                          </p:cTn>
+                        </p:par>
+                      </p:childTnLst>
+                    </p:cTn>
+                  </p:par>
                 </p:childTnLst>
               </p:cTn>
               <p:prevCondLst>
@@ -13518,6 +14239,55 @@
                                         </p:cTn>
                                         <p:tgtEl>
                                           <p:spTgt spid="6"/>
+                                        </p:tgtEl>
+                                        <p:attrNameLst>
+                                          <p:attrName>style.visibility</p:attrName>
+                                        </p:attrNameLst>
+                                      </p:cBhvr>
+                                      <p:to>
+                                        <p:strVal val="visible"/>
+                                      </p:to>
+                                    </p:set>
+                                  </p:childTnLst>
+                                </p:cTn>
+                              </p:par>
+                            </p:childTnLst>
+                          </p:cTn>
+                        </p:par>
+                      </p:childTnLst>
+                    </p:cTn>
+                  </p:par>
+                  <p:par>
+                    <p:cTn id="7" fill="hold">
+                      <p:stCondLst>
+                        <p:cond delay="indefinite"/>
+                      </p:stCondLst>
+                      <p:childTnLst>
+                        <p:par>
+                          <p:cTn id="8" fill="hold">
+                            <p:stCondLst>
+                              <p:cond delay="0"/>
+                            </p:stCondLst>
+                            <p:childTnLst>
+                              <p:par>
+                                <p:cTn id="9" presetID="1" presetClass="entr" presetSubtype="0" fill="hold" nodeType="clickEffect">
+                                  <p:stCondLst>
+                                    <p:cond delay="0"/>
+                                  </p:stCondLst>
+                                  <p:childTnLst>
+                                    <p:set>
+                                      <p:cBhvr>
+                                        <p:cTn id="10" dur="1" fill="hold">
+                                          <p:stCondLst>
+                                            <p:cond delay="0"/>
+                                          </p:stCondLst>
+                                        </p:cTn>
+                                        <p:tgtEl>
+                                          <p:spTgt spid="6">
+                                            <p:txEl>
+                                              <p:pRg st="1" end="1"/>
+                                            </p:txEl>
+                                          </p:spTgt>
                                         </p:tgtEl>
                                         <p:attrNameLst>
                                           <p:attrName>style.visibility</p:attrName>
@@ -13924,12 +14694,8 @@
               <a:buChar char="•"/>
             </a:pPr>
             <a:r>
-              <a:rPr lang="zh-CN" altLang="en-US"/>
-              <a:t>请</a:t>
-            </a:r>
-            <a:r>
               <a:rPr lang="zh-CN" altLang="en-US" dirty="0"/>
-              <a:t>每个同学都运行代码，看下是否通过了检查</a:t>
+              <a:t>请每个同学都运行代码，看下是否通过了检查</a:t>
             </a:r>
             <a:endParaRPr lang="en-US" altLang="zh-CN" dirty="0"/>
           </a:p>
@@ -14059,6 +14825,55 @@
                                         </p:cTn>
                                         <p:tgtEl>
                                           <p:spTgt spid="6"/>
+                                        </p:tgtEl>
+                                        <p:attrNameLst>
+                                          <p:attrName>style.visibility</p:attrName>
+                                        </p:attrNameLst>
+                                      </p:cBhvr>
+                                      <p:to>
+                                        <p:strVal val="visible"/>
+                                      </p:to>
+                                    </p:set>
+                                  </p:childTnLst>
+                                </p:cTn>
+                              </p:par>
+                            </p:childTnLst>
+                          </p:cTn>
+                        </p:par>
+                      </p:childTnLst>
+                    </p:cTn>
+                  </p:par>
+                  <p:par>
+                    <p:cTn id="7" fill="hold">
+                      <p:stCondLst>
+                        <p:cond delay="indefinite"/>
+                      </p:stCondLst>
+                      <p:childTnLst>
+                        <p:par>
+                          <p:cTn id="8" fill="hold">
+                            <p:stCondLst>
+                              <p:cond delay="0"/>
+                            </p:stCondLst>
+                            <p:childTnLst>
+                              <p:par>
+                                <p:cTn id="9" presetID="1" presetClass="entr" presetSubtype="0" fill="hold" nodeType="clickEffect">
+                                  <p:stCondLst>
+                                    <p:cond delay="0"/>
+                                  </p:stCondLst>
+                                  <p:childTnLst>
+                                    <p:set>
+                                      <p:cBhvr>
+                                        <p:cTn id="10" dur="1" fill="hold">
+                                          <p:stCondLst>
+                                            <p:cond delay="0"/>
+                                          </p:stCondLst>
+                                        </p:cTn>
+                                        <p:tgtEl>
+                                          <p:spTgt spid="6">
+                                            <p:txEl>
+                                              <p:pRg st="1" end="1"/>
+                                            </p:txEl>
+                                          </p:spTgt>
                                         </p:tgtEl>
                                         <p:attrNameLst>
                                           <p:attrName>style.visibility</p:attrName>

--- a/lessons/4_gradient_check/ppt/全连接层的梯度检查.pptx
+++ b/lessons/4_gradient_check/ppt/全连接层的梯度检查.pptx
@@ -239,7 +239,7 @@
                 <a:latin typeface="微软雅黑" panose="020B0503020204020204" charset="-122"/>
                 <a:ea typeface="微软雅黑" panose="020B0503020204020204" charset="-122"/>
               </a:rPr>
-              <a:t>2022/11/9</a:t>
+              <a:t>2022/11/10</a:t>
             </a:fld>
             <a:endParaRPr lang="zh-CN" altLang="en-US">
               <a:latin typeface="微软雅黑" panose="020B0503020204020204" charset="-122"/>
@@ -422,7 +422,7 @@
           <a:p>
             <a:fld id="{1AC49D05-6128-4D0D-A32A-06A5E73B386C}" type="datetimeFigureOut">
               <a:rPr lang="zh-CN" altLang="en-US" smtClean="0"/>
-              <a:t>2022/11/9</a:t>
+              <a:t>2022/11/10</a:t>
             </a:fld>
             <a:endParaRPr lang="zh-CN" altLang="en-US"/>
           </a:p>
@@ -1084,7 +1084,7 @@
           <a:p>
             <a:fld id="{9EFD9D74-47D9-4702-A33C-335B63B48DBF}" type="datetimeFigureOut">
               <a:rPr lang="zh-CN" altLang="en-US" smtClean="0"/>
-              <a:t>2022/11/9</a:t>
+              <a:t>2022/11/10</a:t>
             </a:fld>
             <a:endParaRPr lang="zh-CN" altLang="en-US" dirty="0"/>
           </a:p>
@@ -1417,7 +1417,7 @@
           <a:p>
             <a:fld id="{760FBDFE-C587-4B4C-A407-44438C67B59E}" type="datetimeFigureOut">
               <a:rPr lang="zh-CN" altLang="en-US" smtClean="0"/>
-              <a:t>2022/11/9</a:t>
+              <a:t>2022/11/10</a:t>
             </a:fld>
             <a:endParaRPr lang="zh-CN" altLang="en-US"/>
           </a:p>
@@ -1590,7 +1590,7 @@
           <a:p>
             <a:fld id="{9EFD9D74-47D9-4702-A33C-335B63B48DBF}" type="datetimeFigureOut">
               <a:rPr lang="zh-CN" altLang="en-US" smtClean="0"/>
-              <a:t>2022/11/9</a:t>
+              <a:t>2022/11/10</a:t>
             </a:fld>
             <a:endParaRPr lang="zh-CN" altLang="en-US" dirty="0"/>
           </a:p>
@@ -2115,7 +2115,7 @@
           <a:p>
             <a:fld id="{760FBDFE-C587-4B4C-A407-44438C67B59E}" type="datetimeFigureOut">
               <a:rPr lang="zh-CN" altLang="en-US" smtClean="0"/>
-              <a:t>2022/11/9</a:t>
+              <a:t>2022/11/10</a:t>
             </a:fld>
             <a:endParaRPr lang="zh-CN" altLang="en-US"/>
           </a:p>
@@ -2863,7 +2863,7 @@
           <a:p>
             <a:fld id="{760FBDFE-C587-4B4C-A407-44438C67B59E}" type="datetimeFigureOut">
               <a:rPr lang="zh-CN" altLang="en-US" smtClean="0"/>
-              <a:t>2022/11/9</a:t>
+              <a:t>2022/11/10</a:t>
             </a:fld>
             <a:endParaRPr lang="zh-CN" altLang="en-US"/>
           </a:p>
@@ -3029,7 +3029,7 @@
           <a:p>
             <a:fld id="{760FBDFE-C587-4B4C-A407-44438C67B59E}" type="datetimeFigureOut">
               <a:rPr lang="zh-CN" altLang="en-US" smtClean="0"/>
-              <a:t>2022/11/9</a:t>
+              <a:t>2022/11/10</a:t>
             </a:fld>
             <a:endParaRPr lang="zh-CN" altLang="en-US"/>
           </a:p>
@@ -3143,7 +3143,7 @@
           <a:p>
             <a:fld id="{760FBDFE-C587-4B4C-A407-44438C67B59E}" type="datetimeFigureOut">
               <a:rPr lang="zh-CN" altLang="en-US" smtClean="0"/>
-              <a:t>2022/11/9</a:t>
+              <a:t>2022/11/10</a:t>
             </a:fld>
             <a:endParaRPr lang="zh-CN" altLang="en-US"/>
           </a:p>
@@ -3473,7 +3473,7 @@
           <a:p>
             <a:fld id="{9EFD9D74-47D9-4702-A33C-335B63B48DBF}" type="datetimeFigureOut">
               <a:rPr lang="zh-CN" altLang="en-US" smtClean="0"/>
-              <a:t>2022/11/9</a:t>
+              <a:t>2022/11/10</a:t>
             </a:fld>
             <a:endParaRPr lang="zh-CN" altLang="en-US" dirty="0"/>
           </a:p>
@@ -3986,7 +3986,7 @@
           <a:p>
             <a:fld id="{760FBDFE-C587-4B4C-A407-44438C67B59E}" type="datetimeFigureOut">
               <a:rPr lang="zh-CN" altLang="en-US" smtClean="0"/>
-              <a:t>2022/11/9</a:t>
+              <a:t>2022/11/10</a:t>
             </a:fld>
             <a:endParaRPr lang="zh-CN" altLang="en-US"/>
           </a:p>
@@ -4100,7 +4100,7 @@
           <a:p>
             <a:fld id="{760FBDFE-C587-4B4C-A407-44438C67B59E}" type="datetimeFigureOut">
               <a:rPr lang="zh-CN" altLang="en-US" smtClean="0"/>
-              <a:t>2022/11/9</a:t>
+              <a:t>2022/11/10</a:t>
             </a:fld>
             <a:endParaRPr lang="zh-CN" altLang="en-US"/>
           </a:p>
@@ -4388,7 +4388,7 @@
           <a:p>
             <a:fld id="{82F288E0-7875-42C4-84C8-98DBBD3BF4D2}" type="datetimeFigureOut">
               <a:rPr lang="zh-CN" altLang="en-US" smtClean="0"/>
-              <a:t>2022/11/9</a:t>
+              <a:t>2022/11/10</a:t>
             </a:fld>
             <a:endParaRPr lang="zh-CN" altLang="en-US"/>
           </a:p>
@@ -4847,7 +4847,7 @@
           <a:p>
             <a:fld id="{760FBDFE-C587-4B4C-A407-44438C67B59E}" type="datetimeFigureOut">
               <a:rPr lang="zh-CN" altLang="en-US" smtClean="0"/>
-              <a:t>2022/11/9</a:t>
+              <a:t>2022/11/10</a:t>
             </a:fld>
             <a:endParaRPr lang="zh-CN" altLang="en-US"/>
           </a:p>
@@ -5516,7 +5516,7 @@
           <a:p>
             <a:fld id="{9EFD9D74-47D9-4702-A33C-335B63B48DBF}" type="datetimeFigureOut">
               <a:rPr lang="zh-CN" altLang="en-US" smtClean="0"/>
-              <a:t>2022/11/9</a:t>
+              <a:t>2022/11/10</a:t>
             </a:fld>
             <a:endParaRPr lang="zh-CN" altLang="en-US" dirty="0"/>
           </a:p>
@@ -5664,7 +5664,7 @@
           <a:p>
             <a:fld id="{9EFD9D74-47D9-4702-A33C-335B63B48DBF}" type="datetimeFigureOut">
               <a:rPr lang="zh-CN" altLang="en-US" smtClean="0"/>
-              <a:t>2022/11/9</a:t>
+              <a:t>2022/11/10</a:t>
             </a:fld>
             <a:endParaRPr lang="zh-CN" altLang="en-US" dirty="0"/>
           </a:p>
@@ -9653,8 +9653,8 @@
           </a:p>
         </p:txBody>
       </p:sp>
-      <mc:AlternateContent xmlns:mc="http://schemas.openxmlformats.org/markup-compatibility/2006">
-        <mc:Choice xmlns:a14="http://schemas.microsoft.com/office/drawing/2010/main" Requires="a14">
+      <mc:AlternateContent xmlns:mc="http://schemas.openxmlformats.org/markup-compatibility/2006" xmlns:a14="http://schemas.microsoft.com/office/drawing/2010/main">
+        <mc:Choice Requires="a14">
           <p:sp>
             <p:nvSpPr>
               <p:cNvPr id="7" name="文本框 6">
@@ -10500,7 +10500,7 @@
             </p:txBody>
           </p:sp>
         </mc:Choice>
-        <mc:Fallback>
+        <mc:Fallback xmlns="">
           <p:sp>
             <p:nvSpPr>
               <p:cNvPr id="7" name="文本框 6">
@@ -11592,6 +11592,44 @@
             <a:endParaRPr lang="en-US" altLang="zh-CN" dirty="0"/>
           </a:p>
           <a:p>
+            <a:pPr marL="742950" lvl="1" indent="-285750">
+              <a:buFont typeface="Arial" panose="020B0604020202020204" pitchFamily="34" charset="0"/>
+              <a:buChar char="•"/>
+            </a:pPr>
+            <a:r>
+              <a:rPr lang="zh-CN" altLang="en-US" dirty="0"/>
+              <a:t>实现前面</a:t>
+            </a:r>
+            <a:r>
+              <a:rPr lang="en-US" altLang="zh-CN" dirty="0"/>
+              <a:t>4</a:t>
+            </a:r>
+            <a:r>
+              <a:rPr lang="zh-CN" altLang="en-US" dirty="0"/>
+              <a:t>个步骤</a:t>
+            </a:r>
+            <a:endParaRPr lang="en-US" altLang="zh-CN" dirty="0"/>
+          </a:p>
+          <a:p>
+            <a:pPr marL="742950" lvl="1" indent="-285750">
+              <a:buFont typeface="Arial" panose="020B0604020202020204" pitchFamily="34" charset="0"/>
+              <a:buChar char="•"/>
+            </a:pPr>
+            <a:r>
+              <a:rPr lang="zh-CN" altLang="en-US" dirty="0"/>
+              <a:t>实现第</a:t>
+            </a:r>
+            <a:r>
+              <a:rPr lang="en-US" altLang="zh-CN" dirty="0"/>
+              <a:t>5</a:t>
+            </a:r>
+            <a:r>
+              <a:rPr lang="zh-CN" altLang="en-US"/>
+              <a:t>个步骤</a:t>
+            </a:r>
+            <a:endParaRPr lang="en-US" altLang="zh-CN" dirty="0"/>
+          </a:p>
+          <a:p>
             <a:pPr marL="285750" indent="-285750">
               <a:buFont typeface="Arial" panose="020B0604020202020204" pitchFamily="34" charset="0"/>
               <a:buChar char="•"/>
@@ -11814,7 +11852,7 @@
                                         <p:tgtEl>
                                           <p:spTgt spid="6">
                                             <p:txEl>
-                                              <p:pRg st="1" end="1"/>
+                                              <p:pRg st="3" end="3"/>
                                             </p:txEl>
                                           </p:spTgt>
                                         </p:tgtEl>

--- a/lessons/4_gradient_check/ppt/全连接层的梯度检查.pptx
+++ b/lessons/4_gradient_check/ppt/全连接层的梯度检查.pptx
@@ -9517,7 +9517,7 @@
             </a:pPr>
             <a:r>
               <a:rPr lang="zh-CN" altLang="en-US" dirty="0"/>
-              <a:t>在通过后向传播计算梯度时，</a:t>
+              <a:t>在通过后向传播计算梯度的误差项时，</a:t>
             </a:r>
             <a:r>
               <a:rPr lang="en-US" altLang="zh-CN" dirty="0"/>
@@ -11624,7 +11624,7 @@
               <a:t>5</a:t>
             </a:r>
             <a:r>
-              <a:rPr lang="zh-CN" altLang="en-US"/>
+              <a:rPr lang="zh-CN" altLang="en-US" dirty="0"/>
               <a:t>个步骤</a:t>
             </a:r>
             <a:endParaRPr lang="en-US" altLang="zh-CN" dirty="0"/>
@@ -11852,6 +11852,104 @@
                                         <p:tgtEl>
                                           <p:spTgt spid="6">
                                             <p:txEl>
+                                              <p:pRg st="1" end="1"/>
+                                            </p:txEl>
+                                          </p:spTgt>
+                                        </p:tgtEl>
+                                        <p:attrNameLst>
+                                          <p:attrName>style.visibility</p:attrName>
+                                        </p:attrNameLst>
+                                      </p:cBhvr>
+                                      <p:to>
+                                        <p:strVal val="visible"/>
+                                      </p:to>
+                                    </p:set>
+                                  </p:childTnLst>
+                                </p:cTn>
+                              </p:par>
+                            </p:childTnLst>
+                          </p:cTn>
+                        </p:par>
+                      </p:childTnLst>
+                    </p:cTn>
+                  </p:par>
+                  <p:par>
+                    <p:cTn id="11" fill="hold">
+                      <p:stCondLst>
+                        <p:cond delay="indefinite"/>
+                      </p:stCondLst>
+                      <p:childTnLst>
+                        <p:par>
+                          <p:cTn id="12" fill="hold">
+                            <p:stCondLst>
+                              <p:cond delay="0"/>
+                            </p:stCondLst>
+                            <p:childTnLst>
+                              <p:par>
+                                <p:cTn id="13" presetID="1" presetClass="entr" presetSubtype="0" fill="hold" nodeType="clickEffect">
+                                  <p:stCondLst>
+                                    <p:cond delay="0"/>
+                                  </p:stCondLst>
+                                  <p:childTnLst>
+                                    <p:set>
+                                      <p:cBhvr>
+                                        <p:cTn id="14" dur="1" fill="hold">
+                                          <p:stCondLst>
+                                            <p:cond delay="0"/>
+                                          </p:stCondLst>
+                                        </p:cTn>
+                                        <p:tgtEl>
+                                          <p:spTgt spid="6">
+                                            <p:txEl>
+                                              <p:pRg st="2" end="2"/>
+                                            </p:txEl>
+                                          </p:spTgt>
+                                        </p:tgtEl>
+                                        <p:attrNameLst>
+                                          <p:attrName>style.visibility</p:attrName>
+                                        </p:attrNameLst>
+                                      </p:cBhvr>
+                                      <p:to>
+                                        <p:strVal val="visible"/>
+                                      </p:to>
+                                    </p:set>
+                                  </p:childTnLst>
+                                </p:cTn>
+                              </p:par>
+                            </p:childTnLst>
+                          </p:cTn>
+                        </p:par>
+                      </p:childTnLst>
+                    </p:cTn>
+                  </p:par>
+                  <p:par>
+                    <p:cTn id="15" fill="hold">
+                      <p:stCondLst>
+                        <p:cond delay="indefinite"/>
+                      </p:stCondLst>
+                      <p:childTnLst>
+                        <p:par>
+                          <p:cTn id="16" fill="hold">
+                            <p:stCondLst>
+                              <p:cond delay="0"/>
+                            </p:stCondLst>
+                            <p:childTnLst>
+                              <p:par>
+                                <p:cTn id="17" presetID="1" presetClass="entr" presetSubtype="0" fill="hold" nodeType="clickEffect">
+                                  <p:stCondLst>
+                                    <p:cond delay="0"/>
+                                  </p:stCondLst>
+                                  <p:childTnLst>
+                                    <p:set>
+                                      <p:cBhvr>
+                                        <p:cTn id="18" dur="1" fill="hold">
+                                          <p:stCondLst>
+                                            <p:cond delay="0"/>
+                                          </p:stCondLst>
+                                        </p:cTn>
+                                        <p:tgtEl>
+                                          <p:spTgt spid="6">
+                                            <p:txEl>
                                               <p:pRg st="3" end="3"/>
                                             </p:txEl>
                                           </p:spTgt>
@@ -12317,7 +12415,7 @@
             </a:pPr>
             <a:r>
               <a:rPr lang="zh-CN" altLang="en-US" dirty="0"/>
-              <a:t>在通过后向传播计算隐藏层的梯度时，需要输出层的误差项，它是多少？</a:t>
+              <a:t>在通过后向传播计算隐藏层的梯度的误差项时，需要输出层的误差项，它是多少？</a:t>
             </a:r>
             <a:endParaRPr lang="en-US" altLang="zh-CN" dirty="0"/>
           </a:p>
@@ -12492,7 +12590,7 @@
         </p:nvSpPr>
         <p:spPr>
           <a:xfrm>
-            <a:off x="2378510" y="5047099"/>
+            <a:off x="1588041" y="5159956"/>
             <a:ext cx="3647152" cy="369332"/>
           </a:xfrm>
           <a:prstGeom prst="rect">
@@ -12586,8 +12684,80 @@
         </p:blipFill>
         <p:spPr>
           <a:xfrm>
-            <a:off x="8641129" y="3592355"/>
+            <a:off x="9364052" y="3547021"/>
             <a:ext cx="2374900" cy="2044700"/>
+          </a:xfrm>
+          <a:prstGeom prst="rect">
+            <a:avLst/>
+          </a:prstGeom>
+        </p:spPr>
+      </p:pic>
+      <p:pic>
+        <p:nvPicPr>
+          <p:cNvPr id="9" name="图片 8">
+            <a:extLst>
+              <a:ext uri="{FF2B5EF4-FFF2-40B4-BE49-F238E27FC236}">
+                <a16:creationId xmlns:a16="http://schemas.microsoft.com/office/drawing/2014/main" id="{D65966F2-61E4-0165-86C1-483CD8E48BAA}"/>
+              </a:ext>
+            </a:extLst>
+          </p:cNvPr>
+          <p:cNvPicPr>
+            <a:picLocks noChangeAspect="1"/>
+          </p:cNvPicPr>
+          <p:nvPr/>
+        </p:nvPicPr>
+        <p:blipFill>
+          <a:blip r:embed="rId5">
+            <a:extLst>
+              <a:ext uri="{28A0092B-C50C-407E-A947-70E740481C1C}">
+                <a14:useLocalDpi xmlns:a14="http://schemas.microsoft.com/office/drawing/2010/main" val="0"/>
+              </a:ext>
+            </a:extLst>
+          </a:blip>
+          <a:stretch>
+            <a:fillRect/>
+          </a:stretch>
+        </p:blipFill>
+        <p:spPr>
+          <a:xfrm>
+            <a:off x="6000909" y="4270571"/>
+            <a:ext cx="3286943" cy="1425233"/>
+          </a:xfrm>
+          <a:prstGeom prst="rect">
+            <a:avLst/>
+          </a:prstGeom>
+        </p:spPr>
+      </p:pic>
+      <p:pic>
+        <p:nvPicPr>
+          <p:cNvPr id="11" name="图片 10">
+            <a:extLst>
+              <a:ext uri="{FF2B5EF4-FFF2-40B4-BE49-F238E27FC236}">
+                <a16:creationId xmlns:a16="http://schemas.microsoft.com/office/drawing/2014/main" id="{5126C816-E6E2-3E91-CA6A-73880F768C1B}"/>
+              </a:ext>
+            </a:extLst>
+          </p:cNvPr>
+          <p:cNvPicPr>
+            <a:picLocks noChangeAspect="1"/>
+          </p:cNvPicPr>
+          <p:nvPr/>
+        </p:nvPicPr>
+        <p:blipFill>
+          <a:blip r:embed="rId6">
+            <a:extLst>
+              <a:ext uri="{28A0092B-C50C-407E-A947-70E740481C1C}">
+                <a14:useLocalDpi xmlns:a14="http://schemas.microsoft.com/office/drawing/2010/main" val="0"/>
+              </a:ext>
+            </a:extLst>
+          </a:blip>
+          <a:stretch>
+            <a:fillRect/>
+          </a:stretch>
+        </p:blipFill>
+        <p:spPr>
+          <a:xfrm>
+            <a:off x="2554396" y="4227881"/>
+            <a:ext cx="2424579" cy="682980"/>
           </a:xfrm>
           <a:prstGeom prst="rect">
             <a:avLst/>
@@ -12825,11 +12995,7 @@
                                           </p:stCondLst>
                                         </p:cTn>
                                         <p:tgtEl>
-                                          <p:spTgt spid="6">
-                                            <p:txEl>
-                                              <p:pRg st="2" end="2"/>
-                                            </p:txEl>
-                                          </p:spTgt>
+                                          <p:spTgt spid="9"/>
                                         </p:tgtEl>
                                         <p:attrNameLst>
                                           <p:attrName>style.visibility</p:attrName>
@@ -12874,7 +13040,11 @@
                                           </p:stCondLst>
                                         </p:cTn>
                                         <p:tgtEl>
-                                          <p:spTgt spid="8"/>
+                                          <p:spTgt spid="6">
+                                            <p:txEl>
+                                              <p:pRg st="2" end="2"/>
+                                            </p:txEl>
+                                          </p:spTgt>
                                         </p:tgtEl>
                                         <p:attrNameLst>
                                           <p:attrName>style.visibility</p:attrName>
@@ -12914,6 +13084,96 @@
                                     <p:set>
                                       <p:cBhvr>
                                         <p:cTn id="30" dur="1" fill="hold">
+                                          <p:stCondLst>
+                                            <p:cond delay="0"/>
+                                          </p:stCondLst>
+                                        </p:cTn>
+                                        <p:tgtEl>
+                                          <p:spTgt spid="11"/>
+                                        </p:tgtEl>
+                                        <p:attrNameLst>
+                                          <p:attrName>style.visibility</p:attrName>
+                                        </p:attrNameLst>
+                                      </p:cBhvr>
+                                      <p:to>
+                                        <p:strVal val="visible"/>
+                                      </p:to>
+                                    </p:set>
+                                  </p:childTnLst>
+                                </p:cTn>
+                              </p:par>
+                            </p:childTnLst>
+                          </p:cTn>
+                        </p:par>
+                      </p:childTnLst>
+                    </p:cTn>
+                  </p:par>
+                  <p:par>
+                    <p:cTn id="31" fill="hold">
+                      <p:stCondLst>
+                        <p:cond delay="indefinite"/>
+                      </p:stCondLst>
+                      <p:childTnLst>
+                        <p:par>
+                          <p:cTn id="32" fill="hold">
+                            <p:stCondLst>
+                              <p:cond delay="0"/>
+                            </p:stCondLst>
+                            <p:childTnLst>
+                              <p:par>
+                                <p:cTn id="33" presetID="1" presetClass="entr" presetSubtype="0" fill="hold" nodeType="clickEffect">
+                                  <p:stCondLst>
+                                    <p:cond delay="0"/>
+                                  </p:stCondLst>
+                                  <p:childTnLst>
+                                    <p:set>
+                                      <p:cBhvr>
+                                        <p:cTn id="34" dur="1" fill="hold">
+                                          <p:stCondLst>
+                                            <p:cond delay="0"/>
+                                          </p:stCondLst>
+                                        </p:cTn>
+                                        <p:tgtEl>
+                                          <p:spTgt spid="8"/>
+                                        </p:tgtEl>
+                                        <p:attrNameLst>
+                                          <p:attrName>style.visibility</p:attrName>
+                                        </p:attrNameLst>
+                                      </p:cBhvr>
+                                      <p:to>
+                                        <p:strVal val="visible"/>
+                                      </p:to>
+                                    </p:set>
+                                  </p:childTnLst>
+                                </p:cTn>
+                              </p:par>
+                            </p:childTnLst>
+                          </p:cTn>
+                        </p:par>
+                      </p:childTnLst>
+                    </p:cTn>
+                  </p:par>
+                  <p:par>
+                    <p:cTn id="35" fill="hold">
+                      <p:stCondLst>
+                        <p:cond delay="indefinite"/>
+                      </p:stCondLst>
+                      <p:childTnLst>
+                        <p:par>
+                          <p:cTn id="36" fill="hold">
+                            <p:stCondLst>
+                              <p:cond delay="0"/>
+                            </p:stCondLst>
+                            <p:childTnLst>
+                              <p:par>
+                                <p:cTn id="37" presetID="1" presetClass="entr" presetSubtype="0" fill="hold" nodeType="clickEffect">
+                                  <p:stCondLst>
+                                    <p:cond delay="0"/>
+                                  </p:stCondLst>
+                                  <p:childTnLst>
+                                    <p:set>
+                                      <p:cBhvr>
+                                        <p:cTn id="38" dur="1" fill="hold">
                                           <p:stCondLst>
                                             <p:cond delay="0"/>
                                           </p:stCondLst>
@@ -13441,6 +13701,44 @@
             <a:endParaRPr lang="en-US" altLang="zh-CN" dirty="0"/>
           </a:p>
           <a:p>
+            <a:pPr marL="742950" lvl="1" indent="-285750">
+              <a:buFont typeface="Arial" panose="020B0604020202020204" pitchFamily="34" charset="0"/>
+              <a:buChar char="•"/>
+            </a:pPr>
+            <a:r>
+              <a:rPr lang="zh-CN" altLang="en-US" dirty="0"/>
+              <a:t>实现前面</a:t>
+            </a:r>
+            <a:r>
+              <a:rPr lang="en-US" altLang="zh-CN" dirty="0"/>
+              <a:t>4</a:t>
+            </a:r>
+            <a:r>
+              <a:rPr lang="zh-CN" altLang="en-US" dirty="0"/>
+              <a:t>个步骤</a:t>
+            </a:r>
+            <a:endParaRPr lang="en-US" altLang="zh-CN" dirty="0"/>
+          </a:p>
+          <a:p>
+            <a:pPr marL="742950" lvl="1" indent="-285750">
+              <a:buFont typeface="Arial" panose="020B0604020202020204" pitchFamily="34" charset="0"/>
+              <a:buChar char="•"/>
+            </a:pPr>
+            <a:r>
+              <a:rPr lang="zh-CN" altLang="en-US" dirty="0"/>
+              <a:t>实现第</a:t>
+            </a:r>
+            <a:r>
+              <a:rPr lang="en-US" altLang="zh-CN" dirty="0"/>
+              <a:t>5</a:t>
+            </a:r>
+            <a:r>
+              <a:rPr lang="zh-CN" altLang="en-US"/>
+              <a:t>个步骤</a:t>
+            </a:r>
+            <a:endParaRPr lang="en-US" altLang="zh-CN" dirty="0"/>
+          </a:p>
+          <a:p>
             <a:pPr marL="285750" indent="-285750">
               <a:buFont typeface="Arial" panose="020B0604020202020204" pitchFamily="34" charset="0"/>
               <a:buChar char="•"/>
@@ -13603,7 +13901,7 @@
                             </p:stCondLst>
                             <p:childTnLst>
                               <p:par>
-                                <p:cTn id="5" presetID="1" presetClass="entr" presetSubtype="0" fill="hold" grpId="0" nodeType="clickEffect">
+                                <p:cTn id="5" presetID="1" presetClass="entr" presetSubtype="0" fill="hold" nodeType="clickEffect">
                                   <p:stCondLst>
                                     <p:cond delay="0"/>
                                   </p:stCondLst>
@@ -13616,7 +13914,770 @@
                                           </p:stCondLst>
                                         </p:cTn>
                                         <p:tgtEl>
-                                          <p:spTgt spid="6"/>
+                                          <p:spTgt spid="6">
+                                            <p:txEl>
+                                              <p:pRg st="0" end="0"/>
+                                            </p:txEl>
+                                          </p:spTgt>
+                                        </p:tgtEl>
+                                        <p:attrNameLst>
+                                          <p:attrName>style.visibility</p:attrName>
+                                        </p:attrNameLst>
+                                      </p:cBhvr>
+                                      <p:to>
+                                        <p:strVal val="visible"/>
+                                      </p:to>
+                                    </p:set>
+                                  </p:childTnLst>
+                                </p:cTn>
+                              </p:par>
+                            </p:childTnLst>
+                          </p:cTn>
+                        </p:par>
+                      </p:childTnLst>
+                    </p:cTn>
+                  </p:par>
+                  <p:par>
+                    <p:cTn id="7" fill="hold">
+                      <p:stCondLst>
+                        <p:cond delay="indefinite"/>
+                      </p:stCondLst>
+                      <p:childTnLst>
+                        <p:par>
+                          <p:cTn id="8" fill="hold">
+                            <p:stCondLst>
+                              <p:cond delay="0"/>
+                            </p:stCondLst>
+                            <p:childTnLst>
+                              <p:par>
+                                <p:cTn id="9" presetID="1" presetClass="entr" presetSubtype="0" fill="hold" nodeType="clickEffect">
+                                  <p:stCondLst>
+                                    <p:cond delay="0"/>
+                                  </p:stCondLst>
+                                  <p:childTnLst>
+                                    <p:set>
+                                      <p:cBhvr>
+                                        <p:cTn id="10" dur="1" fill="hold">
+                                          <p:stCondLst>
+                                            <p:cond delay="0"/>
+                                          </p:stCondLst>
+                                        </p:cTn>
+                                        <p:tgtEl>
+                                          <p:spTgt spid="6">
+                                            <p:txEl>
+                                              <p:pRg st="1" end="1"/>
+                                            </p:txEl>
+                                          </p:spTgt>
+                                        </p:tgtEl>
+                                        <p:attrNameLst>
+                                          <p:attrName>style.visibility</p:attrName>
+                                        </p:attrNameLst>
+                                      </p:cBhvr>
+                                      <p:to>
+                                        <p:strVal val="visible"/>
+                                      </p:to>
+                                    </p:set>
+                                  </p:childTnLst>
+                                </p:cTn>
+                              </p:par>
+                            </p:childTnLst>
+                          </p:cTn>
+                        </p:par>
+                      </p:childTnLst>
+                    </p:cTn>
+                  </p:par>
+                  <p:par>
+                    <p:cTn id="11" fill="hold">
+                      <p:stCondLst>
+                        <p:cond delay="indefinite"/>
+                      </p:stCondLst>
+                      <p:childTnLst>
+                        <p:par>
+                          <p:cTn id="12" fill="hold">
+                            <p:stCondLst>
+                              <p:cond delay="0"/>
+                            </p:stCondLst>
+                            <p:childTnLst>
+                              <p:par>
+                                <p:cTn id="13" presetID="1" presetClass="entr" presetSubtype="0" fill="hold" nodeType="clickEffect">
+                                  <p:stCondLst>
+                                    <p:cond delay="0"/>
+                                  </p:stCondLst>
+                                  <p:childTnLst>
+                                    <p:set>
+                                      <p:cBhvr>
+                                        <p:cTn id="14" dur="1" fill="hold">
+                                          <p:stCondLst>
+                                            <p:cond delay="0"/>
+                                          </p:stCondLst>
+                                        </p:cTn>
+                                        <p:tgtEl>
+                                          <p:spTgt spid="6">
+                                            <p:txEl>
+                                              <p:pRg st="2" end="2"/>
+                                            </p:txEl>
+                                          </p:spTgt>
+                                        </p:tgtEl>
+                                        <p:attrNameLst>
+                                          <p:attrName>style.visibility</p:attrName>
+                                        </p:attrNameLst>
+                                      </p:cBhvr>
+                                      <p:to>
+                                        <p:strVal val="visible"/>
+                                      </p:to>
+                                    </p:set>
+                                  </p:childTnLst>
+                                </p:cTn>
+                              </p:par>
+                            </p:childTnLst>
+                          </p:cTn>
+                        </p:par>
+                      </p:childTnLst>
+                    </p:cTn>
+                  </p:par>
+                  <p:par>
+                    <p:cTn id="15" fill="hold">
+                      <p:stCondLst>
+                        <p:cond delay="indefinite"/>
+                      </p:stCondLst>
+                      <p:childTnLst>
+                        <p:par>
+                          <p:cTn id="16" fill="hold">
+                            <p:stCondLst>
+                              <p:cond delay="0"/>
+                            </p:stCondLst>
+                            <p:childTnLst>
+                              <p:par>
+                                <p:cTn id="17" presetID="1" presetClass="entr" presetSubtype="0" fill="hold" nodeType="clickEffect">
+                                  <p:stCondLst>
+                                    <p:cond delay="0"/>
+                                  </p:stCondLst>
+                                  <p:childTnLst>
+                                    <p:set>
+                                      <p:cBhvr>
+                                        <p:cTn id="18" dur="1" fill="hold">
+                                          <p:stCondLst>
+                                            <p:cond delay="0"/>
+                                          </p:stCondLst>
+                                        </p:cTn>
+                                        <p:tgtEl>
+                                          <p:spTgt spid="6">
+                                            <p:txEl>
+                                              <p:pRg st="3" end="3"/>
+                                            </p:txEl>
+                                          </p:spTgt>
+                                        </p:tgtEl>
+                                        <p:attrNameLst>
+                                          <p:attrName>style.visibility</p:attrName>
+                                        </p:attrNameLst>
+                                      </p:cBhvr>
+                                      <p:to>
+                                        <p:strVal val="visible"/>
+                                      </p:to>
+                                    </p:set>
+                                  </p:childTnLst>
+                                </p:cTn>
+                              </p:par>
+                            </p:childTnLst>
+                          </p:cTn>
+                        </p:par>
+                      </p:childTnLst>
+                    </p:cTn>
+                  </p:par>
+                </p:childTnLst>
+              </p:cTn>
+              <p:prevCondLst>
+                <p:cond evt="onPrev" delay="0">
+                  <p:tgtEl>
+                    <p:sldTgt/>
+                  </p:tgtEl>
+                </p:cond>
+              </p:prevCondLst>
+              <p:nextCondLst>
+                <p:cond evt="onNext" delay="0">
+                  <p:tgtEl>
+                    <p:sldTgt/>
+                  </p:tgtEl>
+                </p:cond>
+              </p:nextCondLst>
+            </p:seq>
+          </p:childTnLst>
+        </p:cTn>
+      </p:par>
+    </p:tnLst>
+  </p:timing>
+</p:sld>
+</file>
+
+<file path=ppt/slides/slide22.xml><?xml version="1.0" encoding="utf-8"?>
+<p:sld xmlns:a="http://schemas.openxmlformats.org/drawingml/2006/main" xmlns:r="http://schemas.openxmlformats.org/officeDocument/2006/relationships" xmlns:p="http://schemas.openxmlformats.org/presentationml/2006/main">
+  <p:cSld>
+    <p:spTree>
+      <p:nvGrpSpPr>
+        <p:cNvPr id="1" name=""/>
+        <p:cNvGrpSpPr/>
+        <p:nvPr/>
+      </p:nvGrpSpPr>
+      <p:grpSpPr>
+        <a:xfrm>
+          <a:off x="0" y="0"/>
+          <a:ext cx="0" cy="0"/>
+          <a:chOff x="0" y="0"/>
+          <a:chExt cx="0" cy="0"/>
+        </a:xfrm>
+      </p:grpSpPr>
+      <p:sp>
+        <p:nvSpPr>
+          <p:cNvPr id="2" name="标题 1"/>
+          <p:cNvSpPr>
+            <a:spLocks noGrp="1"/>
+          </p:cNvSpPr>
+          <p:nvPr>
+            <p:ph type="title"/>
+          </p:nvPr>
+        </p:nvSpPr>
+        <p:spPr/>
+        <p:txBody>
+          <a:bodyPr/>
+          <a:lstStyle/>
+          <a:p>
+            <a:r>
+              <a:rPr lang="zh-CN" altLang="en-US" dirty="0">
+                <a:sym typeface="+mn-ea"/>
+              </a:rPr>
+              <a:t>任务</a:t>
+            </a:r>
+            <a:r>
+              <a:rPr dirty="0">
+                <a:sym typeface="+mn-ea"/>
+              </a:rPr>
+              <a:t>：</a:t>
+            </a:r>
+            <a:r>
+              <a:rPr lang="zh-CN" altLang="en-US" dirty="0"/>
+              <a:t>整合</a:t>
+            </a:r>
+            <a:r>
+              <a:rPr lang="zh-CN" altLang="en-US" dirty="0">
+                <a:sym typeface="+mn-ea"/>
+              </a:rPr>
+              <a:t>全连接层的梯度检查</a:t>
+            </a:r>
+            <a:endParaRPr lang="zh-CN" altLang="en-US" dirty="0"/>
+          </a:p>
+        </p:txBody>
+      </p:sp>
+    </p:spTree>
+    <p:custDataLst>
+      <p:tags r:id="rId1"/>
+    </p:custDataLst>
+    <p:extLst>
+      <p:ext uri="{BB962C8B-B14F-4D97-AF65-F5344CB8AC3E}">
+        <p14:creationId xmlns:p14="http://schemas.microsoft.com/office/powerpoint/2010/main" val="3581730394"/>
+      </p:ext>
+    </p:extLst>
+  </p:cSld>
+  <p:clrMapOvr>
+    <a:masterClrMapping/>
+  </p:clrMapOvr>
+</p:sld>
+</file>
+
+<file path=ppt/slides/slide23.xml><?xml version="1.0" encoding="utf-8"?>
+<p:sld xmlns:a="http://schemas.openxmlformats.org/drawingml/2006/main" xmlns:r="http://schemas.openxmlformats.org/officeDocument/2006/relationships" xmlns:p="http://schemas.openxmlformats.org/presentationml/2006/main">
+  <p:cSld>
+    <p:spTree>
+      <p:nvGrpSpPr>
+        <p:cNvPr id="1" name=""/>
+        <p:cNvGrpSpPr/>
+        <p:nvPr/>
+      </p:nvGrpSpPr>
+      <p:grpSpPr>
+        <a:xfrm>
+          <a:off x="0" y="0"/>
+          <a:ext cx="0" cy="0"/>
+          <a:chOff x="0" y="0"/>
+          <a:chExt cx="0" cy="0"/>
+        </a:xfrm>
+      </p:grpSpPr>
+      <p:sp>
+        <p:nvSpPr>
+          <p:cNvPr id="2" name="文本占位符 1"/>
+          <p:cNvSpPr>
+            <a:spLocks noGrp="1"/>
+          </p:cNvSpPr>
+          <p:nvPr>
+            <p:ph type="body" idx="1"/>
+          </p:nvPr>
+        </p:nvSpPr>
+        <p:spPr/>
+        <p:txBody>
+          <a:bodyPr/>
+          <a:lstStyle/>
+          <a:p>
+            <a:pPr marL="285750" indent="-285750">
+              <a:buFont typeface="Arial" panose="020B0604020202020204" pitchFamily="34" charset="0"/>
+              <a:buChar char="•"/>
+            </a:pPr>
+            <a:endParaRPr lang="en-US" altLang="zh-CN" dirty="0"/>
+          </a:p>
+          <a:p>
+            <a:pPr marL="285750" indent="-285750">
+              <a:buFont typeface="Arial" panose="020B0604020202020204" pitchFamily="34" charset="0"/>
+              <a:buChar char="•"/>
+            </a:pPr>
+            <a:endParaRPr lang="en-US" altLang="zh-CN" dirty="0"/>
+          </a:p>
+          <a:p>
+            <a:pPr marL="285750" indent="-285750">
+              <a:buFont typeface="Arial" panose="020B0604020202020204" pitchFamily="34" charset="0"/>
+              <a:buChar char="•"/>
+            </a:pPr>
+            <a:endParaRPr lang="en-US" altLang="zh-CN" dirty="0"/>
+          </a:p>
+          <a:p>
+            <a:pPr marL="285750" indent="-285750">
+              <a:buFont typeface="Arial" panose="020B0604020202020204" pitchFamily="34" charset="0"/>
+              <a:buChar char="•"/>
+            </a:pPr>
+            <a:endParaRPr lang="en-US" altLang="zh-CN" dirty="0"/>
+          </a:p>
+          <a:p>
+            <a:pPr marL="285750" indent="-285750">
+              <a:buFont typeface="Arial" panose="020B0604020202020204" pitchFamily="34" charset="0"/>
+              <a:buChar char="•"/>
+            </a:pPr>
+            <a:endParaRPr lang="en-US" altLang="zh-CN" dirty="0"/>
+          </a:p>
+          <a:p>
+            <a:pPr marL="285750" indent="-285750">
+              <a:buFont typeface="Arial" panose="020B0604020202020204" pitchFamily="34" charset="0"/>
+              <a:buChar char="•"/>
+            </a:pPr>
+            <a:endParaRPr lang="en-US" altLang="zh-CN" dirty="0"/>
+          </a:p>
+          <a:p>
+            <a:endParaRPr lang="en-US" altLang="zh-CN" dirty="0"/>
+          </a:p>
+        </p:txBody>
+      </p:sp>
+      <p:sp>
+        <p:nvSpPr>
+          <p:cNvPr id="3" name="标题 2"/>
+          <p:cNvSpPr>
+            <a:spLocks noGrp="1"/>
+          </p:cNvSpPr>
+          <p:nvPr>
+            <p:ph type="title"/>
+          </p:nvPr>
+        </p:nvSpPr>
+        <p:spPr/>
+        <p:txBody>
+          <a:bodyPr/>
+          <a:lstStyle/>
+          <a:p>
+            <a:r>
+              <a:rPr lang="zh-CN" altLang="en-US" dirty="0">
+                <a:sym typeface="+mn-ea"/>
+              </a:rPr>
+              <a:t>任务：</a:t>
+            </a:r>
+            <a:r>
+              <a:rPr lang="zh-CN" altLang="en-US" dirty="0"/>
+              <a:t>整合</a:t>
+            </a:r>
+            <a:r>
+              <a:rPr lang="zh-CN" altLang="en-US" dirty="0">
+                <a:sym typeface="+mn-ea"/>
+              </a:rPr>
+              <a:t>全连接层的梯度检查</a:t>
+            </a:r>
+            <a:endParaRPr dirty="0">
+              <a:sym typeface="+mn-ea"/>
+            </a:endParaRPr>
+          </a:p>
+        </p:txBody>
+      </p:sp>
+      <p:sp>
+        <p:nvSpPr>
+          <p:cNvPr id="6" name="文本占位符 1">
+            <a:extLst>
+              <a:ext uri="{FF2B5EF4-FFF2-40B4-BE49-F238E27FC236}">
+                <a16:creationId xmlns:a16="http://schemas.microsoft.com/office/drawing/2014/main" id="{BA88068A-4FDC-6963-46A5-ADEC46CDA15E}"/>
+              </a:ext>
+            </a:extLst>
+          </p:cNvPr>
+          <p:cNvSpPr txBox="1">
+            <a:spLocks/>
+          </p:cNvSpPr>
+          <p:nvPr/>
+        </p:nvSpPr>
+        <p:spPr>
+          <a:xfrm>
+            <a:off x="822325" y="1778635"/>
+            <a:ext cx="10852150" cy="4553585"/>
+          </a:xfrm>
+        </p:spPr>
+        <p:txBody>
+          <a:bodyPr lIns="101600" tIns="38100" rIns="76200" bIns="38100">
+            <a:noAutofit/>
+          </a:bodyPr>
+          <a:lstStyle>
+            <a:lvl1pPr marL="0" indent="0" algn="l" defTabSz="914400" rtl="0" eaLnBrk="1" fontAlgn="auto" latinLnBrk="0" hangingPunct="1">
+              <a:lnSpc>
+                <a:spcPct val="130000"/>
+              </a:lnSpc>
+              <a:spcBef>
+                <a:spcPts val="0"/>
+              </a:spcBef>
+              <a:spcAft>
+                <a:spcPts val="1000"/>
+              </a:spcAft>
+              <a:buFont typeface="Arial" panose="020B0604020202020204" pitchFamily="34" charset="0"/>
+              <a:buNone/>
+              <a:defRPr kumimoji="0" lang="zh-CN" altLang="en-US" sz="1600" b="0" i="0" u="none" strike="noStrike" kern="1200" cap="none" spc="150" normalizeH="0" baseline="0" noProof="1">
+                <a:solidFill>
+                  <a:schemeClr val="tx1"/>
+                </a:solidFill>
+                <a:uFillTx/>
+                <a:latin typeface="+mn-lt"/>
+                <a:ea typeface="+mn-ea"/>
+                <a:cs typeface="+mn-cs"/>
+                <a:sym typeface="+mn-ea"/>
+              </a:defRPr>
+            </a:lvl1pPr>
+            <a:lvl2pPr marL="457200" indent="0" algn="l" defTabSz="914400" rtl="0" eaLnBrk="1" fontAlgn="auto" latinLnBrk="0" hangingPunct="1">
+              <a:lnSpc>
+                <a:spcPct val="130000"/>
+              </a:lnSpc>
+              <a:spcBef>
+                <a:spcPts val="0"/>
+              </a:spcBef>
+              <a:spcAft>
+                <a:spcPts val="1000"/>
+              </a:spcAft>
+              <a:buFont typeface="Arial" panose="020B0604020202020204" pitchFamily="34" charset="0"/>
+              <a:buNone/>
+              <a:tabLst>
+                <a:tab pos="1609725" algn="l"/>
+              </a:tabLst>
+              <a:defRPr sz="2000" u="none" strike="noStrike" kern="1200" cap="none" spc="150" normalizeH="0" baseline="0">
+                <a:solidFill>
+                  <a:schemeClr val="tx1">
+                    <a:tint val="75000"/>
+                  </a:schemeClr>
+                </a:solidFill>
+                <a:uFillTx/>
+                <a:latin typeface="+mn-lt"/>
+                <a:ea typeface="+mn-ea"/>
+                <a:cs typeface="+mn-cs"/>
+              </a:defRPr>
+            </a:lvl2pPr>
+            <a:lvl3pPr marL="914400" indent="0" algn="l" defTabSz="914400" rtl="0" eaLnBrk="1" fontAlgn="auto" latinLnBrk="0" hangingPunct="1">
+              <a:lnSpc>
+                <a:spcPct val="130000"/>
+              </a:lnSpc>
+              <a:spcBef>
+                <a:spcPts val="0"/>
+              </a:spcBef>
+              <a:spcAft>
+                <a:spcPts val="1000"/>
+              </a:spcAft>
+              <a:buFont typeface="Arial" panose="020B0604020202020204" pitchFamily="34" charset="0"/>
+              <a:buNone/>
+              <a:defRPr sz="1800" u="none" strike="noStrike" kern="1200" cap="none" spc="150" normalizeH="0" baseline="0">
+                <a:solidFill>
+                  <a:schemeClr val="tx1">
+                    <a:tint val="75000"/>
+                  </a:schemeClr>
+                </a:solidFill>
+                <a:uFillTx/>
+                <a:latin typeface="+mn-lt"/>
+                <a:ea typeface="+mn-ea"/>
+                <a:cs typeface="+mn-cs"/>
+              </a:defRPr>
+            </a:lvl3pPr>
+            <a:lvl4pPr marL="1371600" indent="0" algn="l" defTabSz="914400" rtl="0" eaLnBrk="1" fontAlgn="auto" latinLnBrk="0" hangingPunct="1">
+              <a:lnSpc>
+                <a:spcPct val="130000"/>
+              </a:lnSpc>
+              <a:spcBef>
+                <a:spcPts val="0"/>
+              </a:spcBef>
+              <a:spcAft>
+                <a:spcPts val="1000"/>
+              </a:spcAft>
+              <a:buFont typeface="Arial" panose="020B0604020202020204" pitchFamily="34" charset="0"/>
+              <a:buNone/>
+              <a:defRPr sz="1600" u="none" strike="noStrike" kern="1200" cap="none" spc="150" normalizeH="0" baseline="0">
+                <a:solidFill>
+                  <a:schemeClr val="tx1">
+                    <a:tint val="75000"/>
+                  </a:schemeClr>
+                </a:solidFill>
+                <a:uFillTx/>
+                <a:latin typeface="+mn-lt"/>
+                <a:ea typeface="+mn-ea"/>
+                <a:cs typeface="+mn-cs"/>
+              </a:defRPr>
+            </a:lvl4pPr>
+            <a:lvl5pPr marL="1828800" indent="0" algn="l" defTabSz="914400" rtl="0" eaLnBrk="1" fontAlgn="auto" latinLnBrk="0" hangingPunct="1">
+              <a:lnSpc>
+                <a:spcPct val="130000"/>
+              </a:lnSpc>
+              <a:spcBef>
+                <a:spcPts val="0"/>
+              </a:spcBef>
+              <a:spcAft>
+                <a:spcPts val="1000"/>
+              </a:spcAft>
+              <a:buFont typeface="Arial" panose="020B0604020202020204" pitchFamily="34" charset="0"/>
+              <a:buNone/>
+              <a:defRPr sz="1600" u="none" strike="noStrike" kern="1200" cap="none" spc="150" normalizeH="0" baseline="0">
+                <a:solidFill>
+                  <a:schemeClr val="tx1">
+                    <a:tint val="75000"/>
+                  </a:schemeClr>
+                </a:solidFill>
+                <a:uFillTx/>
+                <a:latin typeface="+mn-lt"/>
+                <a:ea typeface="+mn-ea"/>
+                <a:cs typeface="+mn-cs"/>
+              </a:defRPr>
+            </a:lvl5pPr>
+            <a:lvl6pPr marL="2286000" indent="0" algn="l" defTabSz="914400" rtl="0" eaLnBrk="1" latinLnBrk="0" hangingPunct="1">
+              <a:lnSpc>
+                <a:spcPct val="90000"/>
+              </a:lnSpc>
+              <a:spcBef>
+                <a:spcPts val="500"/>
+              </a:spcBef>
+              <a:buFont typeface="Arial" panose="020B0604020202020204" pitchFamily="34" charset="0"/>
+              <a:buNone/>
+              <a:defRPr sz="1600" kern="1200">
+                <a:solidFill>
+                  <a:schemeClr val="tx1">
+                    <a:tint val="75000"/>
+                  </a:schemeClr>
+                </a:solidFill>
+                <a:latin typeface="+mn-lt"/>
+                <a:ea typeface="+mn-ea"/>
+                <a:cs typeface="+mn-cs"/>
+              </a:defRPr>
+            </a:lvl6pPr>
+            <a:lvl7pPr marL="2743200" indent="0" algn="l" defTabSz="914400" rtl="0" eaLnBrk="1" latinLnBrk="0" hangingPunct="1">
+              <a:lnSpc>
+                <a:spcPct val="90000"/>
+              </a:lnSpc>
+              <a:spcBef>
+                <a:spcPts val="500"/>
+              </a:spcBef>
+              <a:buFont typeface="Arial" panose="020B0604020202020204" pitchFamily="34" charset="0"/>
+              <a:buNone/>
+              <a:defRPr sz="1600" kern="1200">
+                <a:solidFill>
+                  <a:schemeClr val="tx1">
+                    <a:tint val="75000"/>
+                  </a:schemeClr>
+                </a:solidFill>
+                <a:latin typeface="+mn-lt"/>
+                <a:ea typeface="+mn-ea"/>
+                <a:cs typeface="+mn-cs"/>
+              </a:defRPr>
+            </a:lvl7pPr>
+            <a:lvl8pPr marL="3200400" indent="0" algn="l" defTabSz="914400" rtl="0" eaLnBrk="1" latinLnBrk="0" hangingPunct="1">
+              <a:lnSpc>
+                <a:spcPct val="90000"/>
+              </a:lnSpc>
+              <a:spcBef>
+                <a:spcPts val="500"/>
+              </a:spcBef>
+              <a:buFont typeface="Arial" panose="020B0604020202020204" pitchFamily="34" charset="0"/>
+              <a:buNone/>
+              <a:defRPr sz="1600" kern="1200">
+                <a:solidFill>
+                  <a:schemeClr val="tx1">
+                    <a:tint val="75000"/>
+                  </a:schemeClr>
+                </a:solidFill>
+                <a:latin typeface="+mn-lt"/>
+                <a:ea typeface="+mn-ea"/>
+                <a:cs typeface="+mn-cs"/>
+              </a:defRPr>
+            </a:lvl8pPr>
+            <a:lvl9pPr marL="3657600" indent="0" algn="l" defTabSz="914400" rtl="0" eaLnBrk="1" latinLnBrk="0" hangingPunct="1">
+              <a:lnSpc>
+                <a:spcPct val="90000"/>
+              </a:lnSpc>
+              <a:spcBef>
+                <a:spcPts val="500"/>
+              </a:spcBef>
+              <a:buFont typeface="Arial" panose="020B0604020202020204" pitchFamily="34" charset="0"/>
+              <a:buNone/>
+              <a:defRPr sz="1600" kern="1200">
+                <a:solidFill>
+                  <a:schemeClr val="tx1">
+                    <a:tint val="75000"/>
+                  </a:schemeClr>
+                </a:solidFill>
+                <a:latin typeface="+mn-lt"/>
+                <a:ea typeface="+mn-ea"/>
+                <a:cs typeface="+mn-cs"/>
+              </a:defRPr>
+            </a:lvl9pPr>
+          </a:lstStyle>
+          <a:p>
+            <a:pPr marL="285750" indent="-285750">
+              <a:buFont typeface="Arial" panose="020B0604020202020204" pitchFamily="34" charset="0"/>
+              <a:buChar char="•"/>
+            </a:pPr>
+            <a:r>
+              <a:rPr lang="zh-CN" altLang="en-US" dirty="0"/>
+              <a:t>请整合输出层和隐藏层的梯度检查</a:t>
+            </a:r>
+            <a:endParaRPr lang="en-US" altLang="zh-CN" dirty="0"/>
+          </a:p>
+          <a:p>
+            <a:pPr marL="285750" indent="-285750">
+              <a:buFont typeface="Arial" panose="020B0604020202020204" pitchFamily="34" charset="0"/>
+              <a:buChar char="•"/>
+            </a:pPr>
+            <a:r>
+              <a:rPr lang="zh-CN" altLang="en-US" dirty="0"/>
+              <a:t>请每个同学都运行代码，看下是否通过了检查</a:t>
+            </a:r>
+            <a:endParaRPr lang="en-US" altLang="zh-CN" dirty="0"/>
+          </a:p>
+          <a:p>
+            <a:endParaRPr lang="en-US" altLang="zh-CN" dirty="0"/>
+          </a:p>
+          <a:p>
+            <a:pPr marL="285750" indent="-285750">
+              <a:buFont typeface="Arial" panose="020B0604020202020204" pitchFamily="34" charset="0"/>
+              <a:buChar char="•"/>
+            </a:pPr>
+            <a:r>
+              <a:rPr lang="zh-CN" altLang="en-US" dirty="0"/>
+              <a:t>自学、展学</a:t>
+            </a:r>
+          </a:p>
+          <a:p>
+            <a:pPr marL="285750" indent="-285750">
+              <a:buFont typeface="Arial" panose="020B0604020202020204" pitchFamily="34" charset="0"/>
+              <a:buChar char="•"/>
+            </a:pPr>
+            <a:endParaRPr lang="zh-CN" altLang="en-US" dirty="0"/>
+          </a:p>
+          <a:p>
+            <a:pPr marL="285750" indent="-285750">
+              <a:buFont typeface="Arial" panose="020B0604020202020204" pitchFamily="34" charset="0"/>
+              <a:buChar char="•"/>
+            </a:pPr>
+            <a:endParaRPr lang="en-US" altLang="zh-CN" dirty="0"/>
+          </a:p>
+          <a:p>
+            <a:pPr marL="285750" indent="-285750">
+              <a:buFont typeface="Arial" panose="020B0604020202020204" pitchFamily="34" charset="0"/>
+              <a:buChar char="•"/>
+            </a:pPr>
+            <a:endParaRPr lang="zh-CN" altLang="en-US" dirty="0"/>
+          </a:p>
+          <a:p>
+            <a:pPr marL="285750" indent="-285750">
+              <a:buFont typeface="Arial" panose="020B0604020202020204" pitchFamily="34" charset="0"/>
+              <a:buChar char="•"/>
+            </a:pPr>
+            <a:endParaRPr lang="zh-CN" altLang="en-US" dirty="0"/>
+          </a:p>
+          <a:p>
+            <a:pPr marL="285750" indent="-285750">
+              <a:buFont typeface="Arial" panose="020B0604020202020204" pitchFamily="34" charset="0"/>
+              <a:buChar char="•"/>
+            </a:pPr>
+            <a:endParaRPr lang="zh-CN" altLang="en-US" dirty="0"/>
+          </a:p>
+          <a:p>
+            <a:pPr marL="285750" indent="-285750">
+              <a:buFont typeface="Arial" panose="020B0604020202020204" pitchFamily="34" charset="0"/>
+              <a:buChar char="•"/>
+            </a:pPr>
+            <a:endParaRPr lang="zh-CN" altLang="en-US" dirty="0"/>
+          </a:p>
+          <a:p>
+            <a:pPr marL="285750" indent="-285750">
+              <a:buFont typeface="Arial" panose="020B0604020202020204" pitchFamily="34" charset="0"/>
+              <a:buChar char="•"/>
+            </a:pPr>
+            <a:endParaRPr lang="zh-CN" altLang="en-US" dirty="0"/>
+          </a:p>
+          <a:p>
+            <a:pPr marL="285750" indent="-285750">
+              <a:buFont typeface="Arial" panose="020B0604020202020204" pitchFamily="34" charset="0"/>
+              <a:buChar char="•"/>
+            </a:pPr>
+            <a:endParaRPr lang="zh-CN" altLang="en-US" dirty="0"/>
+          </a:p>
+          <a:p>
+            <a:pPr marL="285750" indent="-285750">
+              <a:buFont typeface="Arial" panose="020B0604020202020204" pitchFamily="34" charset="0"/>
+              <a:buChar char="•"/>
+            </a:pPr>
+            <a:endParaRPr lang="zh-CN" altLang="en-US" dirty="0"/>
+          </a:p>
+        </p:txBody>
+      </p:sp>
+    </p:spTree>
+    <p:custDataLst>
+      <p:tags r:id="rId1"/>
+    </p:custDataLst>
+    <p:extLst>
+      <p:ext uri="{BB962C8B-B14F-4D97-AF65-F5344CB8AC3E}">
+        <p14:creationId xmlns:p14="http://schemas.microsoft.com/office/powerpoint/2010/main" val="1096562286"/>
+      </p:ext>
+    </p:extLst>
+  </p:cSld>
+  <p:clrMapOvr>
+    <a:masterClrMapping/>
+  </p:clrMapOvr>
+  <p:timing>
+    <p:tnLst>
+      <p:par>
+        <p:cTn id="1" dur="indefinite" restart="never" nodeType="tmRoot">
+          <p:childTnLst>
+            <p:seq concurrent="1" nextAc="seek">
+              <p:cTn id="2" dur="indefinite" nodeType="mainSeq">
+                <p:childTnLst>
+                  <p:par>
+                    <p:cTn id="3" fill="hold">
+                      <p:stCondLst>
+                        <p:cond delay="indefinite"/>
+                      </p:stCondLst>
+                      <p:childTnLst>
+                        <p:par>
+                          <p:cTn id="4" fill="hold">
+                            <p:stCondLst>
+                              <p:cond delay="0"/>
+                            </p:stCondLst>
+                            <p:childTnLst>
+                              <p:par>
+                                <p:cTn id="5" presetID="1" presetClass="entr" presetSubtype="0" fill="hold" nodeType="clickEffect">
+                                  <p:stCondLst>
+                                    <p:cond delay="0"/>
+                                  </p:stCondLst>
+                                  <p:childTnLst>
+                                    <p:set>
+                                      <p:cBhvr>
+                                        <p:cTn id="6" dur="1" fill="hold">
+                                          <p:stCondLst>
+                                            <p:cond delay="0"/>
+                                          </p:stCondLst>
+                                        </p:cTn>
+                                        <p:tgtEl>
+                                          <p:spTgt spid="6">
+                                            <p:txEl>
+                                              <p:pRg st="0" end="0"/>
+                                            </p:txEl>
+                                          </p:spTgt>
                                         </p:tgtEl>
                                         <p:attrNameLst>
                                           <p:attrName>style.visibility</p:attrName>
@@ -13705,88 +14766,11 @@
         </p:cTn>
       </p:par>
     </p:tnLst>
-    <p:bldLst>
-      <p:bldP spid="6" grpId="0"/>
-    </p:bldLst>
   </p:timing>
 </p:sld>
 </file>
 
-<file path=ppt/slides/slide22.xml><?xml version="1.0" encoding="utf-8"?>
-<p:sld xmlns:a="http://schemas.openxmlformats.org/drawingml/2006/main" xmlns:r="http://schemas.openxmlformats.org/officeDocument/2006/relationships" xmlns:p="http://schemas.openxmlformats.org/presentationml/2006/main">
-  <p:cSld>
-    <p:spTree>
-      <p:nvGrpSpPr>
-        <p:cNvPr id="1" name=""/>
-        <p:cNvGrpSpPr/>
-        <p:nvPr/>
-      </p:nvGrpSpPr>
-      <p:grpSpPr>
-        <a:xfrm>
-          <a:off x="0" y="0"/>
-          <a:ext cx="0" cy="0"/>
-          <a:chOff x="0" y="0"/>
-          <a:chExt cx="0" cy="0"/>
-        </a:xfrm>
-      </p:grpSpPr>
-      <p:sp>
-        <p:nvSpPr>
-          <p:cNvPr id="2" name="标题 1"/>
-          <p:cNvSpPr>
-            <a:spLocks noGrp="1"/>
-          </p:cNvSpPr>
-          <p:nvPr>
-            <p:ph type="title"/>
-          </p:nvPr>
-        </p:nvSpPr>
-        <p:spPr/>
-        <p:txBody>
-          <a:bodyPr/>
-          <a:lstStyle/>
-          <a:p>
-            <a:r>
-              <a:rPr lang="zh-CN" altLang="en-US" dirty="0">
-                <a:sym typeface="+mn-ea"/>
-              </a:rPr>
-              <a:t>任务</a:t>
-            </a:r>
-            <a:r>
-              <a:rPr dirty="0">
-                <a:sym typeface="+mn-ea"/>
-              </a:rPr>
-              <a:t>：</a:t>
-            </a:r>
-            <a:r>
-              <a:rPr lang="zh-CN" altLang="en-US" dirty="0"/>
-              <a:t>整合</a:t>
-            </a:r>
-            <a:r>
-              <a:rPr lang="zh-CN" altLang="en-US" dirty="0">
-                <a:sym typeface="+mn-ea"/>
-              </a:rPr>
-              <a:t>全连接层的梯度检查</a:t>
-            </a:r>
-            <a:endParaRPr lang="zh-CN" altLang="en-US" dirty="0"/>
-          </a:p>
-        </p:txBody>
-      </p:sp>
-    </p:spTree>
-    <p:custDataLst>
-      <p:tags r:id="rId1"/>
-    </p:custDataLst>
-    <p:extLst>
-      <p:ext uri="{BB962C8B-B14F-4D97-AF65-F5344CB8AC3E}">
-        <p14:creationId xmlns:p14="http://schemas.microsoft.com/office/powerpoint/2010/main" val="3581730394"/>
-      </p:ext>
-    </p:extLst>
-  </p:cSld>
-  <p:clrMapOvr>
-    <a:masterClrMapping/>
-  </p:clrMapOvr>
-</p:sld>
-</file>
-
-<file path=ppt/slides/slide23.xml><?xml version="1.0" encoding="utf-8"?>
+<file path=ppt/slides/slide24.xml><?xml version="1.0" encoding="utf-8"?>
 <p:sld xmlns:a="http://schemas.openxmlformats.org/drawingml/2006/main" xmlns:r="http://schemas.openxmlformats.org/officeDocument/2006/relationships" xmlns:p="http://schemas.openxmlformats.org/presentationml/2006/main">
   <p:cSld>
     <p:spTree>
@@ -14136,7 +15120,7 @@
             </a:pPr>
             <a:r>
               <a:rPr lang="zh-CN" altLang="en-US" dirty="0"/>
-              <a:t>请整合输出层和隐藏层的梯度检查</a:t>
+              <a:t>请重构代码，消除重复代码</a:t>
             </a:r>
             <a:endParaRPr lang="en-US" altLang="zh-CN" dirty="0"/>
           </a:p>
@@ -14235,7 +15219,7 @@
     </p:custDataLst>
     <p:extLst>
       <p:ext uri="{BB962C8B-B14F-4D97-AF65-F5344CB8AC3E}">
-        <p14:creationId xmlns:p14="http://schemas.microsoft.com/office/powerpoint/2010/main" val="1096562286"/>
+        <p14:creationId xmlns:p14="http://schemas.microsoft.com/office/powerpoint/2010/main" val="551937608"/>
       </p:ext>
     </p:extLst>
   </p:cSld>
@@ -14263,7 +15247,7 @@
                             </p:stCondLst>
                             <p:childTnLst>
                               <p:par>
-                                <p:cTn id="5" presetID="1" presetClass="entr" presetSubtype="0" fill="hold" grpId="0" nodeType="clickEffect">
+                                <p:cTn id="5" presetID="1" presetClass="entr" presetSubtype="0" fill="hold" nodeType="clickEffect">
                                   <p:stCondLst>
                                     <p:cond delay="0"/>
                                   </p:stCondLst>
@@ -14276,7 +15260,11 @@
                                           </p:stCondLst>
                                         </p:cTn>
                                         <p:tgtEl>
-                                          <p:spTgt spid="6"/>
+                                          <p:spTgt spid="6">
+                                            <p:txEl>
+                                              <p:pRg st="0" end="0"/>
+                                            </p:txEl>
+                                          </p:spTgt>
                                         </p:tgtEl>
                                         <p:attrNameLst>
                                           <p:attrName>style.visibility</p:attrName>
@@ -14365,595 +15353,6 @@
         </p:cTn>
       </p:par>
     </p:tnLst>
-    <p:bldLst>
-      <p:bldP spid="6" grpId="0"/>
-    </p:bldLst>
-  </p:timing>
-</p:sld>
-</file>
-
-<file path=ppt/slides/slide24.xml><?xml version="1.0" encoding="utf-8"?>
-<p:sld xmlns:a="http://schemas.openxmlformats.org/drawingml/2006/main" xmlns:r="http://schemas.openxmlformats.org/officeDocument/2006/relationships" xmlns:p="http://schemas.openxmlformats.org/presentationml/2006/main">
-  <p:cSld>
-    <p:spTree>
-      <p:nvGrpSpPr>
-        <p:cNvPr id="1" name=""/>
-        <p:cNvGrpSpPr/>
-        <p:nvPr/>
-      </p:nvGrpSpPr>
-      <p:grpSpPr>
-        <a:xfrm>
-          <a:off x="0" y="0"/>
-          <a:ext cx="0" cy="0"/>
-          <a:chOff x="0" y="0"/>
-          <a:chExt cx="0" cy="0"/>
-        </a:xfrm>
-      </p:grpSpPr>
-      <p:sp>
-        <p:nvSpPr>
-          <p:cNvPr id="2" name="文本占位符 1"/>
-          <p:cNvSpPr>
-            <a:spLocks noGrp="1"/>
-          </p:cNvSpPr>
-          <p:nvPr>
-            <p:ph type="body" idx="1"/>
-          </p:nvPr>
-        </p:nvSpPr>
-        <p:spPr/>
-        <p:txBody>
-          <a:bodyPr/>
-          <a:lstStyle/>
-          <a:p>
-            <a:pPr marL="285750" indent="-285750">
-              <a:buFont typeface="Arial" panose="020B0604020202020204" pitchFamily="34" charset="0"/>
-              <a:buChar char="•"/>
-            </a:pPr>
-            <a:endParaRPr lang="en-US" altLang="zh-CN" dirty="0"/>
-          </a:p>
-          <a:p>
-            <a:pPr marL="285750" indent="-285750">
-              <a:buFont typeface="Arial" panose="020B0604020202020204" pitchFamily="34" charset="0"/>
-              <a:buChar char="•"/>
-            </a:pPr>
-            <a:endParaRPr lang="en-US" altLang="zh-CN" dirty="0"/>
-          </a:p>
-          <a:p>
-            <a:pPr marL="285750" indent="-285750">
-              <a:buFont typeface="Arial" panose="020B0604020202020204" pitchFamily="34" charset="0"/>
-              <a:buChar char="•"/>
-            </a:pPr>
-            <a:endParaRPr lang="en-US" altLang="zh-CN" dirty="0"/>
-          </a:p>
-          <a:p>
-            <a:pPr marL="285750" indent="-285750">
-              <a:buFont typeface="Arial" panose="020B0604020202020204" pitchFamily="34" charset="0"/>
-              <a:buChar char="•"/>
-            </a:pPr>
-            <a:endParaRPr lang="en-US" altLang="zh-CN" dirty="0"/>
-          </a:p>
-          <a:p>
-            <a:pPr marL="285750" indent="-285750">
-              <a:buFont typeface="Arial" panose="020B0604020202020204" pitchFamily="34" charset="0"/>
-              <a:buChar char="•"/>
-            </a:pPr>
-            <a:endParaRPr lang="en-US" altLang="zh-CN" dirty="0"/>
-          </a:p>
-          <a:p>
-            <a:pPr marL="285750" indent="-285750">
-              <a:buFont typeface="Arial" panose="020B0604020202020204" pitchFamily="34" charset="0"/>
-              <a:buChar char="•"/>
-            </a:pPr>
-            <a:endParaRPr lang="en-US" altLang="zh-CN" dirty="0"/>
-          </a:p>
-          <a:p>
-            <a:endParaRPr lang="en-US" altLang="zh-CN" dirty="0"/>
-          </a:p>
-        </p:txBody>
-      </p:sp>
-      <p:sp>
-        <p:nvSpPr>
-          <p:cNvPr id="3" name="标题 2"/>
-          <p:cNvSpPr>
-            <a:spLocks noGrp="1"/>
-          </p:cNvSpPr>
-          <p:nvPr>
-            <p:ph type="title"/>
-          </p:nvPr>
-        </p:nvSpPr>
-        <p:spPr/>
-        <p:txBody>
-          <a:bodyPr/>
-          <a:lstStyle/>
-          <a:p>
-            <a:r>
-              <a:rPr lang="zh-CN" altLang="en-US" dirty="0">
-                <a:sym typeface="+mn-ea"/>
-              </a:rPr>
-              <a:t>任务：</a:t>
-            </a:r>
-            <a:r>
-              <a:rPr lang="zh-CN" altLang="en-US" dirty="0"/>
-              <a:t>整合</a:t>
-            </a:r>
-            <a:r>
-              <a:rPr lang="zh-CN" altLang="en-US" dirty="0">
-                <a:sym typeface="+mn-ea"/>
-              </a:rPr>
-              <a:t>全连接层的梯度检查</a:t>
-            </a:r>
-            <a:endParaRPr dirty="0">
-              <a:sym typeface="+mn-ea"/>
-            </a:endParaRPr>
-          </a:p>
-        </p:txBody>
-      </p:sp>
-      <p:sp>
-        <p:nvSpPr>
-          <p:cNvPr id="6" name="文本占位符 1">
-            <a:extLst>
-              <a:ext uri="{FF2B5EF4-FFF2-40B4-BE49-F238E27FC236}">
-                <a16:creationId xmlns:a16="http://schemas.microsoft.com/office/drawing/2014/main" id="{BA88068A-4FDC-6963-46A5-ADEC46CDA15E}"/>
-              </a:ext>
-            </a:extLst>
-          </p:cNvPr>
-          <p:cNvSpPr txBox="1">
-            <a:spLocks/>
-          </p:cNvSpPr>
-          <p:nvPr/>
-        </p:nvSpPr>
-        <p:spPr>
-          <a:xfrm>
-            <a:off x="822325" y="1778635"/>
-            <a:ext cx="10852150" cy="4553585"/>
-          </a:xfrm>
-        </p:spPr>
-        <p:txBody>
-          <a:bodyPr lIns="101600" tIns="38100" rIns="76200" bIns="38100">
-            <a:noAutofit/>
-          </a:bodyPr>
-          <a:lstStyle>
-            <a:lvl1pPr marL="0" indent="0" algn="l" defTabSz="914400" rtl="0" eaLnBrk="1" fontAlgn="auto" latinLnBrk="0" hangingPunct="1">
-              <a:lnSpc>
-                <a:spcPct val="130000"/>
-              </a:lnSpc>
-              <a:spcBef>
-                <a:spcPts val="0"/>
-              </a:spcBef>
-              <a:spcAft>
-                <a:spcPts val="1000"/>
-              </a:spcAft>
-              <a:buFont typeface="Arial" panose="020B0604020202020204" pitchFamily="34" charset="0"/>
-              <a:buNone/>
-              <a:defRPr kumimoji="0" lang="zh-CN" altLang="en-US" sz="1600" b="0" i="0" u="none" strike="noStrike" kern="1200" cap="none" spc="150" normalizeH="0" baseline="0" noProof="1">
-                <a:solidFill>
-                  <a:schemeClr val="tx1"/>
-                </a:solidFill>
-                <a:uFillTx/>
-                <a:latin typeface="+mn-lt"/>
-                <a:ea typeface="+mn-ea"/>
-                <a:cs typeface="+mn-cs"/>
-                <a:sym typeface="+mn-ea"/>
-              </a:defRPr>
-            </a:lvl1pPr>
-            <a:lvl2pPr marL="457200" indent="0" algn="l" defTabSz="914400" rtl="0" eaLnBrk="1" fontAlgn="auto" latinLnBrk="0" hangingPunct="1">
-              <a:lnSpc>
-                <a:spcPct val="130000"/>
-              </a:lnSpc>
-              <a:spcBef>
-                <a:spcPts val="0"/>
-              </a:spcBef>
-              <a:spcAft>
-                <a:spcPts val="1000"/>
-              </a:spcAft>
-              <a:buFont typeface="Arial" panose="020B0604020202020204" pitchFamily="34" charset="0"/>
-              <a:buNone/>
-              <a:tabLst>
-                <a:tab pos="1609725" algn="l"/>
-              </a:tabLst>
-              <a:defRPr sz="2000" u="none" strike="noStrike" kern="1200" cap="none" spc="150" normalizeH="0" baseline="0">
-                <a:solidFill>
-                  <a:schemeClr val="tx1">
-                    <a:tint val="75000"/>
-                  </a:schemeClr>
-                </a:solidFill>
-                <a:uFillTx/>
-                <a:latin typeface="+mn-lt"/>
-                <a:ea typeface="+mn-ea"/>
-                <a:cs typeface="+mn-cs"/>
-              </a:defRPr>
-            </a:lvl2pPr>
-            <a:lvl3pPr marL="914400" indent="0" algn="l" defTabSz="914400" rtl="0" eaLnBrk="1" fontAlgn="auto" latinLnBrk="0" hangingPunct="1">
-              <a:lnSpc>
-                <a:spcPct val="130000"/>
-              </a:lnSpc>
-              <a:spcBef>
-                <a:spcPts val="0"/>
-              </a:spcBef>
-              <a:spcAft>
-                <a:spcPts val="1000"/>
-              </a:spcAft>
-              <a:buFont typeface="Arial" panose="020B0604020202020204" pitchFamily="34" charset="0"/>
-              <a:buNone/>
-              <a:defRPr sz="1800" u="none" strike="noStrike" kern="1200" cap="none" spc="150" normalizeH="0" baseline="0">
-                <a:solidFill>
-                  <a:schemeClr val="tx1">
-                    <a:tint val="75000"/>
-                  </a:schemeClr>
-                </a:solidFill>
-                <a:uFillTx/>
-                <a:latin typeface="+mn-lt"/>
-                <a:ea typeface="+mn-ea"/>
-                <a:cs typeface="+mn-cs"/>
-              </a:defRPr>
-            </a:lvl3pPr>
-            <a:lvl4pPr marL="1371600" indent="0" algn="l" defTabSz="914400" rtl="0" eaLnBrk="1" fontAlgn="auto" latinLnBrk="0" hangingPunct="1">
-              <a:lnSpc>
-                <a:spcPct val="130000"/>
-              </a:lnSpc>
-              <a:spcBef>
-                <a:spcPts val="0"/>
-              </a:spcBef>
-              <a:spcAft>
-                <a:spcPts val="1000"/>
-              </a:spcAft>
-              <a:buFont typeface="Arial" panose="020B0604020202020204" pitchFamily="34" charset="0"/>
-              <a:buNone/>
-              <a:defRPr sz="1600" u="none" strike="noStrike" kern="1200" cap="none" spc="150" normalizeH="0" baseline="0">
-                <a:solidFill>
-                  <a:schemeClr val="tx1">
-                    <a:tint val="75000"/>
-                  </a:schemeClr>
-                </a:solidFill>
-                <a:uFillTx/>
-                <a:latin typeface="+mn-lt"/>
-                <a:ea typeface="+mn-ea"/>
-                <a:cs typeface="+mn-cs"/>
-              </a:defRPr>
-            </a:lvl4pPr>
-            <a:lvl5pPr marL="1828800" indent="0" algn="l" defTabSz="914400" rtl="0" eaLnBrk="1" fontAlgn="auto" latinLnBrk="0" hangingPunct="1">
-              <a:lnSpc>
-                <a:spcPct val="130000"/>
-              </a:lnSpc>
-              <a:spcBef>
-                <a:spcPts val="0"/>
-              </a:spcBef>
-              <a:spcAft>
-                <a:spcPts val="1000"/>
-              </a:spcAft>
-              <a:buFont typeface="Arial" panose="020B0604020202020204" pitchFamily="34" charset="0"/>
-              <a:buNone/>
-              <a:defRPr sz="1600" u="none" strike="noStrike" kern="1200" cap="none" spc="150" normalizeH="0" baseline="0">
-                <a:solidFill>
-                  <a:schemeClr val="tx1">
-                    <a:tint val="75000"/>
-                  </a:schemeClr>
-                </a:solidFill>
-                <a:uFillTx/>
-                <a:latin typeface="+mn-lt"/>
-                <a:ea typeface="+mn-ea"/>
-                <a:cs typeface="+mn-cs"/>
-              </a:defRPr>
-            </a:lvl5pPr>
-            <a:lvl6pPr marL="2286000" indent="0" algn="l" defTabSz="914400" rtl="0" eaLnBrk="1" latinLnBrk="0" hangingPunct="1">
-              <a:lnSpc>
-                <a:spcPct val="90000"/>
-              </a:lnSpc>
-              <a:spcBef>
-                <a:spcPts val="500"/>
-              </a:spcBef>
-              <a:buFont typeface="Arial" panose="020B0604020202020204" pitchFamily="34" charset="0"/>
-              <a:buNone/>
-              <a:defRPr sz="1600" kern="1200">
-                <a:solidFill>
-                  <a:schemeClr val="tx1">
-                    <a:tint val="75000"/>
-                  </a:schemeClr>
-                </a:solidFill>
-                <a:latin typeface="+mn-lt"/>
-                <a:ea typeface="+mn-ea"/>
-                <a:cs typeface="+mn-cs"/>
-              </a:defRPr>
-            </a:lvl6pPr>
-            <a:lvl7pPr marL="2743200" indent="0" algn="l" defTabSz="914400" rtl="0" eaLnBrk="1" latinLnBrk="0" hangingPunct="1">
-              <a:lnSpc>
-                <a:spcPct val="90000"/>
-              </a:lnSpc>
-              <a:spcBef>
-                <a:spcPts val="500"/>
-              </a:spcBef>
-              <a:buFont typeface="Arial" panose="020B0604020202020204" pitchFamily="34" charset="0"/>
-              <a:buNone/>
-              <a:defRPr sz="1600" kern="1200">
-                <a:solidFill>
-                  <a:schemeClr val="tx1">
-                    <a:tint val="75000"/>
-                  </a:schemeClr>
-                </a:solidFill>
-                <a:latin typeface="+mn-lt"/>
-                <a:ea typeface="+mn-ea"/>
-                <a:cs typeface="+mn-cs"/>
-              </a:defRPr>
-            </a:lvl7pPr>
-            <a:lvl8pPr marL="3200400" indent="0" algn="l" defTabSz="914400" rtl="0" eaLnBrk="1" latinLnBrk="0" hangingPunct="1">
-              <a:lnSpc>
-                <a:spcPct val="90000"/>
-              </a:lnSpc>
-              <a:spcBef>
-                <a:spcPts val="500"/>
-              </a:spcBef>
-              <a:buFont typeface="Arial" panose="020B0604020202020204" pitchFamily="34" charset="0"/>
-              <a:buNone/>
-              <a:defRPr sz="1600" kern="1200">
-                <a:solidFill>
-                  <a:schemeClr val="tx1">
-                    <a:tint val="75000"/>
-                  </a:schemeClr>
-                </a:solidFill>
-                <a:latin typeface="+mn-lt"/>
-                <a:ea typeface="+mn-ea"/>
-                <a:cs typeface="+mn-cs"/>
-              </a:defRPr>
-            </a:lvl8pPr>
-            <a:lvl9pPr marL="3657600" indent="0" algn="l" defTabSz="914400" rtl="0" eaLnBrk="1" latinLnBrk="0" hangingPunct="1">
-              <a:lnSpc>
-                <a:spcPct val="90000"/>
-              </a:lnSpc>
-              <a:spcBef>
-                <a:spcPts val="500"/>
-              </a:spcBef>
-              <a:buFont typeface="Arial" panose="020B0604020202020204" pitchFamily="34" charset="0"/>
-              <a:buNone/>
-              <a:defRPr sz="1600" kern="1200">
-                <a:solidFill>
-                  <a:schemeClr val="tx1">
-                    <a:tint val="75000"/>
-                  </a:schemeClr>
-                </a:solidFill>
-                <a:latin typeface="+mn-lt"/>
-                <a:ea typeface="+mn-ea"/>
-                <a:cs typeface="+mn-cs"/>
-              </a:defRPr>
-            </a:lvl9pPr>
-          </a:lstStyle>
-          <a:p>
-            <a:pPr marL="285750" indent="-285750">
-              <a:buFont typeface="Arial" panose="020B0604020202020204" pitchFamily="34" charset="0"/>
-              <a:buChar char="•"/>
-            </a:pPr>
-            <a:r>
-              <a:rPr lang="zh-CN" altLang="en-US" dirty="0"/>
-              <a:t>请重构代码，消除重复代码</a:t>
-            </a:r>
-            <a:endParaRPr lang="en-US" altLang="zh-CN" dirty="0"/>
-          </a:p>
-          <a:p>
-            <a:pPr marL="285750" indent="-285750">
-              <a:buFont typeface="Arial" panose="020B0604020202020204" pitchFamily="34" charset="0"/>
-              <a:buChar char="•"/>
-            </a:pPr>
-            <a:r>
-              <a:rPr lang="zh-CN" altLang="en-US" dirty="0"/>
-              <a:t>请每个同学都运行代码，看下是否通过了检查</a:t>
-            </a:r>
-            <a:endParaRPr lang="en-US" altLang="zh-CN" dirty="0"/>
-          </a:p>
-          <a:p>
-            <a:endParaRPr lang="en-US" altLang="zh-CN" dirty="0"/>
-          </a:p>
-          <a:p>
-            <a:pPr marL="285750" indent="-285750">
-              <a:buFont typeface="Arial" panose="020B0604020202020204" pitchFamily="34" charset="0"/>
-              <a:buChar char="•"/>
-            </a:pPr>
-            <a:r>
-              <a:rPr lang="zh-CN" altLang="en-US" dirty="0"/>
-              <a:t>自学、展学</a:t>
-            </a:r>
-          </a:p>
-          <a:p>
-            <a:pPr marL="285750" indent="-285750">
-              <a:buFont typeface="Arial" panose="020B0604020202020204" pitchFamily="34" charset="0"/>
-              <a:buChar char="•"/>
-            </a:pPr>
-            <a:endParaRPr lang="zh-CN" altLang="en-US" dirty="0"/>
-          </a:p>
-          <a:p>
-            <a:pPr marL="285750" indent="-285750">
-              <a:buFont typeface="Arial" panose="020B0604020202020204" pitchFamily="34" charset="0"/>
-              <a:buChar char="•"/>
-            </a:pPr>
-            <a:endParaRPr lang="en-US" altLang="zh-CN" dirty="0"/>
-          </a:p>
-          <a:p>
-            <a:pPr marL="285750" indent="-285750">
-              <a:buFont typeface="Arial" panose="020B0604020202020204" pitchFamily="34" charset="0"/>
-              <a:buChar char="•"/>
-            </a:pPr>
-            <a:endParaRPr lang="zh-CN" altLang="en-US" dirty="0"/>
-          </a:p>
-          <a:p>
-            <a:pPr marL="285750" indent="-285750">
-              <a:buFont typeface="Arial" panose="020B0604020202020204" pitchFamily="34" charset="0"/>
-              <a:buChar char="•"/>
-            </a:pPr>
-            <a:endParaRPr lang="zh-CN" altLang="en-US" dirty="0"/>
-          </a:p>
-          <a:p>
-            <a:pPr marL="285750" indent="-285750">
-              <a:buFont typeface="Arial" panose="020B0604020202020204" pitchFamily="34" charset="0"/>
-              <a:buChar char="•"/>
-            </a:pPr>
-            <a:endParaRPr lang="zh-CN" altLang="en-US" dirty="0"/>
-          </a:p>
-          <a:p>
-            <a:pPr marL="285750" indent="-285750">
-              <a:buFont typeface="Arial" panose="020B0604020202020204" pitchFamily="34" charset="0"/>
-              <a:buChar char="•"/>
-            </a:pPr>
-            <a:endParaRPr lang="zh-CN" altLang="en-US" dirty="0"/>
-          </a:p>
-          <a:p>
-            <a:pPr marL="285750" indent="-285750">
-              <a:buFont typeface="Arial" panose="020B0604020202020204" pitchFamily="34" charset="0"/>
-              <a:buChar char="•"/>
-            </a:pPr>
-            <a:endParaRPr lang="zh-CN" altLang="en-US" dirty="0"/>
-          </a:p>
-          <a:p>
-            <a:pPr marL="285750" indent="-285750">
-              <a:buFont typeface="Arial" panose="020B0604020202020204" pitchFamily="34" charset="0"/>
-              <a:buChar char="•"/>
-            </a:pPr>
-            <a:endParaRPr lang="zh-CN" altLang="en-US" dirty="0"/>
-          </a:p>
-          <a:p>
-            <a:pPr marL="285750" indent="-285750">
-              <a:buFont typeface="Arial" panose="020B0604020202020204" pitchFamily="34" charset="0"/>
-              <a:buChar char="•"/>
-            </a:pPr>
-            <a:endParaRPr lang="zh-CN" altLang="en-US" dirty="0"/>
-          </a:p>
-        </p:txBody>
-      </p:sp>
-    </p:spTree>
-    <p:custDataLst>
-      <p:tags r:id="rId1"/>
-    </p:custDataLst>
-    <p:extLst>
-      <p:ext uri="{BB962C8B-B14F-4D97-AF65-F5344CB8AC3E}">
-        <p14:creationId xmlns:p14="http://schemas.microsoft.com/office/powerpoint/2010/main" val="551937608"/>
-      </p:ext>
-    </p:extLst>
-  </p:cSld>
-  <p:clrMapOvr>
-    <a:masterClrMapping/>
-  </p:clrMapOvr>
-  <p:timing>
-    <p:tnLst>
-      <p:par>
-        <p:cTn id="1" dur="indefinite" restart="never" nodeType="tmRoot">
-          <p:childTnLst>
-            <p:seq concurrent="1" nextAc="seek">
-              <p:cTn id="2" dur="indefinite" nodeType="mainSeq">
-                <p:childTnLst>
-                  <p:par>
-                    <p:cTn id="3" fill="hold">
-                      <p:stCondLst>
-                        <p:cond delay="indefinite"/>
-                      </p:stCondLst>
-                      <p:childTnLst>
-                        <p:par>
-                          <p:cTn id="4" fill="hold">
-                            <p:stCondLst>
-                              <p:cond delay="0"/>
-                            </p:stCondLst>
-                            <p:childTnLst>
-                              <p:par>
-                                <p:cTn id="5" presetID="1" presetClass="entr" presetSubtype="0" fill="hold" grpId="0" nodeType="clickEffect">
-                                  <p:stCondLst>
-                                    <p:cond delay="0"/>
-                                  </p:stCondLst>
-                                  <p:childTnLst>
-                                    <p:set>
-                                      <p:cBhvr>
-                                        <p:cTn id="6" dur="1" fill="hold">
-                                          <p:stCondLst>
-                                            <p:cond delay="0"/>
-                                          </p:stCondLst>
-                                        </p:cTn>
-                                        <p:tgtEl>
-                                          <p:spTgt spid="6"/>
-                                        </p:tgtEl>
-                                        <p:attrNameLst>
-                                          <p:attrName>style.visibility</p:attrName>
-                                        </p:attrNameLst>
-                                      </p:cBhvr>
-                                      <p:to>
-                                        <p:strVal val="visible"/>
-                                      </p:to>
-                                    </p:set>
-                                  </p:childTnLst>
-                                </p:cTn>
-                              </p:par>
-                            </p:childTnLst>
-                          </p:cTn>
-                        </p:par>
-                      </p:childTnLst>
-                    </p:cTn>
-                  </p:par>
-                  <p:par>
-                    <p:cTn id="7" fill="hold">
-                      <p:stCondLst>
-                        <p:cond delay="indefinite"/>
-                      </p:stCondLst>
-                      <p:childTnLst>
-                        <p:par>
-                          <p:cTn id="8" fill="hold">
-                            <p:stCondLst>
-                              <p:cond delay="0"/>
-                            </p:stCondLst>
-                            <p:childTnLst>
-                              <p:par>
-                                <p:cTn id="9" presetID="1" presetClass="entr" presetSubtype="0" fill="hold" nodeType="clickEffect">
-                                  <p:stCondLst>
-                                    <p:cond delay="0"/>
-                                  </p:stCondLst>
-                                  <p:childTnLst>
-                                    <p:set>
-                                      <p:cBhvr>
-                                        <p:cTn id="10" dur="1" fill="hold">
-                                          <p:stCondLst>
-                                            <p:cond delay="0"/>
-                                          </p:stCondLst>
-                                        </p:cTn>
-                                        <p:tgtEl>
-                                          <p:spTgt spid="6">
-                                            <p:txEl>
-                                              <p:pRg st="1" end="1"/>
-                                            </p:txEl>
-                                          </p:spTgt>
-                                        </p:tgtEl>
-                                        <p:attrNameLst>
-                                          <p:attrName>style.visibility</p:attrName>
-                                        </p:attrNameLst>
-                                      </p:cBhvr>
-                                      <p:to>
-                                        <p:strVal val="visible"/>
-                                      </p:to>
-                                    </p:set>
-                                  </p:childTnLst>
-                                </p:cTn>
-                              </p:par>
-                            </p:childTnLst>
-                          </p:cTn>
-                        </p:par>
-                      </p:childTnLst>
-                    </p:cTn>
-                  </p:par>
-                </p:childTnLst>
-              </p:cTn>
-              <p:prevCondLst>
-                <p:cond evt="onPrev" delay="0">
-                  <p:tgtEl>
-                    <p:sldTgt/>
-                  </p:tgtEl>
-                </p:cond>
-              </p:prevCondLst>
-              <p:nextCondLst>
-                <p:cond evt="onNext" delay="0">
-                  <p:tgtEl>
-                    <p:sldTgt/>
-                  </p:tgtEl>
-                </p:cond>
-              </p:nextCondLst>
-            </p:seq>
-          </p:childTnLst>
-        </p:cTn>
-      </p:par>
-    </p:tnLst>
-    <p:bldLst>
-      <p:bldP spid="6" grpId="0"/>
-    </p:bldLst>
   </p:timing>
 </p:sld>
 </file>

--- a/lessons/4_gradient_check/ppt/全连接层的梯度检查.pptx
+++ b/lessons/4_gradient_check/ppt/全连接层的梯度检查.pptx
@@ -5,10 +5,10 @@
     <p:sldMasterId id="2147483648" r:id="rId1"/>
   </p:sldMasterIdLst>
   <p:notesMasterIdLst>
-    <p:notesMasterId r:id="rId33"/>
+    <p:notesMasterId r:id="rId32"/>
   </p:notesMasterIdLst>
   <p:handoutMasterIdLst>
-    <p:handoutMasterId r:id="rId34"/>
+    <p:handoutMasterId r:id="rId33"/>
   </p:handoutMasterIdLst>
   <p:sldIdLst>
     <p:sldId id="307" r:id="rId2"/>
@@ -34,19 +34,18 @@
     <p:sldId id="1063" r:id="rId22"/>
     <p:sldId id="1053" r:id="rId23"/>
     <p:sldId id="1064" r:id="rId24"/>
-    <p:sldId id="1065" r:id="rId25"/>
-    <p:sldId id="537" r:id="rId26"/>
-    <p:sldId id="536" r:id="rId27"/>
-    <p:sldId id="1014" r:id="rId28"/>
-    <p:sldId id="1013" r:id="rId29"/>
-    <p:sldId id="997" r:id="rId30"/>
-    <p:sldId id="998" r:id="rId31"/>
-    <p:sldId id="653" r:id="rId32"/>
+    <p:sldId id="537" r:id="rId25"/>
+    <p:sldId id="536" r:id="rId26"/>
+    <p:sldId id="1014" r:id="rId27"/>
+    <p:sldId id="1013" r:id="rId28"/>
+    <p:sldId id="997" r:id="rId29"/>
+    <p:sldId id="998" r:id="rId30"/>
+    <p:sldId id="653" r:id="rId31"/>
   </p:sldIdLst>
   <p:sldSz cx="12192000" cy="6858000"/>
   <p:notesSz cx="6858000" cy="9144000"/>
   <p:custDataLst>
-    <p:tags r:id="rId35"/>
+    <p:tags r:id="rId34"/>
   </p:custDataLst>
   <p:defaultTextStyle>
     <a:defPPr>
@@ -13701,44 +13700,6 @@
             <a:endParaRPr lang="en-US" altLang="zh-CN" dirty="0"/>
           </a:p>
           <a:p>
-            <a:pPr marL="742950" lvl="1" indent="-285750">
-              <a:buFont typeface="Arial" panose="020B0604020202020204" pitchFamily="34" charset="0"/>
-              <a:buChar char="•"/>
-            </a:pPr>
-            <a:r>
-              <a:rPr lang="zh-CN" altLang="en-US" dirty="0"/>
-              <a:t>实现前面</a:t>
-            </a:r>
-            <a:r>
-              <a:rPr lang="en-US" altLang="zh-CN" dirty="0"/>
-              <a:t>4</a:t>
-            </a:r>
-            <a:r>
-              <a:rPr lang="zh-CN" altLang="en-US" dirty="0"/>
-              <a:t>个步骤</a:t>
-            </a:r>
-            <a:endParaRPr lang="en-US" altLang="zh-CN" dirty="0"/>
-          </a:p>
-          <a:p>
-            <a:pPr marL="742950" lvl="1" indent="-285750">
-              <a:buFont typeface="Arial" panose="020B0604020202020204" pitchFamily="34" charset="0"/>
-              <a:buChar char="•"/>
-            </a:pPr>
-            <a:r>
-              <a:rPr lang="zh-CN" altLang="en-US" dirty="0"/>
-              <a:t>实现第</a:t>
-            </a:r>
-            <a:r>
-              <a:rPr lang="en-US" altLang="zh-CN" dirty="0"/>
-              <a:t>5</a:t>
-            </a:r>
-            <a:r>
-              <a:rPr lang="zh-CN" altLang="en-US"/>
-              <a:t>个步骤</a:t>
-            </a:r>
-            <a:endParaRPr lang="en-US" altLang="zh-CN" dirty="0"/>
-          </a:p>
-          <a:p>
             <a:pPr marL="285750" indent="-285750">
               <a:buFont typeface="Arial" panose="020B0604020202020204" pitchFamily="34" charset="0"/>
               <a:buChar char="•"/>
@@ -13966,104 +13927,6 @@
                                           <p:spTgt spid="6">
                                             <p:txEl>
                                               <p:pRg st="1" end="1"/>
-                                            </p:txEl>
-                                          </p:spTgt>
-                                        </p:tgtEl>
-                                        <p:attrNameLst>
-                                          <p:attrName>style.visibility</p:attrName>
-                                        </p:attrNameLst>
-                                      </p:cBhvr>
-                                      <p:to>
-                                        <p:strVal val="visible"/>
-                                      </p:to>
-                                    </p:set>
-                                  </p:childTnLst>
-                                </p:cTn>
-                              </p:par>
-                            </p:childTnLst>
-                          </p:cTn>
-                        </p:par>
-                      </p:childTnLst>
-                    </p:cTn>
-                  </p:par>
-                  <p:par>
-                    <p:cTn id="11" fill="hold">
-                      <p:stCondLst>
-                        <p:cond delay="indefinite"/>
-                      </p:stCondLst>
-                      <p:childTnLst>
-                        <p:par>
-                          <p:cTn id="12" fill="hold">
-                            <p:stCondLst>
-                              <p:cond delay="0"/>
-                            </p:stCondLst>
-                            <p:childTnLst>
-                              <p:par>
-                                <p:cTn id="13" presetID="1" presetClass="entr" presetSubtype="0" fill="hold" nodeType="clickEffect">
-                                  <p:stCondLst>
-                                    <p:cond delay="0"/>
-                                  </p:stCondLst>
-                                  <p:childTnLst>
-                                    <p:set>
-                                      <p:cBhvr>
-                                        <p:cTn id="14" dur="1" fill="hold">
-                                          <p:stCondLst>
-                                            <p:cond delay="0"/>
-                                          </p:stCondLst>
-                                        </p:cTn>
-                                        <p:tgtEl>
-                                          <p:spTgt spid="6">
-                                            <p:txEl>
-                                              <p:pRg st="2" end="2"/>
-                                            </p:txEl>
-                                          </p:spTgt>
-                                        </p:tgtEl>
-                                        <p:attrNameLst>
-                                          <p:attrName>style.visibility</p:attrName>
-                                        </p:attrNameLst>
-                                      </p:cBhvr>
-                                      <p:to>
-                                        <p:strVal val="visible"/>
-                                      </p:to>
-                                    </p:set>
-                                  </p:childTnLst>
-                                </p:cTn>
-                              </p:par>
-                            </p:childTnLst>
-                          </p:cTn>
-                        </p:par>
-                      </p:childTnLst>
-                    </p:cTn>
-                  </p:par>
-                  <p:par>
-                    <p:cTn id="15" fill="hold">
-                      <p:stCondLst>
-                        <p:cond delay="indefinite"/>
-                      </p:stCondLst>
-                      <p:childTnLst>
-                        <p:par>
-                          <p:cTn id="16" fill="hold">
-                            <p:stCondLst>
-                              <p:cond delay="0"/>
-                            </p:stCondLst>
-                            <p:childTnLst>
-                              <p:par>
-                                <p:cTn id="17" presetID="1" presetClass="entr" presetSubtype="0" fill="hold" nodeType="clickEffect">
-                                  <p:stCondLst>
-                                    <p:cond delay="0"/>
-                                  </p:stCondLst>
-                                  <p:childTnLst>
-                                    <p:set>
-                                      <p:cBhvr>
-                                        <p:cTn id="18" dur="1" fill="hold">
-                                          <p:stCondLst>
-                                            <p:cond delay="0"/>
-                                          </p:stCondLst>
-                                        </p:cTn>
-                                        <p:tgtEl>
-                                          <p:spTgt spid="6">
-                                            <p:txEl>
-                                              <p:pRg st="3" end="3"/>
                                             </p:txEl>
                                           </p:spTgt>
                                         </p:tgtEl>
@@ -14789,593 +14652,6 @@
       </p:grpSpPr>
       <p:sp>
         <p:nvSpPr>
-          <p:cNvPr id="2" name="文本占位符 1"/>
-          <p:cNvSpPr>
-            <a:spLocks noGrp="1"/>
-          </p:cNvSpPr>
-          <p:nvPr>
-            <p:ph type="body" idx="1"/>
-          </p:nvPr>
-        </p:nvSpPr>
-        <p:spPr/>
-        <p:txBody>
-          <a:bodyPr/>
-          <a:lstStyle/>
-          <a:p>
-            <a:pPr marL="285750" indent="-285750">
-              <a:buFont typeface="Arial" panose="020B0604020202020204" pitchFamily="34" charset="0"/>
-              <a:buChar char="•"/>
-            </a:pPr>
-            <a:endParaRPr lang="en-US" altLang="zh-CN" dirty="0"/>
-          </a:p>
-          <a:p>
-            <a:pPr marL="285750" indent="-285750">
-              <a:buFont typeface="Arial" panose="020B0604020202020204" pitchFamily="34" charset="0"/>
-              <a:buChar char="•"/>
-            </a:pPr>
-            <a:endParaRPr lang="en-US" altLang="zh-CN" dirty="0"/>
-          </a:p>
-          <a:p>
-            <a:pPr marL="285750" indent="-285750">
-              <a:buFont typeface="Arial" panose="020B0604020202020204" pitchFamily="34" charset="0"/>
-              <a:buChar char="•"/>
-            </a:pPr>
-            <a:endParaRPr lang="en-US" altLang="zh-CN" dirty="0"/>
-          </a:p>
-          <a:p>
-            <a:pPr marL="285750" indent="-285750">
-              <a:buFont typeface="Arial" panose="020B0604020202020204" pitchFamily="34" charset="0"/>
-              <a:buChar char="•"/>
-            </a:pPr>
-            <a:endParaRPr lang="en-US" altLang="zh-CN" dirty="0"/>
-          </a:p>
-          <a:p>
-            <a:pPr marL="285750" indent="-285750">
-              <a:buFont typeface="Arial" panose="020B0604020202020204" pitchFamily="34" charset="0"/>
-              <a:buChar char="•"/>
-            </a:pPr>
-            <a:endParaRPr lang="en-US" altLang="zh-CN" dirty="0"/>
-          </a:p>
-          <a:p>
-            <a:pPr marL="285750" indent="-285750">
-              <a:buFont typeface="Arial" panose="020B0604020202020204" pitchFamily="34" charset="0"/>
-              <a:buChar char="•"/>
-            </a:pPr>
-            <a:endParaRPr lang="en-US" altLang="zh-CN" dirty="0"/>
-          </a:p>
-          <a:p>
-            <a:endParaRPr lang="en-US" altLang="zh-CN" dirty="0"/>
-          </a:p>
-        </p:txBody>
-      </p:sp>
-      <p:sp>
-        <p:nvSpPr>
-          <p:cNvPr id="3" name="标题 2"/>
-          <p:cNvSpPr>
-            <a:spLocks noGrp="1"/>
-          </p:cNvSpPr>
-          <p:nvPr>
-            <p:ph type="title"/>
-          </p:nvPr>
-        </p:nvSpPr>
-        <p:spPr/>
-        <p:txBody>
-          <a:bodyPr/>
-          <a:lstStyle/>
-          <a:p>
-            <a:r>
-              <a:rPr lang="zh-CN" altLang="en-US" dirty="0">
-                <a:sym typeface="+mn-ea"/>
-              </a:rPr>
-              <a:t>任务：</a:t>
-            </a:r>
-            <a:r>
-              <a:rPr lang="zh-CN" altLang="en-US" dirty="0"/>
-              <a:t>整合</a:t>
-            </a:r>
-            <a:r>
-              <a:rPr lang="zh-CN" altLang="en-US" dirty="0">
-                <a:sym typeface="+mn-ea"/>
-              </a:rPr>
-              <a:t>全连接层的梯度检查</a:t>
-            </a:r>
-            <a:endParaRPr dirty="0">
-              <a:sym typeface="+mn-ea"/>
-            </a:endParaRPr>
-          </a:p>
-        </p:txBody>
-      </p:sp>
-      <p:sp>
-        <p:nvSpPr>
-          <p:cNvPr id="6" name="文本占位符 1">
-            <a:extLst>
-              <a:ext uri="{FF2B5EF4-FFF2-40B4-BE49-F238E27FC236}">
-                <a16:creationId xmlns:a16="http://schemas.microsoft.com/office/drawing/2014/main" id="{BA88068A-4FDC-6963-46A5-ADEC46CDA15E}"/>
-              </a:ext>
-            </a:extLst>
-          </p:cNvPr>
-          <p:cNvSpPr txBox="1">
-            <a:spLocks/>
-          </p:cNvSpPr>
-          <p:nvPr/>
-        </p:nvSpPr>
-        <p:spPr>
-          <a:xfrm>
-            <a:off x="822325" y="1778635"/>
-            <a:ext cx="10852150" cy="4553585"/>
-          </a:xfrm>
-        </p:spPr>
-        <p:txBody>
-          <a:bodyPr lIns="101600" tIns="38100" rIns="76200" bIns="38100">
-            <a:noAutofit/>
-          </a:bodyPr>
-          <a:lstStyle>
-            <a:lvl1pPr marL="0" indent="0" algn="l" defTabSz="914400" rtl="0" eaLnBrk="1" fontAlgn="auto" latinLnBrk="0" hangingPunct="1">
-              <a:lnSpc>
-                <a:spcPct val="130000"/>
-              </a:lnSpc>
-              <a:spcBef>
-                <a:spcPts val="0"/>
-              </a:spcBef>
-              <a:spcAft>
-                <a:spcPts val="1000"/>
-              </a:spcAft>
-              <a:buFont typeface="Arial" panose="020B0604020202020204" pitchFamily="34" charset="0"/>
-              <a:buNone/>
-              <a:defRPr kumimoji="0" lang="zh-CN" altLang="en-US" sz="1600" b="0" i="0" u="none" strike="noStrike" kern="1200" cap="none" spc="150" normalizeH="0" baseline="0" noProof="1">
-                <a:solidFill>
-                  <a:schemeClr val="tx1"/>
-                </a:solidFill>
-                <a:uFillTx/>
-                <a:latin typeface="+mn-lt"/>
-                <a:ea typeface="+mn-ea"/>
-                <a:cs typeface="+mn-cs"/>
-                <a:sym typeface="+mn-ea"/>
-              </a:defRPr>
-            </a:lvl1pPr>
-            <a:lvl2pPr marL="457200" indent="0" algn="l" defTabSz="914400" rtl="0" eaLnBrk="1" fontAlgn="auto" latinLnBrk="0" hangingPunct="1">
-              <a:lnSpc>
-                <a:spcPct val="130000"/>
-              </a:lnSpc>
-              <a:spcBef>
-                <a:spcPts val="0"/>
-              </a:spcBef>
-              <a:spcAft>
-                <a:spcPts val="1000"/>
-              </a:spcAft>
-              <a:buFont typeface="Arial" panose="020B0604020202020204" pitchFamily="34" charset="0"/>
-              <a:buNone/>
-              <a:tabLst>
-                <a:tab pos="1609725" algn="l"/>
-              </a:tabLst>
-              <a:defRPr sz="2000" u="none" strike="noStrike" kern="1200" cap="none" spc="150" normalizeH="0" baseline="0">
-                <a:solidFill>
-                  <a:schemeClr val="tx1">
-                    <a:tint val="75000"/>
-                  </a:schemeClr>
-                </a:solidFill>
-                <a:uFillTx/>
-                <a:latin typeface="+mn-lt"/>
-                <a:ea typeface="+mn-ea"/>
-                <a:cs typeface="+mn-cs"/>
-              </a:defRPr>
-            </a:lvl2pPr>
-            <a:lvl3pPr marL="914400" indent="0" algn="l" defTabSz="914400" rtl="0" eaLnBrk="1" fontAlgn="auto" latinLnBrk="0" hangingPunct="1">
-              <a:lnSpc>
-                <a:spcPct val="130000"/>
-              </a:lnSpc>
-              <a:spcBef>
-                <a:spcPts val="0"/>
-              </a:spcBef>
-              <a:spcAft>
-                <a:spcPts val="1000"/>
-              </a:spcAft>
-              <a:buFont typeface="Arial" panose="020B0604020202020204" pitchFamily="34" charset="0"/>
-              <a:buNone/>
-              <a:defRPr sz="1800" u="none" strike="noStrike" kern="1200" cap="none" spc="150" normalizeH="0" baseline="0">
-                <a:solidFill>
-                  <a:schemeClr val="tx1">
-                    <a:tint val="75000"/>
-                  </a:schemeClr>
-                </a:solidFill>
-                <a:uFillTx/>
-                <a:latin typeface="+mn-lt"/>
-                <a:ea typeface="+mn-ea"/>
-                <a:cs typeface="+mn-cs"/>
-              </a:defRPr>
-            </a:lvl3pPr>
-            <a:lvl4pPr marL="1371600" indent="0" algn="l" defTabSz="914400" rtl="0" eaLnBrk="1" fontAlgn="auto" latinLnBrk="0" hangingPunct="1">
-              <a:lnSpc>
-                <a:spcPct val="130000"/>
-              </a:lnSpc>
-              <a:spcBef>
-                <a:spcPts val="0"/>
-              </a:spcBef>
-              <a:spcAft>
-                <a:spcPts val="1000"/>
-              </a:spcAft>
-              <a:buFont typeface="Arial" panose="020B0604020202020204" pitchFamily="34" charset="0"/>
-              <a:buNone/>
-              <a:defRPr sz="1600" u="none" strike="noStrike" kern="1200" cap="none" spc="150" normalizeH="0" baseline="0">
-                <a:solidFill>
-                  <a:schemeClr val="tx1">
-                    <a:tint val="75000"/>
-                  </a:schemeClr>
-                </a:solidFill>
-                <a:uFillTx/>
-                <a:latin typeface="+mn-lt"/>
-                <a:ea typeface="+mn-ea"/>
-                <a:cs typeface="+mn-cs"/>
-              </a:defRPr>
-            </a:lvl4pPr>
-            <a:lvl5pPr marL="1828800" indent="0" algn="l" defTabSz="914400" rtl="0" eaLnBrk="1" fontAlgn="auto" latinLnBrk="0" hangingPunct="1">
-              <a:lnSpc>
-                <a:spcPct val="130000"/>
-              </a:lnSpc>
-              <a:spcBef>
-                <a:spcPts val="0"/>
-              </a:spcBef>
-              <a:spcAft>
-                <a:spcPts val="1000"/>
-              </a:spcAft>
-              <a:buFont typeface="Arial" panose="020B0604020202020204" pitchFamily="34" charset="0"/>
-              <a:buNone/>
-              <a:defRPr sz="1600" u="none" strike="noStrike" kern="1200" cap="none" spc="150" normalizeH="0" baseline="0">
-                <a:solidFill>
-                  <a:schemeClr val="tx1">
-                    <a:tint val="75000"/>
-                  </a:schemeClr>
-                </a:solidFill>
-                <a:uFillTx/>
-                <a:latin typeface="+mn-lt"/>
-                <a:ea typeface="+mn-ea"/>
-                <a:cs typeface="+mn-cs"/>
-              </a:defRPr>
-            </a:lvl5pPr>
-            <a:lvl6pPr marL="2286000" indent="0" algn="l" defTabSz="914400" rtl="0" eaLnBrk="1" latinLnBrk="0" hangingPunct="1">
-              <a:lnSpc>
-                <a:spcPct val="90000"/>
-              </a:lnSpc>
-              <a:spcBef>
-                <a:spcPts val="500"/>
-              </a:spcBef>
-              <a:buFont typeface="Arial" panose="020B0604020202020204" pitchFamily="34" charset="0"/>
-              <a:buNone/>
-              <a:defRPr sz="1600" kern="1200">
-                <a:solidFill>
-                  <a:schemeClr val="tx1">
-                    <a:tint val="75000"/>
-                  </a:schemeClr>
-                </a:solidFill>
-                <a:latin typeface="+mn-lt"/>
-                <a:ea typeface="+mn-ea"/>
-                <a:cs typeface="+mn-cs"/>
-              </a:defRPr>
-            </a:lvl6pPr>
-            <a:lvl7pPr marL="2743200" indent="0" algn="l" defTabSz="914400" rtl="0" eaLnBrk="1" latinLnBrk="0" hangingPunct="1">
-              <a:lnSpc>
-                <a:spcPct val="90000"/>
-              </a:lnSpc>
-              <a:spcBef>
-                <a:spcPts val="500"/>
-              </a:spcBef>
-              <a:buFont typeface="Arial" panose="020B0604020202020204" pitchFamily="34" charset="0"/>
-              <a:buNone/>
-              <a:defRPr sz="1600" kern="1200">
-                <a:solidFill>
-                  <a:schemeClr val="tx1">
-                    <a:tint val="75000"/>
-                  </a:schemeClr>
-                </a:solidFill>
-                <a:latin typeface="+mn-lt"/>
-                <a:ea typeface="+mn-ea"/>
-                <a:cs typeface="+mn-cs"/>
-              </a:defRPr>
-            </a:lvl7pPr>
-            <a:lvl8pPr marL="3200400" indent="0" algn="l" defTabSz="914400" rtl="0" eaLnBrk="1" latinLnBrk="0" hangingPunct="1">
-              <a:lnSpc>
-                <a:spcPct val="90000"/>
-              </a:lnSpc>
-              <a:spcBef>
-                <a:spcPts val="500"/>
-              </a:spcBef>
-              <a:buFont typeface="Arial" panose="020B0604020202020204" pitchFamily="34" charset="0"/>
-              <a:buNone/>
-              <a:defRPr sz="1600" kern="1200">
-                <a:solidFill>
-                  <a:schemeClr val="tx1">
-                    <a:tint val="75000"/>
-                  </a:schemeClr>
-                </a:solidFill>
-                <a:latin typeface="+mn-lt"/>
-                <a:ea typeface="+mn-ea"/>
-                <a:cs typeface="+mn-cs"/>
-              </a:defRPr>
-            </a:lvl8pPr>
-            <a:lvl9pPr marL="3657600" indent="0" algn="l" defTabSz="914400" rtl="0" eaLnBrk="1" latinLnBrk="0" hangingPunct="1">
-              <a:lnSpc>
-                <a:spcPct val="90000"/>
-              </a:lnSpc>
-              <a:spcBef>
-                <a:spcPts val="500"/>
-              </a:spcBef>
-              <a:buFont typeface="Arial" panose="020B0604020202020204" pitchFamily="34" charset="0"/>
-              <a:buNone/>
-              <a:defRPr sz="1600" kern="1200">
-                <a:solidFill>
-                  <a:schemeClr val="tx1">
-                    <a:tint val="75000"/>
-                  </a:schemeClr>
-                </a:solidFill>
-                <a:latin typeface="+mn-lt"/>
-                <a:ea typeface="+mn-ea"/>
-                <a:cs typeface="+mn-cs"/>
-              </a:defRPr>
-            </a:lvl9pPr>
-          </a:lstStyle>
-          <a:p>
-            <a:pPr marL="285750" indent="-285750">
-              <a:buFont typeface="Arial" panose="020B0604020202020204" pitchFamily="34" charset="0"/>
-              <a:buChar char="•"/>
-            </a:pPr>
-            <a:r>
-              <a:rPr lang="zh-CN" altLang="en-US" dirty="0"/>
-              <a:t>请重构代码，消除重复代码</a:t>
-            </a:r>
-            <a:endParaRPr lang="en-US" altLang="zh-CN" dirty="0"/>
-          </a:p>
-          <a:p>
-            <a:pPr marL="285750" indent="-285750">
-              <a:buFont typeface="Arial" panose="020B0604020202020204" pitchFamily="34" charset="0"/>
-              <a:buChar char="•"/>
-            </a:pPr>
-            <a:r>
-              <a:rPr lang="zh-CN" altLang="en-US" dirty="0"/>
-              <a:t>请每个同学都运行代码，看下是否通过了检查</a:t>
-            </a:r>
-            <a:endParaRPr lang="en-US" altLang="zh-CN" dirty="0"/>
-          </a:p>
-          <a:p>
-            <a:endParaRPr lang="en-US" altLang="zh-CN" dirty="0"/>
-          </a:p>
-          <a:p>
-            <a:pPr marL="285750" indent="-285750">
-              <a:buFont typeface="Arial" panose="020B0604020202020204" pitchFamily="34" charset="0"/>
-              <a:buChar char="•"/>
-            </a:pPr>
-            <a:r>
-              <a:rPr lang="zh-CN" altLang="en-US" dirty="0"/>
-              <a:t>自学、展学</a:t>
-            </a:r>
-          </a:p>
-          <a:p>
-            <a:pPr marL="285750" indent="-285750">
-              <a:buFont typeface="Arial" panose="020B0604020202020204" pitchFamily="34" charset="0"/>
-              <a:buChar char="•"/>
-            </a:pPr>
-            <a:endParaRPr lang="zh-CN" altLang="en-US" dirty="0"/>
-          </a:p>
-          <a:p>
-            <a:pPr marL="285750" indent="-285750">
-              <a:buFont typeface="Arial" panose="020B0604020202020204" pitchFamily="34" charset="0"/>
-              <a:buChar char="•"/>
-            </a:pPr>
-            <a:endParaRPr lang="en-US" altLang="zh-CN" dirty="0"/>
-          </a:p>
-          <a:p>
-            <a:pPr marL="285750" indent="-285750">
-              <a:buFont typeface="Arial" panose="020B0604020202020204" pitchFamily="34" charset="0"/>
-              <a:buChar char="•"/>
-            </a:pPr>
-            <a:endParaRPr lang="zh-CN" altLang="en-US" dirty="0"/>
-          </a:p>
-          <a:p>
-            <a:pPr marL="285750" indent="-285750">
-              <a:buFont typeface="Arial" panose="020B0604020202020204" pitchFamily="34" charset="0"/>
-              <a:buChar char="•"/>
-            </a:pPr>
-            <a:endParaRPr lang="zh-CN" altLang="en-US" dirty="0"/>
-          </a:p>
-          <a:p>
-            <a:pPr marL="285750" indent="-285750">
-              <a:buFont typeface="Arial" panose="020B0604020202020204" pitchFamily="34" charset="0"/>
-              <a:buChar char="•"/>
-            </a:pPr>
-            <a:endParaRPr lang="zh-CN" altLang="en-US" dirty="0"/>
-          </a:p>
-          <a:p>
-            <a:pPr marL="285750" indent="-285750">
-              <a:buFont typeface="Arial" panose="020B0604020202020204" pitchFamily="34" charset="0"/>
-              <a:buChar char="•"/>
-            </a:pPr>
-            <a:endParaRPr lang="zh-CN" altLang="en-US" dirty="0"/>
-          </a:p>
-          <a:p>
-            <a:pPr marL="285750" indent="-285750">
-              <a:buFont typeface="Arial" panose="020B0604020202020204" pitchFamily="34" charset="0"/>
-              <a:buChar char="•"/>
-            </a:pPr>
-            <a:endParaRPr lang="zh-CN" altLang="en-US" dirty="0"/>
-          </a:p>
-          <a:p>
-            <a:pPr marL="285750" indent="-285750">
-              <a:buFont typeface="Arial" panose="020B0604020202020204" pitchFamily="34" charset="0"/>
-              <a:buChar char="•"/>
-            </a:pPr>
-            <a:endParaRPr lang="zh-CN" altLang="en-US" dirty="0"/>
-          </a:p>
-          <a:p>
-            <a:pPr marL="285750" indent="-285750">
-              <a:buFont typeface="Arial" panose="020B0604020202020204" pitchFamily="34" charset="0"/>
-              <a:buChar char="•"/>
-            </a:pPr>
-            <a:endParaRPr lang="zh-CN" altLang="en-US" dirty="0"/>
-          </a:p>
-        </p:txBody>
-      </p:sp>
-    </p:spTree>
-    <p:custDataLst>
-      <p:tags r:id="rId1"/>
-    </p:custDataLst>
-    <p:extLst>
-      <p:ext uri="{BB962C8B-B14F-4D97-AF65-F5344CB8AC3E}">
-        <p14:creationId xmlns:p14="http://schemas.microsoft.com/office/powerpoint/2010/main" val="551937608"/>
-      </p:ext>
-    </p:extLst>
-  </p:cSld>
-  <p:clrMapOvr>
-    <a:masterClrMapping/>
-  </p:clrMapOvr>
-  <p:timing>
-    <p:tnLst>
-      <p:par>
-        <p:cTn id="1" dur="indefinite" restart="never" nodeType="tmRoot">
-          <p:childTnLst>
-            <p:seq concurrent="1" nextAc="seek">
-              <p:cTn id="2" dur="indefinite" nodeType="mainSeq">
-                <p:childTnLst>
-                  <p:par>
-                    <p:cTn id="3" fill="hold">
-                      <p:stCondLst>
-                        <p:cond delay="indefinite"/>
-                      </p:stCondLst>
-                      <p:childTnLst>
-                        <p:par>
-                          <p:cTn id="4" fill="hold">
-                            <p:stCondLst>
-                              <p:cond delay="0"/>
-                            </p:stCondLst>
-                            <p:childTnLst>
-                              <p:par>
-                                <p:cTn id="5" presetID="1" presetClass="entr" presetSubtype="0" fill="hold" nodeType="clickEffect">
-                                  <p:stCondLst>
-                                    <p:cond delay="0"/>
-                                  </p:stCondLst>
-                                  <p:childTnLst>
-                                    <p:set>
-                                      <p:cBhvr>
-                                        <p:cTn id="6" dur="1" fill="hold">
-                                          <p:stCondLst>
-                                            <p:cond delay="0"/>
-                                          </p:stCondLst>
-                                        </p:cTn>
-                                        <p:tgtEl>
-                                          <p:spTgt spid="6">
-                                            <p:txEl>
-                                              <p:pRg st="0" end="0"/>
-                                            </p:txEl>
-                                          </p:spTgt>
-                                        </p:tgtEl>
-                                        <p:attrNameLst>
-                                          <p:attrName>style.visibility</p:attrName>
-                                        </p:attrNameLst>
-                                      </p:cBhvr>
-                                      <p:to>
-                                        <p:strVal val="visible"/>
-                                      </p:to>
-                                    </p:set>
-                                  </p:childTnLst>
-                                </p:cTn>
-                              </p:par>
-                            </p:childTnLst>
-                          </p:cTn>
-                        </p:par>
-                      </p:childTnLst>
-                    </p:cTn>
-                  </p:par>
-                  <p:par>
-                    <p:cTn id="7" fill="hold">
-                      <p:stCondLst>
-                        <p:cond delay="indefinite"/>
-                      </p:stCondLst>
-                      <p:childTnLst>
-                        <p:par>
-                          <p:cTn id="8" fill="hold">
-                            <p:stCondLst>
-                              <p:cond delay="0"/>
-                            </p:stCondLst>
-                            <p:childTnLst>
-                              <p:par>
-                                <p:cTn id="9" presetID="1" presetClass="entr" presetSubtype="0" fill="hold" nodeType="clickEffect">
-                                  <p:stCondLst>
-                                    <p:cond delay="0"/>
-                                  </p:stCondLst>
-                                  <p:childTnLst>
-                                    <p:set>
-                                      <p:cBhvr>
-                                        <p:cTn id="10" dur="1" fill="hold">
-                                          <p:stCondLst>
-                                            <p:cond delay="0"/>
-                                          </p:stCondLst>
-                                        </p:cTn>
-                                        <p:tgtEl>
-                                          <p:spTgt spid="6">
-                                            <p:txEl>
-                                              <p:pRg st="1" end="1"/>
-                                            </p:txEl>
-                                          </p:spTgt>
-                                        </p:tgtEl>
-                                        <p:attrNameLst>
-                                          <p:attrName>style.visibility</p:attrName>
-                                        </p:attrNameLst>
-                                      </p:cBhvr>
-                                      <p:to>
-                                        <p:strVal val="visible"/>
-                                      </p:to>
-                                    </p:set>
-                                  </p:childTnLst>
-                                </p:cTn>
-                              </p:par>
-                            </p:childTnLst>
-                          </p:cTn>
-                        </p:par>
-                      </p:childTnLst>
-                    </p:cTn>
-                  </p:par>
-                </p:childTnLst>
-              </p:cTn>
-              <p:prevCondLst>
-                <p:cond evt="onPrev" delay="0">
-                  <p:tgtEl>
-                    <p:sldTgt/>
-                  </p:tgtEl>
-                </p:cond>
-              </p:prevCondLst>
-              <p:nextCondLst>
-                <p:cond evt="onNext" delay="0">
-                  <p:tgtEl>
-                    <p:sldTgt/>
-                  </p:tgtEl>
-                </p:cond>
-              </p:nextCondLst>
-            </p:seq>
-          </p:childTnLst>
-        </p:cTn>
-      </p:par>
-    </p:tnLst>
-  </p:timing>
-</p:sld>
-</file>
-
-<file path=ppt/slides/slide25.xml><?xml version="1.0" encoding="utf-8"?>
-<p:sld xmlns:a="http://schemas.openxmlformats.org/drawingml/2006/main" xmlns:r="http://schemas.openxmlformats.org/officeDocument/2006/relationships" xmlns:p="http://schemas.openxmlformats.org/presentationml/2006/main">
-  <p:cSld>
-    <p:spTree>
-      <p:nvGrpSpPr>
-        <p:cNvPr id="1" name=""/>
-        <p:cNvGrpSpPr/>
-        <p:nvPr/>
-      </p:nvGrpSpPr>
-      <p:grpSpPr>
-        <a:xfrm>
-          <a:off x="0" y="0"/>
-          <a:ext cx="0" cy="0"/>
-          <a:chOff x="0" y="0"/>
-          <a:chExt cx="0" cy="0"/>
-        </a:xfrm>
-      </p:grpSpPr>
-      <p:sp>
-        <p:nvSpPr>
           <p:cNvPr id="2" name="标题 1"/>
           <p:cNvSpPr>
             <a:spLocks noGrp="1"/>
@@ -15407,7 +14683,7 @@
 </p:sld>
 </file>
 
-<file path=ppt/slides/slide26.xml><?xml version="1.0" encoding="utf-8"?>
+<file path=ppt/slides/slide25.xml><?xml version="1.0" encoding="utf-8"?>
 <p:sld xmlns:a="http://schemas.openxmlformats.org/drawingml/2006/main" xmlns:r="http://schemas.openxmlformats.org/officeDocument/2006/relationships" xmlns:p="http://schemas.openxmlformats.org/presentationml/2006/main">
   <p:cSld>
     <p:spTree>
@@ -15717,7 +14993,7 @@
 </p:sld>
 </file>
 
-<file path=ppt/slides/slide27.xml><?xml version="1.0" encoding="utf-8"?>
+<file path=ppt/slides/slide26.xml><?xml version="1.0" encoding="utf-8"?>
 <p:sld xmlns:a="http://schemas.openxmlformats.org/drawingml/2006/main" xmlns:r="http://schemas.openxmlformats.org/officeDocument/2006/relationships" xmlns:p="http://schemas.openxmlformats.org/presentationml/2006/main">
   <p:cSld>
     <p:spTree>
@@ -15866,7 +15142,7 @@
 </p:sld>
 </file>
 
-<file path=ppt/slides/slide28.xml><?xml version="1.0" encoding="utf-8"?>
+<file path=ppt/slides/slide27.xml><?xml version="1.0" encoding="utf-8"?>
 <p:sld xmlns:a="http://schemas.openxmlformats.org/drawingml/2006/main" xmlns:r="http://schemas.openxmlformats.org/officeDocument/2006/relationships" xmlns:p="http://schemas.openxmlformats.org/presentationml/2006/main">
   <p:cSld>
     <p:spTree>
@@ -15952,6 +15228,34 @@
 </p:sld>
 </file>
 
+<file path=ppt/slides/slide28.xml><?xml version="1.0" encoding="utf-8"?>
+<p:sld xmlns:a="http://schemas.openxmlformats.org/drawingml/2006/main" xmlns:r="http://schemas.openxmlformats.org/officeDocument/2006/relationships" xmlns:p="http://schemas.openxmlformats.org/presentationml/2006/main">
+  <p:cSld>
+    <p:spTree>
+      <p:nvGrpSpPr>
+        <p:cNvPr id="1" name=""/>
+        <p:cNvGrpSpPr/>
+        <p:nvPr/>
+      </p:nvGrpSpPr>
+      <p:grpSpPr>
+        <a:xfrm>
+          <a:off x="0" y="0"/>
+          <a:ext cx="0" cy="0"/>
+          <a:chOff x="0" y="0"/>
+          <a:chExt cx="0" cy="0"/>
+        </a:xfrm>
+      </p:grpSpPr>
+    </p:spTree>
+    <p:custDataLst>
+      <p:tags r:id="rId1"/>
+    </p:custDataLst>
+  </p:cSld>
+  <p:clrMapOvr>
+    <a:masterClrMapping/>
+  </p:clrMapOvr>
+</p:sld>
+</file>
+
 <file path=ppt/slides/slide29.xml><?xml version="1.0" encoding="utf-8"?>
 <p:sld xmlns:a="http://schemas.openxmlformats.org/drawingml/2006/main" xmlns:r="http://schemas.openxmlformats.org/officeDocument/2006/relationships" xmlns:p="http://schemas.openxmlformats.org/presentationml/2006/main">
   <p:cSld>
@@ -15969,6 +15273,51 @@
           <a:chExt cx="0" cy="0"/>
         </a:xfrm>
       </p:grpSpPr>
+      <p:sp>
+        <p:nvSpPr>
+          <p:cNvPr id="2" name="文本占位符 1"/>
+          <p:cNvSpPr>
+            <a:spLocks noGrp="1"/>
+          </p:cNvSpPr>
+          <p:nvPr>
+            <p:ph type="body" idx="1"/>
+          </p:nvPr>
+        </p:nvSpPr>
+        <p:spPr/>
+        <p:txBody>
+          <a:bodyPr/>
+          <a:lstStyle/>
+          <a:p>
+            <a:pPr marL="285750" indent="-285750">
+              <a:buFont typeface="Arial" panose="020B0604020202020204" pitchFamily="34" charset="0"/>
+              <a:buChar char="•"/>
+            </a:pPr>
+            <a:endParaRPr lang="en-US" altLang="zh-CN" dirty="0"/>
+          </a:p>
+        </p:txBody>
+      </p:sp>
+      <p:sp>
+        <p:nvSpPr>
+          <p:cNvPr id="3" name="标题 2"/>
+          <p:cNvSpPr>
+            <a:spLocks noGrp="1"/>
+          </p:cNvSpPr>
+          <p:nvPr>
+            <p:ph type="title"/>
+          </p:nvPr>
+        </p:nvSpPr>
+        <p:spPr/>
+        <p:txBody>
+          <a:bodyPr/>
+          <a:lstStyle/>
+          <a:p>
+            <a:r>
+              <a:rPr lang="zh-CN" altLang="en-US" dirty="0"/>
+              <a:t>问答</a:t>
+            </a:r>
+          </a:p>
+        </p:txBody>
+      </p:sp>
     </p:spTree>
     <p:custDataLst>
       <p:tags r:id="rId1"/>
@@ -16735,79 +16084,6 @@
           <a:chExt cx="0" cy="0"/>
         </a:xfrm>
       </p:grpSpPr>
-      <p:sp>
-        <p:nvSpPr>
-          <p:cNvPr id="2" name="文本占位符 1"/>
-          <p:cNvSpPr>
-            <a:spLocks noGrp="1"/>
-          </p:cNvSpPr>
-          <p:nvPr>
-            <p:ph type="body" idx="1"/>
-          </p:nvPr>
-        </p:nvSpPr>
-        <p:spPr/>
-        <p:txBody>
-          <a:bodyPr/>
-          <a:lstStyle/>
-          <a:p>
-            <a:pPr marL="285750" indent="-285750">
-              <a:buFont typeface="Arial" panose="020B0604020202020204" pitchFamily="34" charset="0"/>
-              <a:buChar char="•"/>
-            </a:pPr>
-            <a:endParaRPr lang="en-US" altLang="zh-CN" dirty="0"/>
-          </a:p>
-        </p:txBody>
-      </p:sp>
-      <p:sp>
-        <p:nvSpPr>
-          <p:cNvPr id="3" name="标题 2"/>
-          <p:cNvSpPr>
-            <a:spLocks noGrp="1"/>
-          </p:cNvSpPr>
-          <p:nvPr>
-            <p:ph type="title"/>
-          </p:nvPr>
-        </p:nvSpPr>
-        <p:spPr/>
-        <p:txBody>
-          <a:bodyPr/>
-          <a:lstStyle/>
-          <a:p>
-            <a:r>
-              <a:rPr lang="zh-CN" altLang="en-US" dirty="0"/>
-              <a:t>问答</a:t>
-            </a:r>
-          </a:p>
-        </p:txBody>
-      </p:sp>
-    </p:spTree>
-    <p:custDataLst>
-      <p:tags r:id="rId1"/>
-    </p:custDataLst>
-  </p:cSld>
-  <p:clrMapOvr>
-    <a:masterClrMapping/>
-  </p:clrMapOvr>
-</p:sld>
-</file>
-
-<file path=ppt/slides/slide31.xml><?xml version="1.0" encoding="utf-8"?>
-<p:sld xmlns:a="http://schemas.openxmlformats.org/drawingml/2006/main" xmlns:r="http://schemas.openxmlformats.org/officeDocument/2006/relationships" xmlns:p="http://schemas.openxmlformats.org/presentationml/2006/main">
-  <p:cSld>
-    <p:spTree>
-      <p:nvGrpSpPr>
-        <p:cNvPr id="1" name=""/>
-        <p:cNvGrpSpPr/>
-        <p:nvPr/>
-      </p:nvGrpSpPr>
-      <p:grpSpPr>
-        <a:xfrm>
-          <a:off x="0" y="0"/>
-          <a:ext cx="0" cy="0"/>
-          <a:chOff x="0" y="0"/>
-          <a:chExt cx="0" cy="0"/>
-        </a:xfrm>
-      </p:grpSpPr>
     </p:spTree>
     <p:custDataLst>
       <p:tags r:id="rId1"/>
@@ -19406,15 +18682,6 @@
   <p:tag name="KSO_WM_UNIT_LAYERLEVEL" val="1"/>
   <p:tag name="KSO_WM_TAG_VERSION" val="1.0"/>
   <p:tag name="KSO_WM_BEAUTIFY_FLAG" val="#wm#"/>
-</p:tagLst>
-</file>
-
-<file path=ppt/tags/tag100.xml><?xml version="1.0" encoding="utf-8"?>
-<p:tagLst xmlns:a="http://schemas.openxmlformats.org/drawingml/2006/main" xmlns:r="http://schemas.openxmlformats.org/officeDocument/2006/relationships" xmlns:p="http://schemas.openxmlformats.org/presentationml/2006/main">
-  <p:tag name="KSO_WM_BEAUTIFY_FLAG" val="#wm#"/>
-  <p:tag name="KSO_WM_TEMPLATE_CATEGORY" val="custom"/>
-  <p:tag name="KSO_WM_TEMPLATE_INDEX" val="20187308"/>
-  <p:tag name="KSO_WM_SPECIAL_SOURCE" val="bdnull"/>
 </p:tagLst>
 </file>
 

--- a/lessons/4_gradient_check/ppt/全连接层的梯度检查.pptx
+++ b/lessons/4_gradient_check/ppt/全连接层的梯度检查.pptx
@@ -238,7 +238,7 @@
                 <a:latin typeface="微软雅黑" panose="020B0503020204020204" charset="-122"/>
                 <a:ea typeface="微软雅黑" panose="020B0503020204020204" charset="-122"/>
               </a:rPr>
-              <a:t>2022/11/10</a:t>
+              <a:t>2022/11/11</a:t>
             </a:fld>
             <a:endParaRPr lang="zh-CN" altLang="en-US">
               <a:latin typeface="微软雅黑" panose="020B0503020204020204" charset="-122"/>
@@ -421,7 +421,7 @@
           <a:p>
             <a:fld id="{1AC49D05-6128-4D0D-A32A-06A5E73B386C}" type="datetimeFigureOut">
               <a:rPr lang="zh-CN" altLang="en-US" smtClean="0"/>
-              <a:t>2022/11/10</a:t>
+              <a:t>2022/11/11</a:t>
             </a:fld>
             <a:endParaRPr lang="zh-CN" altLang="en-US"/>
           </a:p>
@@ -1083,7 +1083,7 @@
           <a:p>
             <a:fld id="{9EFD9D74-47D9-4702-A33C-335B63B48DBF}" type="datetimeFigureOut">
               <a:rPr lang="zh-CN" altLang="en-US" smtClean="0"/>
-              <a:t>2022/11/10</a:t>
+              <a:t>2022/11/11</a:t>
             </a:fld>
             <a:endParaRPr lang="zh-CN" altLang="en-US" dirty="0"/>
           </a:p>
@@ -1416,7 +1416,7 @@
           <a:p>
             <a:fld id="{760FBDFE-C587-4B4C-A407-44438C67B59E}" type="datetimeFigureOut">
               <a:rPr lang="zh-CN" altLang="en-US" smtClean="0"/>
-              <a:t>2022/11/10</a:t>
+              <a:t>2022/11/11</a:t>
             </a:fld>
             <a:endParaRPr lang="zh-CN" altLang="en-US"/>
           </a:p>
@@ -1589,7 +1589,7 @@
           <a:p>
             <a:fld id="{9EFD9D74-47D9-4702-A33C-335B63B48DBF}" type="datetimeFigureOut">
               <a:rPr lang="zh-CN" altLang="en-US" smtClean="0"/>
-              <a:t>2022/11/10</a:t>
+              <a:t>2022/11/11</a:t>
             </a:fld>
             <a:endParaRPr lang="zh-CN" altLang="en-US" dirty="0"/>
           </a:p>
@@ -2114,7 +2114,7 @@
           <a:p>
             <a:fld id="{760FBDFE-C587-4B4C-A407-44438C67B59E}" type="datetimeFigureOut">
               <a:rPr lang="zh-CN" altLang="en-US" smtClean="0"/>
-              <a:t>2022/11/10</a:t>
+              <a:t>2022/11/11</a:t>
             </a:fld>
             <a:endParaRPr lang="zh-CN" altLang="en-US"/>
           </a:p>
@@ -2862,7 +2862,7 @@
           <a:p>
             <a:fld id="{760FBDFE-C587-4B4C-A407-44438C67B59E}" type="datetimeFigureOut">
               <a:rPr lang="zh-CN" altLang="en-US" smtClean="0"/>
-              <a:t>2022/11/10</a:t>
+              <a:t>2022/11/11</a:t>
             </a:fld>
             <a:endParaRPr lang="zh-CN" altLang="en-US"/>
           </a:p>
@@ -3028,7 +3028,7 @@
           <a:p>
             <a:fld id="{760FBDFE-C587-4B4C-A407-44438C67B59E}" type="datetimeFigureOut">
               <a:rPr lang="zh-CN" altLang="en-US" smtClean="0"/>
-              <a:t>2022/11/10</a:t>
+              <a:t>2022/11/11</a:t>
             </a:fld>
             <a:endParaRPr lang="zh-CN" altLang="en-US"/>
           </a:p>
@@ -3142,7 +3142,7 @@
           <a:p>
             <a:fld id="{760FBDFE-C587-4B4C-A407-44438C67B59E}" type="datetimeFigureOut">
               <a:rPr lang="zh-CN" altLang="en-US" smtClean="0"/>
-              <a:t>2022/11/10</a:t>
+              <a:t>2022/11/11</a:t>
             </a:fld>
             <a:endParaRPr lang="zh-CN" altLang="en-US"/>
           </a:p>
@@ -3472,7 +3472,7 @@
           <a:p>
             <a:fld id="{9EFD9D74-47D9-4702-A33C-335B63B48DBF}" type="datetimeFigureOut">
               <a:rPr lang="zh-CN" altLang="en-US" smtClean="0"/>
-              <a:t>2022/11/10</a:t>
+              <a:t>2022/11/11</a:t>
             </a:fld>
             <a:endParaRPr lang="zh-CN" altLang="en-US" dirty="0"/>
           </a:p>
@@ -3985,7 +3985,7 @@
           <a:p>
             <a:fld id="{760FBDFE-C587-4B4C-A407-44438C67B59E}" type="datetimeFigureOut">
               <a:rPr lang="zh-CN" altLang="en-US" smtClean="0"/>
-              <a:t>2022/11/10</a:t>
+              <a:t>2022/11/11</a:t>
             </a:fld>
             <a:endParaRPr lang="zh-CN" altLang="en-US"/>
           </a:p>
@@ -4099,7 +4099,7 @@
           <a:p>
             <a:fld id="{760FBDFE-C587-4B4C-A407-44438C67B59E}" type="datetimeFigureOut">
               <a:rPr lang="zh-CN" altLang="en-US" smtClean="0"/>
-              <a:t>2022/11/10</a:t>
+              <a:t>2022/11/11</a:t>
             </a:fld>
             <a:endParaRPr lang="zh-CN" altLang="en-US"/>
           </a:p>
@@ -4387,7 +4387,7 @@
           <a:p>
             <a:fld id="{82F288E0-7875-42C4-84C8-98DBBD3BF4D2}" type="datetimeFigureOut">
               <a:rPr lang="zh-CN" altLang="en-US" smtClean="0"/>
-              <a:t>2022/11/10</a:t>
+              <a:t>2022/11/11</a:t>
             </a:fld>
             <a:endParaRPr lang="zh-CN" altLang="en-US"/>
           </a:p>
@@ -4846,7 +4846,7 @@
           <a:p>
             <a:fld id="{760FBDFE-C587-4B4C-A407-44438C67B59E}" type="datetimeFigureOut">
               <a:rPr lang="zh-CN" altLang="en-US" smtClean="0"/>
-              <a:t>2022/11/10</a:t>
+              <a:t>2022/11/11</a:t>
             </a:fld>
             <a:endParaRPr lang="zh-CN" altLang="en-US"/>
           </a:p>
@@ -5515,7 +5515,7 @@
           <a:p>
             <a:fld id="{9EFD9D74-47D9-4702-A33C-335B63B48DBF}" type="datetimeFigureOut">
               <a:rPr lang="zh-CN" altLang="en-US" smtClean="0"/>
-              <a:t>2022/11/10</a:t>
+              <a:t>2022/11/11</a:t>
             </a:fld>
             <a:endParaRPr lang="zh-CN" altLang="en-US" dirty="0"/>
           </a:p>
@@ -5663,7 +5663,7 @@
           <a:p>
             <a:fld id="{9EFD9D74-47D9-4702-A33C-335B63B48DBF}" type="datetimeFigureOut">
               <a:rPr lang="zh-CN" altLang="en-US" smtClean="0"/>
-              <a:t>2022/11/10</a:t>
+              <a:t>2022/11/11</a:t>
             </a:fld>
             <a:endParaRPr lang="zh-CN" altLang="en-US" dirty="0"/>
           </a:p>
@@ -7767,7 +7767,15 @@
             </a:pPr>
             <a:r>
               <a:rPr lang="zh-CN" altLang="en-US" dirty="0"/>
-              <a:t>请用刚刚写的代码计算同样的函数，查看误差是否变小了？</a:t>
+              <a:t>请用刚刚写的代码计算同样的函数在</a:t>
+            </a:r>
+            <a:r>
+              <a:rPr lang="en-US" altLang="zh-CN" dirty="0"/>
+              <a:t>x=2</a:t>
+            </a:r>
+            <a:r>
+              <a:rPr lang="zh-CN" altLang="en-US" dirty="0"/>
+              <a:t>的导数，查看误差是否变小了？</a:t>
             </a:r>
             <a:endParaRPr lang="en-US" altLang="zh-CN" dirty="0"/>
           </a:p>
@@ -18096,7 +18104,15 @@
             </a:pPr>
             <a:r>
               <a:rPr lang="zh-CN" altLang="en-US" dirty="0"/>
-              <a:t>请用刚刚写的代码计算下面的函数，查看是否有误差？</a:t>
+              <a:t>请用刚刚写的代码计算下面的函数在</a:t>
+            </a:r>
+            <a:r>
+              <a:rPr lang="en-US" altLang="zh-CN" dirty="0"/>
+              <a:t>x=2</a:t>
+            </a:r>
+            <a:r>
+              <a:rPr lang="zh-CN" altLang="en-US" dirty="0"/>
+              <a:t>的导数，查看是否有误差？</a:t>
             </a:r>
             <a:endParaRPr lang="en-US" altLang="zh-CN" dirty="0"/>
           </a:p>
@@ -18251,7 +18267,7 @@
         </p:blipFill>
         <p:spPr>
           <a:xfrm>
-            <a:off x="7698991" y="1778635"/>
+            <a:off x="8522956" y="1778635"/>
             <a:ext cx="1778000" cy="508000"/>
           </a:xfrm>
           <a:prstGeom prst="rect">

--- a/lessons/4_gradient_check/ppt/全连接层的梯度检查.pptx
+++ b/lessons/4_gradient_check/ppt/全连接层的梯度检查.pptx
@@ -238,7 +238,7 @@
                 <a:latin typeface="微软雅黑" panose="020B0503020204020204" charset="-122"/>
                 <a:ea typeface="微软雅黑" panose="020B0503020204020204" charset="-122"/>
               </a:rPr>
-              <a:t>2022/11/11</a:t>
+              <a:t>2023/1/30</a:t>
             </a:fld>
             <a:endParaRPr lang="zh-CN" altLang="en-US">
               <a:latin typeface="微软雅黑" panose="020B0503020204020204" charset="-122"/>
@@ -421,7 +421,7 @@
           <a:p>
             <a:fld id="{1AC49D05-6128-4D0D-A32A-06A5E73B386C}" type="datetimeFigureOut">
               <a:rPr lang="zh-CN" altLang="en-US" smtClean="0"/>
-              <a:t>2022/11/11</a:t>
+              <a:t>2023/1/30</a:t>
             </a:fld>
             <a:endParaRPr lang="zh-CN" altLang="en-US"/>
           </a:p>
@@ -1083,7 +1083,7 @@
           <a:p>
             <a:fld id="{9EFD9D74-47D9-4702-A33C-335B63B48DBF}" type="datetimeFigureOut">
               <a:rPr lang="zh-CN" altLang="en-US" smtClean="0"/>
-              <a:t>2022/11/11</a:t>
+              <a:t>2023/1/30</a:t>
             </a:fld>
             <a:endParaRPr lang="zh-CN" altLang="en-US" dirty="0"/>
           </a:p>
@@ -1416,7 +1416,7 @@
           <a:p>
             <a:fld id="{760FBDFE-C587-4B4C-A407-44438C67B59E}" type="datetimeFigureOut">
               <a:rPr lang="zh-CN" altLang="en-US" smtClean="0"/>
-              <a:t>2022/11/11</a:t>
+              <a:t>2023/1/30</a:t>
             </a:fld>
             <a:endParaRPr lang="zh-CN" altLang="en-US"/>
           </a:p>
@@ -1589,7 +1589,7 @@
           <a:p>
             <a:fld id="{9EFD9D74-47D9-4702-A33C-335B63B48DBF}" type="datetimeFigureOut">
               <a:rPr lang="zh-CN" altLang="en-US" smtClean="0"/>
-              <a:t>2022/11/11</a:t>
+              <a:t>2023/1/30</a:t>
             </a:fld>
             <a:endParaRPr lang="zh-CN" altLang="en-US" dirty="0"/>
           </a:p>
@@ -2114,7 +2114,7 @@
           <a:p>
             <a:fld id="{760FBDFE-C587-4B4C-A407-44438C67B59E}" type="datetimeFigureOut">
               <a:rPr lang="zh-CN" altLang="en-US" smtClean="0"/>
-              <a:t>2022/11/11</a:t>
+              <a:t>2023/1/30</a:t>
             </a:fld>
             <a:endParaRPr lang="zh-CN" altLang="en-US"/>
           </a:p>
@@ -2862,7 +2862,7 @@
           <a:p>
             <a:fld id="{760FBDFE-C587-4B4C-A407-44438C67B59E}" type="datetimeFigureOut">
               <a:rPr lang="zh-CN" altLang="en-US" smtClean="0"/>
-              <a:t>2022/11/11</a:t>
+              <a:t>2023/1/30</a:t>
             </a:fld>
             <a:endParaRPr lang="zh-CN" altLang="en-US"/>
           </a:p>
@@ -3028,7 +3028,7 @@
           <a:p>
             <a:fld id="{760FBDFE-C587-4B4C-A407-44438C67B59E}" type="datetimeFigureOut">
               <a:rPr lang="zh-CN" altLang="en-US" smtClean="0"/>
-              <a:t>2022/11/11</a:t>
+              <a:t>2023/1/30</a:t>
             </a:fld>
             <a:endParaRPr lang="zh-CN" altLang="en-US"/>
           </a:p>
@@ -3142,7 +3142,7 @@
           <a:p>
             <a:fld id="{760FBDFE-C587-4B4C-A407-44438C67B59E}" type="datetimeFigureOut">
               <a:rPr lang="zh-CN" altLang="en-US" smtClean="0"/>
-              <a:t>2022/11/11</a:t>
+              <a:t>2023/1/30</a:t>
             </a:fld>
             <a:endParaRPr lang="zh-CN" altLang="en-US"/>
           </a:p>
@@ -3472,7 +3472,7 @@
           <a:p>
             <a:fld id="{9EFD9D74-47D9-4702-A33C-335B63B48DBF}" type="datetimeFigureOut">
               <a:rPr lang="zh-CN" altLang="en-US" smtClean="0"/>
-              <a:t>2022/11/11</a:t>
+              <a:t>2023/1/30</a:t>
             </a:fld>
             <a:endParaRPr lang="zh-CN" altLang="en-US" dirty="0"/>
           </a:p>
@@ -3985,7 +3985,7 @@
           <a:p>
             <a:fld id="{760FBDFE-C587-4B4C-A407-44438C67B59E}" type="datetimeFigureOut">
               <a:rPr lang="zh-CN" altLang="en-US" smtClean="0"/>
-              <a:t>2022/11/11</a:t>
+              <a:t>2023/1/30</a:t>
             </a:fld>
             <a:endParaRPr lang="zh-CN" altLang="en-US"/>
           </a:p>
@@ -4099,7 +4099,7 @@
           <a:p>
             <a:fld id="{760FBDFE-C587-4B4C-A407-44438C67B59E}" type="datetimeFigureOut">
               <a:rPr lang="zh-CN" altLang="en-US" smtClean="0"/>
-              <a:t>2022/11/11</a:t>
+              <a:t>2023/1/30</a:t>
             </a:fld>
             <a:endParaRPr lang="zh-CN" altLang="en-US"/>
           </a:p>
@@ -4387,7 +4387,7 @@
           <a:p>
             <a:fld id="{82F288E0-7875-42C4-84C8-98DBBD3BF4D2}" type="datetimeFigureOut">
               <a:rPr lang="zh-CN" altLang="en-US" smtClean="0"/>
-              <a:t>2022/11/11</a:t>
+              <a:t>2023/1/30</a:t>
             </a:fld>
             <a:endParaRPr lang="zh-CN" altLang="en-US"/>
           </a:p>
@@ -4846,7 +4846,7 @@
           <a:p>
             <a:fld id="{760FBDFE-C587-4B4C-A407-44438C67B59E}" type="datetimeFigureOut">
               <a:rPr lang="zh-CN" altLang="en-US" smtClean="0"/>
-              <a:t>2022/11/11</a:t>
+              <a:t>2023/1/30</a:t>
             </a:fld>
             <a:endParaRPr lang="zh-CN" altLang="en-US"/>
           </a:p>
@@ -5515,7 +5515,7 @@
           <a:p>
             <a:fld id="{9EFD9D74-47D9-4702-A33C-335B63B48DBF}" type="datetimeFigureOut">
               <a:rPr lang="zh-CN" altLang="en-US" smtClean="0"/>
-              <a:t>2022/11/11</a:t>
+              <a:t>2023/1/30</a:t>
             </a:fld>
             <a:endParaRPr lang="zh-CN" altLang="en-US" dirty="0"/>
           </a:p>
@@ -5663,7 +5663,7 @@
           <a:p>
             <a:fld id="{9EFD9D74-47D9-4702-A33C-335B63B48DBF}" type="datetimeFigureOut">
               <a:rPr lang="zh-CN" altLang="en-US" smtClean="0"/>
-              <a:t>2022/11/11</a:t>
+              <a:t>2023/1/30</a:t>
             </a:fld>
             <a:endParaRPr lang="zh-CN" altLang="en-US" dirty="0"/>
           </a:p>
@@ -12462,16 +12462,28 @@
             <a:endParaRPr lang="en-US" altLang="zh-CN" dirty="0"/>
           </a:p>
           <a:p>
-            <a:pPr marL="742950" lvl="1" indent="-285750">
+            <a:pPr marL="285750" indent="-285750">
               <a:buFont typeface="Arial" panose="020B0604020202020204" pitchFamily="34" charset="0"/>
               <a:buChar char="•"/>
             </a:pPr>
             <a:r>
               <a:rPr lang="zh-CN" altLang="en-US" dirty="0"/>
-              <a:t>隐藏层的激活函数也必须是</a:t>
-            </a:r>
-            <a:r>
-              <a:rPr lang="en-US" altLang="zh-CN" dirty="0"/>
+              <a:t>现在输出层的激活函数使用</a:t>
+            </a:r>
+            <a:r>
+              <a:rPr lang="en" altLang="zh-CN" dirty="0"/>
+              <a:t>linear</a:t>
+            </a:r>
+            <a:r>
+              <a:rPr lang="zh-CN" altLang="en" dirty="0"/>
+              <a:t>，</a:t>
+            </a:r>
+            <a:r>
+              <a:rPr lang="zh-CN" altLang="en-US" dirty="0"/>
+              <a:t>那么隐藏层的激活函数也必须是</a:t>
+            </a:r>
+            <a:r>
+              <a:rPr lang="en" altLang="zh-CN" dirty="0"/>
               <a:t>linear</a:t>
             </a:r>
             <a:r>
